--- a/PredictiveMaintenance/Predictive maintenance.pptx
+++ b/PredictiveMaintenance/Predictive maintenance.pptx
@@ -5,17 +5,28 @@
     <p:sldMasterId id="2147483648" r:id="rId1"/>
   </p:sldMasterIdLst>
   <p:sldIdLst>
-    <p:sldId id="257" r:id="rId2"/>
-    <p:sldId id="266" r:id="rId3"/>
-    <p:sldId id="258" r:id="rId4"/>
-    <p:sldId id="259" r:id="rId5"/>
-    <p:sldId id="260" r:id="rId6"/>
-    <p:sldId id="261" r:id="rId7"/>
-    <p:sldId id="262" r:id="rId8"/>
-    <p:sldId id="267" r:id="rId9"/>
-    <p:sldId id="263" r:id="rId10"/>
-    <p:sldId id="264" r:id="rId11"/>
-    <p:sldId id="265" r:id="rId12"/>
+    <p:sldId id="270" r:id="rId2"/>
+    <p:sldId id="269" r:id="rId3"/>
+    <p:sldId id="271" r:id="rId4"/>
+    <p:sldId id="257" r:id="rId5"/>
+    <p:sldId id="266" r:id="rId6"/>
+    <p:sldId id="259" r:id="rId7"/>
+    <p:sldId id="268" r:id="rId8"/>
+    <p:sldId id="274" r:id="rId9"/>
+    <p:sldId id="273" r:id="rId10"/>
+    <p:sldId id="260" r:id="rId11"/>
+    <p:sldId id="261" r:id="rId12"/>
+    <p:sldId id="272" r:id="rId13"/>
+    <p:sldId id="258" r:id="rId14"/>
+    <p:sldId id="262" r:id="rId15"/>
+    <p:sldId id="267" r:id="rId16"/>
+    <p:sldId id="263" r:id="rId17"/>
+    <p:sldId id="276" r:id="rId18"/>
+    <p:sldId id="275" r:id="rId19"/>
+    <p:sldId id="264" r:id="rId20"/>
+    <p:sldId id="277" r:id="rId21"/>
+    <p:sldId id="265" r:id="rId22"/>
+    <p:sldId id="278" r:id="rId23"/>
   </p:sldIdLst>
   <p:sldSz cx="12192000" cy="6858000"/>
   <p:notesSz cx="6858000" cy="9144000"/>
@@ -114,6 +125,11 @@
       </a:defRPr>
     </a:lvl9pPr>
   </p:defaultTextStyle>
+  <p:extLst>
+    <p:ext uri="{EFAFB233-063F-42B5-8137-9DF3F51BA10A}">
+      <p15:sldGuideLst xmlns:p15="http://schemas.microsoft.com/office/powerpoint/2012/main"/>
+    </p:ext>
+  </p:extLst>
 </p:presentation>
 </file>
 
@@ -264,7 +280,7 @@
           <a:p>
             <a:fld id="{2F6FC5FC-6097-4B4D-A202-669E55E99A81}" type="datetimeFigureOut">
               <a:rPr lang="en-US" smtClean="0"/>
-              <a:t>11/11/2021</a:t>
+              <a:t>11/24/2021</a:t>
             </a:fld>
             <a:endParaRPr lang="en-US"/>
           </a:p>
@@ -462,7 +478,7 @@
           <a:p>
             <a:fld id="{2F6FC5FC-6097-4B4D-A202-669E55E99A81}" type="datetimeFigureOut">
               <a:rPr lang="en-US" smtClean="0"/>
-              <a:t>11/11/2021</a:t>
+              <a:t>11/24/2021</a:t>
             </a:fld>
             <a:endParaRPr lang="en-US"/>
           </a:p>
@@ -670,7 +686,7 @@
           <a:p>
             <a:fld id="{2F6FC5FC-6097-4B4D-A202-669E55E99A81}" type="datetimeFigureOut">
               <a:rPr lang="en-US" smtClean="0"/>
-              <a:t>11/11/2021</a:t>
+              <a:t>11/24/2021</a:t>
             </a:fld>
             <a:endParaRPr lang="en-US"/>
           </a:p>
@@ -868,7 +884,7 @@
           <a:p>
             <a:fld id="{2F6FC5FC-6097-4B4D-A202-669E55E99A81}" type="datetimeFigureOut">
               <a:rPr lang="en-US" smtClean="0"/>
-              <a:t>11/11/2021</a:t>
+              <a:t>11/24/2021</a:t>
             </a:fld>
             <a:endParaRPr lang="en-US"/>
           </a:p>
@@ -1143,7 +1159,7 @@
           <a:p>
             <a:fld id="{2F6FC5FC-6097-4B4D-A202-669E55E99A81}" type="datetimeFigureOut">
               <a:rPr lang="en-US" smtClean="0"/>
-              <a:t>11/11/2021</a:t>
+              <a:t>11/24/2021</a:t>
             </a:fld>
             <a:endParaRPr lang="en-US"/>
           </a:p>
@@ -1408,7 +1424,7 @@
           <a:p>
             <a:fld id="{2F6FC5FC-6097-4B4D-A202-669E55E99A81}" type="datetimeFigureOut">
               <a:rPr lang="en-US" smtClean="0"/>
-              <a:t>11/11/2021</a:t>
+              <a:t>11/24/2021</a:t>
             </a:fld>
             <a:endParaRPr lang="en-US"/>
           </a:p>
@@ -1820,7 +1836,7 @@
           <a:p>
             <a:fld id="{2F6FC5FC-6097-4B4D-A202-669E55E99A81}" type="datetimeFigureOut">
               <a:rPr lang="en-US" smtClean="0"/>
-              <a:t>11/11/2021</a:t>
+              <a:t>11/24/2021</a:t>
             </a:fld>
             <a:endParaRPr lang="en-US"/>
           </a:p>
@@ -1961,7 +1977,7 @@
           <a:p>
             <a:fld id="{2F6FC5FC-6097-4B4D-A202-669E55E99A81}" type="datetimeFigureOut">
               <a:rPr lang="en-US" smtClean="0"/>
-              <a:t>11/11/2021</a:t>
+              <a:t>11/24/2021</a:t>
             </a:fld>
             <a:endParaRPr lang="en-US"/>
           </a:p>
@@ -2074,7 +2090,7 @@
           <a:p>
             <a:fld id="{2F6FC5FC-6097-4B4D-A202-669E55E99A81}" type="datetimeFigureOut">
               <a:rPr lang="en-US" smtClean="0"/>
-              <a:t>11/11/2021</a:t>
+              <a:t>11/24/2021</a:t>
             </a:fld>
             <a:endParaRPr lang="en-US"/>
           </a:p>
@@ -2385,7 +2401,7 @@
           <a:p>
             <a:fld id="{2F6FC5FC-6097-4B4D-A202-669E55E99A81}" type="datetimeFigureOut">
               <a:rPr lang="en-US" smtClean="0"/>
-              <a:t>11/11/2021</a:t>
+              <a:t>11/24/2021</a:t>
             </a:fld>
             <a:endParaRPr lang="en-US"/>
           </a:p>
@@ -2673,7 +2689,7 @@
           <a:p>
             <a:fld id="{2F6FC5FC-6097-4B4D-A202-669E55E99A81}" type="datetimeFigureOut">
               <a:rPr lang="en-US" smtClean="0"/>
-              <a:t>11/11/2021</a:t>
+              <a:t>11/24/2021</a:t>
             </a:fld>
             <a:endParaRPr lang="en-US"/>
           </a:p>
@@ -2914,7 +2930,7 @@
           <a:p>
             <a:fld id="{2F6FC5FC-6097-4B4D-A202-669E55E99A81}" type="datetimeFigureOut">
               <a:rPr lang="en-US" smtClean="0"/>
-              <a:t>11/11/2021</a:t>
+              <a:t>11/24/2021</a:t>
             </a:fld>
             <a:endParaRPr lang="en-US"/>
           </a:p>
@@ -3336,7 +3352,7 @@
           <p:cNvPr id="2" name="Title 1">
             <a:extLst>
               <a:ext uri="{FF2B5EF4-FFF2-40B4-BE49-F238E27FC236}">
-                <a16:creationId xmlns:a16="http://schemas.microsoft.com/office/drawing/2014/main" id="{9C90F445-4F72-48D4-9D64-93C7C2B83D6E}"/>
+                <a16:creationId xmlns:a16="http://schemas.microsoft.com/office/drawing/2014/main" id="{37099CA4-1F69-4F1D-BA71-4ECA5B0D1D87}"/>
               </a:ext>
             </a:extLst>
           </p:cNvPr>
@@ -3347,157 +3363,24 @@
             <p:ph type="title"/>
           </p:nvPr>
         </p:nvSpPr>
-        <p:spPr>
-          <a:xfrm>
-            <a:off x="290804" y="214280"/>
-            <a:ext cx="5805196" cy="1006475"/>
-          </a:xfrm>
-        </p:spPr>
+        <p:spPr/>
         <p:txBody>
-          <a:bodyPr>
-            <a:normAutofit fontScale="90000"/>
-          </a:bodyPr>
+          <a:bodyPr/>
           <a:lstStyle/>
           <a:p>
             <a:r>
               <a:rPr lang="en-US" dirty="0"/>
               <a:t>Predictive maintenance</a:t>
             </a:r>
-            <a:br>
-              <a:rPr lang="en-US" dirty="0"/>
-            </a:br>
-            <a:r>
-              <a:rPr lang="en-US" sz="2400" dirty="0"/>
-              <a:t>In-service aircraft engine</a:t>
-            </a:r>
           </a:p>
         </p:txBody>
       </p:sp>
-      <p:pic>
-        <p:nvPicPr>
-          <p:cNvPr id="8" name="Picture 7">
-            <a:extLst>
-              <a:ext uri="{FF2B5EF4-FFF2-40B4-BE49-F238E27FC236}">
-                <a16:creationId xmlns:a16="http://schemas.microsoft.com/office/drawing/2014/main" id="{AA108615-B927-480A-BDA8-5F0220DAF8B9}"/>
-              </a:ext>
-            </a:extLst>
-          </p:cNvPr>
-          <p:cNvPicPr>
-            <a:picLocks noChangeAspect="1"/>
-          </p:cNvPicPr>
-          <p:nvPr/>
-        </p:nvPicPr>
-        <p:blipFill>
-          <a:blip r:embed="rId2"/>
-          <a:stretch>
-            <a:fillRect/>
-          </a:stretch>
-        </p:blipFill>
-        <p:spPr>
-          <a:xfrm>
-            <a:off x="6753303" y="353008"/>
-            <a:ext cx="4893049" cy="2026298"/>
-          </a:xfrm>
-          <a:prstGeom prst="rect">
-            <a:avLst/>
-          </a:prstGeom>
-        </p:spPr>
-      </p:pic>
-      <p:grpSp>
-        <p:nvGrpSpPr>
-          <p:cNvPr id="12" name="Group 11">
-            <a:extLst>
-              <a:ext uri="{FF2B5EF4-FFF2-40B4-BE49-F238E27FC236}">
-                <a16:creationId xmlns:a16="http://schemas.microsoft.com/office/drawing/2014/main" id="{A12535AE-5505-4629-96AB-AB58F0508F3D}"/>
-              </a:ext>
-            </a:extLst>
-          </p:cNvPr>
-          <p:cNvGrpSpPr/>
-          <p:nvPr/>
-        </p:nvGrpSpPr>
-        <p:grpSpPr>
-          <a:xfrm>
-            <a:off x="6753303" y="3293616"/>
-            <a:ext cx="5438696" cy="3422340"/>
-            <a:chOff x="4853251" y="2975201"/>
-            <a:chExt cx="7110828" cy="3781425"/>
-          </a:xfrm>
-        </p:grpSpPr>
-        <p:pic>
-          <p:nvPicPr>
-            <p:cNvPr id="10" name="Picture 9">
-              <a:extLst>
-                <a:ext uri="{FF2B5EF4-FFF2-40B4-BE49-F238E27FC236}">
-                  <a16:creationId xmlns:a16="http://schemas.microsoft.com/office/drawing/2014/main" id="{2D203E86-C7F4-465A-BF7B-B62D169E43C4}"/>
-                </a:ext>
-              </a:extLst>
-            </p:cNvPr>
-            <p:cNvPicPr>
-              <a:picLocks noChangeAspect="1"/>
-            </p:cNvPicPr>
-            <p:nvPr/>
-          </p:nvPicPr>
-          <p:blipFill>
-            <a:blip r:embed="rId3"/>
-            <a:stretch>
-              <a:fillRect/>
-            </a:stretch>
-          </p:blipFill>
-          <p:spPr>
-            <a:xfrm>
-              <a:off x="5191804" y="2975201"/>
-              <a:ext cx="6772275" cy="3781425"/>
-            </a:xfrm>
-            <a:prstGeom prst="rect">
-              <a:avLst/>
-            </a:prstGeom>
-          </p:spPr>
-        </p:pic>
-        <p:sp>
-          <p:nvSpPr>
-            <p:cNvPr id="11" name="TextBox 10">
-              <a:extLst>
-                <a:ext uri="{FF2B5EF4-FFF2-40B4-BE49-F238E27FC236}">
-                  <a16:creationId xmlns:a16="http://schemas.microsoft.com/office/drawing/2014/main" id="{17B9AE6D-CF2D-4E0C-B68F-65146BB475E4}"/>
-                </a:ext>
-              </a:extLst>
-            </p:cNvPr>
-            <p:cNvSpPr txBox="1"/>
-            <p:nvPr/>
-          </p:nvSpPr>
-          <p:spPr>
-            <a:xfrm rot="16200000">
-              <a:off x="3706911" y="4696635"/>
-              <a:ext cx="2631233" cy="338554"/>
-            </a:xfrm>
-            <a:prstGeom prst="rect">
-              <a:avLst/>
-            </a:prstGeom>
-            <a:noFill/>
-          </p:spPr>
-          <p:txBody>
-            <a:bodyPr wrap="square" rtlCol="0">
-              <a:spAutoFit/>
-            </a:bodyPr>
-            <a:lstStyle/>
-            <a:p>
-              <a:r>
-                <a:rPr lang="en-US" sz="1600" b="1" dirty="0">
-                  <a:latin typeface="Arial Rounded MT Bold" panose="020F0704030504030204" pitchFamily="34" charset="0"/>
-                  <a:cs typeface="Aharoni" panose="02010803020104030203" pitchFamily="2" charset="-79"/>
-                </a:rPr>
-                <a:t>Degradation indicator</a:t>
-              </a:r>
-            </a:p>
-          </p:txBody>
-        </p:sp>
-      </p:grpSp>
       <p:sp>
         <p:nvSpPr>
-          <p:cNvPr id="14" name="TextBox 13">
-            <a:extLst>
-              <a:ext uri="{FF2B5EF4-FFF2-40B4-BE49-F238E27FC236}">
-                <a16:creationId xmlns:a16="http://schemas.microsoft.com/office/drawing/2014/main" id="{C23A3762-E887-492A-9271-A18300C22DFE}"/>
+          <p:cNvPr id="6" name="TextBox 5">
+            <a:extLst>
+              <a:ext uri="{FF2B5EF4-FFF2-40B4-BE49-F238E27FC236}">
+                <a16:creationId xmlns:a16="http://schemas.microsoft.com/office/drawing/2014/main" id="{8BDC4DF7-8F90-4C5F-8170-64166CE8B659}"/>
               </a:ext>
             </a:extLst>
           </p:cNvPr>
@@ -3506,8 +3389,8 @@
         </p:nvSpPr>
         <p:spPr>
           <a:xfrm>
-            <a:off x="219783" y="1416536"/>
-            <a:ext cx="6094520" cy="3693319"/>
+            <a:off x="330925" y="2063931"/>
+            <a:ext cx="5524154" cy="2246769"/>
           </a:xfrm>
           <a:prstGeom prst="rect">
             <a:avLst/>
@@ -3515,278 +3398,322 @@
           <a:noFill/>
         </p:spPr>
         <p:txBody>
-          <a:bodyPr wrap="square">
+          <a:bodyPr wrap="square" rtlCol="0">
             <a:spAutoFit/>
           </a:bodyPr>
           <a:lstStyle/>
           <a:p>
-            <a:pPr marL="285750" indent="-285750" algn="just">
-              <a:buFont typeface="Arial" panose="020B0604020202020204" pitchFamily="34" charset="0"/>
-              <a:buChar char="•"/>
-            </a:pPr>
-            <a:r>
-              <a:rPr lang="en-US" b="1" i="0" dirty="0">
-                <a:solidFill>
-                  <a:srgbClr val="2C3137"/>
-                </a:solidFill>
-                <a:effectLst/>
-                <a:latin typeface="Segoe UI" panose="020B0502040204020203" pitchFamily="34" charset="0"/>
-              </a:rPr>
-              <a:t>Regression:</a:t>
-            </a:r>
-            <a:r>
-              <a:rPr lang="en-US" b="0" i="0" dirty="0">
-                <a:solidFill>
-                  <a:srgbClr val="2C3137"/>
-                </a:solidFill>
-                <a:effectLst/>
-                <a:latin typeface="Segoe UI" panose="020B0502040204020203" pitchFamily="34" charset="0"/>
-              </a:rPr>
-              <a:t> Predict the Remaining Useful Life (RUL).</a:t>
-            </a:r>
-          </a:p>
-          <a:p>
-            <a:pPr marL="285750" indent="-285750" algn="just">
-              <a:buFont typeface="Arial" panose="020B0604020202020204" pitchFamily="34" charset="0"/>
-              <a:buChar char="•"/>
-            </a:pPr>
-            <a:endParaRPr lang="en-US" dirty="0">
-              <a:solidFill>
-                <a:srgbClr val="2C3137"/>
-              </a:solidFill>
-              <a:latin typeface="Segoe UI" panose="020B0502040204020203" pitchFamily="34" charset="0"/>
-            </a:endParaRPr>
-          </a:p>
-          <a:p>
-            <a:pPr marL="285750" indent="-285750" algn="just">
-              <a:buFont typeface="Arial" panose="020B0604020202020204" pitchFamily="34" charset="0"/>
-              <a:buChar char="•"/>
-            </a:pPr>
-            <a:endParaRPr lang="en-US" b="0" i="0" dirty="0">
-              <a:solidFill>
-                <a:srgbClr val="2C3137"/>
-              </a:solidFill>
-              <a:effectLst/>
-              <a:latin typeface="Segoe UI" panose="020B0502040204020203" pitchFamily="34" charset="0"/>
-            </a:endParaRPr>
-          </a:p>
-          <a:p>
-            <a:pPr marL="285750" indent="-285750" algn="just">
-              <a:buFont typeface="Arial" panose="020B0604020202020204" pitchFamily="34" charset="0"/>
-              <a:buChar char="•"/>
-            </a:pPr>
-            <a:endParaRPr lang="en-US" dirty="0">
-              <a:solidFill>
-                <a:srgbClr val="2C3137"/>
-              </a:solidFill>
-              <a:latin typeface="Segoe UI" panose="020B0502040204020203" pitchFamily="34" charset="0"/>
-            </a:endParaRPr>
-          </a:p>
-          <a:p>
-            <a:pPr algn="just"/>
-            <a:endParaRPr lang="en-US" b="0" i="0" dirty="0">
-              <a:solidFill>
-                <a:srgbClr val="2C3137"/>
-              </a:solidFill>
-              <a:effectLst/>
-              <a:latin typeface="Segoe UI" panose="020B0502040204020203" pitchFamily="34" charset="0"/>
-            </a:endParaRPr>
-          </a:p>
-          <a:p>
-            <a:pPr marL="285750" indent="-285750" algn="just">
-              <a:buFont typeface="Arial" panose="020B0604020202020204" pitchFamily="34" charset="0"/>
-              <a:buChar char="•"/>
-            </a:pPr>
-            <a:r>
-              <a:rPr lang="en-US" b="1" i="0" dirty="0">
-                <a:solidFill>
-                  <a:srgbClr val="2C3137"/>
-                </a:solidFill>
-                <a:effectLst/>
-                <a:latin typeface="Segoe UI" panose="020B0502040204020203" pitchFamily="34" charset="0"/>
-              </a:rPr>
-              <a:t>Binary classification:</a:t>
-            </a:r>
-            <a:r>
-              <a:rPr lang="en-US" b="0" i="0" dirty="0">
-                <a:solidFill>
-                  <a:srgbClr val="2C3137"/>
-                </a:solidFill>
-                <a:effectLst/>
-                <a:latin typeface="Segoe UI" panose="020B0502040204020203" pitchFamily="34" charset="0"/>
-              </a:rPr>
-              <a:t> Predict if an in-service engine will fail within certain time frame.</a:t>
-            </a:r>
-          </a:p>
-          <a:p>
-            <a:pPr marL="285750" indent="-285750" algn="just">
-              <a:buFont typeface="Arial" panose="020B0604020202020204" pitchFamily="34" charset="0"/>
-              <a:buChar char="•"/>
-            </a:pPr>
-            <a:endParaRPr lang="en-US" dirty="0">
-              <a:solidFill>
-                <a:srgbClr val="2C3137"/>
-              </a:solidFill>
-              <a:latin typeface="Segoe UI" panose="020B0502040204020203" pitchFamily="34" charset="0"/>
-            </a:endParaRPr>
-          </a:p>
-          <a:p>
-            <a:pPr marL="285750" indent="-285750" algn="just">
-              <a:buFont typeface="Arial" panose="020B0604020202020204" pitchFamily="34" charset="0"/>
-              <a:buChar char="•"/>
-            </a:pPr>
-            <a:endParaRPr lang="en-US" b="0" i="0" dirty="0">
-              <a:solidFill>
-                <a:srgbClr val="2C3137"/>
-              </a:solidFill>
-              <a:effectLst/>
-              <a:latin typeface="Segoe UI" panose="020B0502040204020203" pitchFamily="34" charset="0"/>
-            </a:endParaRPr>
-          </a:p>
-          <a:p>
-            <a:pPr marL="285750" indent="-285750" algn="just">
-              <a:buFont typeface="Arial" panose="020B0604020202020204" pitchFamily="34" charset="0"/>
-              <a:buChar char="•"/>
-            </a:pPr>
-            <a:endParaRPr lang="en-US" dirty="0">
-              <a:solidFill>
-                <a:srgbClr val="2C3137"/>
-              </a:solidFill>
-              <a:latin typeface="Segoe UI" panose="020B0502040204020203" pitchFamily="34" charset="0"/>
-            </a:endParaRPr>
-          </a:p>
-          <a:p>
-            <a:pPr algn="just"/>
-            <a:endParaRPr lang="en-US" b="0" i="0" dirty="0">
-              <a:solidFill>
-                <a:srgbClr val="2C3137"/>
-              </a:solidFill>
-              <a:effectLst/>
-              <a:latin typeface="Segoe UI" panose="020B0502040204020203" pitchFamily="34" charset="0"/>
-            </a:endParaRPr>
-          </a:p>
-          <a:p>
-            <a:pPr marL="285750" indent="-285750" algn="just">
-              <a:buFont typeface="Arial" panose="020B0604020202020204" pitchFamily="34" charset="0"/>
-              <a:buChar char="•"/>
-            </a:pPr>
-            <a:r>
-              <a:rPr lang="en-US" b="1" i="0" dirty="0">
-                <a:solidFill>
-                  <a:srgbClr val="2C3137"/>
-                </a:solidFill>
-                <a:effectLst/>
-                <a:latin typeface="Segoe UI" panose="020B0502040204020203" pitchFamily="34" charset="0"/>
-              </a:rPr>
-              <a:t>Multi-class classification:</a:t>
-            </a:r>
-            <a:r>
-              <a:rPr lang="en-US" b="0" i="0" dirty="0">
-                <a:solidFill>
-                  <a:srgbClr val="2C3137"/>
-                </a:solidFill>
-                <a:effectLst/>
-                <a:latin typeface="Segoe UI" panose="020B0502040204020203" pitchFamily="34" charset="0"/>
-              </a:rPr>
-              <a:t> Predict if an in-service will fail in two different time windows.</a:t>
-            </a:r>
+            <a:pPr algn="ctr"/>
+            <a:r>
+              <a:rPr lang="en-US" sz="2800" dirty="0"/>
+              <a:t>Proactive maintenance strategy based on condition monitoring to detect degradation, equipment performance.</a:t>
+            </a:r>
+          </a:p>
+          <a:p>
+            <a:pPr algn="ctr"/>
+            <a:endParaRPr lang="en-US" sz="2800" dirty="0"/>
+          </a:p>
+        </p:txBody>
+      </p:sp>
+      <p:sp>
+        <p:nvSpPr>
+          <p:cNvPr id="7" name="Rectangle: Rounded Corners 6">
+            <a:extLst>
+              <a:ext uri="{FF2B5EF4-FFF2-40B4-BE49-F238E27FC236}">
+                <a16:creationId xmlns:a16="http://schemas.microsoft.com/office/drawing/2014/main" id="{CCD6518E-D987-4B08-8BF0-68A30FE17878}"/>
+              </a:ext>
+            </a:extLst>
+          </p:cNvPr>
+          <p:cNvSpPr/>
+          <p:nvPr/>
+        </p:nvSpPr>
+        <p:spPr>
+          <a:xfrm>
+            <a:off x="838200" y="4945242"/>
+            <a:ext cx="2656115" cy="1245326"/>
+          </a:xfrm>
+          <a:prstGeom prst="roundRect">
+            <a:avLst/>
+          </a:prstGeom>
+        </p:spPr>
+        <p:style>
+          <a:lnRef idx="2">
+            <a:schemeClr val="accent1">
+              <a:shade val="50000"/>
+            </a:schemeClr>
+          </a:lnRef>
+          <a:fillRef idx="1">
+            <a:schemeClr val="accent1"/>
+          </a:fillRef>
+          <a:effectRef idx="0">
+            <a:schemeClr val="accent1"/>
+          </a:effectRef>
+          <a:fontRef idx="minor">
+            <a:schemeClr val="lt1"/>
+          </a:fontRef>
+        </p:style>
+        <p:txBody>
+          <a:bodyPr rtlCol="0" anchor="ctr"/>
+          <a:lstStyle/>
+          <a:p>
+            <a:pPr algn="ctr"/>
+            <a:r>
+              <a:rPr lang="en-US" dirty="0"/>
+              <a:t>Sensors</a:t>
+            </a:r>
+          </a:p>
+          <a:p>
+            <a:pPr algn="ctr"/>
+            <a:r>
+              <a:rPr lang="en-US" sz="1200" dirty="0"/>
+              <a:t>(real-time performance data)</a:t>
+            </a:r>
+          </a:p>
+        </p:txBody>
+      </p:sp>
+      <p:sp>
+        <p:nvSpPr>
+          <p:cNvPr id="8" name="Rectangle: Rounded Corners 7">
+            <a:extLst>
+              <a:ext uri="{FF2B5EF4-FFF2-40B4-BE49-F238E27FC236}">
+                <a16:creationId xmlns:a16="http://schemas.microsoft.com/office/drawing/2014/main" id="{6380F00C-82C1-4715-915E-8E7BC5F1306E}"/>
+              </a:ext>
+            </a:extLst>
+          </p:cNvPr>
+          <p:cNvSpPr/>
+          <p:nvPr/>
+        </p:nvSpPr>
+        <p:spPr>
+          <a:xfrm>
+            <a:off x="4764680" y="4945242"/>
+            <a:ext cx="2656115" cy="1245326"/>
+          </a:xfrm>
+          <a:prstGeom prst="roundRect">
+            <a:avLst/>
+          </a:prstGeom>
+        </p:spPr>
+        <p:style>
+          <a:lnRef idx="2">
+            <a:schemeClr val="accent1">
+              <a:shade val="50000"/>
+            </a:schemeClr>
+          </a:lnRef>
+          <a:fillRef idx="1">
+            <a:schemeClr val="accent1"/>
+          </a:fillRef>
+          <a:effectRef idx="0">
+            <a:schemeClr val="accent1"/>
+          </a:effectRef>
+          <a:fontRef idx="minor">
+            <a:schemeClr val="lt1"/>
+          </a:fontRef>
+        </p:style>
+        <p:txBody>
+          <a:bodyPr rtlCol="0" anchor="ctr"/>
+          <a:lstStyle/>
+          <a:p>
+            <a:pPr algn="ctr"/>
+            <a:r>
+              <a:rPr lang="en-US" dirty="0"/>
+              <a:t>IoT</a:t>
+            </a:r>
+          </a:p>
+          <a:p>
+            <a:pPr algn="ctr"/>
+            <a:r>
+              <a:rPr lang="en-US" sz="1200" dirty="0"/>
+              <a:t>(Enables communication b\w equipment and software solution)</a:t>
+            </a:r>
+          </a:p>
+        </p:txBody>
+      </p:sp>
+      <p:sp>
+        <p:nvSpPr>
+          <p:cNvPr id="9" name="Rectangle: Rounded Corners 8">
+            <a:extLst>
+              <a:ext uri="{FF2B5EF4-FFF2-40B4-BE49-F238E27FC236}">
+                <a16:creationId xmlns:a16="http://schemas.microsoft.com/office/drawing/2014/main" id="{B9FE51E9-A036-415B-A730-4C914C9E8013}"/>
+              </a:ext>
+            </a:extLst>
+          </p:cNvPr>
+          <p:cNvSpPr/>
+          <p:nvPr/>
+        </p:nvSpPr>
+        <p:spPr>
+          <a:xfrm>
+            <a:off x="8697685" y="4945242"/>
+            <a:ext cx="2656115" cy="1245326"/>
+          </a:xfrm>
+          <a:prstGeom prst="roundRect">
+            <a:avLst/>
+          </a:prstGeom>
+        </p:spPr>
+        <p:style>
+          <a:lnRef idx="2">
+            <a:schemeClr val="accent1">
+              <a:shade val="50000"/>
+            </a:schemeClr>
+          </a:lnRef>
+          <a:fillRef idx="1">
+            <a:schemeClr val="accent1"/>
+          </a:fillRef>
+          <a:effectRef idx="0">
+            <a:schemeClr val="accent1"/>
+          </a:effectRef>
+          <a:fontRef idx="minor">
+            <a:schemeClr val="lt1"/>
+          </a:fontRef>
+        </p:style>
+        <p:txBody>
+          <a:bodyPr rtlCol="0" anchor="ctr"/>
+          <a:lstStyle/>
+          <a:p>
+            <a:pPr algn="ctr"/>
+            <a:r>
+              <a:rPr lang="en-US" dirty="0"/>
+              <a:t>Predictive models</a:t>
+            </a:r>
+          </a:p>
+          <a:p>
+            <a:pPr algn="ctr"/>
+            <a:r>
+              <a:rPr lang="en-US" sz="1200" dirty="0"/>
+              <a:t>(model to spit out failure predictions)</a:t>
+            </a:r>
+          </a:p>
+        </p:txBody>
+      </p:sp>
+      <p:sp>
+        <p:nvSpPr>
+          <p:cNvPr id="12" name="Arrow: Right 11">
+            <a:extLst>
+              <a:ext uri="{FF2B5EF4-FFF2-40B4-BE49-F238E27FC236}">
+                <a16:creationId xmlns:a16="http://schemas.microsoft.com/office/drawing/2014/main" id="{02215030-5F47-4F67-ADB3-19B31B437A1D}"/>
+              </a:ext>
+            </a:extLst>
+          </p:cNvPr>
+          <p:cNvSpPr/>
+          <p:nvPr/>
+        </p:nvSpPr>
+        <p:spPr>
+          <a:xfrm>
+            <a:off x="3544387" y="5567905"/>
+            <a:ext cx="1194166" cy="45719"/>
+          </a:xfrm>
+          <a:prstGeom prst="rightArrow">
+            <a:avLst/>
+          </a:prstGeom>
+        </p:spPr>
+        <p:style>
+          <a:lnRef idx="2">
+            <a:schemeClr val="accent1">
+              <a:shade val="50000"/>
+            </a:schemeClr>
+          </a:lnRef>
+          <a:fillRef idx="1">
+            <a:schemeClr val="accent1"/>
+          </a:fillRef>
+          <a:effectRef idx="0">
+            <a:schemeClr val="accent1"/>
+          </a:effectRef>
+          <a:fontRef idx="minor">
+            <a:schemeClr val="lt1"/>
+          </a:fontRef>
+        </p:style>
+        <p:txBody>
+          <a:bodyPr rtlCol="0" anchor="ctr"/>
+          <a:lstStyle/>
+          <a:p>
+            <a:pPr algn="ctr"/>
+            <a:endParaRPr lang="en-US"/>
+          </a:p>
+        </p:txBody>
+      </p:sp>
+      <p:sp>
+        <p:nvSpPr>
+          <p:cNvPr id="13" name="Arrow: Right 12">
+            <a:extLst>
+              <a:ext uri="{FF2B5EF4-FFF2-40B4-BE49-F238E27FC236}">
+                <a16:creationId xmlns:a16="http://schemas.microsoft.com/office/drawing/2014/main" id="{FE5A8185-2649-4B32-A719-51B1CE31E278}"/>
+              </a:ext>
+            </a:extLst>
+          </p:cNvPr>
+          <p:cNvSpPr/>
+          <p:nvPr/>
+        </p:nvSpPr>
+        <p:spPr>
+          <a:xfrm>
+            <a:off x="7476323" y="5572260"/>
+            <a:ext cx="1194166" cy="45719"/>
+          </a:xfrm>
+          <a:prstGeom prst="rightArrow">
+            <a:avLst/>
+          </a:prstGeom>
+        </p:spPr>
+        <p:style>
+          <a:lnRef idx="2">
+            <a:schemeClr val="accent1">
+              <a:shade val="50000"/>
+            </a:schemeClr>
+          </a:lnRef>
+          <a:fillRef idx="1">
+            <a:schemeClr val="accent1"/>
+          </a:fillRef>
+          <a:effectRef idx="0">
+            <a:schemeClr val="accent1"/>
+          </a:effectRef>
+          <a:fontRef idx="minor">
+            <a:schemeClr val="lt1"/>
+          </a:fontRef>
+        </p:style>
+        <p:txBody>
+          <a:bodyPr rtlCol="0" anchor="ctr"/>
+          <a:lstStyle/>
+          <a:p>
+            <a:pPr algn="ctr"/>
+            <a:endParaRPr lang="en-US"/>
           </a:p>
         </p:txBody>
       </p:sp>
       <p:pic>
         <p:nvPicPr>
-          <p:cNvPr id="18" name="Picture 17">
-            <a:extLst>
-              <a:ext uri="{FF2B5EF4-FFF2-40B4-BE49-F238E27FC236}">
-                <a16:creationId xmlns:a16="http://schemas.microsoft.com/office/drawing/2014/main" id="{FE380370-5AFD-4FF2-80A9-C1B0ADE21E4D}"/>
+          <p:cNvPr id="21" name="Content Placeholder 20" descr="Diagram&#10;&#10;Description automatically generated">
+            <a:extLst>
+              <a:ext uri="{FF2B5EF4-FFF2-40B4-BE49-F238E27FC236}">
+                <a16:creationId xmlns:a16="http://schemas.microsoft.com/office/drawing/2014/main" id="{3C9485A6-A990-4102-8842-C439C5833C62}"/>
               </a:ext>
             </a:extLst>
           </p:cNvPr>
           <p:cNvPicPr>
-            <a:picLocks noChangeAspect="1"/>
+            <a:picLocks noGrp="1" noChangeAspect="1"/>
           </p:cNvPicPr>
-          <p:nvPr/>
+          <p:nvPr>
+            <p:ph idx="1"/>
+          </p:nvPr>
         </p:nvPicPr>
         <p:blipFill>
-          <a:blip r:embed="rId4"/>
+          <a:blip r:embed="rId2">
+            <a:extLst>
+              <a:ext uri="{28A0092B-C50C-407E-A947-70E740481C1C}">
+                <a14:useLocalDpi xmlns:a14="http://schemas.microsoft.com/office/drawing/2010/main" val="0"/>
+              </a:ext>
+            </a:extLst>
+          </a:blip>
           <a:stretch>
             <a:fillRect/>
           </a:stretch>
         </p:blipFill>
         <p:spPr>
           <a:xfrm>
-            <a:off x="787240" y="3429000"/>
-            <a:ext cx="5646851" cy="809444"/>
+            <a:off x="6292717" y="793866"/>
+            <a:ext cx="5600651" cy="3516834"/>
           </a:xfrm>
-          <a:prstGeom prst="rect">
-            <a:avLst/>
-          </a:prstGeom>
-        </p:spPr>
-      </p:pic>
-      <p:pic>
-        <p:nvPicPr>
-          <p:cNvPr id="22" name="Picture 21">
-            <a:extLst>
-              <a:ext uri="{FF2B5EF4-FFF2-40B4-BE49-F238E27FC236}">
-                <a16:creationId xmlns:a16="http://schemas.microsoft.com/office/drawing/2014/main" id="{EBD4F1A3-F6DA-4CA5-8306-F135D63A81ED}"/>
-              </a:ext>
-            </a:extLst>
-          </p:cNvPr>
-          <p:cNvPicPr>
-            <a:picLocks noChangeAspect="1"/>
-          </p:cNvPicPr>
-          <p:nvPr/>
-        </p:nvPicPr>
-        <p:blipFill>
-          <a:blip r:embed="rId5"/>
-          <a:stretch>
-            <a:fillRect/>
-          </a:stretch>
-        </p:blipFill>
-        <p:spPr>
-          <a:xfrm>
-            <a:off x="787240" y="1824620"/>
-            <a:ext cx="4959606" cy="899622"/>
-          </a:xfrm>
-          <a:prstGeom prst="rect">
-            <a:avLst/>
-          </a:prstGeom>
-        </p:spPr>
-      </p:pic>
-      <p:pic>
-        <p:nvPicPr>
-          <p:cNvPr id="24" name="Picture 23">
-            <a:extLst>
-              <a:ext uri="{FF2B5EF4-FFF2-40B4-BE49-F238E27FC236}">
-                <a16:creationId xmlns:a16="http://schemas.microsoft.com/office/drawing/2014/main" id="{810644E0-7A49-465C-9151-C423D139F633}"/>
-              </a:ext>
-            </a:extLst>
-          </p:cNvPr>
-          <p:cNvPicPr>
-            <a:picLocks noChangeAspect="1"/>
-          </p:cNvPicPr>
-          <p:nvPr/>
-        </p:nvPicPr>
-        <p:blipFill>
-          <a:blip r:embed="rId6"/>
-          <a:stretch>
-            <a:fillRect/>
-          </a:stretch>
-        </p:blipFill>
-        <p:spPr>
-          <a:xfrm>
-            <a:off x="787240" y="5189676"/>
-            <a:ext cx="5650745" cy="723052"/>
-          </a:xfrm>
-          <a:prstGeom prst="rect">
-            <a:avLst/>
-          </a:prstGeom>
         </p:spPr>
       </p:pic>
     </p:spTree>
     <p:extLst>
       <p:ext uri="{BB962C8B-B14F-4D97-AF65-F5344CB8AC3E}">
-        <p14:creationId xmlns:p14="http://schemas.microsoft.com/office/powerpoint/2010/main" val="3492202985"/>
+        <p14:creationId xmlns:p14="http://schemas.microsoft.com/office/powerpoint/2010/main" val="411377162"/>
       </p:ext>
     </p:extLst>
   </p:cSld>
@@ -3818,7 +3745,7 @@
           <p:cNvPr id="2" name="Title 1">
             <a:extLst>
               <a:ext uri="{FF2B5EF4-FFF2-40B4-BE49-F238E27FC236}">
-                <a16:creationId xmlns:a16="http://schemas.microsoft.com/office/drawing/2014/main" id="{F11D3AC9-0811-4416-B33C-C55BB3841082}"/>
+                <a16:creationId xmlns:a16="http://schemas.microsoft.com/office/drawing/2014/main" id="{70DCD5D4-69A0-4740-A56A-F7865CA626E0}"/>
               </a:ext>
             </a:extLst>
           </p:cNvPr>
@@ -3836,17 +3763,17 @@
           <a:p>
             <a:r>
               <a:rPr lang="en-US" dirty="0"/>
-              <a:t>Multiclass classification</a:t>
+              <a:t>Predictive maintenance</a:t>
             </a:r>
           </a:p>
         </p:txBody>
       </p:sp>
       <p:sp>
         <p:nvSpPr>
-          <p:cNvPr id="8" name="TextBox 7">
-            <a:extLst>
-              <a:ext uri="{FF2B5EF4-FFF2-40B4-BE49-F238E27FC236}">
-                <a16:creationId xmlns:a16="http://schemas.microsoft.com/office/drawing/2014/main" id="{CA510BDF-9878-4A47-8CF2-68A65D382F31}"/>
+          <p:cNvPr id="6" name="TextBox 5">
+            <a:extLst>
+              <a:ext uri="{FF2B5EF4-FFF2-40B4-BE49-F238E27FC236}">
+                <a16:creationId xmlns:a16="http://schemas.microsoft.com/office/drawing/2014/main" id="{3AADC126-E627-412E-AA60-33AF4B6D8CA1}"/>
               </a:ext>
             </a:extLst>
           </p:cNvPr>
@@ -3855,8 +3782,8 @@
         </p:nvSpPr>
         <p:spPr>
           <a:xfrm>
-            <a:off x="2687319" y="5591605"/>
-            <a:ext cx="7699327" cy="1295868"/>
+            <a:off x="594360" y="1497330"/>
+            <a:ext cx="10759440" cy="3970318"/>
           </a:xfrm>
           <a:prstGeom prst="rect">
             <a:avLst/>
@@ -3869,45 +3796,172 @@
           </a:bodyPr>
           <a:lstStyle/>
           <a:p>
-            <a:pPr marL="285750" indent="-285750">
+            <a:pPr marL="342900" indent="-342900" algn="l">
+              <a:buFont typeface="+mj-lt"/>
+              <a:buAutoNum type="arabicPeriod"/>
+            </a:pPr>
+            <a:r>
+              <a:rPr lang="en-US" b="0" i="0" dirty="0">
+                <a:solidFill>
+                  <a:srgbClr val="2C3137"/>
+                </a:solidFill>
+                <a:effectLst/>
+                <a:latin typeface="Segoe UI" panose="020B0502040204020203" pitchFamily="34" charset="0"/>
+              </a:rPr>
+              <a:t>Predict the Remaining Useful Life (RUL).</a:t>
+            </a:r>
+          </a:p>
+          <a:p>
+            <a:pPr marL="342900" indent="-342900" algn="l">
               <a:lnSpc>
                 <a:spcPct val="150000"/>
               </a:lnSpc>
-              <a:buFont typeface="Arial" panose="020B0604020202020204" pitchFamily="34" charset="0"/>
-              <a:buChar char="•"/>
+              <a:buFont typeface="+mj-lt"/>
+              <a:buAutoNum type="arabicPeriod"/>
             </a:pPr>
             <a:r>
-              <a:rPr lang="en-US" dirty="0"/>
-              <a:t>Class label = 1, If an in-service engine will fail in next w0 time-units window.</a:t>
-            </a:r>
-          </a:p>
-          <a:p>
-            <a:pPr marL="285750" indent="-285750">
+              <a:rPr lang="en-US" b="0" i="0" dirty="0">
+                <a:solidFill>
+                  <a:srgbClr val="2C3137"/>
+                </a:solidFill>
+                <a:effectLst/>
+                <a:latin typeface="Segoe UI" panose="020B0502040204020203" pitchFamily="34" charset="0"/>
+              </a:rPr>
+              <a:t>Predict if an in-service </a:t>
+            </a:r>
+            <a:r>
+              <a:rPr lang="en-US" dirty="0">
+                <a:solidFill>
+                  <a:srgbClr val="2C3137"/>
+                </a:solidFill>
+                <a:latin typeface="Segoe UI" panose="020B0502040204020203" pitchFamily="34" charset="0"/>
+              </a:rPr>
+              <a:t>e</a:t>
+            </a:r>
+            <a:r>
+              <a:rPr lang="en-US" b="0" i="0" dirty="0">
+                <a:solidFill>
+                  <a:srgbClr val="2C3137"/>
+                </a:solidFill>
+                <a:effectLst/>
+                <a:latin typeface="Segoe UI" panose="020B0502040204020203" pitchFamily="34" charset="0"/>
+              </a:rPr>
+              <a:t>ngine will fail within certain time frame.</a:t>
+            </a:r>
+          </a:p>
+          <a:p>
+            <a:pPr marL="342900" indent="-342900" algn="l">
               <a:lnSpc>
                 <a:spcPct val="150000"/>
               </a:lnSpc>
-              <a:buFont typeface="Arial" panose="020B0604020202020204" pitchFamily="34" charset="0"/>
-              <a:buChar char="•"/>
+              <a:buFont typeface="+mj-lt"/>
+              <a:buAutoNum type="arabicPeriod"/>
             </a:pPr>
-            <a:r>
-              <a:rPr lang="en-US" dirty="0"/>
-              <a:t>Class label = 2, if an </a:t>
-            </a:r>
-            <a:r>
-              <a:rPr lang="en-US" dirty="0" err="1"/>
-              <a:t>in_service</a:t>
-            </a:r>
-            <a:r>
-              <a:rPr lang="en-US" dirty="0"/>
-              <a:t> engine will fail within w0 and w1, w1 &gt; w0.</a:t>
-            </a:r>
-          </a:p>
-          <a:p>
-            <a:pPr>
+            <a:endParaRPr lang="en-US" dirty="0">
+              <a:solidFill>
+                <a:srgbClr val="2C3137"/>
+              </a:solidFill>
+              <a:latin typeface="Segoe UI" panose="020B0502040204020203" pitchFamily="34" charset="0"/>
+            </a:endParaRPr>
+          </a:p>
+          <a:p>
+            <a:pPr marL="342900" indent="-342900" algn="l">
               <a:lnSpc>
                 <a:spcPct val="150000"/>
               </a:lnSpc>
+              <a:buFont typeface="+mj-lt"/>
+              <a:buAutoNum type="arabicPeriod"/>
             </a:pPr>
+            <a:endParaRPr lang="en-US" dirty="0">
+              <a:solidFill>
+                <a:srgbClr val="2C3137"/>
+              </a:solidFill>
+              <a:latin typeface="Segoe UI" panose="020B0502040204020203" pitchFamily="34" charset="0"/>
+            </a:endParaRPr>
+          </a:p>
+          <a:p>
+            <a:pPr marL="342900" indent="-342900" algn="l">
+              <a:lnSpc>
+                <a:spcPct val="150000"/>
+              </a:lnSpc>
+              <a:buFont typeface="+mj-lt"/>
+              <a:buAutoNum type="arabicPeriod"/>
+            </a:pPr>
+            <a:endParaRPr lang="en-US" dirty="0">
+              <a:solidFill>
+                <a:srgbClr val="2C3137"/>
+              </a:solidFill>
+              <a:latin typeface="Segoe UI" panose="020B0502040204020203" pitchFamily="34" charset="0"/>
+            </a:endParaRPr>
+          </a:p>
+          <a:p>
+            <a:pPr marL="342900" indent="-342900" algn="l">
+              <a:lnSpc>
+                <a:spcPct val="150000"/>
+              </a:lnSpc>
+              <a:buFont typeface="+mj-lt"/>
+              <a:buAutoNum type="arabicPeriod"/>
+            </a:pPr>
+            <a:endParaRPr lang="en-US" b="0" i="0" dirty="0">
+              <a:solidFill>
+                <a:srgbClr val="2C3137"/>
+              </a:solidFill>
+              <a:effectLst/>
+              <a:latin typeface="Segoe UI" panose="020B0502040204020203" pitchFamily="34" charset="0"/>
+            </a:endParaRPr>
+          </a:p>
+          <a:p>
+            <a:pPr marL="342900" indent="-342900" algn="l">
+              <a:lnSpc>
+                <a:spcPct val="150000"/>
+              </a:lnSpc>
+              <a:buFont typeface="+mj-lt"/>
+              <a:buAutoNum type="arabicPeriod"/>
+            </a:pPr>
+            <a:endParaRPr lang="en-US" b="0" i="0" dirty="0">
+              <a:solidFill>
+                <a:srgbClr val="2C3137"/>
+              </a:solidFill>
+              <a:effectLst/>
+              <a:latin typeface="Segoe UI" panose="020B0502040204020203" pitchFamily="34" charset="0"/>
+            </a:endParaRPr>
+          </a:p>
+          <a:p>
+            <a:pPr marL="342900" indent="-342900" algn="l">
+              <a:lnSpc>
+                <a:spcPct val="150000"/>
+              </a:lnSpc>
+              <a:buFont typeface="+mj-lt"/>
+              <a:buAutoNum type="arabicPeriod"/>
+            </a:pPr>
+            <a:endParaRPr lang="en-US" b="0" i="0" dirty="0">
+              <a:solidFill>
+                <a:srgbClr val="2C3137"/>
+              </a:solidFill>
+              <a:effectLst/>
+              <a:latin typeface="Segoe UI" panose="020B0502040204020203" pitchFamily="34" charset="0"/>
+            </a:endParaRPr>
+          </a:p>
+          <a:p>
+            <a:pPr marL="342900" indent="-342900" algn="l">
+              <a:lnSpc>
+                <a:spcPct val="150000"/>
+              </a:lnSpc>
+              <a:buFont typeface="+mj-lt"/>
+              <a:buAutoNum type="arabicPeriod"/>
+            </a:pPr>
+            <a:r>
+              <a:rPr lang="en-US" b="0" i="0" dirty="0">
+                <a:solidFill>
+                  <a:srgbClr val="2C3137"/>
+                </a:solidFill>
+                <a:effectLst/>
+                <a:latin typeface="Segoe UI" panose="020B0502040204020203" pitchFamily="34" charset="0"/>
+              </a:rPr>
+              <a:t>Predict if an in-service engine will fail in two different time windows.</a:t>
+            </a:r>
+          </a:p>
+          <a:p>
             <a:endParaRPr lang="en-US" dirty="0"/>
           </a:p>
         </p:txBody>
@@ -3917,7 +3971,7 @@
           <p:cNvPr id="4" name="Picture 3">
             <a:extLst>
               <a:ext uri="{FF2B5EF4-FFF2-40B4-BE49-F238E27FC236}">
-                <a16:creationId xmlns:a16="http://schemas.microsoft.com/office/drawing/2014/main" id="{A6B2C5E0-438C-4837-8013-E3ADDF459147}"/>
+                <a16:creationId xmlns:a16="http://schemas.microsoft.com/office/drawing/2014/main" id="{EA11E314-D369-4696-9B24-E832D5C92E45}"/>
               </a:ext>
             </a:extLst>
           </p:cNvPr>
@@ -3934,38 +3988,8 @@
         </p:blipFill>
         <p:spPr>
           <a:xfrm>
-            <a:off x="7405775" y="1482207"/>
-            <a:ext cx="3343275" cy="3390900"/>
-          </a:xfrm>
-          <a:prstGeom prst="rect">
-            <a:avLst/>
-          </a:prstGeom>
-        </p:spPr>
-      </p:pic>
-      <p:pic>
-        <p:nvPicPr>
-          <p:cNvPr id="9" name="Picture 8">
-            <a:extLst>
-              <a:ext uri="{FF2B5EF4-FFF2-40B4-BE49-F238E27FC236}">
-                <a16:creationId xmlns:a16="http://schemas.microsoft.com/office/drawing/2014/main" id="{3BC94879-4F20-4FF8-A2A7-8AE790FB9004}"/>
-              </a:ext>
-            </a:extLst>
-          </p:cNvPr>
-          <p:cNvPicPr>
-            <a:picLocks noChangeAspect="1"/>
-          </p:cNvPicPr>
-          <p:nvPr/>
-        </p:nvPicPr>
-        <p:blipFill>
-          <a:blip r:embed="rId3"/>
-          <a:stretch>
-            <a:fillRect/>
-          </a:stretch>
-        </p:blipFill>
-        <p:spPr>
-          <a:xfrm>
-            <a:off x="1242926" y="1690688"/>
-            <a:ext cx="3543300" cy="3333750"/>
+            <a:off x="3346704" y="2424112"/>
+            <a:ext cx="4629150" cy="2009775"/>
           </a:xfrm>
           <a:prstGeom prst="rect">
             <a:avLst/>
@@ -3975,7 +3999,7 @@
     </p:spTree>
     <p:extLst>
       <p:ext uri="{BB962C8B-B14F-4D97-AF65-F5344CB8AC3E}">
-        <p14:creationId xmlns:p14="http://schemas.microsoft.com/office/powerpoint/2010/main" val="889366928"/>
+        <p14:creationId xmlns:p14="http://schemas.microsoft.com/office/powerpoint/2010/main" val="3231558467"/>
       </p:ext>
     </p:extLst>
   </p:cSld>
@@ -4007,7 +4031,7 @@
           <p:cNvPr id="2" name="Title 1">
             <a:extLst>
               <a:ext uri="{FF2B5EF4-FFF2-40B4-BE49-F238E27FC236}">
-                <a16:creationId xmlns:a16="http://schemas.microsoft.com/office/drawing/2014/main" id="{F11D3AC9-0811-4416-B33C-C55BB3841082}"/>
+                <a16:creationId xmlns:a16="http://schemas.microsoft.com/office/drawing/2014/main" id="{70DCD5D4-69A0-4740-A56A-F7865CA626E0}"/>
               </a:ext>
             </a:extLst>
           </p:cNvPr>
@@ -4025,17 +4049,184 @@
           <a:p>
             <a:r>
               <a:rPr lang="en-US" dirty="0"/>
-              <a:t>Regression</a:t>
-            </a:r>
+              <a:t>Predictive maintenance – Case example</a:t>
+            </a:r>
+          </a:p>
+        </p:txBody>
+      </p:sp>
+      <p:sp>
+        <p:nvSpPr>
+          <p:cNvPr id="6" name="TextBox 5">
+            <a:extLst>
+              <a:ext uri="{FF2B5EF4-FFF2-40B4-BE49-F238E27FC236}">
+                <a16:creationId xmlns:a16="http://schemas.microsoft.com/office/drawing/2014/main" id="{3AADC126-E627-412E-AA60-33AF4B6D8CA1}"/>
+              </a:ext>
+            </a:extLst>
+          </p:cNvPr>
+          <p:cNvSpPr txBox="1"/>
+          <p:nvPr/>
+        </p:nvSpPr>
+        <p:spPr>
+          <a:xfrm>
+            <a:off x="594360" y="1497330"/>
+            <a:ext cx="10759440" cy="3139321"/>
+          </a:xfrm>
+          <a:prstGeom prst="rect">
+            <a:avLst/>
+          </a:prstGeom>
+          <a:noFill/>
+        </p:spPr>
+        <p:txBody>
+          <a:bodyPr wrap="square" rtlCol="0">
+            <a:spAutoFit/>
+          </a:bodyPr>
+          <a:lstStyle/>
+          <a:p>
+            <a:pPr marL="342900" indent="-342900" algn="l">
+              <a:buFont typeface="+mj-lt"/>
+              <a:buAutoNum type="arabicPeriod"/>
+            </a:pPr>
+            <a:r>
+              <a:rPr lang="en-US" b="0" i="0" dirty="0">
+                <a:solidFill>
+                  <a:srgbClr val="2C3137"/>
+                </a:solidFill>
+                <a:effectLst/>
+                <a:latin typeface="Segoe UI" panose="020B0502040204020203" pitchFamily="34" charset="0"/>
+              </a:rPr>
+              <a:t>Predict the Remaining Useful Life (RUL).</a:t>
+            </a:r>
+          </a:p>
+          <a:p>
+            <a:pPr marL="342900" indent="-342900" algn="l">
+              <a:lnSpc>
+                <a:spcPct val="150000"/>
+              </a:lnSpc>
+              <a:buFont typeface="+mj-lt"/>
+              <a:buAutoNum type="arabicPeriod"/>
+            </a:pPr>
+            <a:r>
+              <a:rPr lang="en-US" b="0" i="0" dirty="0">
+                <a:solidFill>
+                  <a:srgbClr val="2C3137"/>
+                </a:solidFill>
+                <a:effectLst/>
+                <a:latin typeface="Segoe UI" panose="020B0502040204020203" pitchFamily="34" charset="0"/>
+              </a:rPr>
+              <a:t>Predict if an in-service </a:t>
+            </a:r>
+            <a:r>
+              <a:rPr lang="en-US" dirty="0">
+                <a:solidFill>
+                  <a:srgbClr val="2C3137"/>
+                </a:solidFill>
+                <a:latin typeface="Segoe UI" panose="020B0502040204020203" pitchFamily="34" charset="0"/>
+              </a:rPr>
+              <a:t>e</a:t>
+            </a:r>
+            <a:r>
+              <a:rPr lang="en-US" b="0" i="0" dirty="0">
+                <a:solidFill>
+                  <a:srgbClr val="2C3137"/>
+                </a:solidFill>
+                <a:effectLst/>
+                <a:latin typeface="Segoe UI" panose="020B0502040204020203" pitchFamily="34" charset="0"/>
+              </a:rPr>
+              <a:t>ngine will fail within certain time frame.</a:t>
+            </a:r>
+          </a:p>
+          <a:p>
+            <a:pPr marL="342900" indent="-342900" algn="l">
+              <a:lnSpc>
+                <a:spcPct val="150000"/>
+              </a:lnSpc>
+              <a:buFont typeface="+mj-lt"/>
+              <a:buAutoNum type="arabicPeriod"/>
+            </a:pPr>
+            <a:r>
+              <a:rPr lang="en-US" b="0" i="0" dirty="0">
+                <a:solidFill>
+                  <a:srgbClr val="2C3137"/>
+                </a:solidFill>
+                <a:effectLst/>
+                <a:latin typeface="Segoe UI" panose="020B0502040204020203" pitchFamily="34" charset="0"/>
+              </a:rPr>
+              <a:t>Predict if an in-service engine will fail in two different time windows.</a:t>
+            </a:r>
+          </a:p>
+          <a:p>
+            <a:pPr marL="342900" indent="-342900" algn="l">
+              <a:lnSpc>
+                <a:spcPct val="150000"/>
+              </a:lnSpc>
+              <a:buFont typeface="+mj-lt"/>
+              <a:buAutoNum type="arabicPeriod"/>
+            </a:pPr>
+            <a:endParaRPr lang="en-US" dirty="0">
+              <a:solidFill>
+                <a:srgbClr val="2C3137"/>
+              </a:solidFill>
+              <a:latin typeface="Segoe UI" panose="020B0502040204020203" pitchFamily="34" charset="0"/>
+            </a:endParaRPr>
+          </a:p>
+          <a:p>
+            <a:pPr marL="342900" indent="-342900" algn="l">
+              <a:lnSpc>
+                <a:spcPct val="150000"/>
+              </a:lnSpc>
+              <a:buFont typeface="+mj-lt"/>
+              <a:buAutoNum type="arabicPeriod"/>
+            </a:pPr>
+            <a:endParaRPr lang="en-US" b="0" i="0" dirty="0">
+              <a:solidFill>
+                <a:srgbClr val="2C3137"/>
+              </a:solidFill>
+              <a:effectLst/>
+              <a:latin typeface="Segoe UI" panose="020B0502040204020203" pitchFamily="34" charset="0"/>
+            </a:endParaRPr>
+          </a:p>
+          <a:p>
+            <a:pPr marL="342900" indent="-342900" algn="l">
+              <a:lnSpc>
+                <a:spcPct val="150000"/>
+              </a:lnSpc>
+              <a:buFont typeface="+mj-lt"/>
+              <a:buAutoNum type="arabicPeriod"/>
+            </a:pPr>
+            <a:endParaRPr lang="en-US" dirty="0">
+              <a:solidFill>
+                <a:srgbClr val="2C3137"/>
+              </a:solidFill>
+              <a:latin typeface="Segoe UI" panose="020B0502040204020203" pitchFamily="34" charset="0"/>
+            </a:endParaRPr>
+          </a:p>
+          <a:p>
+            <a:pPr marL="342900" indent="-342900" algn="l">
+              <a:lnSpc>
+                <a:spcPct val="150000"/>
+              </a:lnSpc>
+              <a:buFont typeface="+mj-lt"/>
+              <a:buAutoNum type="arabicPeriod"/>
+            </a:pPr>
+            <a:endParaRPr lang="en-US" b="0" i="0" dirty="0">
+              <a:solidFill>
+                <a:srgbClr val="2C3137"/>
+              </a:solidFill>
+              <a:effectLst/>
+              <a:latin typeface="Segoe UI" panose="020B0502040204020203" pitchFamily="34" charset="0"/>
+            </a:endParaRPr>
+          </a:p>
+          <a:p>
+            <a:endParaRPr lang="en-US" dirty="0"/>
           </a:p>
         </p:txBody>
       </p:sp>
       <p:pic>
         <p:nvPicPr>
-          <p:cNvPr id="7" name="Picture 6">
-            <a:extLst>
-              <a:ext uri="{FF2B5EF4-FFF2-40B4-BE49-F238E27FC236}">
-                <a16:creationId xmlns:a16="http://schemas.microsoft.com/office/drawing/2014/main" id="{B846B0F9-A524-48DF-9F0E-964490D577E5}"/>
+          <p:cNvPr id="5" name="Picture 4">
+            <a:extLst>
+              <a:ext uri="{FF2B5EF4-FFF2-40B4-BE49-F238E27FC236}">
+                <a16:creationId xmlns:a16="http://schemas.microsoft.com/office/drawing/2014/main" id="{8ED47F2B-CC54-4E24-B9BE-EAFBA4032767}"/>
               </a:ext>
             </a:extLst>
           </p:cNvPr>
@@ -4052,38 +4243,8 @@
         </p:blipFill>
         <p:spPr>
           <a:xfrm>
-            <a:off x="142875" y="1957387"/>
-            <a:ext cx="5629275" cy="2943225"/>
-          </a:xfrm>
-          <a:prstGeom prst="rect">
-            <a:avLst/>
-          </a:prstGeom>
-        </p:spPr>
-      </p:pic>
-      <p:pic>
-        <p:nvPicPr>
-          <p:cNvPr id="11" name="Picture 10">
-            <a:extLst>
-              <a:ext uri="{FF2B5EF4-FFF2-40B4-BE49-F238E27FC236}">
-                <a16:creationId xmlns:a16="http://schemas.microsoft.com/office/drawing/2014/main" id="{20F900CC-581C-42C6-B476-929692658DF5}"/>
-              </a:ext>
-            </a:extLst>
-          </p:cNvPr>
-          <p:cNvPicPr>
-            <a:picLocks noChangeAspect="1"/>
-          </p:cNvPicPr>
-          <p:nvPr/>
-        </p:nvPicPr>
-        <p:blipFill>
-          <a:blip r:embed="rId3"/>
-          <a:stretch>
-            <a:fillRect/>
-          </a:stretch>
-        </p:blipFill>
-        <p:spPr>
-          <a:xfrm>
-            <a:off x="6419852" y="1818639"/>
-            <a:ext cx="5514975" cy="3048000"/>
+            <a:off x="3346704" y="3066990"/>
+            <a:ext cx="7029450" cy="2124075"/>
           </a:xfrm>
           <a:prstGeom prst="rect">
             <a:avLst/>
@@ -4093,7 +4254,7 @@
     </p:spTree>
     <p:extLst>
       <p:ext uri="{BB962C8B-B14F-4D97-AF65-F5344CB8AC3E}">
-        <p14:creationId xmlns:p14="http://schemas.microsoft.com/office/powerpoint/2010/main" val="3808461920"/>
+        <p14:creationId xmlns:p14="http://schemas.microsoft.com/office/powerpoint/2010/main" val="2728061714"/>
       </p:ext>
     </p:extLst>
   </p:cSld>
@@ -4103,7 +4264,7 @@
 </p:sld>
 </file>
 
-<file path=ppt/slides/slide2.xml><?xml version="1.0" encoding="utf-8"?>
+<file path=ppt/slides/slide12.xml><?xml version="1.0" encoding="utf-8"?>
 <p:sld xmlns:a="http://schemas.openxmlformats.org/drawingml/2006/main" xmlns:r="http://schemas.openxmlformats.org/officeDocument/2006/relationships" xmlns:p="http://schemas.openxmlformats.org/presentationml/2006/main">
   <p:cSld>
     <p:spTree>
@@ -4122,10 +4283,10 @@
       </p:grpSpPr>
       <p:sp>
         <p:nvSpPr>
-          <p:cNvPr id="2" name="Title 1">
-            <a:extLst>
-              <a:ext uri="{FF2B5EF4-FFF2-40B4-BE49-F238E27FC236}">
-                <a16:creationId xmlns:a16="http://schemas.microsoft.com/office/drawing/2014/main" id="{3A32260C-5143-4415-9C8A-16E83C81E887}"/>
+          <p:cNvPr id="3" name="Content Placeholder 2">
+            <a:extLst>
+              <a:ext uri="{FF2B5EF4-FFF2-40B4-BE49-F238E27FC236}">
+                <a16:creationId xmlns:a16="http://schemas.microsoft.com/office/drawing/2014/main" id="{27CAC34F-28B8-4791-83EF-E2CE985BC37A}"/>
               </a:ext>
             </a:extLst>
           </p:cNvPr>
@@ -4133,17 +4294,31 @@
             <a:spLocks noGrp="1"/>
           </p:cNvSpPr>
           <p:nvPr>
-            <p:ph type="ctrTitle"/>
+            <p:ph idx="1"/>
           </p:nvPr>
         </p:nvSpPr>
-        <p:spPr/>
+        <p:spPr>
+          <a:xfrm>
+            <a:off x="1014846" y="2808756"/>
+            <a:ext cx="9573491" cy="1240487"/>
+          </a:xfrm>
+        </p:spPr>
         <p:txBody>
-          <a:bodyPr/>
+          <a:bodyPr>
+            <a:normAutofit/>
+          </a:bodyPr>
           <a:lstStyle/>
           <a:p>
-            <a:r>
-              <a:rPr lang="en-US" dirty="0"/>
-              <a:t>Technical slides</a:t>
+            <a:pPr marL="0" indent="0" algn="ctr">
+              <a:buNone/>
+            </a:pPr>
+            <a:r>
+              <a:rPr lang="en-US" sz="5400" dirty="0" err="1"/>
+              <a:t>Axbit’s</a:t>
+            </a:r>
+            <a:r>
+              <a:rPr lang="en-US" sz="5400" dirty="0"/>
+              <a:t> Solution</a:t>
             </a:r>
           </a:p>
         </p:txBody>
@@ -4151,7 +4326,7 @@
     </p:spTree>
     <p:extLst>
       <p:ext uri="{BB962C8B-B14F-4D97-AF65-F5344CB8AC3E}">
-        <p14:creationId xmlns:p14="http://schemas.microsoft.com/office/powerpoint/2010/main" val="2935097310"/>
+        <p14:creationId xmlns:p14="http://schemas.microsoft.com/office/powerpoint/2010/main" val="3323632848"/>
       </p:ext>
     </p:extLst>
   </p:cSld>
@@ -4161,7 +4336,7 @@
 </p:sld>
 </file>
 
-<file path=ppt/slides/slide3.xml><?xml version="1.0" encoding="utf-8"?>
+<file path=ppt/slides/slide13.xml><?xml version="1.0" encoding="utf-8"?>
 <p:sld xmlns:a="http://schemas.openxmlformats.org/drawingml/2006/main" xmlns:r="http://schemas.openxmlformats.org/officeDocument/2006/relationships" xmlns:p="http://schemas.openxmlformats.org/presentationml/2006/main">
   <p:cSld>
     <p:spTree>
@@ -6328,7 +6503,7 @@
 </p:sld>
 </file>
 
-<file path=ppt/slides/slide4.xml><?xml version="1.0" encoding="utf-8"?>
+<file path=ppt/slides/slide14.xml><?xml version="1.0" encoding="utf-8"?>
 <p:sld xmlns:a="http://schemas.openxmlformats.org/drawingml/2006/main" xmlns:r="http://schemas.openxmlformats.org/officeDocument/2006/relationships" xmlns:p="http://schemas.openxmlformats.org/presentationml/2006/main">
   <p:cSld>
     <p:spTree>
@@ -6368,939 +6543,15 @@
           <a:p>
             <a:r>
               <a:rPr lang="en-US" dirty="0"/>
-              <a:t>Predictive maintenance – Case example</a:t>
-            </a:r>
-          </a:p>
-        </p:txBody>
-      </p:sp>
-      <p:sp>
-        <p:nvSpPr>
-          <p:cNvPr id="6" name="TextBox 5">
-            <a:extLst>
-              <a:ext uri="{FF2B5EF4-FFF2-40B4-BE49-F238E27FC236}">
-                <a16:creationId xmlns:a16="http://schemas.microsoft.com/office/drawing/2014/main" id="{3AADC126-E627-412E-AA60-33AF4B6D8CA1}"/>
-              </a:ext>
-            </a:extLst>
-          </p:cNvPr>
-          <p:cNvSpPr txBox="1"/>
-          <p:nvPr/>
-        </p:nvSpPr>
-        <p:spPr>
-          <a:xfrm>
-            <a:off x="594360" y="1497330"/>
-            <a:ext cx="10759440" cy="5416868"/>
-          </a:xfrm>
-          <a:prstGeom prst="rect">
-            <a:avLst/>
-          </a:prstGeom>
-          <a:noFill/>
-        </p:spPr>
-        <p:txBody>
-          <a:bodyPr wrap="square" rtlCol="0">
-            <a:spAutoFit/>
-          </a:bodyPr>
-          <a:lstStyle/>
-          <a:p>
-            <a:r>
-              <a:rPr lang="en-US" sz="2400" dirty="0"/>
-              <a:t>Data source</a:t>
-            </a:r>
-          </a:p>
-          <a:p>
-            <a:r>
-              <a:rPr lang="en-US" sz="1000" dirty="0">
-                <a:hlinkClick r:id="rId2"/>
-              </a:rPr>
-              <a:t>https://gallery.azure.ai/Experiment/Predictive-Maintenance-Step-1-of-3-data-preparation-and-feature-engineering-1</a:t>
-            </a:r>
-            <a:endParaRPr lang="en-US" sz="1000" dirty="0"/>
-          </a:p>
-          <a:p>
-            <a:endParaRPr lang="en-US" dirty="0"/>
-          </a:p>
-          <a:p>
-            <a:r>
-              <a:rPr lang="en-US" sz="2400" dirty="0"/>
-              <a:t>Azure team’s solutions:</a:t>
-            </a:r>
-          </a:p>
-          <a:p>
-            <a:endParaRPr lang="en-US" dirty="0"/>
-          </a:p>
-          <a:p>
-            <a:pPr marL="342900" indent="-342900" algn="l">
-              <a:buFont typeface="+mj-lt"/>
-              <a:buAutoNum type="arabicPeriod"/>
-            </a:pPr>
-            <a:r>
-              <a:rPr lang="en-US" b="0" i="0" dirty="0">
-                <a:solidFill>
-                  <a:srgbClr val="2C3137"/>
-                </a:solidFill>
-                <a:effectLst/>
-                <a:latin typeface="Segoe UI" panose="020B0502040204020203" pitchFamily="34" charset="0"/>
-              </a:rPr>
-              <a:t>Predict the Remaining Useful Life (RUL).</a:t>
-            </a:r>
-          </a:p>
-          <a:p>
-            <a:pPr marL="342900" indent="-342900" algn="l">
-              <a:buFont typeface="+mj-lt"/>
-              <a:buAutoNum type="arabicPeriod"/>
-            </a:pPr>
-            <a:endParaRPr lang="en-US" dirty="0">
-              <a:solidFill>
-                <a:srgbClr val="2C3137"/>
-              </a:solidFill>
-              <a:latin typeface="Segoe UI" panose="020B0502040204020203" pitchFamily="34" charset="0"/>
-            </a:endParaRPr>
-          </a:p>
-          <a:p>
-            <a:pPr marL="342900" indent="-342900" algn="l">
-              <a:buFont typeface="+mj-lt"/>
-              <a:buAutoNum type="arabicPeriod"/>
-            </a:pPr>
-            <a:endParaRPr lang="en-US" b="0" i="0" dirty="0">
-              <a:solidFill>
-                <a:srgbClr val="2C3137"/>
-              </a:solidFill>
-              <a:effectLst/>
-              <a:latin typeface="Segoe UI" panose="020B0502040204020203" pitchFamily="34" charset="0"/>
-            </a:endParaRPr>
-          </a:p>
-          <a:p>
-            <a:pPr marL="342900" indent="-342900" algn="l">
-              <a:buFont typeface="+mj-lt"/>
-              <a:buAutoNum type="arabicPeriod"/>
-            </a:pPr>
-            <a:endParaRPr lang="en-US" dirty="0">
-              <a:solidFill>
-                <a:srgbClr val="2C3137"/>
-              </a:solidFill>
-              <a:latin typeface="Segoe UI" panose="020B0502040204020203" pitchFamily="34" charset="0"/>
-            </a:endParaRPr>
-          </a:p>
-          <a:p>
-            <a:pPr marL="342900" indent="-342900" algn="l">
-              <a:buFont typeface="+mj-lt"/>
-              <a:buAutoNum type="arabicPeriod"/>
-            </a:pPr>
-            <a:endParaRPr lang="en-US" b="0" i="0" dirty="0">
-              <a:solidFill>
-                <a:srgbClr val="2C3137"/>
-              </a:solidFill>
-              <a:effectLst/>
-              <a:latin typeface="Segoe UI" panose="020B0502040204020203" pitchFamily="34" charset="0"/>
-            </a:endParaRPr>
-          </a:p>
-          <a:p>
-            <a:pPr marL="342900" indent="-342900" algn="l">
-              <a:buFont typeface="+mj-lt"/>
-              <a:buAutoNum type="arabicPeriod"/>
-            </a:pPr>
-            <a:endParaRPr lang="en-US" dirty="0">
-              <a:solidFill>
-                <a:srgbClr val="2C3137"/>
-              </a:solidFill>
-              <a:latin typeface="Segoe UI" panose="020B0502040204020203" pitchFamily="34" charset="0"/>
-            </a:endParaRPr>
-          </a:p>
-          <a:p>
-            <a:pPr marL="342900" indent="-342900" algn="l">
-              <a:buFont typeface="+mj-lt"/>
-              <a:buAutoNum type="arabicPeriod"/>
-            </a:pPr>
-            <a:endParaRPr lang="en-US" b="0" i="0" dirty="0">
-              <a:solidFill>
-                <a:srgbClr val="2C3137"/>
-              </a:solidFill>
-              <a:effectLst/>
-              <a:latin typeface="Segoe UI" panose="020B0502040204020203" pitchFamily="34" charset="0"/>
-            </a:endParaRPr>
-          </a:p>
-          <a:p>
-            <a:pPr marL="342900" indent="-342900" algn="l">
-              <a:buFont typeface="+mj-lt"/>
-              <a:buAutoNum type="arabicPeriod"/>
-            </a:pPr>
-            <a:endParaRPr lang="en-US" dirty="0">
-              <a:solidFill>
-                <a:srgbClr val="2C3137"/>
-              </a:solidFill>
-              <a:latin typeface="Segoe UI" panose="020B0502040204020203" pitchFamily="34" charset="0"/>
-            </a:endParaRPr>
-          </a:p>
-          <a:p>
-            <a:pPr marL="342900" indent="-342900" algn="l">
-              <a:buFont typeface="+mj-lt"/>
-              <a:buAutoNum type="arabicPeriod"/>
-            </a:pPr>
-            <a:endParaRPr lang="en-US" b="0" i="0" dirty="0">
-              <a:solidFill>
-                <a:srgbClr val="2C3137"/>
-              </a:solidFill>
-              <a:effectLst/>
-              <a:latin typeface="Segoe UI" panose="020B0502040204020203" pitchFamily="34" charset="0"/>
-            </a:endParaRPr>
-          </a:p>
-          <a:p>
-            <a:pPr marL="342900" indent="-342900" algn="l">
-              <a:buFont typeface="+mj-lt"/>
-              <a:buAutoNum type="arabicPeriod"/>
-            </a:pPr>
-            <a:endParaRPr lang="en-US" b="0" i="0" dirty="0">
-              <a:solidFill>
-                <a:srgbClr val="2C3137"/>
-              </a:solidFill>
-              <a:effectLst/>
-              <a:latin typeface="Segoe UI" panose="020B0502040204020203" pitchFamily="34" charset="0"/>
-            </a:endParaRPr>
-          </a:p>
-          <a:p>
-            <a:pPr marL="342900" indent="-342900" algn="l">
-              <a:lnSpc>
-                <a:spcPct val="150000"/>
-              </a:lnSpc>
-              <a:buFont typeface="+mj-lt"/>
-              <a:buAutoNum type="arabicPeriod"/>
-            </a:pPr>
-            <a:r>
-              <a:rPr lang="en-US" b="0" i="0" dirty="0">
-                <a:solidFill>
-                  <a:srgbClr val="2C3137"/>
-                </a:solidFill>
-                <a:effectLst/>
-                <a:latin typeface="Segoe UI" panose="020B0502040204020203" pitchFamily="34" charset="0"/>
-              </a:rPr>
-              <a:t>Predict if an in-service </a:t>
-            </a:r>
-            <a:r>
-              <a:rPr lang="en-US" dirty="0">
-                <a:solidFill>
-                  <a:srgbClr val="2C3137"/>
-                </a:solidFill>
-                <a:latin typeface="Segoe UI" panose="020B0502040204020203" pitchFamily="34" charset="0"/>
-              </a:rPr>
-              <a:t>e</a:t>
-            </a:r>
-            <a:r>
-              <a:rPr lang="en-US" b="0" i="0" dirty="0">
-                <a:solidFill>
-                  <a:srgbClr val="2C3137"/>
-                </a:solidFill>
-                <a:effectLst/>
-                <a:latin typeface="Segoe UI" panose="020B0502040204020203" pitchFamily="34" charset="0"/>
-              </a:rPr>
-              <a:t>ngine will fail within certain time frame.</a:t>
-            </a:r>
-          </a:p>
-          <a:p>
-            <a:pPr marL="342900" indent="-342900" algn="l">
-              <a:lnSpc>
-                <a:spcPct val="150000"/>
-              </a:lnSpc>
-              <a:buFont typeface="+mj-lt"/>
-              <a:buAutoNum type="arabicPeriod"/>
-            </a:pPr>
-            <a:r>
-              <a:rPr lang="en-US" b="0" i="0" dirty="0">
-                <a:solidFill>
-                  <a:srgbClr val="2C3137"/>
-                </a:solidFill>
-                <a:effectLst/>
-                <a:latin typeface="Segoe UI" panose="020B0502040204020203" pitchFamily="34" charset="0"/>
-              </a:rPr>
-              <a:t>Predict if an in-service engine will fail in two different time windows.</a:t>
-            </a:r>
-          </a:p>
-          <a:p>
-            <a:endParaRPr lang="en-US" dirty="0"/>
-          </a:p>
-        </p:txBody>
-      </p:sp>
-      <p:pic>
-        <p:nvPicPr>
-          <p:cNvPr id="8" name="Picture 7">
-            <a:extLst>
-              <a:ext uri="{FF2B5EF4-FFF2-40B4-BE49-F238E27FC236}">
-                <a16:creationId xmlns:a16="http://schemas.microsoft.com/office/drawing/2014/main" id="{9C663BFA-36A3-47DF-AEF3-A0F5403720A6}"/>
-              </a:ext>
-            </a:extLst>
-          </p:cNvPr>
-          <p:cNvPicPr>
-            <a:picLocks noChangeAspect="1"/>
-          </p:cNvPicPr>
-          <p:nvPr/>
-        </p:nvPicPr>
-        <p:blipFill>
-          <a:blip r:embed="rId3"/>
-          <a:stretch>
-            <a:fillRect/>
-          </a:stretch>
-        </p:blipFill>
-        <p:spPr>
-          <a:xfrm>
-            <a:off x="3259599" y="3429000"/>
-            <a:ext cx="5847825" cy="1988895"/>
-          </a:xfrm>
-          <a:prstGeom prst="rect">
-            <a:avLst/>
-          </a:prstGeom>
-        </p:spPr>
-      </p:pic>
-    </p:spTree>
-    <p:extLst>
-      <p:ext uri="{BB962C8B-B14F-4D97-AF65-F5344CB8AC3E}">
-        <p14:creationId xmlns:p14="http://schemas.microsoft.com/office/powerpoint/2010/main" val="256303571"/>
-      </p:ext>
-    </p:extLst>
-  </p:cSld>
-  <p:clrMapOvr>
-    <a:masterClrMapping/>
-  </p:clrMapOvr>
-</p:sld>
-</file>
-
-<file path=ppt/slides/slide5.xml><?xml version="1.0" encoding="utf-8"?>
-<p:sld xmlns:a="http://schemas.openxmlformats.org/drawingml/2006/main" xmlns:r="http://schemas.openxmlformats.org/officeDocument/2006/relationships" xmlns:p="http://schemas.openxmlformats.org/presentationml/2006/main">
-  <p:cSld>
-    <p:spTree>
-      <p:nvGrpSpPr>
-        <p:cNvPr id="1" name=""/>
-        <p:cNvGrpSpPr/>
-        <p:nvPr/>
-      </p:nvGrpSpPr>
-      <p:grpSpPr>
-        <a:xfrm>
-          <a:off x="0" y="0"/>
-          <a:ext cx="0" cy="0"/>
-          <a:chOff x="0" y="0"/>
-          <a:chExt cx="0" cy="0"/>
-        </a:xfrm>
-      </p:grpSpPr>
-      <p:sp>
-        <p:nvSpPr>
-          <p:cNvPr id="2" name="Title 1">
-            <a:extLst>
-              <a:ext uri="{FF2B5EF4-FFF2-40B4-BE49-F238E27FC236}">
-                <a16:creationId xmlns:a16="http://schemas.microsoft.com/office/drawing/2014/main" id="{70DCD5D4-69A0-4740-A56A-F7865CA626E0}"/>
-              </a:ext>
-            </a:extLst>
-          </p:cNvPr>
-          <p:cNvSpPr>
-            <a:spLocks noGrp="1"/>
-          </p:cNvSpPr>
-          <p:nvPr>
-            <p:ph type="title"/>
-          </p:nvPr>
-        </p:nvSpPr>
-        <p:spPr/>
-        <p:txBody>
-          <a:bodyPr/>
-          <a:lstStyle/>
-          <a:p>
+              <a:t>Predictive maintenance – </a:t>
+            </a:r>
+            <a:r>
+              <a:rPr lang="en-US" dirty="0" err="1"/>
+              <a:t>Axbit’s</a:t>
+            </a:r>
             <a:r>
               <a:rPr lang="en-US" dirty="0"/>
-              <a:t>Predictive maintenance – Case example</a:t>
-            </a:r>
-          </a:p>
-        </p:txBody>
-      </p:sp>
-      <p:sp>
-        <p:nvSpPr>
-          <p:cNvPr id="6" name="TextBox 5">
-            <a:extLst>
-              <a:ext uri="{FF2B5EF4-FFF2-40B4-BE49-F238E27FC236}">
-                <a16:creationId xmlns:a16="http://schemas.microsoft.com/office/drawing/2014/main" id="{3AADC126-E627-412E-AA60-33AF4B6D8CA1}"/>
-              </a:ext>
-            </a:extLst>
-          </p:cNvPr>
-          <p:cNvSpPr txBox="1"/>
-          <p:nvPr/>
-        </p:nvSpPr>
-        <p:spPr>
-          <a:xfrm>
-            <a:off x="594360" y="1497330"/>
-            <a:ext cx="10759440" cy="5416868"/>
-          </a:xfrm>
-          <a:prstGeom prst="rect">
-            <a:avLst/>
-          </a:prstGeom>
-          <a:noFill/>
-        </p:spPr>
-        <p:txBody>
-          <a:bodyPr wrap="square" rtlCol="0">
-            <a:spAutoFit/>
-          </a:bodyPr>
-          <a:lstStyle/>
-          <a:p>
-            <a:r>
-              <a:rPr lang="en-US" sz="2400" dirty="0"/>
-              <a:t>Data source</a:t>
-            </a:r>
-          </a:p>
-          <a:p>
-            <a:r>
-              <a:rPr lang="en-US" sz="1000" dirty="0">
-                <a:hlinkClick r:id="rId2"/>
-              </a:rPr>
-              <a:t>https://gallery.azure.ai/Experiment/Predictive-Maintenance-Step-1-of-3-data-preparation-and-feature-engineering-1</a:t>
-            </a:r>
-            <a:endParaRPr lang="en-US" sz="1000" dirty="0"/>
-          </a:p>
-          <a:p>
-            <a:endParaRPr lang="en-US" dirty="0"/>
-          </a:p>
-          <a:p>
-            <a:r>
-              <a:rPr lang="en-US" sz="2400" dirty="0"/>
-              <a:t>Azure team’s solutions:</a:t>
-            </a:r>
-          </a:p>
-          <a:p>
-            <a:endParaRPr lang="en-US" dirty="0"/>
-          </a:p>
-          <a:p>
-            <a:pPr marL="342900" indent="-342900" algn="l">
-              <a:buFont typeface="+mj-lt"/>
-              <a:buAutoNum type="arabicPeriod"/>
-            </a:pPr>
-            <a:r>
-              <a:rPr lang="en-US" b="0" i="0" dirty="0">
-                <a:solidFill>
-                  <a:srgbClr val="2C3137"/>
-                </a:solidFill>
-                <a:effectLst/>
-                <a:latin typeface="Segoe UI" panose="020B0502040204020203" pitchFamily="34" charset="0"/>
-              </a:rPr>
-              <a:t>Predict the Remaining Useful Life (RUL).</a:t>
-            </a:r>
-          </a:p>
-          <a:p>
-            <a:pPr marL="342900" indent="-342900" algn="l">
-              <a:lnSpc>
-                <a:spcPct val="150000"/>
-              </a:lnSpc>
-              <a:buFont typeface="+mj-lt"/>
-              <a:buAutoNum type="arabicPeriod"/>
-            </a:pPr>
-            <a:r>
-              <a:rPr lang="en-US" b="0" i="0" dirty="0">
-                <a:solidFill>
-                  <a:srgbClr val="2C3137"/>
-                </a:solidFill>
-                <a:effectLst/>
-                <a:latin typeface="Segoe UI" panose="020B0502040204020203" pitchFamily="34" charset="0"/>
-              </a:rPr>
-              <a:t>Predict if an in-service </a:t>
-            </a:r>
-            <a:r>
-              <a:rPr lang="en-US" dirty="0">
-                <a:solidFill>
-                  <a:srgbClr val="2C3137"/>
-                </a:solidFill>
-                <a:latin typeface="Segoe UI" panose="020B0502040204020203" pitchFamily="34" charset="0"/>
-              </a:rPr>
-              <a:t>e</a:t>
-            </a:r>
-            <a:r>
-              <a:rPr lang="en-US" b="0" i="0" dirty="0">
-                <a:solidFill>
-                  <a:srgbClr val="2C3137"/>
-                </a:solidFill>
-                <a:effectLst/>
-                <a:latin typeface="Segoe UI" panose="020B0502040204020203" pitchFamily="34" charset="0"/>
-              </a:rPr>
-              <a:t>ngine will fail within certain time frame.</a:t>
-            </a:r>
-          </a:p>
-          <a:p>
-            <a:pPr marL="342900" indent="-342900" algn="l">
-              <a:lnSpc>
-                <a:spcPct val="150000"/>
-              </a:lnSpc>
-              <a:buFont typeface="+mj-lt"/>
-              <a:buAutoNum type="arabicPeriod"/>
-            </a:pPr>
-            <a:endParaRPr lang="en-US" dirty="0">
-              <a:solidFill>
-                <a:srgbClr val="2C3137"/>
-              </a:solidFill>
-              <a:latin typeface="Segoe UI" panose="020B0502040204020203" pitchFamily="34" charset="0"/>
-            </a:endParaRPr>
-          </a:p>
-          <a:p>
-            <a:pPr marL="342900" indent="-342900" algn="l">
-              <a:lnSpc>
-                <a:spcPct val="150000"/>
-              </a:lnSpc>
-              <a:buFont typeface="+mj-lt"/>
-              <a:buAutoNum type="arabicPeriod"/>
-            </a:pPr>
-            <a:endParaRPr lang="en-US" dirty="0">
-              <a:solidFill>
-                <a:srgbClr val="2C3137"/>
-              </a:solidFill>
-              <a:latin typeface="Segoe UI" panose="020B0502040204020203" pitchFamily="34" charset="0"/>
-            </a:endParaRPr>
-          </a:p>
-          <a:p>
-            <a:pPr marL="342900" indent="-342900" algn="l">
-              <a:lnSpc>
-                <a:spcPct val="150000"/>
-              </a:lnSpc>
-              <a:buFont typeface="+mj-lt"/>
-              <a:buAutoNum type="arabicPeriod"/>
-            </a:pPr>
-            <a:endParaRPr lang="en-US" dirty="0">
-              <a:solidFill>
-                <a:srgbClr val="2C3137"/>
-              </a:solidFill>
-              <a:latin typeface="Segoe UI" panose="020B0502040204020203" pitchFamily="34" charset="0"/>
-            </a:endParaRPr>
-          </a:p>
-          <a:p>
-            <a:pPr marL="342900" indent="-342900" algn="l">
-              <a:lnSpc>
-                <a:spcPct val="150000"/>
-              </a:lnSpc>
-              <a:buFont typeface="+mj-lt"/>
-              <a:buAutoNum type="arabicPeriod"/>
-            </a:pPr>
-            <a:endParaRPr lang="en-US" b="0" i="0" dirty="0">
-              <a:solidFill>
-                <a:srgbClr val="2C3137"/>
-              </a:solidFill>
-              <a:effectLst/>
-              <a:latin typeface="Segoe UI" panose="020B0502040204020203" pitchFamily="34" charset="0"/>
-            </a:endParaRPr>
-          </a:p>
-          <a:p>
-            <a:pPr marL="342900" indent="-342900" algn="l">
-              <a:lnSpc>
-                <a:spcPct val="150000"/>
-              </a:lnSpc>
-              <a:buFont typeface="+mj-lt"/>
-              <a:buAutoNum type="arabicPeriod"/>
-            </a:pPr>
-            <a:endParaRPr lang="en-US" b="0" i="0" dirty="0">
-              <a:solidFill>
-                <a:srgbClr val="2C3137"/>
-              </a:solidFill>
-              <a:effectLst/>
-              <a:latin typeface="Segoe UI" panose="020B0502040204020203" pitchFamily="34" charset="0"/>
-            </a:endParaRPr>
-          </a:p>
-          <a:p>
-            <a:pPr marL="342900" indent="-342900" algn="l">
-              <a:lnSpc>
-                <a:spcPct val="150000"/>
-              </a:lnSpc>
-              <a:buFont typeface="+mj-lt"/>
-              <a:buAutoNum type="arabicPeriod"/>
-            </a:pPr>
-            <a:endParaRPr lang="en-US" b="0" i="0" dirty="0">
-              <a:solidFill>
-                <a:srgbClr val="2C3137"/>
-              </a:solidFill>
-              <a:effectLst/>
-              <a:latin typeface="Segoe UI" panose="020B0502040204020203" pitchFamily="34" charset="0"/>
-            </a:endParaRPr>
-          </a:p>
-          <a:p>
-            <a:pPr marL="342900" indent="-342900" algn="l">
-              <a:lnSpc>
-                <a:spcPct val="150000"/>
-              </a:lnSpc>
-              <a:buFont typeface="+mj-lt"/>
-              <a:buAutoNum type="arabicPeriod"/>
-            </a:pPr>
-            <a:r>
-              <a:rPr lang="en-US" b="0" i="0" dirty="0">
-                <a:solidFill>
-                  <a:srgbClr val="2C3137"/>
-                </a:solidFill>
-                <a:effectLst/>
-                <a:latin typeface="Segoe UI" panose="020B0502040204020203" pitchFamily="34" charset="0"/>
-              </a:rPr>
-              <a:t>Predict if an in-service engine will fail in two different time windows.</a:t>
-            </a:r>
-          </a:p>
-          <a:p>
-            <a:endParaRPr lang="en-US" dirty="0"/>
-          </a:p>
-        </p:txBody>
-      </p:sp>
-      <p:pic>
-        <p:nvPicPr>
-          <p:cNvPr id="4" name="Picture 3">
-            <a:extLst>
-              <a:ext uri="{FF2B5EF4-FFF2-40B4-BE49-F238E27FC236}">
-                <a16:creationId xmlns:a16="http://schemas.microsoft.com/office/drawing/2014/main" id="{EA11E314-D369-4696-9B24-E832D5C92E45}"/>
-              </a:ext>
-            </a:extLst>
-          </p:cNvPr>
-          <p:cNvPicPr>
-            <a:picLocks noChangeAspect="1"/>
-          </p:cNvPicPr>
-          <p:nvPr/>
-        </p:nvPicPr>
-        <p:blipFill>
-          <a:blip r:embed="rId3"/>
-          <a:stretch>
-            <a:fillRect/>
-          </a:stretch>
-        </p:blipFill>
-        <p:spPr>
-          <a:xfrm>
-            <a:off x="2586609" y="3867048"/>
-            <a:ext cx="4629150" cy="2009775"/>
-          </a:xfrm>
-          <a:prstGeom prst="rect">
-            <a:avLst/>
-          </a:prstGeom>
-        </p:spPr>
-      </p:pic>
-    </p:spTree>
-    <p:extLst>
-      <p:ext uri="{BB962C8B-B14F-4D97-AF65-F5344CB8AC3E}">
-        <p14:creationId xmlns:p14="http://schemas.microsoft.com/office/powerpoint/2010/main" val="3231558467"/>
-      </p:ext>
-    </p:extLst>
-  </p:cSld>
-  <p:clrMapOvr>
-    <a:masterClrMapping/>
-  </p:clrMapOvr>
-</p:sld>
-</file>
-
-<file path=ppt/slides/slide6.xml><?xml version="1.0" encoding="utf-8"?>
-<p:sld xmlns:a="http://schemas.openxmlformats.org/drawingml/2006/main" xmlns:r="http://schemas.openxmlformats.org/officeDocument/2006/relationships" xmlns:p="http://schemas.openxmlformats.org/presentationml/2006/main">
-  <p:cSld>
-    <p:spTree>
-      <p:nvGrpSpPr>
-        <p:cNvPr id="1" name=""/>
-        <p:cNvGrpSpPr/>
-        <p:nvPr/>
-      </p:nvGrpSpPr>
-      <p:grpSpPr>
-        <a:xfrm>
-          <a:off x="0" y="0"/>
-          <a:ext cx="0" cy="0"/>
-          <a:chOff x="0" y="0"/>
-          <a:chExt cx="0" cy="0"/>
-        </a:xfrm>
-      </p:grpSpPr>
-      <p:sp>
-        <p:nvSpPr>
-          <p:cNvPr id="2" name="Title 1">
-            <a:extLst>
-              <a:ext uri="{FF2B5EF4-FFF2-40B4-BE49-F238E27FC236}">
-                <a16:creationId xmlns:a16="http://schemas.microsoft.com/office/drawing/2014/main" id="{70DCD5D4-69A0-4740-A56A-F7865CA626E0}"/>
-              </a:ext>
-            </a:extLst>
-          </p:cNvPr>
-          <p:cNvSpPr>
-            <a:spLocks noGrp="1"/>
-          </p:cNvSpPr>
-          <p:nvPr>
-            <p:ph type="title"/>
-          </p:nvPr>
-        </p:nvSpPr>
-        <p:spPr/>
-        <p:txBody>
-          <a:bodyPr/>
-          <a:lstStyle/>
-          <a:p>
-            <a:r>
-              <a:rPr lang="en-US" dirty="0"/>
-              <a:t>Predictive maintenance – Case example</a:t>
-            </a:r>
-          </a:p>
-        </p:txBody>
-      </p:sp>
-      <p:sp>
-        <p:nvSpPr>
-          <p:cNvPr id="6" name="TextBox 5">
-            <a:extLst>
-              <a:ext uri="{FF2B5EF4-FFF2-40B4-BE49-F238E27FC236}">
-                <a16:creationId xmlns:a16="http://schemas.microsoft.com/office/drawing/2014/main" id="{3AADC126-E627-412E-AA60-33AF4B6D8CA1}"/>
-              </a:ext>
-            </a:extLst>
-          </p:cNvPr>
-          <p:cNvSpPr txBox="1"/>
-          <p:nvPr/>
-        </p:nvSpPr>
-        <p:spPr>
-          <a:xfrm>
-            <a:off x="594360" y="1497330"/>
-            <a:ext cx="10759440" cy="4585871"/>
-          </a:xfrm>
-          <a:prstGeom prst="rect">
-            <a:avLst/>
-          </a:prstGeom>
-          <a:noFill/>
-        </p:spPr>
-        <p:txBody>
-          <a:bodyPr wrap="square" rtlCol="0">
-            <a:spAutoFit/>
-          </a:bodyPr>
-          <a:lstStyle/>
-          <a:p>
-            <a:r>
-              <a:rPr lang="en-US" sz="2400" dirty="0"/>
-              <a:t>Data source</a:t>
-            </a:r>
-          </a:p>
-          <a:p>
-            <a:r>
-              <a:rPr lang="en-US" sz="1000" dirty="0">
-                <a:hlinkClick r:id="rId2"/>
-              </a:rPr>
-              <a:t>https://gallery.azure.ai/Experiment/Predictive-Maintenance-Step-1-of-3-data-preparation-and-feature-engineering-1</a:t>
-            </a:r>
-            <a:endParaRPr lang="en-US" sz="1000" dirty="0"/>
-          </a:p>
-          <a:p>
-            <a:endParaRPr lang="en-US" dirty="0"/>
-          </a:p>
-          <a:p>
-            <a:r>
-              <a:rPr lang="en-US" sz="2400" dirty="0" err="1"/>
-              <a:t>AzureML</a:t>
-            </a:r>
-            <a:r>
-              <a:rPr lang="en-US" sz="2400" dirty="0"/>
-              <a:t> team’s solutions: (Using template on machine learning studio on azure)</a:t>
-            </a:r>
-          </a:p>
-          <a:p>
-            <a:endParaRPr lang="en-US" dirty="0"/>
-          </a:p>
-          <a:p>
-            <a:pPr marL="342900" indent="-342900" algn="l">
-              <a:buFont typeface="+mj-lt"/>
-              <a:buAutoNum type="arabicPeriod"/>
-            </a:pPr>
-            <a:r>
-              <a:rPr lang="en-US" b="0" i="0" dirty="0">
-                <a:solidFill>
-                  <a:srgbClr val="2C3137"/>
-                </a:solidFill>
-                <a:effectLst/>
-                <a:latin typeface="Segoe UI" panose="020B0502040204020203" pitchFamily="34" charset="0"/>
-              </a:rPr>
-              <a:t>Predict the Remaining Useful Life (RUL).</a:t>
-            </a:r>
-          </a:p>
-          <a:p>
-            <a:pPr marL="342900" indent="-342900" algn="l">
-              <a:lnSpc>
-                <a:spcPct val="150000"/>
-              </a:lnSpc>
-              <a:buFont typeface="+mj-lt"/>
-              <a:buAutoNum type="arabicPeriod"/>
-            </a:pPr>
-            <a:r>
-              <a:rPr lang="en-US" b="0" i="0" dirty="0">
-                <a:solidFill>
-                  <a:srgbClr val="2C3137"/>
-                </a:solidFill>
-                <a:effectLst/>
-                <a:latin typeface="Segoe UI" panose="020B0502040204020203" pitchFamily="34" charset="0"/>
-              </a:rPr>
-              <a:t>Predict if an in-service </a:t>
-            </a:r>
-            <a:r>
-              <a:rPr lang="en-US" dirty="0">
-                <a:solidFill>
-                  <a:srgbClr val="2C3137"/>
-                </a:solidFill>
-                <a:latin typeface="Segoe UI" panose="020B0502040204020203" pitchFamily="34" charset="0"/>
-              </a:rPr>
-              <a:t>e</a:t>
-            </a:r>
-            <a:r>
-              <a:rPr lang="en-US" b="0" i="0" dirty="0">
-                <a:solidFill>
-                  <a:srgbClr val="2C3137"/>
-                </a:solidFill>
-                <a:effectLst/>
-                <a:latin typeface="Segoe UI" panose="020B0502040204020203" pitchFamily="34" charset="0"/>
-              </a:rPr>
-              <a:t>ngine will fail within certain time frame.</a:t>
-            </a:r>
-          </a:p>
-          <a:p>
-            <a:pPr marL="342900" indent="-342900" algn="l">
-              <a:lnSpc>
-                <a:spcPct val="150000"/>
-              </a:lnSpc>
-              <a:buFont typeface="+mj-lt"/>
-              <a:buAutoNum type="arabicPeriod"/>
-            </a:pPr>
-            <a:r>
-              <a:rPr lang="en-US" b="0" i="0" dirty="0">
-                <a:solidFill>
-                  <a:srgbClr val="2C3137"/>
-                </a:solidFill>
-                <a:effectLst/>
-                <a:latin typeface="Segoe UI" panose="020B0502040204020203" pitchFamily="34" charset="0"/>
-              </a:rPr>
-              <a:t>Predict if an in-service engine will fail in two different time windows.</a:t>
-            </a:r>
-          </a:p>
-          <a:p>
-            <a:pPr marL="342900" indent="-342900" algn="l">
-              <a:lnSpc>
-                <a:spcPct val="150000"/>
-              </a:lnSpc>
-              <a:buFont typeface="+mj-lt"/>
-              <a:buAutoNum type="arabicPeriod"/>
-            </a:pPr>
-            <a:endParaRPr lang="en-US" dirty="0">
-              <a:solidFill>
-                <a:srgbClr val="2C3137"/>
-              </a:solidFill>
-              <a:latin typeface="Segoe UI" panose="020B0502040204020203" pitchFamily="34" charset="0"/>
-            </a:endParaRPr>
-          </a:p>
-          <a:p>
-            <a:pPr marL="342900" indent="-342900" algn="l">
-              <a:lnSpc>
-                <a:spcPct val="150000"/>
-              </a:lnSpc>
-              <a:buFont typeface="+mj-lt"/>
-              <a:buAutoNum type="arabicPeriod"/>
-            </a:pPr>
-            <a:endParaRPr lang="en-US" b="0" i="0" dirty="0">
-              <a:solidFill>
-                <a:srgbClr val="2C3137"/>
-              </a:solidFill>
-              <a:effectLst/>
-              <a:latin typeface="Segoe UI" panose="020B0502040204020203" pitchFamily="34" charset="0"/>
-            </a:endParaRPr>
-          </a:p>
-          <a:p>
-            <a:pPr marL="342900" indent="-342900" algn="l">
-              <a:lnSpc>
-                <a:spcPct val="150000"/>
-              </a:lnSpc>
-              <a:buFont typeface="+mj-lt"/>
-              <a:buAutoNum type="arabicPeriod"/>
-            </a:pPr>
-            <a:endParaRPr lang="en-US" dirty="0">
-              <a:solidFill>
-                <a:srgbClr val="2C3137"/>
-              </a:solidFill>
-              <a:latin typeface="Segoe UI" panose="020B0502040204020203" pitchFamily="34" charset="0"/>
-            </a:endParaRPr>
-          </a:p>
-          <a:p>
-            <a:pPr marL="342900" indent="-342900" algn="l">
-              <a:lnSpc>
-                <a:spcPct val="150000"/>
-              </a:lnSpc>
-              <a:buFont typeface="+mj-lt"/>
-              <a:buAutoNum type="arabicPeriod"/>
-            </a:pPr>
-            <a:endParaRPr lang="en-US" b="0" i="0" dirty="0">
-              <a:solidFill>
-                <a:srgbClr val="2C3137"/>
-              </a:solidFill>
-              <a:effectLst/>
-              <a:latin typeface="Segoe UI" panose="020B0502040204020203" pitchFamily="34" charset="0"/>
-            </a:endParaRPr>
-          </a:p>
-          <a:p>
-            <a:endParaRPr lang="en-US" dirty="0"/>
-          </a:p>
-        </p:txBody>
-      </p:sp>
-      <p:pic>
-        <p:nvPicPr>
-          <p:cNvPr id="5" name="Picture 4">
-            <a:extLst>
-              <a:ext uri="{FF2B5EF4-FFF2-40B4-BE49-F238E27FC236}">
-                <a16:creationId xmlns:a16="http://schemas.microsoft.com/office/drawing/2014/main" id="{8ED47F2B-CC54-4E24-B9BE-EAFBA4032767}"/>
-              </a:ext>
-            </a:extLst>
-          </p:cNvPr>
-          <p:cNvPicPr>
-            <a:picLocks noChangeAspect="1"/>
-          </p:cNvPicPr>
-          <p:nvPr/>
-        </p:nvPicPr>
-        <p:blipFill>
-          <a:blip r:embed="rId3"/>
-          <a:stretch>
-            <a:fillRect/>
-          </a:stretch>
-        </p:blipFill>
-        <p:spPr>
-          <a:xfrm>
-            <a:off x="3084957" y="4298632"/>
-            <a:ext cx="7029450" cy="2124075"/>
-          </a:xfrm>
-          <a:prstGeom prst="rect">
-            <a:avLst/>
-          </a:prstGeom>
-        </p:spPr>
-      </p:pic>
-    </p:spTree>
-    <p:extLst>
-      <p:ext uri="{BB962C8B-B14F-4D97-AF65-F5344CB8AC3E}">
-        <p14:creationId xmlns:p14="http://schemas.microsoft.com/office/powerpoint/2010/main" val="2728061714"/>
-      </p:ext>
-    </p:extLst>
-  </p:cSld>
-  <p:clrMapOvr>
-    <a:masterClrMapping/>
-  </p:clrMapOvr>
-</p:sld>
-</file>
-
-<file path=ppt/slides/slide7.xml><?xml version="1.0" encoding="utf-8"?>
-<p:sld xmlns:a="http://schemas.openxmlformats.org/drawingml/2006/main" xmlns:r="http://schemas.openxmlformats.org/officeDocument/2006/relationships" xmlns:p="http://schemas.openxmlformats.org/presentationml/2006/main">
-  <p:cSld>
-    <p:spTree>
-      <p:nvGrpSpPr>
-        <p:cNvPr id="1" name=""/>
-        <p:cNvGrpSpPr/>
-        <p:nvPr/>
-      </p:nvGrpSpPr>
-      <p:grpSpPr>
-        <a:xfrm>
-          <a:off x="0" y="0"/>
-          <a:ext cx="0" cy="0"/>
-          <a:chOff x="0" y="0"/>
-          <a:chExt cx="0" cy="0"/>
-        </a:xfrm>
-      </p:grpSpPr>
-      <p:sp>
-        <p:nvSpPr>
-          <p:cNvPr id="2" name="Title 1">
-            <a:extLst>
-              <a:ext uri="{FF2B5EF4-FFF2-40B4-BE49-F238E27FC236}">
-                <a16:creationId xmlns:a16="http://schemas.microsoft.com/office/drawing/2014/main" id="{70DCD5D4-69A0-4740-A56A-F7865CA626E0}"/>
-              </a:ext>
-            </a:extLst>
-          </p:cNvPr>
-          <p:cNvSpPr>
-            <a:spLocks noGrp="1"/>
-          </p:cNvSpPr>
-          <p:nvPr>
-            <p:ph type="title"/>
-          </p:nvPr>
-        </p:nvSpPr>
-        <p:spPr/>
-        <p:txBody>
-          <a:bodyPr/>
-          <a:lstStyle/>
-          <a:p>
-            <a:r>
-              <a:rPr lang="en-US" dirty="0"/>
-              <a:t>Predictive maintenance – Case example</a:t>
+              <a:t> solution</a:t>
             </a:r>
           </a:p>
         </p:txBody>
@@ -7473,7 +6724,7 @@
 </p:sld>
 </file>
 
-<file path=ppt/slides/slide8.xml><?xml version="1.0" encoding="utf-8"?>
+<file path=ppt/slides/slide15.xml><?xml version="1.0" encoding="utf-8"?>
 <p:sld xmlns:a="http://schemas.openxmlformats.org/drawingml/2006/main" xmlns:r="http://schemas.openxmlformats.org/officeDocument/2006/relationships" xmlns:p="http://schemas.openxmlformats.org/presentationml/2006/main">
   <p:cSld>
     <p:spTree>
@@ -7513,7 +6764,15 @@
           <a:p>
             <a:r>
               <a:rPr lang="en-US" dirty="0"/>
-              <a:t>Predictive maintenance – Case example</a:t>
+              <a:t>Predictive maintenance – </a:t>
+            </a:r>
+            <a:r>
+              <a:rPr lang="en-US" dirty="0" err="1"/>
+              <a:t>Axbit’s</a:t>
+            </a:r>
+            <a:r>
+              <a:rPr lang="en-US" dirty="0"/>
+              <a:t> solution</a:t>
             </a:r>
           </a:p>
         </p:txBody>
@@ -7757,7 +7016,11 @@
             <a:prstGeom prst="rect">
               <a:avLst/>
             </a:prstGeom>
-            <a:grpFill/>
+            <a:solidFill>
+              <a:schemeClr val="bg1">
+                <a:lumMod val="95000"/>
+              </a:schemeClr>
+            </a:solidFill>
           </p:spPr>
         </p:pic>
         <p:sp>
@@ -7781,9 +7044,7 @@
               <a:avLst/>
             </a:prstGeom>
             <a:solidFill>
-              <a:schemeClr val="bg2">
-                <a:lumMod val="75000"/>
-              </a:schemeClr>
+              <a:schemeClr val="bg2"/>
             </a:solidFill>
           </p:spPr>
           <p:txBody>
@@ -7911,6 +7172,3906 @@
 </p:sld>
 </file>
 
+<file path=ppt/slides/slide16.xml><?xml version="1.0" encoding="utf-8"?>
+<p:sld xmlns:a="http://schemas.openxmlformats.org/drawingml/2006/main" xmlns:r="http://schemas.openxmlformats.org/officeDocument/2006/relationships" xmlns:p="http://schemas.openxmlformats.org/presentationml/2006/main">
+  <p:cSld>
+    <p:spTree>
+      <p:nvGrpSpPr>
+        <p:cNvPr id="1" name=""/>
+        <p:cNvGrpSpPr/>
+        <p:nvPr/>
+      </p:nvGrpSpPr>
+      <p:grpSpPr>
+        <a:xfrm>
+          <a:off x="0" y="0"/>
+          <a:ext cx="0" cy="0"/>
+          <a:chOff x="0" y="0"/>
+          <a:chExt cx="0" cy="0"/>
+        </a:xfrm>
+      </p:grpSpPr>
+      <p:sp>
+        <p:nvSpPr>
+          <p:cNvPr id="2" name="Title 1">
+            <a:extLst>
+              <a:ext uri="{FF2B5EF4-FFF2-40B4-BE49-F238E27FC236}">
+                <a16:creationId xmlns:a16="http://schemas.microsoft.com/office/drawing/2014/main" id="{F11D3AC9-0811-4416-B33C-C55BB3841082}"/>
+              </a:ext>
+            </a:extLst>
+          </p:cNvPr>
+          <p:cNvSpPr>
+            <a:spLocks noGrp="1"/>
+          </p:cNvSpPr>
+          <p:nvPr>
+            <p:ph type="title"/>
+          </p:nvPr>
+        </p:nvSpPr>
+        <p:spPr/>
+        <p:txBody>
+          <a:bodyPr/>
+          <a:lstStyle/>
+          <a:p>
+            <a:r>
+              <a:rPr lang="en-US" dirty="0"/>
+              <a:t>Binary classification</a:t>
+            </a:r>
+          </a:p>
+        </p:txBody>
+      </p:sp>
+      <p:pic>
+        <p:nvPicPr>
+          <p:cNvPr id="5" name="Picture 4">
+            <a:extLst>
+              <a:ext uri="{FF2B5EF4-FFF2-40B4-BE49-F238E27FC236}">
+                <a16:creationId xmlns:a16="http://schemas.microsoft.com/office/drawing/2014/main" id="{6F7D08E0-892E-4FDA-8356-3B80BB86FB18}"/>
+              </a:ext>
+            </a:extLst>
+          </p:cNvPr>
+          <p:cNvPicPr>
+            <a:picLocks noChangeAspect="1"/>
+          </p:cNvPicPr>
+          <p:nvPr/>
+        </p:nvPicPr>
+        <p:blipFill>
+          <a:blip r:embed="rId2"/>
+          <a:stretch>
+            <a:fillRect/>
+          </a:stretch>
+        </p:blipFill>
+        <p:spPr>
+          <a:xfrm>
+            <a:off x="6775017" y="1485166"/>
+            <a:ext cx="4617460" cy="3429733"/>
+          </a:xfrm>
+          <a:prstGeom prst="rect">
+            <a:avLst/>
+          </a:prstGeom>
+        </p:spPr>
+      </p:pic>
+      <p:sp>
+        <p:nvSpPr>
+          <p:cNvPr id="7" name="TextBox 6">
+            <a:extLst>
+              <a:ext uri="{FF2B5EF4-FFF2-40B4-BE49-F238E27FC236}">
+                <a16:creationId xmlns:a16="http://schemas.microsoft.com/office/drawing/2014/main" id="{F2B52C8E-A45C-43A0-9D73-4B4F5585E22A}"/>
+              </a:ext>
+            </a:extLst>
+          </p:cNvPr>
+          <p:cNvSpPr txBox="1"/>
+          <p:nvPr/>
+        </p:nvSpPr>
+        <p:spPr>
+          <a:xfrm>
+            <a:off x="8220611" y="1485167"/>
+            <a:ext cx="1711569" cy="230832"/>
+          </a:xfrm>
+          <a:prstGeom prst="rect">
+            <a:avLst/>
+          </a:prstGeom>
+          <a:noFill/>
+        </p:spPr>
+        <p:txBody>
+          <a:bodyPr wrap="square" rtlCol="0">
+            <a:spAutoFit/>
+          </a:bodyPr>
+          <a:lstStyle/>
+          <a:p>
+            <a:r>
+              <a:rPr lang="en-US" sz="900" dirty="0">
+                <a:latin typeface="+mj-lt"/>
+                <a:cs typeface="AngsanaUPC" panose="020B0502040204020203" pitchFamily="18" charset="-34"/>
+              </a:rPr>
+              <a:t>Confusion matrix - test data</a:t>
+            </a:r>
+          </a:p>
+        </p:txBody>
+      </p:sp>
+      <p:sp>
+        <p:nvSpPr>
+          <p:cNvPr id="8" name="TextBox 7">
+            <a:extLst>
+              <a:ext uri="{FF2B5EF4-FFF2-40B4-BE49-F238E27FC236}">
+                <a16:creationId xmlns:a16="http://schemas.microsoft.com/office/drawing/2014/main" id="{CA510BDF-9878-4A47-8CF2-68A65D382F31}"/>
+              </a:ext>
+            </a:extLst>
+          </p:cNvPr>
+          <p:cNvSpPr txBox="1"/>
+          <p:nvPr/>
+        </p:nvSpPr>
+        <p:spPr>
+          <a:xfrm>
+            <a:off x="2067791" y="5591606"/>
+            <a:ext cx="6276109" cy="646331"/>
+          </a:xfrm>
+          <a:prstGeom prst="rect">
+            <a:avLst/>
+          </a:prstGeom>
+          <a:noFill/>
+        </p:spPr>
+        <p:txBody>
+          <a:bodyPr wrap="square" rtlCol="0">
+            <a:spAutoFit/>
+          </a:bodyPr>
+          <a:lstStyle/>
+          <a:p>
+            <a:r>
+              <a:rPr lang="en-US" dirty="0"/>
+              <a:t>If an in-service engine will fail in next w0 = 15 time-units window.</a:t>
+            </a:r>
+          </a:p>
+          <a:p>
+            <a:endParaRPr lang="en-US" dirty="0"/>
+          </a:p>
+        </p:txBody>
+      </p:sp>
+      <p:pic>
+        <p:nvPicPr>
+          <p:cNvPr id="13" name="Picture 12">
+            <a:extLst>
+              <a:ext uri="{FF2B5EF4-FFF2-40B4-BE49-F238E27FC236}">
+                <a16:creationId xmlns:a16="http://schemas.microsoft.com/office/drawing/2014/main" id="{6232111F-A627-4290-A089-703F63FB318F}"/>
+              </a:ext>
+            </a:extLst>
+          </p:cNvPr>
+          <p:cNvPicPr>
+            <a:picLocks noChangeAspect="1"/>
+          </p:cNvPicPr>
+          <p:nvPr/>
+        </p:nvPicPr>
+        <p:blipFill>
+          <a:blip r:embed="rId3"/>
+          <a:stretch>
+            <a:fillRect/>
+          </a:stretch>
+        </p:blipFill>
+        <p:spPr>
+          <a:xfrm>
+            <a:off x="693601" y="1485166"/>
+            <a:ext cx="4475631" cy="3429733"/>
+          </a:xfrm>
+          <a:prstGeom prst="rect">
+            <a:avLst/>
+          </a:prstGeom>
+        </p:spPr>
+      </p:pic>
+    </p:spTree>
+    <p:extLst>
+      <p:ext uri="{BB962C8B-B14F-4D97-AF65-F5344CB8AC3E}">
+        <p14:creationId xmlns:p14="http://schemas.microsoft.com/office/powerpoint/2010/main" val="2650068305"/>
+      </p:ext>
+    </p:extLst>
+  </p:cSld>
+  <p:clrMapOvr>
+    <a:masterClrMapping/>
+  </p:clrMapOvr>
+</p:sld>
+</file>
+
+<file path=ppt/slides/slide17.xml><?xml version="1.0" encoding="utf-8"?>
+<p:sld xmlns:a="http://schemas.openxmlformats.org/drawingml/2006/main" xmlns:r="http://schemas.openxmlformats.org/officeDocument/2006/relationships" xmlns:p="http://schemas.openxmlformats.org/presentationml/2006/main">
+  <p:cSld>
+    <p:spTree>
+      <p:nvGrpSpPr>
+        <p:cNvPr id="1" name=""/>
+        <p:cNvGrpSpPr/>
+        <p:nvPr/>
+      </p:nvGrpSpPr>
+      <p:grpSpPr>
+        <a:xfrm>
+          <a:off x="0" y="0"/>
+          <a:ext cx="0" cy="0"/>
+          <a:chOff x="0" y="0"/>
+          <a:chExt cx="0" cy="0"/>
+        </a:xfrm>
+      </p:grpSpPr>
+      <p:sp>
+        <p:nvSpPr>
+          <p:cNvPr id="2" name="Title 1">
+            <a:extLst>
+              <a:ext uri="{FF2B5EF4-FFF2-40B4-BE49-F238E27FC236}">
+                <a16:creationId xmlns:a16="http://schemas.microsoft.com/office/drawing/2014/main" id="{9C90F445-4F72-48D4-9D64-93C7C2B83D6E}"/>
+              </a:ext>
+            </a:extLst>
+          </p:cNvPr>
+          <p:cNvSpPr>
+            <a:spLocks noGrp="1"/>
+          </p:cNvSpPr>
+          <p:nvPr>
+            <p:ph type="title"/>
+          </p:nvPr>
+        </p:nvSpPr>
+        <p:spPr>
+          <a:xfrm>
+            <a:off x="290804" y="214280"/>
+            <a:ext cx="5805196" cy="1006475"/>
+          </a:xfrm>
+        </p:spPr>
+        <p:txBody>
+          <a:bodyPr>
+            <a:normAutofit fontScale="90000"/>
+          </a:bodyPr>
+          <a:lstStyle/>
+          <a:p>
+            <a:r>
+              <a:rPr lang="en-US" dirty="0"/>
+              <a:t>Predictive maintenance</a:t>
+            </a:r>
+            <a:br>
+              <a:rPr lang="en-US" dirty="0"/>
+            </a:br>
+            <a:r>
+              <a:rPr lang="en-US" sz="2400" dirty="0"/>
+              <a:t>In-service aircraft engine</a:t>
+            </a:r>
+          </a:p>
+        </p:txBody>
+      </p:sp>
+      <p:sp>
+        <p:nvSpPr>
+          <p:cNvPr id="14" name="TextBox 13">
+            <a:extLst>
+              <a:ext uri="{FF2B5EF4-FFF2-40B4-BE49-F238E27FC236}">
+                <a16:creationId xmlns:a16="http://schemas.microsoft.com/office/drawing/2014/main" id="{C23A3762-E887-492A-9271-A18300C22DFE}"/>
+              </a:ext>
+            </a:extLst>
+          </p:cNvPr>
+          <p:cNvSpPr txBox="1"/>
+          <p:nvPr/>
+        </p:nvSpPr>
+        <p:spPr>
+          <a:xfrm>
+            <a:off x="219783" y="1416536"/>
+            <a:ext cx="6094520" cy="3693319"/>
+          </a:xfrm>
+          <a:prstGeom prst="rect">
+            <a:avLst/>
+          </a:prstGeom>
+          <a:noFill/>
+        </p:spPr>
+        <p:txBody>
+          <a:bodyPr wrap="square">
+            <a:spAutoFit/>
+          </a:bodyPr>
+          <a:lstStyle/>
+          <a:p>
+            <a:pPr marL="285750" indent="-285750" algn="just">
+              <a:buFont typeface="Arial" panose="020B0604020202020204" pitchFamily="34" charset="0"/>
+              <a:buChar char="•"/>
+            </a:pPr>
+            <a:r>
+              <a:rPr lang="en-US" b="1" i="0" dirty="0">
+                <a:solidFill>
+                  <a:srgbClr val="2C3137"/>
+                </a:solidFill>
+                <a:effectLst/>
+                <a:latin typeface="Segoe UI" panose="020B0502040204020203" pitchFamily="34" charset="0"/>
+              </a:rPr>
+              <a:t>Regression:</a:t>
+            </a:r>
+            <a:r>
+              <a:rPr lang="en-US" b="0" i="0" dirty="0">
+                <a:solidFill>
+                  <a:srgbClr val="2C3137"/>
+                </a:solidFill>
+                <a:effectLst/>
+                <a:latin typeface="Segoe UI" panose="020B0502040204020203" pitchFamily="34" charset="0"/>
+              </a:rPr>
+              <a:t> Predict the Remaining Useful Life (RUL).</a:t>
+            </a:r>
+          </a:p>
+          <a:p>
+            <a:pPr marL="285750" indent="-285750" algn="just">
+              <a:buFont typeface="Arial" panose="020B0604020202020204" pitchFamily="34" charset="0"/>
+              <a:buChar char="•"/>
+            </a:pPr>
+            <a:endParaRPr lang="en-US" dirty="0">
+              <a:solidFill>
+                <a:srgbClr val="2C3137"/>
+              </a:solidFill>
+              <a:latin typeface="Segoe UI" panose="020B0502040204020203" pitchFamily="34" charset="0"/>
+            </a:endParaRPr>
+          </a:p>
+          <a:p>
+            <a:pPr marL="285750" indent="-285750" algn="just">
+              <a:buFont typeface="Arial" panose="020B0604020202020204" pitchFamily="34" charset="0"/>
+              <a:buChar char="•"/>
+            </a:pPr>
+            <a:endParaRPr lang="en-US" b="0" i="0" dirty="0">
+              <a:solidFill>
+                <a:srgbClr val="2C3137"/>
+              </a:solidFill>
+              <a:effectLst/>
+              <a:latin typeface="Segoe UI" panose="020B0502040204020203" pitchFamily="34" charset="0"/>
+            </a:endParaRPr>
+          </a:p>
+          <a:p>
+            <a:pPr marL="285750" indent="-285750" algn="just">
+              <a:buFont typeface="Arial" panose="020B0604020202020204" pitchFamily="34" charset="0"/>
+              <a:buChar char="•"/>
+            </a:pPr>
+            <a:endParaRPr lang="en-US" dirty="0">
+              <a:solidFill>
+                <a:srgbClr val="2C3137"/>
+              </a:solidFill>
+              <a:latin typeface="Segoe UI" panose="020B0502040204020203" pitchFamily="34" charset="0"/>
+            </a:endParaRPr>
+          </a:p>
+          <a:p>
+            <a:pPr algn="just"/>
+            <a:endParaRPr lang="en-US" b="0" i="0" dirty="0">
+              <a:solidFill>
+                <a:srgbClr val="2C3137"/>
+              </a:solidFill>
+              <a:effectLst/>
+              <a:latin typeface="Segoe UI" panose="020B0502040204020203" pitchFamily="34" charset="0"/>
+            </a:endParaRPr>
+          </a:p>
+          <a:p>
+            <a:pPr marL="285750" indent="-285750" algn="just">
+              <a:buFont typeface="Arial" panose="020B0604020202020204" pitchFamily="34" charset="0"/>
+              <a:buChar char="•"/>
+            </a:pPr>
+            <a:r>
+              <a:rPr lang="en-US" b="1" i="0" dirty="0">
+                <a:solidFill>
+                  <a:srgbClr val="2C3137"/>
+                </a:solidFill>
+                <a:effectLst/>
+                <a:latin typeface="Segoe UI" panose="020B0502040204020203" pitchFamily="34" charset="0"/>
+              </a:rPr>
+              <a:t>Binary classification:</a:t>
+            </a:r>
+            <a:r>
+              <a:rPr lang="en-US" b="0" i="0" dirty="0">
+                <a:solidFill>
+                  <a:srgbClr val="2C3137"/>
+                </a:solidFill>
+                <a:effectLst/>
+                <a:latin typeface="Segoe UI" panose="020B0502040204020203" pitchFamily="34" charset="0"/>
+              </a:rPr>
+              <a:t> Predict if an in-service engine will fail within certain time frame.</a:t>
+            </a:r>
+          </a:p>
+          <a:p>
+            <a:pPr marL="285750" indent="-285750" algn="just">
+              <a:buFont typeface="Arial" panose="020B0604020202020204" pitchFamily="34" charset="0"/>
+              <a:buChar char="•"/>
+            </a:pPr>
+            <a:endParaRPr lang="en-US" dirty="0">
+              <a:solidFill>
+                <a:srgbClr val="2C3137"/>
+              </a:solidFill>
+              <a:latin typeface="Segoe UI" panose="020B0502040204020203" pitchFamily="34" charset="0"/>
+            </a:endParaRPr>
+          </a:p>
+          <a:p>
+            <a:pPr marL="285750" indent="-285750" algn="just">
+              <a:buFont typeface="Arial" panose="020B0604020202020204" pitchFamily="34" charset="0"/>
+              <a:buChar char="•"/>
+            </a:pPr>
+            <a:endParaRPr lang="en-US" b="0" i="0" dirty="0">
+              <a:solidFill>
+                <a:srgbClr val="2C3137"/>
+              </a:solidFill>
+              <a:effectLst/>
+              <a:latin typeface="Segoe UI" panose="020B0502040204020203" pitchFamily="34" charset="0"/>
+            </a:endParaRPr>
+          </a:p>
+          <a:p>
+            <a:pPr marL="285750" indent="-285750" algn="just">
+              <a:buFont typeface="Arial" panose="020B0604020202020204" pitchFamily="34" charset="0"/>
+              <a:buChar char="•"/>
+            </a:pPr>
+            <a:endParaRPr lang="en-US" dirty="0">
+              <a:solidFill>
+                <a:srgbClr val="2C3137"/>
+              </a:solidFill>
+              <a:latin typeface="Segoe UI" panose="020B0502040204020203" pitchFamily="34" charset="0"/>
+            </a:endParaRPr>
+          </a:p>
+          <a:p>
+            <a:pPr algn="just"/>
+            <a:endParaRPr lang="en-US" b="0" i="0" dirty="0">
+              <a:solidFill>
+                <a:srgbClr val="2C3137"/>
+              </a:solidFill>
+              <a:effectLst/>
+              <a:latin typeface="Segoe UI" panose="020B0502040204020203" pitchFamily="34" charset="0"/>
+            </a:endParaRPr>
+          </a:p>
+          <a:p>
+            <a:pPr marL="285750" indent="-285750" algn="just">
+              <a:buFont typeface="Arial" panose="020B0604020202020204" pitchFamily="34" charset="0"/>
+              <a:buChar char="•"/>
+            </a:pPr>
+            <a:r>
+              <a:rPr lang="en-US" b="1" i="0" dirty="0">
+                <a:solidFill>
+                  <a:srgbClr val="2C3137"/>
+                </a:solidFill>
+                <a:effectLst/>
+                <a:latin typeface="Segoe UI" panose="020B0502040204020203" pitchFamily="34" charset="0"/>
+              </a:rPr>
+              <a:t>Multi-class classification:</a:t>
+            </a:r>
+            <a:r>
+              <a:rPr lang="en-US" b="0" i="0" dirty="0">
+                <a:solidFill>
+                  <a:srgbClr val="2C3137"/>
+                </a:solidFill>
+                <a:effectLst/>
+                <a:latin typeface="Segoe UI" panose="020B0502040204020203" pitchFamily="34" charset="0"/>
+              </a:rPr>
+              <a:t> Predict if an in-service will fail in two different time windows.</a:t>
+            </a:r>
+          </a:p>
+        </p:txBody>
+      </p:sp>
+      <p:pic>
+        <p:nvPicPr>
+          <p:cNvPr id="18" name="Picture 17">
+            <a:extLst>
+              <a:ext uri="{FF2B5EF4-FFF2-40B4-BE49-F238E27FC236}">
+                <a16:creationId xmlns:a16="http://schemas.microsoft.com/office/drawing/2014/main" id="{FE380370-5AFD-4FF2-80A9-C1B0ADE21E4D}"/>
+              </a:ext>
+            </a:extLst>
+          </p:cNvPr>
+          <p:cNvPicPr>
+            <a:picLocks noChangeAspect="1"/>
+          </p:cNvPicPr>
+          <p:nvPr/>
+        </p:nvPicPr>
+        <p:blipFill>
+          <a:blip r:embed="rId2"/>
+          <a:stretch>
+            <a:fillRect/>
+          </a:stretch>
+        </p:blipFill>
+        <p:spPr>
+          <a:xfrm>
+            <a:off x="787240" y="3429000"/>
+            <a:ext cx="5646851" cy="809444"/>
+          </a:xfrm>
+          <a:prstGeom prst="rect">
+            <a:avLst/>
+          </a:prstGeom>
+        </p:spPr>
+      </p:pic>
+    </p:spTree>
+    <p:extLst>
+      <p:ext uri="{BB962C8B-B14F-4D97-AF65-F5344CB8AC3E}">
+        <p14:creationId xmlns:p14="http://schemas.microsoft.com/office/powerpoint/2010/main" val="658544761"/>
+      </p:ext>
+    </p:extLst>
+  </p:cSld>
+  <p:clrMapOvr>
+    <a:masterClrMapping/>
+  </p:clrMapOvr>
+</p:sld>
+</file>
+
+<file path=ppt/slides/slide18.xml><?xml version="1.0" encoding="utf-8"?>
+<p:sld xmlns:a="http://schemas.openxmlformats.org/drawingml/2006/main" xmlns:r="http://schemas.openxmlformats.org/officeDocument/2006/relationships" xmlns:p="http://schemas.openxmlformats.org/presentationml/2006/main">
+  <p:cSld>
+    <p:spTree>
+      <p:nvGrpSpPr>
+        <p:cNvPr id="1" name=""/>
+        <p:cNvGrpSpPr/>
+        <p:nvPr/>
+      </p:nvGrpSpPr>
+      <p:grpSpPr>
+        <a:xfrm>
+          <a:off x="0" y="0"/>
+          <a:ext cx="0" cy="0"/>
+          <a:chOff x="0" y="0"/>
+          <a:chExt cx="0" cy="0"/>
+        </a:xfrm>
+      </p:grpSpPr>
+      <p:sp>
+        <p:nvSpPr>
+          <p:cNvPr id="2" name="Title 1">
+            <a:extLst>
+              <a:ext uri="{FF2B5EF4-FFF2-40B4-BE49-F238E27FC236}">
+                <a16:creationId xmlns:a16="http://schemas.microsoft.com/office/drawing/2014/main" id="{F11D3AC9-0811-4416-B33C-C55BB3841082}"/>
+              </a:ext>
+            </a:extLst>
+          </p:cNvPr>
+          <p:cNvSpPr>
+            <a:spLocks noGrp="1"/>
+          </p:cNvSpPr>
+          <p:nvPr>
+            <p:ph type="title"/>
+          </p:nvPr>
+        </p:nvSpPr>
+        <p:spPr/>
+        <p:txBody>
+          <a:bodyPr/>
+          <a:lstStyle/>
+          <a:p>
+            <a:r>
+              <a:rPr lang="en-US" dirty="0"/>
+              <a:t>Binary classification</a:t>
+            </a:r>
+          </a:p>
+        </p:txBody>
+      </p:sp>
+      <p:graphicFrame>
+        <p:nvGraphicFramePr>
+          <p:cNvPr id="3" name="Table 3">
+            <a:extLst>
+              <a:ext uri="{FF2B5EF4-FFF2-40B4-BE49-F238E27FC236}">
+                <a16:creationId xmlns:a16="http://schemas.microsoft.com/office/drawing/2014/main" id="{845BE27E-AA23-4449-8AA5-3C95D0F2B029}"/>
+              </a:ext>
+            </a:extLst>
+          </p:cNvPr>
+          <p:cNvGraphicFramePr>
+            <a:graphicFrameLocks noGrp="1"/>
+          </p:cNvGraphicFramePr>
+          <p:nvPr>
+            <p:extLst>
+              <p:ext uri="{D42A27DB-BD31-4B8C-83A1-F6EECF244321}">
+                <p14:modId xmlns:p14="http://schemas.microsoft.com/office/powerpoint/2010/main" val="1065168761"/>
+              </p:ext>
+            </p:extLst>
+          </p:nvPr>
+        </p:nvGraphicFramePr>
+        <p:xfrm>
+          <a:off x="1824182" y="2501900"/>
+          <a:ext cx="8127999" cy="1854200"/>
+        </p:xfrm>
+        <a:graphic>
+          <a:graphicData uri="http://schemas.openxmlformats.org/drawingml/2006/table">
+            <a:tbl>
+              <a:tblPr firstRow="1" bandRow="1">
+                <a:tableStyleId>{5C22544A-7EE6-4342-B048-85BDC9FD1C3A}</a:tableStyleId>
+              </a:tblPr>
+              <a:tblGrid>
+                <a:gridCol w="2709333">
+                  <a:extLst>
+                    <a:ext uri="{9D8B030D-6E8A-4147-A177-3AD203B41FA5}">
+                      <a16:colId xmlns:a16="http://schemas.microsoft.com/office/drawing/2014/main" val="1949065855"/>
+                    </a:ext>
+                  </a:extLst>
+                </a:gridCol>
+                <a:gridCol w="2709333">
+                  <a:extLst>
+                    <a:ext uri="{9D8B030D-6E8A-4147-A177-3AD203B41FA5}">
+                      <a16:colId xmlns:a16="http://schemas.microsoft.com/office/drawing/2014/main" val="642114625"/>
+                    </a:ext>
+                  </a:extLst>
+                </a:gridCol>
+                <a:gridCol w="2709333">
+                  <a:extLst>
+                    <a:ext uri="{9D8B030D-6E8A-4147-A177-3AD203B41FA5}">
+                      <a16:colId xmlns:a16="http://schemas.microsoft.com/office/drawing/2014/main" val="302220864"/>
+                    </a:ext>
+                  </a:extLst>
+                </a:gridCol>
+              </a:tblGrid>
+              <a:tr h="370840">
+                <a:tc>
+                  <a:txBody>
+                    <a:bodyPr/>
+                    <a:lstStyle/>
+                    <a:p>
+                      <a:pPr algn="ctr"/>
+                      <a:endParaRPr lang="en-US" dirty="0"/>
+                    </a:p>
+                  </a:txBody>
+                  <a:tcPr/>
+                </a:tc>
+                <a:tc>
+                  <a:txBody>
+                    <a:bodyPr/>
+                    <a:lstStyle/>
+                    <a:p>
+                      <a:pPr algn="ctr"/>
+                      <a:r>
+                        <a:rPr lang="en-US" dirty="0"/>
+                        <a:t>W0 =10</a:t>
+                      </a:r>
+                    </a:p>
+                  </a:txBody>
+                  <a:tcPr/>
+                </a:tc>
+                <a:tc>
+                  <a:txBody>
+                    <a:bodyPr/>
+                    <a:lstStyle/>
+                    <a:p>
+                      <a:pPr algn="ctr"/>
+                      <a:r>
+                        <a:rPr lang="en-US" dirty="0"/>
+                        <a:t>W0 = 15</a:t>
+                      </a:r>
+                    </a:p>
+                  </a:txBody>
+                  <a:tcPr/>
+                </a:tc>
+                <a:extLst>
+                  <a:ext uri="{0D108BD9-81ED-4DB2-BD59-A6C34878D82A}">
+                    <a16:rowId xmlns:a16="http://schemas.microsoft.com/office/drawing/2014/main" val="987012981"/>
+                  </a:ext>
+                </a:extLst>
+              </a:tr>
+              <a:tr h="370840">
+                <a:tc>
+                  <a:txBody>
+                    <a:bodyPr/>
+                    <a:lstStyle/>
+                    <a:p>
+                      <a:pPr algn="ctr"/>
+                      <a:r>
+                        <a:rPr lang="en-US" dirty="0"/>
+                        <a:t>Accuracy</a:t>
+                      </a:r>
+                    </a:p>
+                  </a:txBody>
+                  <a:tcPr/>
+                </a:tc>
+                <a:tc>
+                  <a:txBody>
+                    <a:bodyPr/>
+                    <a:lstStyle/>
+                    <a:p>
+                      <a:pPr algn="ctr"/>
+                      <a:r>
+                        <a:rPr lang="en-US" dirty="0"/>
+                        <a:t>0.96</a:t>
+                      </a:r>
+                    </a:p>
+                  </a:txBody>
+                  <a:tcPr/>
+                </a:tc>
+                <a:tc>
+                  <a:txBody>
+                    <a:bodyPr/>
+                    <a:lstStyle/>
+                    <a:p>
+                      <a:pPr algn="ctr"/>
+                      <a:r>
+                        <a:rPr lang="en-US" dirty="0"/>
+                        <a:t>1</a:t>
+                      </a:r>
+                    </a:p>
+                  </a:txBody>
+                  <a:tcPr/>
+                </a:tc>
+                <a:extLst>
+                  <a:ext uri="{0D108BD9-81ED-4DB2-BD59-A6C34878D82A}">
+                    <a16:rowId xmlns:a16="http://schemas.microsoft.com/office/drawing/2014/main" val="705178563"/>
+                  </a:ext>
+                </a:extLst>
+              </a:tr>
+              <a:tr h="370840">
+                <a:tc>
+                  <a:txBody>
+                    <a:bodyPr/>
+                    <a:lstStyle/>
+                    <a:p>
+                      <a:pPr algn="ctr"/>
+                      <a:r>
+                        <a:rPr lang="en-US" dirty="0"/>
+                        <a:t>Precision</a:t>
+                      </a:r>
+                    </a:p>
+                  </a:txBody>
+                  <a:tcPr/>
+                </a:tc>
+                <a:tc>
+                  <a:txBody>
+                    <a:bodyPr/>
+                    <a:lstStyle/>
+                    <a:p>
+                      <a:pPr algn="ctr"/>
+                      <a:r>
+                        <a:rPr lang="en-US" dirty="0"/>
+                        <a:t>0.84</a:t>
+                      </a:r>
+                    </a:p>
+                  </a:txBody>
+                  <a:tcPr/>
+                </a:tc>
+                <a:tc>
+                  <a:txBody>
+                    <a:bodyPr/>
+                    <a:lstStyle/>
+                    <a:p>
+                      <a:pPr algn="ctr"/>
+                      <a:r>
+                        <a:rPr lang="en-US" dirty="0"/>
+                        <a:t>1</a:t>
+                      </a:r>
+                    </a:p>
+                  </a:txBody>
+                  <a:tcPr/>
+                </a:tc>
+                <a:extLst>
+                  <a:ext uri="{0D108BD9-81ED-4DB2-BD59-A6C34878D82A}">
+                    <a16:rowId xmlns:a16="http://schemas.microsoft.com/office/drawing/2014/main" val="3299353149"/>
+                  </a:ext>
+                </a:extLst>
+              </a:tr>
+              <a:tr h="370840">
+                <a:tc>
+                  <a:txBody>
+                    <a:bodyPr/>
+                    <a:lstStyle/>
+                    <a:p>
+                      <a:pPr algn="ctr"/>
+                      <a:r>
+                        <a:rPr lang="en-US" dirty="0"/>
+                        <a:t>Recall</a:t>
+                      </a:r>
+                    </a:p>
+                  </a:txBody>
+                  <a:tcPr/>
+                </a:tc>
+                <a:tc>
+                  <a:txBody>
+                    <a:bodyPr/>
+                    <a:lstStyle/>
+                    <a:p>
+                      <a:pPr algn="ctr"/>
+                      <a:r>
+                        <a:rPr lang="en-US" dirty="0"/>
+                        <a:t>1</a:t>
+                      </a:r>
+                    </a:p>
+                  </a:txBody>
+                  <a:tcPr/>
+                </a:tc>
+                <a:tc>
+                  <a:txBody>
+                    <a:bodyPr/>
+                    <a:lstStyle/>
+                    <a:p>
+                      <a:pPr algn="ctr"/>
+                      <a:r>
+                        <a:rPr lang="en-US" dirty="0"/>
+                        <a:t>1</a:t>
+                      </a:r>
+                    </a:p>
+                  </a:txBody>
+                  <a:tcPr/>
+                </a:tc>
+                <a:extLst>
+                  <a:ext uri="{0D108BD9-81ED-4DB2-BD59-A6C34878D82A}">
+                    <a16:rowId xmlns:a16="http://schemas.microsoft.com/office/drawing/2014/main" val="2842211491"/>
+                  </a:ext>
+                </a:extLst>
+              </a:tr>
+              <a:tr h="370840">
+                <a:tc>
+                  <a:txBody>
+                    <a:bodyPr/>
+                    <a:lstStyle/>
+                    <a:p>
+                      <a:pPr algn="ctr"/>
+                      <a:r>
+                        <a:rPr lang="en-US" dirty="0"/>
+                        <a:t>F1-Score</a:t>
+                      </a:r>
+                    </a:p>
+                  </a:txBody>
+                  <a:tcPr/>
+                </a:tc>
+                <a:tc>
+                  <a:txBody>
+                    <a:bodyPr/>
+                    <a:lstStyle/>
+                    <a:p>
+                      <a:pPr algn="ctr"/>
+                      <a:r>
+                        <a:rPr lang="en-US" dirty="0"/>
+                        <a:t>0.91</a:t>
+                      </a:r>
+                    </a:p>
+                  </a:txBody>
+                  <a:tcPr/>
+                </a:tc>
+                <a:tc>
+                  <a:txBody>
+                    <a:bodyPr/>
+                    <a:lstStyle/>
+                    <a:p>
+                      <a:pPr algn="ctr"/>
+                      <a:r>
+                        <a:rPr lang="en-US" dirty="0"/>
+                        <a:t>1</a:t>
+                      </a:r>
+                    </a:p>
+                  </a:txBody>
+                  <a:tcPr/>
+                </a:tc>
+                <a:extLst>
+                  <a:ext uri="{0D108BD9-81ED-4DB2-BD59-A6C34878D82A}">
+                    <a16:rowId xmlns:a16="http://schemas.microsoft.com/office/drawing/2014/main" val="1362018150"/>
+                  </a:ext>
+                </a:extLst>
+              </a:tr>
+            </a:tbl>
+          </a:graphicData>
+        </a:graphic>
+      </p:graphicFrame>
+    </p:spTree>
+    <p:extLst>
+      <p:ext uri="{BB962C8B-B14F-4D97-AF65-F5344CB8AC3E}">
+        <p14:creationId xmlns:p14="http://schemas.microsoft.com/office/powerpoint/2010/main" val="2050374404"/>
+      </p:ext>
+    </p:extLst>
+  </p:cSld>
+  <p:clrMapOvr>
+    <a:masterClrMapping/>
+  </p:clrMapOvr>
+</p:sld>
+</file>
+
+<file path=ppt/slides/slide19.xml><?xml version="1.0" encoding="utf-8"?>
+<p:sld xmlns:a="http://schemas.openxmlformats.org/drawingml/2006/main" xmlns:r="http://schemas.openxmlformats.org/officeDocument/2006/relationships" xmlns:p="http://schemas.openxmlformats.org/presentationml/2006/main">
+  <p:cSld>
+    <p:spTree>
+      <p:nvGrpSpPr>
+        <p:cNvPr id="1" name=""/>
+        <p:cNvGrpSpPr/>
+        <p:nvPr/>
+      </p:nvGrpSpPr>
+      <p:grpSpPr>
+        <a:xfrm>
+          <a:off x="0" y="0"/>
+          <a:ext cx="0" cy="0"/>
+          <a:chOff x="0" y="0"/>
+          <a:chExt cx="0" cy="0"/>
+        </a:xfrm>
+      </p:grpSpPr>
+      <p:sp>
+        <p:nvSpPr>
+          <p:cNvPr id="2" name="Title 1">
+            <a:extLst>
+              <a:ext uri="{FF2B5EF4-FFF2-40B4-BE49-F238E27FC236}">
+                <a16:creationId xmlns:a16="http://schemas.microsoft.com/office/drawing/2014/main" id="{F11D3AC9-0811-4416-B33C-C55BB3841082}"/>
+              </a:ext>
+            </a:extLst>
+          </p:cNvPr>
+          <p:cNvSpPr>
+            <a:spLocks noGrp="1"/>
+          </p:cNvSpPr>
+          <p:nvPr>
+            <p:ph type="title"/>
+          </p:nvPr>
+        </p:nvSpPr>
+        <p:spPr/>
+        <p:txBody>
+          <a:bodyPr/>
+          <a:lstStyle/>
+          <a:p>
+            <a:r>
+              <a:rPr lang="en-US" dirty="0"/>
+              <a:t>Multiclass classification</a:t>
+            </a:r>
+          </a:p>
+        </p:txBody>
+      </p:sp>
+      <p:sp>
+        <p:nvSpPr>
+          <p:cNvPr id="8" name="TextBox 7">
+            <a:extLst>
+              <a:ext uri="{FF2B5EF4-FFF2-40B4-BE49-F238E27FC236}">
+                <a16:creationId xmlns:a16="http://schemas.microsoft.com/office/drawing/2014/main" id="{CA510BDF-9878-4A47-8CF2-68A65D382F31}"/>
+              </a:ext>
+            </a:extLst>
+          </p:cNvPr>
+          <p:cNvSpPr txBox="1"/>
+          <p:nvPr/>
+        </p:nvSpPr>
+        <p:spPr>
+          <a:xfrm>
+            <a:off x="2155419" y="5621300"/>
+            <a:ext cx="8150399" cy="1295868"/>
+          </a:xfrm>
+          <a:prstGeom prst="rect">
+            <a:avLst/>
+          </a:prstGeom>
+          <a:noFill/>
+        </p:spPr>
+        <p:txBody>
+          <a:bodyPr wrap="square" rtlCol="0">
+            <a:spAutoFit/>
+          </a:bodyPr>
+          <a:lstStyle/>
+          <a:p>
+            <a:pPr marL="285750" indent="-285750">
+              <a:lnSpc>
+                <a:spcPct val="150000"/>
+              </a:lnSpc>
+              <a:buFont typeface="Arial" panose="020B0604020202020204" pitchFamily="34" charset="0"/>
+              <a:buChar char="•"/>
+            </a:pPr>
+            <a:r>
+              <a:rPr lang="en-US" dirty="0"/>
+              <a:t>Class label = 1, If an in-service engine will fail in next w0 = 15 time-units window.</a:t>
+            </a:r>
+          </a:p>
+          <a:p>
+            <a:pPr marL="285750" indent="-285750">
+              <a:lnSpc>
+                <a:spcPct val="150000"/>
+              </a:lnSpc>
+              <a:buFont typeface="Arial" panose="020B0604020202020204" pitchFamily="34" charset="0"/>
+              <a:buChar char="•"/>
+            </a:pPr>
+            <a:r>
+              <a:rPr lang="en-US" dirty="0"/>
+              <a:t>Class label = 2, if an in-service engine will fail within w0 and w1 = 30, w1 &gt; w0.</a:t>
+            </a:r>
+          </a:p>
+          <a:p>
+            <a:pPr>
+              <a:lnSpc>
+                <a:spcPct val="150000"/>
+              </a:lnSpc>
+            </a:pPr>
+            <a:endParaRPr lang="en-US" dirty="0"/>
+          </a:p>
+        </p:txBody>
+      </p:sp>
+      <p:pic>
+        <p:nvPicPr>
+          <p:cNvPr id="4" name="Picture 3">
+            <a:extLst>
+              <a:ext uri="{FF2B5EF4-FFF2-40B4-BE49-F238E27FC236}">
+                <a16:creationId xmlns:a16="http://schemas.microsoft.com/office/drawing/2014/main" id="{A6B2C5E0-438C-4837-8013-E3ADDF459147}"/>
+              </a:ext>
+            </a:extLst>
+          </p:cNvPr>
+          <p:cNvPicPr>
+            <a:picLocks noChangeAspect="1"/>
+          </p:cNvPicPr>
+          <p:nvPr/>
+        </p:nvPicPr>
+        <p:blipFill>
+          <a:blip r:embed="rId2"/>
+          <a:stretch>
+            <a:fillRect/>
+          </a:stretch>
+        </p:blipFill>
+        <p:spPr>
+          <a:xfrm>
+            <a:off x="7405775" y="1482207"/>
+            <a:ext cx="3343275" cy="3390900"/>
+          </a:xfrm>
+          <a:prstGeom prst="rect">
+            <a:avLst/>
+          </a:prstGeom>
+        </p:spPr>
+      </p:pic>
+      <p:pic>
+        <p:nvPicPr>
+          <p:cNvPr id="9" name="Picture 8">
+            <a:extLst>
+              <a:ext uri="{FF2B5EF4-FFF2-40B4-BE49-F238E27FC236}">
+                <a16:creationId xmlns:a16="http://schemas.microsoft.com/office/drawing/2014/main" id="{3BC94879-4F20-4FF8-A2A7-8AE790FB9004}"/>
+              </a:ext>
+            </a:extLst>
+          </p:cNvPr>
+          <p:cNvPicPr>
+            <a:picLocks noChangeAspect="1"/>
+          </p:cNvPicPr>
+          <p:nvPr/>
+        </p:nvPicPr>
+        <p:blipFill>
+          <a:blip r:embed="rId3"/>
+          <a:stretch>
+            <a:fillRect/>
+          </a:stretch>
+        </p:blipFill>
+        <p:spPr>
+          <a:xfrm>
+            <a:off x="1242926" y="1690688"/>
+            <a:ext cx="3543300" cy="3333750"/>
+          </a:xfrm>
+          <a:prstGeom prst="rect">
+            <a:avLst/>
+          </a:prstGeom>
+        </p:spPr>
+      </p:pic>
+    </p:spTree>
+    <p:extLst>
+      <p:ext uri="{BB962C8B-B14F-4D97-AF65-F5344CB8AC3E}">
+        <p14:creationId xmlns:p14="http://schemas.microsoft.com/office/powerpoint/2010/main" val="889366928"/>
+      </p:ext>
+    </p:extLst>
+  </p:cSld>
+  <p:clrMapOvr>
+    <a:masterClrMapping/>
+  </p:clrMapOvr>
+</p:sld>
+</file>
+
+<file path=ppt/slides/slide2.xml><?xml version="1.0" encoding="utf-8"?>
+<p:sld xmlns:a="http://schemas.openxmlformats.org/drawingml/2006/main" xmlns:r="http://schemas.openxmlformats.org/officeDocument/2006/relationships" xmlns:p="http://schemas.openxmlformats.org/presentationml/2006/main">
+  <p:cSld>
+    <p:spTree>
+      <p:nvGrpSpPr>
+        <p:cNvPr id="1" name=""/>
+        <p:cNvGrpSpPr/>
+        <p:nvPr/>
+      </p:nvGrpSpPr>
+      <p:grpSpPr>
+        <a:xfrm>
+          <a:off x="0" y="0"/>
+          <a:ext cx="0" cy="0"/>
+          <a:chOff x="0" y="0"/>
+          <a:chExt cx="0" cy="0"/>
+        </a:xfrm>
+      </p:grpSpPr>
+      <p:sp>
+        <p:nvSpPr>
+          <p:cNvPr id="2" name="Title 1">
+            <a:extLst>
+              <a:ext uri="{FF2B5EF4-FFF2-40B4-BE49-F238E27FC236}">
+                <a16:creationId xmlns:a16="http://schemas.microsoft.com/office/drawing/2014/main" id="{5E2B7994-3C31-4B1B-BE82-76CEA1A939E1}"/>
+              </a:ext>
+            </a:extLst>
+          </p:cNvPr>
+          <p:cNvSpPr>
+            <a:spLocks noGrp="1"/>
+          </p:cNvSpPr>
+          <p:nvPr>
+            <p:ph type="title"/>
+          </p:nvPr>
+        </p:nvSpPr>
+        <p:spPr/>
+        <p:txBody>
+          <a:bodyPr/>
+          <a:lstStyle/>
+          <a:p>
+            <a:r>
+              <a:rPr lang="en-US" dirty="0"/>
+              <a:t>Predictive maintenance: Why</a:t>
+            </a:r>
+          </a:p>
+        </p:txBody>
+      </p:sp>
+      <p:pic>
+        <p:nvPicPr>
+          <p:cNvPr id="12" name="Picture 11" descr="Graphical user interface&#10;&#10;Description automatically generated">
+            <a:extLst>
+              <a:ext uri="{FF2B5EF4-FFF2-40B4-BE49-F238E27FC236}">
+                <a16:creationId xmlns:a16="http://schemas.microsoft.com/office/drawing/2014/main" id="{09A86455-2066-4C3A-AE95-279EC8C19AB5}"/>
+              </a:ext>
+            </a:extLst>
+          </p:cNvPr>
+          <p:cNvPicPr>
+            <a:picLocks noChangeAspect="1"/>
+          </p:cNvPicPr>
+          <p:nvPr/>
+        </p:nvPicPr>
+        <p:blipFill>
+          <a:blip r:embed="rId2">
+            <a:extLst>
+              <a:ext uri="{28A0092B-C50C-407E-A947-70E740481C1C}">
+                <a14:useLocalDpi xmlns:a14="http://schemas.microsoft.com/office/drawing/2010/main" val="0"/>
+              </a:ext>
+            </a:extLst>
+          </a:blip>
+          <a:stretch>
+            <a:fillRect/>
+          </a:stretch>
+        </p:blipFill>
+        <p:spPr>
+          <a:xfrm>
+            <a:off x="1" y="1819181"/>
+            <a:ext cx="6175322" cy="3602674"/>
+          </a:xfrm>
+          <a:prstGeom prst="rect">
+            <a:avLst/>
+          </a:prstGeom>
+        </p:spPr>
+      </p:pic>
+      <p:grpSp>
+        <p:nvGrpSpPr>
+          <p:cNvPr id="31" name="Group 30">
+            <a:extLst>
+              <a:ext uri="{FF2B5EF4-FFF2-40B4-BE49-F238E27FC236}">
+                <a16:creationId xmlns:a16="http://schemas.microsoft.com/office/drawing/2014/main" id="{30515439-5CCE-4392-9D40-040A4E179584}"/>
+              </a:ext>
+            </a:extLst>
+          </p:cNvPr>
+          <p:cNvGrpSpPr/>
+          <p:nvPr/>
+        </p:nvGrpSpPr>
+        <p:grpSpPr>
+          <a:xfrm>
+            <a:off x="7505860" y="2005876"/>
+            <a:ext cx="3632696" cy="3563650"/>
+            <a:chOff x="7152569" y="1091476"/>
+            <a:chExt cx="3632696" cy="3563650"/>
+          </a:xfrm>
+        </p:grpSpPr>
+        <p:sp>
+          <p:nvSpPr>
+            <p:cNvPr id="20" name="Speech Bubble: Oval 19">
+              <a:extLst>
+                <a:ext uri="{FF2B5EF4-FFF2-40B4-BE49-F238E27FC236}">
+                  <a16:creationId xmlns:a16="http://schemas.microsoft.com/office/drawing/2014/main" id="{8D3F1593-8F1D-4615-A6BC-C2F192BDBEC6}"/>
+                </a:ext>
+              </a:extLst>
+            </p:cNvPr>
+            <p:cNvSpPr/>
+            <p:nvPr/>
+          </p:nvSpPr>
+          <p:spPr>
+            <a:xfrm>
+              <a:off x="8844610" y="1091476"/>
+              <a:ext cx="1070264" cy="556639"/>
+            </a:xfrm>
+            <a:prstGeom prst="wedgeEllipseCallout">
+              <a:avLst/>
+            </a:prstGeom>
+          </p:spPr>
+          <p:style>
+            <a:lnRef idx="2">
+              <a:schemeClr val="accent1">
+                <a:shade val="50000"/>
+              </a:schemeClr>
+            </a:lnRef>
+            <a:fillRef idx="1">
+              <a:schemeClr val="accent1"/>
+            </a:fillRef>
+            <a:effectRef idx="0">
+              <a:schemeClr val="accent1"/>
+            </a:effectRef>
+            <a:fontRef idx="minor">
+              <a:schemeClr val="lt1"/>
+            </a:fontRef>
+          </p:style>
+          <p:txBody>
+            <a:bodyPr rtlCol="0" anchor="ctr"/>
+            <a:lstStyle/>
+            <a:p>
+              <a:pPr algn="ctr"/>
+              <a:r>
+                <a:rPr lang="en-US" sz="900" dirty="0"/>
+                <a:t>Reduced downtime</a:t>
+              </a:r>
+            </a:p>
+          </p:txBody>
+        </p:sp>
+        <p:sp>
+          <p:nvSpPr>
+            <p:cNvPr id="22" name="Star: 12 Points 21">
+              <a:extLst>
+                <a:ext uri="{FF2B5EF4-FFF2-40B4-BE49-F238E27FC236}">
+                  <a16:creationId xmlns:a16="http://schemas.microsoft.com/office/drawing/2014/main" id="{F92F687E-B643-4706-8411-ABA4B3320B58}"/>
+                </a:ext>
+              </a:extLst>
+            </p:cNvPr>
+            <p:cNvSpPr/>
+            <p:nvPr/>
+          </p:nvSpPr>
+          <p:spPr>
+            <a:xfrm>
+              <a:off x="7969827" y="2186572"/>
+              <a:ext cx="1953491" cy="1433946"/>
+            </a:xfrm>
+            <a:prstGeom prst="star12">
+              <a:avLst/>
+            </a:prstGeom>
+          </p:spPr>
+          <p:style>
+            <a:lnRef idx="2">
+              <a:schemeClr val="accent1">
+                <a:shade val="50000"/>
+              </a:schemeClr>
+            </a:lnRef>
+            <a:fillRef idx="1">
+              <a:schemeClr val="accent1"/>
+            </a:fillRef>
+            <a:effectRef idx="0">
+              <a:schemeClr val="accent1"/>
+            </a:effectRef>
+            <a:fontRef idx="minor">
+              <a:schemeClr val="lt1"/>
+            </a:fontRef>
+          </p:style>
+          <p:txBody>
+            <a:bodyPr rtlCol="0" anchor="ctr"/>
+            <a:lstStyle/>
+            <a:p>
+              <a:pPr algn="ctr"/>
+              <a:r>
+                <a:rPr lang="en-US" sz="1200" dirty="0"/>
+                <a:t>Predictive maintenance</a:t>
+              </a:r>
+            </a:p>
+          </p:txBody>
+        </p:sp>
+        <p:sp>
+          <p:nvSpPr>
+            <p:cNvPr id="24" name="Speech Bubble: Oval 23">
+              <a:extLst>
+                <a:ext uri="{FF2B5EF4-FFF2-40B4-BE49-F238E27FC236}">
+                  <a16:creationId xmlns:a16="http://schemas.microsoft.com/office/drawing/2014/main" id="{D4ABA179-D7CC-4E4A-9387-203699403AB1}"/>
+                </a:ext>
+              </a:extLst>
+            </p:cNvPr>
+            <p:cNvSpPr/>
+            <p:nvPr/>
+          </p:nvSpPr>
+          <p:spPr>
+            <a:xfrm rot="2980965">
+              <a:off x="9747231" y="1663392"/>
+              <a:ext cx="1006291" cy="670642"/>
+            </a:xfrm>
+            <a:prstGeom prst="wedgeEllipseCallout">
+              <a:avLst/>
+            </a:prstGeom>
+          </p:spPr>
+          <p:style>
+            <a:lnRef idx="2">
+              <a:schemeClr val="accent1">
+                <a:shade val="50000"/>
+              </a:schemeClr>
+            </a:lnRef>
+            <a:fillRef idx="1">
+              <a:schemeClr val="accent1"/>
+            </a:fillRef>
+            <a:effectRef idx="0">
+              <a:schemeClr val="accent1"/>
+            </a:effectRef>
+            <a:fontRef idx="minor">
+              <a:schemeClr val="lt1"/>
+            </a:fontRef>
+          </p:style>
+          <p:txBody>
+            <a:bodyPr rtlCol="0" anchor="ctr"/>
+            <a:lstStyle/>
+            <a:p>
+              <a:pPr algn="ctr"/>
+              <a:r>
+                <a:rPr lang="en-US" sz="900" dirty="0"/>
+                <a:t>Increased equipment lifespan</a:t>
+              </a:r>
+            </a:p>
+          </p:txBody>
+        </p:sp>
+        <p:sp>
+          <p:nvSpPr>
+            <p:cNvPr id="25" name="Speech Bubble: Oval 24">
+              <a:extLst>
+                <a:ext uri="{FF2B5EF4-FFF2-40B4-BE49-F238E27FC236}">
+                  <a16:creationId xmlns:a16="http://schemas.microsoft.com/office/drawing/2014/main" id="{317D4BEE-2D16-4B37-AB26-18545784E966}"/>
+                </a:ext>
+              </a:extLst>
+            </p:cNvPr>
+            <p:cNvSpPr/>
+            <p:nvPr/>
+          </p:nvSpPr>
+          <p:spPr>
+            <a:xfrm rot="6093931">
+              <a:off x="9971814" y="2762130"/>
+              <a:ext cx="1070264" cy="556639"/>
+            </a:xfrm>
+            <a:prstGeom prst="wedgeEllipseCallout">
+              <a:avLst/>
+            </a:prstGeom>
+          </p:spPr>
+          <p:style>
+            <a:lnRef idx="2">
+              <a:schemeClr val="accent1">
+                <a:shade val="50000"/>
+              </a:schemeClr>
+            </a:lnRef>
+            <a:fillRef idx="1">
+              <a:schemeClr val="accent1"/>
+            </a:fillRef>
+            <a:effectRef idx="0">
+              <a:schemeClr val="accent1"/>
+            </a:effectRef>
+            <a:fontRef idx="minor">
+              <a:schemeClr val="lt1"/>
+            </a:fontRef>
+          </p:style>
+          <p:txBody>
+            <a:bodyPr rtlCol="0" anchor="ctr"/>
+            <a:lstStyle/>
+            <a:p>
+              <a:pPr algn="ctr"/>
+              <a:r>
+                <a:rPr lang="en-US" sz="900" dirty="0"/>
+                <a:t>Improve workforce</a:t>
+              </a:r>
+            </a:p>
+          </p:txBody>
+        </p:sp>
+        <p:sp>
+          <p:nvSpPr>
+            <p:cNvPr id="26" name="Speech Bubble: Oval 25">
+              <a:extLst>
+                <a:ext uri="{FF2B5EF4-FFF2-40B4-BE49-F238E27FC236}">
+                  <a16:creationId xmlns:a16="http://schemas.microsoft.com/office/drawing/2014/main" id="{B7DBD858-7D75-444D-AFE8-92551426A26F}"/>
+                </a:ext>
+              </a:extLst>
+            </p:cNvPr>
+            <p:cNvSpPr/>
+            <p:nvPr/>
+          </p:nvSpPr>
+          <p:spPr>
+            <a:xfrm rot="8220707">
+              <a:off x="9388185" y="3725166"/>
+              <a:ext cx="1070264" cy="556639"/>
+            </a:xfrm>
+            <a:prstGeom prst="wedgeEllipseCallout">
+              <a:avLst/>
+            </a:prstGeom>
+          </p:spPr>
+          <p:style>
+            <a:lnRef idx="2">
+              <a:schemeClr val="accent1">
+                <a:shade val="50000"/>
+              </a:schemeClr>
+            </a:lnRef>
+            <a:fillRef idx="1">
+              <a:schemeClr val="accent1"/>
+            </a:fillRef>
+            <a:effectRef idx="0">
+              <a:schemeClr val="accent1"/>
+            </a:effectRef>
+            <a:fontRef idx="minor">
+              <a:schemeClr val="lt1"/>
+            </a:fontRef>
+          </p:style>
+          <p:txBody>
+            <a:bodyPr rtlCol="0" anchor="ctr"/>
+            <a:lstStyle/>
+            <a:p>
+              <a:pPr algn="ctr"/>
+              <a:r>
+                <a:rPr lang="en-US" sz="900" dirty="0"/>
+                <a:t>Lower risk</a:t>
+              </a:r>
+            </a:p>
+          </p:txBody>
+        </p:sp>
+        <p:sp>
+          <p:nvSpPr>
+            <p:cNvPr id="27" name="Speech Bubble: Oval 26">
+              <a:extLst>
+                <a:ext uri="{FF2B5EF4-FFF2-40B4-BE49-F238E27FC236}">
+                  <a16:creationId xmlns:a16="http://schemas.microsoft.com/office/drawing/2014/main" id="{36CA80D2-ADA2-4121-9235-8AC95F63A709}"/>
+                </a:ext>
+              </a:extLst>
+            </p:cNvPr>
+            <p:cNvSpPr/>
+            <p:nvPr/>
+          </p:nvSpPr>
+          <p:spPr>
+            <a:xfrm rot="10800000">
+              <a:off x="8111793" y="4052155"/>
+              <a:ext cx="1162436" cy="602971"/>
+            </a:xfrm>
+            <a:prstGeom prst="wedgeEllipseCallout">
+              <a:avLst/>
+            </a:prstGeom>
+          </p:spPr>
+          <p:style>
+            <a:lnRef idx="2">
+              <a:schemeClr val="accent1">
+                <a:shade val="50000"/>
+              </a:schemeClr>
+            </a:lnRef>
+            <a:fillRef idx="1">
+              <a:schemeClr val="accent1"/>
+            </a:fillRef>
+            <a:effectRef idx="0">
+              <a:schemeClr val="accent1"/>
+            </a:effectRef>
+            <a:fontRef idx="minor">
+              <a:schemeClr val="lt1"/>
+            </a:fontRef>
+          </p:style>
+          <p:txBody>
+            <a:bodyPr rtlCol="0" anchor="ctr"/>
+            <a:lstStyle/>
+            <a:p>
+              <a:pPr algn="ctr"/>
+              <a:r>
+                <a:rPr lang="en-US" sz="900" dirty="0"/>
+                <a:t>Smart replacement</a:t>
+              </a:r>
+            </a:p>
+          </p:txBody>
+        </p:sp>
+        <p:sp>
+          <p:nvSpPr>
+            <p:cNvPr id="28" name="Speech Bubble: Oval 27">
+              <a:extLst>
+                <a:ext uri="{FF2B5EF4-FFF2-40B4-BE49-F238E27FC236}">
+                  <a16:creationId xmlns:a16="http://schemas.microsoft.com/office/drawing/2014/main" id="{C54FAE64-AD73-40DA-952E-7859541BE6F6}"/>
+                </a:ext>
+              </a:extLst>
+            </p:cNvPr>
+            <p:cNvSpPr/>
+            <p:nvPr/>
+          </p:nvSpPr>
+          <p:spPr>
+            <a:xfrm rot="14062520">
+              <a:off x="7063940" y="3319032"/>
+              <a:ext cx="1162436" cy="602971"/>
+            </a:xfrm>
+            <a:prstGeom prst="wedgeEllipseCallout">
+              <a:avLst/>
+            </a:prstGeom>
+          </p:spPr>
+          <p:style>
+            <a:lnRef idx="2">
+              <a:schemeClr val="accent1">
+                <a:shade val="50000"/>
+              </a:schemeClr>
+            </a:lnRef>
+            <a:fillRef idx="1">
+              <a:schemeClr val="accent1"/>
+            </a:fillRef>
+            <a:effectRef idx="0">
+              <a:schemeClr val="accent1"/>
+            </a:effectRef>
+            <a:fontRef idx="minor">
+              <a:schemeClr val="lt1"/>
+            </a:fontRef>
+          </p:style>
+          <p:txBody>
+            <a:bodyPr rtlCol="0" anchor="ctr"/>
+            <a:lstStyle/>
+            <a:p>
+              <a:pPr algn="ctr"/>
+              <a:r>
+                <a:rPr lang="en-US" sz="900" dirty="0"/>
+                <a:t>Decreased planned maintenance</a:t>
+              </a:r>
+            </a:p>
+          </p:txBody>
+        </p:sp>
+        <p:sp>
+          <p:nvSpPr>
+            <p:cNvPr id="29" name="Speech Bubble: Oval 28">
+              <a:extLst>
+                <a:ext uri="{FF2B5EF4-FFF2-40B4-BE49-F238E27FC236}">
+                  <a16:creationId xmlns:a16="http://schemas.microsoft.com/office/drawing/2014/main" id="{91F3FEAA-52DF-4887-AB69-5CE7B9A704A4}"/>
+                </a:ext>
+              </a:extLst>
+            </p:cNvPr>
+            <p:cNvSpPr/>
+            <p:nvPr/>
+          </p:nvSpPr>
+          <p:spPr>
+            <a:xfrm rot="17349610">
+              <a:off x="6872837" y="2165667"/>
+              <a:ext cx="1162436" cy="602971"/>
+            </a:xfrm>
+            <a:prstGeom prst="wedgeEllipseCallout">
+              <a:avLst/>
+            </a:prstGeom>
+          </p:spPr>
+          <p:style>
+            <a:lnRef idx="2">
+              <a:schemeClr val="accent1">
+                <a:shade val="50000"/>
+              </a:schemeClr>
+            </a:lnRef>
+            <a:fillRef idx="1">
+              <a:schemeClr val="accent1"/>
+            </a:fillRef>
+            <a:effectRef idx="0">
+              <a:schemeClr val="accent1"/>
+            </a:effectRef>
+            <a:fontRef idx="minor">
+              <a:schemeClr val="lt1"/>
+            </a:fontRef>
+          </p:style>
+          <p:txBody>
+            <a:bodyPr rtlCol="0" anchor="ctr"/>
+            <a:lstStyle/>
+            <a:p>
+              <a:pPr algn="ctr"/>
+              <a:r>
+                <a:rPr lang="en-US" sz="900" dirty="0"/>
+                <a:t>Increased production capacity</a:t>
+              </a:r>
+            </a:p>
+          </p:txBody>
+        </p:sp>
+        <p:sp>
+          <p:nvSpPr>
+            <p:cNvPr id="30" name="Speech Bubble: Oval 29">
+              <a:extLst>
+                <a:ext uri="{FF2B5EF4-FFF2-40B4-BE49-F238E27FC236}">
+                  <a16:creationId xmlns:a16="http://schemas.microsoft.com/office/drawing/2014/main" id="{61326207-5025-491B-9C29-234E58DC0E59}"/>
+                </a:ext>
+              </a:extLst>
+            </p:cNvPr>
+            <p:cNvSpPr/>
+            <p:nvPr/>
+          </p:nvSpPr>
+          <p:spPr>
+            <a:xfrm rot="19671787">
+              <a:off x="7711215" y="1275145"/>
+              <a:ext cx="1070264" cy="556639"/>
+            </a:xfrm>
+            <a:prstGeom prst="wedgeEllipseCallout">
+              <a:avLst/>
+            </a:prstGeom>
+          </p:spPr>
+          <p:style>
+            <a:lnRef idx="2">
+              <a:schemeClr val="accent1">
+                <a:shade val="50000"/>
+              </a:schemeClr>
+            </a:lnRef>
+            <a:fillRef idx="1">
+              <a:schemeClr val="accent1"/>
+            </a:fillRef>
+            <a:effectRef idx="0">
+              <a:schemeClr val="accent1"/>
+            </a:effectRef>
+            <a:fontRef idx="minor">
+              <a:schemeClr val="lt1"/>
+            </a:fontRef>
+          </p:style>
+          <p:txBody>
+            <a:bodyPr rtlCol="0" anchor="ctr"/>
+            <a:lstStyle/>
+            <a:p>
+              <a:pPr algn="ctr"/>
+              <a:r>
+                <a:rPr lang="en-US" sz="900" dirty="0"/>
+                <a:t>Asset availability</a:t>
+              </a:r>
+            </a:p>
+          </p:txBody>
+        </p:sp>
+      </p:grpSp>
+    </p:spTree>
+    <p:extLst>
+      <p:ext uri="{BB962C8B-B14F-4D97-AF65-F5344CB8AC3E}">
+        <p14:creationId xmlns:p14="http://schemas.microsoft.com/office/powerpoint/2010/main" val="1551567016"/>
+      </p:ext>
+    </p:extLst>
+  </p:cSld>
+  <p:clrMapOvr>
+    <a:masterClrMapping/>
+  </p:clrMapOvr>
+</p:sld>
+</file>
+
+<file path=ppt/slides/slide20.xml><?xml version="1.0" encoding="utf-8"?>
+<p:sld xmlns:a="http://schemas.openxmlformats.org/drawingml/2006/main" xmlns:r="http://schemas.openxmlformats.org/officeDocument/2006/relationships" xmlns:p="http://schemas.openxmlformats.org/presentationml/2006/main">
+  <p:cSld>
+    <p:spTree>
+      <p:nvGrpSpPr>
+        <p:cNvPr id="1" name=""/>
+        <p:cNvGrpSpPr/>
+        <p:nvPr/>
+      </p:nvGrpSpPr>
+      <p:grpSpPr>
+        <a:xfrm>
+          <a:off x="0" y="0"/>
+          <a:ext cx="0" cy="0"/>
+          <a:chOff x="0" y="0"/>
+          <a:chExt cx="0" cy="0"/>
+        </a:xfrm>
+      </p:grpSpPr>
+      <p:sp>
+        <p:nvSpPr>
+          <p:cNvPr id="2" name="Title 1">
+            <a:extLst>
+              <a:ext uri="{FF2B5EF4-FFF2-40B4-BE49-F238E27FC236}">
+                <a16:creationId xmlns:a16="http://schemas.microsoft.com/office/drawing/2014/main" id="{9C90F445-4F72-48D4-9D64-93C7C2B83D6E}"/>
+              </a:ext>
+            </a:extLst>
+          </p:cNvPr>
+          <p:cNvSpPr>
+            <a:spLocks noGrp="1"/>
+          </p:cNvSpPr>
+          <p:nvPr>
+            <p:ph type="title"/>
+          </p:nvPr>
+        </p:nvSpPr>
+        <p:spPr>
+          <a:xfrm>
+            <a:off x="290804" y="214280"/>
+            <a:ext cx="5805196" cy="1006475"/>
+          </a:xfrm>
+        </p:spPr>
+        <p:txBody>
+          <a:bodyPr>
+            <a:normAutofit fontScale="90000"/>
+          </a:bodyPr>
+          <a:lstStyle/>
+          <a:p>
+            <a:r>
+              <a:rPr lang="en-US" dirty="0"/>
+              <a:t>Predictive maintenance</a:t>
+            </a:r>
+            <a:br>
+              <a:rPr lang="en-US" dirty="0"/>
+            </a:br>
+            <a:r>
+              <a:rPr lang="en-US" sz="2400" dirty="0"/>
+              <a:t>In-service aircraft engine</a:t>
+            </a:r>
+          </a:p>
+        </p:txBody>
+      </p:sp>
+      <p:sp>
+        <p:nvSpPr>
+          <p:cNvPr id="14" name="TextBox 13">
+            <a:extLst>
+              <a:ext uri="{FF2B5EF4-FFF2-40B4-BE49-F238E27FC236}">
+                <a16:creationId xmlns:a16="http://schemas.microsoft.com/office/drawing/2014/main" id="{C23A3762-E887-492A-9271-A18300C22DFE}"/>
+              </a:ext>
+            </a:extLst>
+          </p:cNvPr>
+          <p:cNvSpPr txBox="1"/>
+          <p:nvPr/>
+        </p:nvSpPr>
+        <p:spPr>
+          <a:xfrm>
+            <a:off x="219783" y="1416536"/>
+            <a:ext cx="6094520" cy="3693319"/>
+          </a:xfrm>
+          <a:prstGeom prst="rect">
+            <a:avLst/>
+          </a:prstGeom>
+          <a:noFill/>
+        </p:spPr>
+        <p:txBody>
+          <a:bodyPr wrap="square">
+            <a:spAutoFit/>
+          </a:bodyPr>
+          <a:lstStyle/>
+          <a:p>
+            <a:pPr marL="285750" indent="-285750" algn="just">
+              <a:buFont typeface="Arial" panose="020B0604020202020204" pitchFamily="34" charset="0"/>
+              <a:buChar char="•"/>
+            </a:pPr>
+            <a:r>
+              <a:rPr lang="en-US" b="1" i="0" dirty="0">
+                <a:solidFill>
+                  <a:srgbClr val="2C3137"/>
+                </a:solidFill>
+                <a:effectLst/>
+                <a:latin typeface="Segoe UI" panose="020B0502040204020203" pitchFamily="34" charset="0"/>
+              </a:rPr>
+              <a:t>Regression:</a:t>
+            </a:r>
+            <a:r>
+              <a:rPr lang="en-US" b="0" i="0" dirty="0">
+                <a:solidFill>
+                  <a:srgbClr val="2C3137"/>
+                </a:solidFill>
+                <a:effectLst/>
+                <a:latin typeface="Segoe UI" panose="020B0502040204020203" pitchFamily="34" charset="0"/>
+              </a:rPr>
+              <a:t> Predict the Remaining Useful Life (RUL).</a:t>
+            </a:r>
+          </a:p>
+          <a:p>
+            <a:pPr marL="285750" indent="-285750" algn="just">
+              <a:buFont typeface="Arial" panose="020B0604020202020204" pitchFamily="34" charset="0"/>
+              <a:buChar char="•"/>
+            </a:pPr>
+            <a:endParaRPr lang="en-US" dirty="0">
+              <a:solidFill>
+                <a:srgbClr val="2C3137"/>
+              </a:solidFill>
+              <a:latin typeface="Segoe UI" panose="020B0502040204020203" pitchFamily="34" charset="0"/>
+            </a:endParaRPr>
+          </a:p>
+          <a:p>
+            <a:pPr marL="285750" indent="-285750" algn="just">
+              <a:buFont typeface="Arial" panose="020B0604020202020204" pitchFamily="34" charset="0"/>
+              <a:buChar char="•"/>
+            </a:pPr>
+            <a:endParaRPr lang="en-US" b="0" i="0" dirty="0">
+              <a:solidFill>
+                <a:srgbClr val="2C3137"/>
+              </a:solidFill>
+              <a:effectLst/>
+              <a:latin typeface="Segoe UI" panose="020B0502040204020203" pitchFamily="34" charset="0"/>
+            </a:endParaRPr>
+          </a:p>
+          <a:p>
+            <a:pPr marL="285750" indent="-285750" algn="just">
+              <a:buFont typeface="Arial" panose="020B0604020202020204" pitchFamily="34" charset="0"/>
+              <a:buChar char="•"/>
+            </a:pPr>
+            <a:endParaRPr lang="en-US" dirty="0">
+              <a:solidFill>
+                <a:srgbClr val="2C3137"/>
+              </a:solidFill>
+              <a:latin typeface="Segoe UI" panose="020B0502040204020203" pitchFamily="34" charset="0"/>
+            </a:endParaRPr>
+          </a:p>
+          <a:p>
+            <a:pPr algn="just"/>
+            <a:endParaRPr lang="en-US" b="0" i="0" dirty="0">
+              <a:solidFill>
+                <a:srgbClr val="2C3137"/>
+              </a:solidFill>
+              <a:effectLst/>
+              <a:latin typeface="Segoe UI" panose="020B0502040204020203" pitchFamily="34" charset="0"/>
+            </a:endParaRPr>
+          </a:p>
+          <a:p>
+            <a:pPr marL="285750" indent="-285750" algn="just">
+              <a:buFont typeface="Arial" panose="020B0604020202020204" pitchFamily="34" charset="0"/>
+              <a:buChar char="•"/>
+            </a:pPr>
+            <a:r>
+              <a:rPr lang="en-US" b="1" i="0" dirty="0">
+                <a:solidFill>
+                  <a:srgbClr val="2C3137"/>
+                </a:solidFill>
+                <a:effectLst/>
+                <a:latin typeface="Segoe UI" panose="020B0502040204020203" pitchFamily="34" charset="0"/>
+              </a:rPr>
+              <a:t>Binary classification:</a:t>
+            </a:r>
+            <a:r>
+              <a:rPr lang="en-US" b="0" i="0" dirty="0">
+                <a:solidFill>
+                  <a:srgbClr val="2C3137"/>
+                </a:solidFill>
+                <a:effectLst/>
+                <a:latin typeface="Segoe UI" panose="020B0502040204020203" pitchFamily="34" charset="0"/>
+              </a:rPr>
+              <a:t> Predict if an in-service engine will fail within certain time frame.</a:t>
+            </a:r>
+          </a:p>
+          <a:p>
+            <a:pPr marL="285750" indent="-285750" algn="just">
+              <a:buFont typeface="Arial" panose="020B0604020202020204" pitchFamily="34" charset="0"/>
+              <a:buChar char="•"/>
+            </a:pPr>
+            <a:endParaRPr lang="en-US" dirty="0">
+              <a:solidFill>
+                <a:srgbClr val="2C3137"/>
+              </a:solidFill>
+              <a:latin typeface="Segoe UI" panose="020B0502040204020203" pitchFamily="34" charset="0"/>
+            </a:endParaRPr>
+          </a:p>
+          <a:p>
+            <a:pPr marL="285750" indent="-285750" algn="just">
+              <a:buFont typeface="Arial" panose="020B0604020202020204" pitchFamily="34" charset="0"/>
+              <a:buChar char="•"/>
+            </a:pPr>
+            <a:endParaRPr lang="en-US" b="0" i="0" dirty="0">
+              <a:solidFill>
+                <a:srgbClr val="2C3137"/>
+              </a:solidFill>
+              <a:effectLst/>
+              <a:latin typeface="Segoe UI" panose="020B0502040204020203" pitchFamily="34" charset="0"/>
+            </a:endParaRPr>
+          </a:p>
+          <a:p>
+            <a:pPr marL="285750" indent="-285750" algn="just">
+              <a:buFont typeface="Arial" panose="020B0604020202020204" pitchFamily="34" charset="0"/>
+              <a:buChar char="•"/>
+            </a:pPr>
+            <a:endParaRPr lang="en-US" dirty="0">
+              <a:solidFill>
+                <a:srgbClr val="2C3137"/>
+              </a:solidFill>
+              <a:latin typeface="Segoe UI" panose="020B0502040204020203" pitchFamily="34" charset="0"/>
+            </a:endParaRPr>
+          </a:p>
+          <a:p>
+            <a:pPr algn="just"/>
+            <a:endParaRPr lang="en-US" b="0" i="0" dirty="0">
+              <a:solidFill>
+                <a:srgbClr val="2C3137"/>
+              </a:solidFill>
+              <a:effectLst/>
+              <a:latin typeface="Segoe UI" panose="020B0502040204020203" pitchFamily="34" charset="0"/>
+            </a:endParaRPr>
+          </a:p>
+          <a:p>
+            <a:pPr marL="285750" indent="-285750" algn="just">
+              <a:buFont typeface="Arial" panose="020B0604020202020204" pitchFamily="34" charset="0"/>
+              <a:buChar char="•"/>
+            </a:pPr>
+            <a:r>
+              <a:rPr lang="en-US" b="1" i="0" dirty="0">
+                <a:solidFill>
+                  <a:srgbClr val="2C3137"/>
+                </a:solidFill>
+                <a:effectLst/>
+                <a:latin typeface="Segoe UI" panose="020B0502040204020203" pitchFamily="34" charset="0"/>
+              </a:rPr>
+              <a:t>Multi-class classification:</a:t>
+            </a:r>
+            <a:r>
+              <a:rPr lang="en-US" b="0" i="0" dirty="0">
+                <a:solidFill>
+                  <a:srgbClr val="2C3137"/>
+                </a:solidFill>
+                <a:effectLst/>
+                <a:latin typeface="Segoe UI" panose="020B0502040204020203" pitchFamily="34" charset="0"/>
+              </a:rPr>
+              <a:t> Predict if an in-service will fail in two different time windows.</a:t>
+            </a:r>
+          </a:p>
+        </p:txBody>
+      </p:sp>
+      <p:pic>
+        <p:nvPicPr>
+          <p:cNvPr id="18" name="Picture 17">
+            <a:extLst>
+              <a:ext uri="{FF2B5EF4-FFF2-40B4-BE49-F238E27FC236}">
+                <a16:creationId xmlns:a16="http://schemas.microsoft.com/office/drawing/2014/main" id="{FE380370-5AFD-4FF2-80A9-C1B0ADE21E4D}"/>
+              </a:ext>
+            </a:extLst>
+          </p:cNvPr>
+          <p:cNvPicPr>
+            <a:picLocks noChangeAspect="1"/>
+          </p:cNvPicPr>
+          <p:nvPr/>
+        </p:nvPicPr>
+        <p:blipFill>
+          <a:blip r:embed="rId2"/>
+          <a:stretch>
+            <a:fillRect/>
+          </a:stretch>
+        </p:blipFill>
+        <p:spPr>
+          <a:xfrm>
+            <a:off x="787240" y="3429000"/>
+            <a:ext cx="5646851" cy="809444"/>
+          </a:xfrm>
+          <a:prstGeom prst="rect">
+            <a:avLst/>
+          </a:prstGeom>
+        </p:spPr>
+      </p:pic>
+      <p:pic>
+        <p:nvPicPr>
+          <p:cNvPr id="24" name="Picture 23">
+            <a:extLst>
+              <a:ext uri="{FF2B5EF4-FFF2-40B4-BE49-F238E27FC236}">
+                <a16:creationId xmlns:a16="http://schemas.microsoft.com/office/drawing/2014/main" id="{810644E0-7A49-465C-9151-C423D139F633}"/>
+              </a:ext>
+            </a:extLst>
+          </p:cNvPr>
+          <p:cNvPicPr>
+            <a:picLocks noChangeAspect="1"/>
+          </p:cNvPicPr>
+          <p:nvPr/>
+        </p:nvPicPr>
+        <p:blipFill>
+          <a:blip r:embed="rId3"/>
+          <a:stretch>
+            <a:fillRect/>
+          </a:stretch>
+        </p:blipFill>
+        <p:spPr>
+          <a:xfrm>
+            <a:off x="787240" y="5189676"/>
+            <a:ext cx="5650745" cy="723052"/>
+          </a:xfrm>
+          <a:prstGeom prst="rect">
+            <a:avLst/>
+          </a:prstGeom>
+        </p:spPr>
+      </p:pic>
+    </p:spTree>
+    <p:extLst>
+      <p:ext uri="{BB962C8B-B14F-4D97-AF65-F5344CB8AC3E}">
+        <p14:creationId xmlns:p14="http://schemas.microsoft.com/office/powerpoint/2010/main" val="2553369550"/>
+      </p:ext>
+    </p:extLst>
+  </p:cSld>
+  <p:clrMapOvr>
+    <a:masterClrMapping/>
+  </p:clrMapOvr>
+</p:sld>
+</file>
+
+<file path=ppt/slides/slide21.xml><?xml version="1.0" encoding="utf-8"?>
+<p:sld xmlns:a="http://schemas.openxmlformats.org/drawingml/2006/main" xmlns:r="http://schemas.openxmlformats.org/officeDocument/2006/relationships" xmlns:p="http://schemas.openxmlformats.org/presentationml/2006/main">
+  <p:cSld>
+    <p:spTree>
+      <p:nvGrpSpPr>
+        <p:cNvPr id="1" name=""/>
+        <p:cNvGrpSpPr/>
+        <p:nvPr/>
+      </p:nvGrpSpPr>
+      <p:grpSpPr>
+        <a:xfrm>
+          <a:off x="0" y="0"/>
+          <a:ext cx="0" cy="0"/>
+          <a:chOff x="0" y="0"/>
+          <a:chExt cx="0" cy="0"/>
+        </a:xfrm>
+      </p:grpSpPr>
+      <p:sp>
+        <p:nvSpPr>
+          <p:cNvPr id="2" name="Title 1">
+            <a:extLst>
+              <a:ext uri="{FF2B5EF4-FFF2-40B4-BE49-F238E27FC236}">
+                <a16:creationId xmlns:a16="http://schemas.microsoft.com/office/drawing/2014/main" id="{F11D3AC9-0811-4416-B33C-C55BB3841082}"/>
+              </a:ext>
+            </a:extLst>
+          </p:cNvPr>
+          <p:cNvSpPr>
+            <a:spLocks noGrp="1"/>
+          </p:cNvSpPr>
+          <p:nvPr>
+            <p:ph type="title"/>
+          </p:nvPr>
+        </p:nvSpPr>
+        <p:spPr/>
+        <p:txBody>
+          <a:bodyPr/>
+          <a:lstStyle/>
+          <a:p>
+            <a:r>
+              <a:rPr lang="en-US" dirty="0"/>
+              <a:t>Regression</a:t>
+            </a:r>
+          </a:p>
+        </p:txBody>
+      </p:sp>
+      <p:pic>
+        <p:nvPicPr>
+          <p:cNvPr id="11" name="Picture 10">
+            <a:extLst>
+              <a:ext uri="{FF2B5EF4-FFF2-40B4-BE49-F238E27FC236}">
+                <a16:creationId xmlns:a16="http://schemas.microsoft.com/office/drawing/2014/main" id="{20F900CC-581C-42C6-B476-929692658DF5}"/>
+              </a:ext>
+            </a:extLst>
+          </p:cNvPr>
+          <p:cNvPicPr>
+            <a:picLocks noChangeAspect="1"/>
+          </p:cNvPicPr>
+          <p:nvPr/>
+        </p:nvPicPr>
+        <p:blipFill>
+          <a:blip r:embed="rId2"/>
+          <a:stretch>
+            <a:fillRect/>
+          </a:stretch>
+        </p:blipFill>
+        <p:spPr>
+          <a:xfrm>
+            <a:off x="6419852" y="1818639"/>
+            <a:ext cx="5514975" cy="3048000"/>
+          </a:xfrm>
+          <a:prstGeom prst="rect">
+            <a:avLst/>
+          </a:prstGeom>
+        </p:spPr>
+      </p:pic>
+      <p:pic>
+        <p:nvPicPr>
+          <p:cNvPr id="13" name="Picture 12">
+            <a:extLst>
+              <a:ext uri="{FF2B5EF4-FFF2-40B4-BE49-F238E27FC236}">
+                <a16:creationId xmlns:a16="http://schemas.microsoft.com/office/drawing/2014/main" id="{62DAEB38-5F21-4EF8-945A-CF276E727FB5}"/>
+              </a:ext>
+            </a:extLst>
+          </p:cNvPr>
+          <p:cNvPicPr>
+            <a:picLocks noChangeAspect="1"/>
+          </p:cNvPicPr>
+          <p:nvPr/>
+        </p:nvPicPr>
+        <p:blipFill>
+          <a:blip r:embed="rId3"/>
+          <a:stretch>
+            <a:fillRect/>
+          </a:stretch>
+        </p:blipFill>
+        <p:spPr>
+          <a:xfrm>
+            <a:off x="219074" y="1855469"/>
+            <a:ext cx="5553075" cy="2933700"/>
+          </a:xfrm>
+          <a:prstGeom prst="rect">
+            <a:avLst/>
+          </a:prstGeom>
+        </p:spPr>
+      </p:pic>
+    </p:spTree>
+    <p:extLst>
+      <p:ext uri="{BB962C8B-B14F-4D97-AF65-F5344CB8AC3E}">
+        <p14:creationId xmlns:p14="http://schemas.microsoft.com/office/powerpoint/2010/main" val="3808461920"/>
+      </p:ext>
+    </p:extLst>
+  </p:cSld>
+  <p:clrMapOvr>
+    <a:masterClrMapping/>
+  </p:clrMapOvr>
+</p:sld>
+</file>
+
+<file path=ppt/slides/slide22.xml><?xml version="1.0" encoding="utf-8"?>
+<p:sld xmlns:a="http://schemas.openxmlformats.org/drawingml/2006/main" xmlns:r="http://schemas.openxmlformats.org/officeDocument/2006/relationships" xmlns:p="http://schemas.openxmlformats.org/presentationml/2006/main">
+  <p:cSld>
+    <p:spTree>
+      <p:nvGrpSpPr>
+        <p:cNvPr id="1" name=""/>
+        <p:cNvGrpSpPr/>
+        <p:nvPr/>
+      </p:nvGrpSpPr>
+      <p:grpSpPr>
+        <a:xfrm>
+          <a:off x="0" y="0"/>
+          <a:ext cx="0" cy="0"/>
+          <a:chOff x="0" y="0"/>
+          <a:chExt cx="0" cy="0"/>
+        </a:xfrm>
+      </p:grpSpPr>
+      <p:sp>
+        <p:nvSpPr>
+          <p:cNvPr id="2" name="Title 1">
+            <a:extLst>
+              <a:ext uri="{FF2B5EF4-FFF2-40B4-BE49-F238E27FC236}">
+                <a16:creationId xmlns:a16="http://schemas.microsoft.com/office/drawing/2014/main" id="{9C90F445-4F72-48D4-9D64-93C7C2B83D6E}"/>
+              </a:ext>
+            </a:extLst>
+          </p:cNvPr>
+          <p:cNvSpPr>
+            <a:spLocks noGrp="1"/>
+          </p:cNvSpPr>
+          <p:nvPr>
+            <p:ph type="title"/>
+          </p:nvPr>
+        </p:nvSpPr>
+        <p:spPr>
+          <a:xfrm>
+            <a:off x="290804" y="214280"/>
+            <a:ext cx="5805196" cy="1006475"/>
+          </a:xfrm>
+        </p:spPr>
+        <p:txBody>
+          <a:bodyPr>
+            <a:normAutofit fontScale="90000"/>
+          </a:bodyPr>
+          <a:lstStyle/>
+          <a:p>
+            <a:r>
+              <a:rPr lang="en-US" dirty="0"/>
+              <a:t>Predictive maintenance</a:t>
+            </a:r>
+            <a:br>
+              <a:rPr lang="en-US" dirty="0"/>
+            </a:br>
+            <a:r>
+              <a:rPr lang="en-US" sz="2400" dirty="0"/>
+              <a:t>In-service aircraft engine</a:t>
+            </a:r>
+          </a:p>
+        </p:txBody>
+      </p:sp>
+      <p:pic>
+        <p:nvPicPr>
+          <p:cNvPr id="8" name="Picture 7">
+            <a:extLst>
+              <a:ext uri="{FF2B5EF4-FFF2-40B4-BE49-F238E27FC236}">
+                <a16:creationId xmlns:a16="http://schemas.microsoft.com/office/drawing/2014/main" id="{AA108615-B927-480A-BDA8-5F0220DAF8B9}"/>
+              </a:ext>
+            </a:extLst>
+          </p:cNvPr>
+          <p:cNvPicPr>
+            <a:picLocks noChangeAspect="1"/>
+          </p:cNvPicPr>
+          <p:nvPr/>
+        </p:nvPicPr>
+        <p:blipFill>
+          <a:blip r:embed="rId2"/>
+          <a:stretch>
+            <a:fillRect/>
+          </a:stretch>
+        </p:blipFill>
+        <p:spPr>
+          <a:xfrm>
+            <a:off x="6753303" y="353008"/>
+            <a:ext cx="4893049" cy="2026298"/>
+          </a:xfrm>
+          <a:prstGeom prst="rect">
+            <a:avLst/>
+          </a:prstGeom>
+        </p:spPr>
+      </p:pic>
+      <p:grpSp>
+        <p:nvGrpSpPr>
+          <p:cNvPr id="12" name="Group 11">
+            <a:extLst>
+              <a:ext uri="{FF2B5EF4-FFF2-40B4-BE49-F238E27FC236}">
+                <a16:creationId xmlns:a16="http://schemas.microsoft.com/office/drawing/2014/main" id="{A12535AE-5505-4629-96AB-AB58F0508F3D}"/>
+              </a:ext>
+            </a:extLst>
+          </p:cNvPr>
+          <p:cNvGrpSpPr/>
+          <p:nvPr/>
+        </p:nvGrpSpPr>
+        <p:grpSpPr>
+          <a:xfrm>
+            <a:off x="6753303" y="3293616"/>
+            <a:ext cx="5438696" cy="3422340"/>
+            <a:chOff x="4853251" y="2975201"/>
+            <a:chExt cx="7110828" cy="3781425"/>
+          </a:xfrm>
+        </p:grpSpPr>
+        <p:pic>
+          <p:nvPicPr>
+            <p:cNvPr id="10" name="Picture 9">
+              <a:extLst>
+                <a:ext uri="{FF2B5EF4-FFF2-40B4-BE49-F238E27FC236}">
+                  <a16:creationId xmlns:a16="http://schemas.microsoft.com/office/drawing/2014/main" id="{2D203E86-C7F4-465A-BF7B-B62D169E43C4}"/>
+                </a:ext>
+              </a:extLst>
+            </p:cNvPr>
+            <p:cNvPicPr>
+              <a:picLocks noChangeAspect="1"/>
+            </p:cNvPicPr>
+            <p:nvPr/>
+          </p:nvPicPr>
+          <p:blipFill>
+            <a:blip r:embed="rId3"/>
+            <a:stretch>
+              <a:fillRect/>
+            </a:stretch>
+          </p:blipFill>
+          <p:spPr>
+            <a:xfrm>
+              <a:off x="5191804" y="2975201"/>
+              <a:ext cx="6772275" cy="3781425"/>
+            </a:xfrm>
+            <a:prstGeom prst="rect">
+              <a:avLst/>
+            </a:prstGeom>
+          </p:spPr>
+        </p:pic>
+        <p:sp>
+          <p:nvSpPr>
+            <p:cNvPr id="11" name="TextBox 10">
+              <a:extLst>
+                <a:ext uri="{FF2B5EF4-FFF2-40B4-BE49-F238E27FC236}">
+                  <a16:creationId xmlns:a16="http://schemas.microsoft.com/office/drawing/2014/main" id="{17B9AE6D-CF2D-4E0C-B68F-65146BB475E4}"/>
+                </a:ext>
+              </a:extLst>
+            </p:cNvPr>
+            <p:cNvSpPr txBox="1"/>
+            <p:nvPr/>
+          </p:nvSpPr>
+          <p:spPr>
+            <a:xfrm rot="16200000">
+              <a:off x="3706911" y="4696635"/>
+              <a:ext cx="2631233" cy="338554"/>
+            </a:xfrm>
+            <a:prstGeom prst="rect">
+              <a:avLst/>
+            </a:prstGeom>
+            <a:noFill/>
+          </p:spPr>
+          <p:txBody>
+            <a:bodyPr wrap="square" rtlCol="0">
+              <a:spAutoFit/>
+            </a:bodyPr>
+            <a:lstStyle/>
+            <a:p>
+              <a:r>
+                <a:rPr lang="en-US" sz="1600" b="1" dirty="0">
+                  <a:latin typeface="Arial Rounded MT Bold" panose="020F0704030504030204" pitchFamily="34" charset="0"/>
+                  <a:cs typeface="Aharoni" panose="02010803020104030203" pitchFamily="2" charset="-79"/>
+                </a:rPr>
+                <a:t>Degradation indicator</a:t>
+              </a:r>
+            </a:p>
+          </p:txBody>
+        </p:sp>
+      </p:grpSp>
+      <p:sp>
+        <p:nvSpPr>
+          <p:cNvPr id="14" name="TextBox 13">
+            <a:extLst>
+              <a:ext uri="{FF2B5EF4-FFF2-40B4-BE49-F238E27FC236}">
+                <a16:creationId xmlns:a16="http://schemas.microsoft.com/office/drawing/2014/main" id="{C23A3762-E887-492A-9271-A18300C22DFE}"/>
+              </a:ext>
+            </a:extLst>
+          </p:cNvPr>
+          <p:cNvSpPr txBox="1"/>
+          <p:nvPr/>
+        </p:nvSpPr>
+        <p:spPr>
+          <a:xfrm>
+            <a:off x="219783" y="1416536"/>
+            <a:ext cx="6094520" cy="3693319"/>
+          </a:xfrm>
+          <a:prstGeom prst="rect">
+            <a:avLst/>
+          </a:prstGeom>
+          <a:noFill/>
+        </p:spPr>
+        <p:txBody>
+          <a:bodyPr wrap="square">
+            <a:spAutoFit/>
+          </a:bodyPr>
+          <a:lstStyle/>
+          <a:p>
+            <a:pPr marL="285750" indent="-285750" algn="just">
+              <a:buFont typeface="Arial" panose="020B0604020202020204" pitchFamily="34" charset="0"/>
+              <a:buChar char="•"/>
+            </a:pPr>
+            <a:r>
+              <a:rPr lang="en-US" b="1" i="0" dirty="0">
+                <a:solidFill>
+                  <a:srgbClr val="2C3137"/>
+                </a:solidFill>
+                <a:effectLst/>
+                <a:latin typeface="Segoe UI" panose="020B0502040204020203" pitchFamily="34" charset="0"/>
+              </a:rPr>
+              <a:t>Regression:</a:t>
+            </a:r>
+            <a:r>
+              <a:rPr lang="en-US" b="0" i="0" dirty="0">
+                <a:solidFill>
+                  <a:srgbClr val="2C3137"/>
+                </a:solidFill>
+                <a:effectLst/>
+                <a:latin typeface="Segoe UI" panose="020B0502040204020203" pitchFamily="34" charset="0"/>
+              </a:rPr>
+              <a:t> Predict the Remaining Useful Life (RUL).</a:t>
+            </a:r>
+          </a:p>
+          <a:p>
+            <a:pPr marL="285750" indent="-285750" algn="just">
+              <a:buFont typeface="Arial" panose="020B0604020202020204" pitchFamily="34" charset="0"/>
+              <a:buChar char="•"/>
+            </a:pPr>
+            <a:endParaRPr lang="en-US" dirty="0">
+              <a:solidFill>
+                <a:srgbClr val="2C3137"/>
+              </a:solidFill>
+              <a:latin typeface="Segoe UI" panose="020B0502040204020203" pitchFamily="34" charset="0"/>
+            </a:endParaRPr>
+          </a:p>
+          <a:p>
+            <a:pPr marL="285750" indent="-285750" algn="just">
+              <a:buFont typeface="Arial" panose="020B0604020202020204" pitchFamily="34" charset="0"/>
+              <a:buChar char="•"/>
+            </a:pPr>
+            <a:endParaRPr lang="en-US" b="0" i="0" dirty="0">
+              <a:solidFill>
+                <a:srgbClr val="2C3137"/>
+              </a:solidFill>
+              <a:effectLst/>
+              <a:latin typeface="Segoe UI" panose="020B0502040204020203" pitchFamily="34" charset="0"/>
+            </a:endParaRPr>
+          </a:p>
+          <a:p>
+            <a:pPr marL="285750" indent="-285750" algn="just">
+              <a:buFont typeface="Arial" panose="020B0604020202020204" pitchFamily="34" charset="0"/>
+              <a:buChar char="•"/>
+            </a:pPr>
+            <a:endParaRPr lang="en-US" dirty="0">
+              <a:solidFill>
+                <a:srgbClr val="2C3137"/>
+              </a:solidFill>
+              <a:latin typeface="Segoe UI" panose="020B0502040204020203" pitchFamily="34" charset="0"/>
+            </a:endParaRPr>
+          </a:p>
+          <a:p>
+            <a:pPr algn="just"/>
+            <a:endParaRPr lang="en-US" b="0" i="0" dirty="0">
+              <a:solidFill>
+                <a:srgbClr val="2C3137"/>
+              </a:solidFill>
+              <a:effectLst/>
+              <a:latin typeface="Segoe UI" panose="020B0502040204020203" pitchFamily="34" charset="0"/>
+            </a:endParaRPr>
+          </a:p>
+          <a:p>
+            <a:pPr marL="285750" indent="-285750" algn="just">
+              <a:buFont typeface="Arial" panose="020B0604020202020204" pitchFamily="34" charset="0"/>
+              <a:buChar char="•"/>
+            </a:pPr>
+            <a:r>
+              <a:rPr lang="en-US" b="1" i="0" dirty="0">
+                <a:solidFill>
+                  <a:srgbClr val="2C3137"/>
+                </a:solidFill>
+                <a:effectLst/>
+                <a:latin typeface="Segoe UI" panose="020B0502040204020203" pitchFamily="34" charset="0"/>
+              </a:rPr>
+              <a:t>Binary classification:</a:t>
+            </a:r>
+            <a:r>
+              <a:rPr lang="en-US" b="0" i="0" dirty="0">
+                <a:solidFill>
+                  <a:srgbClr val="2C3137"/>
+                </a:solidFill>
+                <a:effectLst/>
+                <a:latin typeface="Segoe UI" panose="020B0502040204020203" pitchFamily="34" charset="0"/>
+              </a:rPr>
+              <a:t> Predict if an in-service engine will fail within certain time frame.</a:t>
+            </a:r>
+          </a:p>
+          <a:p>
+            <a:pPr marL="285750" indent="-285750" algn="just">
+              <a:buFont typeface="Arial" panose="020B0604020202020204" pitchFamily="34" charset="0"/>
+              <a:buChar char="•"/>
+            </a:pPr>
+            <a:endParaRPr lang="en-US" dirty="0">
+              <a:solidFill>
+                <a:srgbClr val="2C3137"/>
+              </a:solidFill>
+              <a:latin typeface="Segoe UI" panose="020B0502040204020203" pitchFamily="34" charset="0"/>
+            </a:endParaRPr>
+          </a:p>
+          <a:p>
+            <a:pPr marL="285750" indent="-285750" algn="just">
+              <a:buFont typeface="Arial" panose="020B0604020202020204" pitchFamily="34" charset="0"/>
+              <a:buChar char="•"/>
+            </a:pPr>
+            <a:endParaRPr lang="en-US" b="0" i="0" dirty="0">
+              <a:solidFill>
+                <a:srgbClr val="2C3137"/>
+              </a:solidFill>
+              <a:effectLst/>
+              <a:latin typeface="Segoe UI" panose="020B0502040204020203" pitchFamily="34" charset="0"/>
+            </a:endParaRPr>
+          </a:p>
+          <a:p>
+            <a:pPr marL="285750" indent="-285750" algn="just">
+              <a:buFont typeface="Arial" panose="020B0604020202020204" pitchFamily="34" charset="0"/>
+              <a:buChar char="•"/>
+            </a:pPr>
+            <a:endParaRPr lang="en-US" dirty="0">
+              <a:solidFill>
+                <a:srgbClr val="2C3137"/>
+              </a:solidFill>
+              <a:latin typeface="Segoe UI" panose="020B0502040204020203" pitchFamily="34" charset="0"/>
+            </a:endParaRPr>
+          </a:p>
+          <a:p>
+            <a:pPr algn="just"/>
+            <a:endParaRPr lang="en-US" b="0" i="0" dirty="0">
+              <a:solidFill>
+                <a:srgbClr val="2C3137"/>
+              </a:solidFill>
+              <a:effectLst/>
+              <a:latin typeface="Segoe UI" panose="020B0502040204020203" pitchFamily="34" charset="0"/>
+            </a:endParaRPr>
+          </a:p>
+          <a:p>
+            <a:pPr marL="285750" indent="-285750" algn="just">
+              <a:buFont typeface="Arial" panose="020B0604020202020204" pitchFamily="34" charset="0"/>
+              <a:buChar char="•"/>
+            </a:pPr>
+            <a:r>
+              <a:rPr lang="en-US" b="1" i="0" dirty="0">
+                <a:solidFill>
+                  <a:srgbClr val="2C3137"/>
+                </a:solidFill>
+                <a:effectLst/>
+                <a:latin typeface="Segoe UI" panose="020B0502040204020203" pitchFamily="34" charset="0"/>
+              </a:rPr>
+              <a:t>Multi-class classification:</a:t>
+            </a:r>
+            <a:r>
+              <a:rPr lang="en-US" b="0" i="0" dirty="0">
+                <a:solidFill>
+                  <a:srgbClr val="2C3137"/>
+                </a:solidFill>
+                <a:effectLst/>
+                <a:latin typeface="Segoe UI" panose="020B0502040204020203" pitchFamily="34" charset="0"/>
+              </a:rPr>
+              <a:t> Predict if an in-service will fail in two different time windows.</a:t>
+            </a:r>
+          </a:p>
+        </p:txBody>
+      </p:sp>
+      <p:pic>
+        <p:nvPicPr>
+          <p:cNvPr id="18" name="Picture 17">
+            <a:extLst>
+              <a:ext uri="{FF2B5EF4-FFF2-40B4-BE49-F238E27FC236}">
+                <a16:creationId xmlns:a16="http://schemas.microsoft.com/office/drawing/2014/main" id="{FE380370-5AFD-4FF2-80A9-C1B0ADE21E4D}"/>
+              </a:ext>
+            </a:extLst>
+          </p:cNvPr>
+          <p:cNvPicPr>
+            <a:picLocks noChangeAspect="1"/>
+          </p:cNvPicPr>
+          <p:nvPr/>
+        </p:nvPicPr>
+        <p:blipFill>
+          <a:blip r:embed="rId4"/>
+          <a:stretch>
+            <a:fillRect/>
+          </a:stretch>
+        </p:blipFill>
+        <p:spPr>
+          <a:xfrm>
+            <a:off x="787240" y="3429000"/>
+            <a:ext cx="5646851" cy="809444"/>
+          </a:xfrm>
+          <a:prstGeom prst="rect">
+            <a:avLst/>
+          </a:prstGeom>
+        </p:spPr>
+      </p:pic>
+      <p:pic>
+        <p:nvPicPr>
+          <p:cNvPr id="22" name="Picture 21">
+            <a:extLst>
+              <a:ext uri="{FF2B5EF4-FFF2-40B4-BE49-F238E27FC236}">
+                <a16:creationId xmlns:a16="http://schemas.microsoft.com/office/drawing/2014/main" id="{EBD4F1A3-F6DA-4CA5-8306-F135D63A81ED}"/>
+              </a:ext>
+            </a:extLst>
+          </p:cNvPr>
+          <p:cNvPicPr>
+            <a:picLocks noChangeAspect="1"/>
+          </p:cNvPicPr>
+          <p:nvPr/>
+        </p:nvPicPr>
+        <p:blipFill>
+          <a:blip r:embed="rId5"/>
+          <a:stretch>
+            <a:fillRect/>
+          </a:stretch>
+        </p:blipFill>
+        <p:spPr>
+          <a:xfrm>
+            <a:off x="787240" y="1824620"/>
+            <a:ext cx="4959606" cy="899622"/>
+          </a:xfrm>
+          <a:prstGeom prst="rect">
+            <a:avLst/>
+          </a:prstGeom>
+        </p:spPr>
+      </p:pic>
+      <p:pic>
+        <p:nvPicPr>
+          <p:cNvPr id="24" name="Picture 23">
+            <a:extLst>
+              <a:ext uri="{FF2B5EF4-FFF2-40B4-BE49-F238E27FC236}">
+                <a16:creationId xmlns:a16="http://schemas.microsoft.com/office/drawing/2014/main" id="{810644E0-7A49-465C-9151-C423D139F633}"/>
+              </a:ext>
+            </a:extLst>
+          </p:cNvPr>
+          <p:cNvPicPr>
+            <a:picLocks noChangeAspect="1"/>
+          </p:cNvPicPr>
+          <p:nvPr/>
+        </p:nvPicPr>
+        <p:blipFill>
+          <a:blip r:embed="rId6"/>
+          <a:stretch>
+            <a:fillRect/>
+          </a:stretch>
+        </p:blipFill>
+        <p:spPr>
+          <a:xfrm>
+            <a:off x="787240" y="5189676"/>
+            <a:ext cx="5650745" cy="723052"/>
+          </a:xfrm>
+          <a:prstGeom prst="rect">
+            <a:avLst/>
+          </a:prstGeom>
+        </p:spPr>
+      </p:pic>
+    </p:spTree>
+    <p:extLst>
+      <p:ext uri="{BB962C8B-B14F-4D97-AF65-F5344CB8AC3E}">
+        <p14:creationId xmlns:p14="http://schemas.microsoft.com/office/powerpoint/2010/main" val="3524042181"/>
+      </p:ext>
+    </p:extLst>
+  </p:cSld>
+  <p:clrMapOvr>
+    <a:masterClrMapping/>
+  </p:clrMapOvr>
+</p:sld>
+</file>
+
+<file path=ppt/slides/slide3.xml><?xml version="1.0" encoding="utf-8"?>
+<p:sld xmlns:a="http://schemas.openxmlformats.org/drawingml/2006/main" xmlns:r="http://schemas.openxmlformats.org/officeDocument/2006/relationships" xmlns:p="http://schemas.openxmlformats.org/presentationml/2006/main">
+  <p:cSld>
+    <p:spTree>
+      <p:nvGrpSpPr>
+        <p:cNvPr id="1" name=""/>
+        <p:cNvGrpSpPr/>
+        <p:nvPr/>
+      </p:nvGrpSpPr>
+      <p:grpSpPr>
+        <a:xfrm>
+          <a:off x="0" y="0"/>
+          <a:ext cx="0" cy="0"/>
+          <a:chOff x="0" y="0"/>
+          <a:chExt cx="0" cy="0"/>
+        </a:xfrm>
+      </p:grpSpPr>
+      <p:sp>
+        <p:nvSpPr>
+          <p:cNvPr id="2" name="Title 1">
+            <a:extLst>
+              <a:ext uri="{FF2B5EF4-FFF2-40B4-BE49-F238E27FC236}">
+                <a16:creationId xmlns:a16="http://schemas.microsoft.com/office/drawing/2014/main" id="{89CCE1EB-2964-4B83-98F4-6E1ECE456524}"/>
+              </a:ext>
+            </a:extLst>
+          </p:cNvPr>
+          <p:cNvSpPr>
+            <a:spLocks noGrp="1"/>
+          </p:cNvSpPr>
+          <p:nvPr>
+            <p:ph type="title"/>
+          </p:nvPr>
+        </p:nvSpPr>
+        <p:spPr/>
+        <p:txBody>
+          <a:bodyPr/>
+          <a:lstStyle/>
+          <a:p>
+            <a:r>
+              <a:rPr lang="en-US" dirty="0"/>
+              <a:t>Relevancy for </a:t>
+            </a:r>
+            <a:r>
+              <a:rPr lang="en-US" dirty="0" err="1"/>
+              <a:t>Axbit</a:t>
+            </a:r>
+            <a:r>
+              <a:rPr lang="en-US" dirty="0"/>
+              <a:t>	</a:t>
+            </a:r>
+          </a:p>
+        </p:txBody>
+      </p:sp>
+      <p:grpSp>
+        <p:nvGrpSpPr>
+          <p:cNvPr id="8" name="Group 7">
+            <a:extLst>
+              <a:ext uri="{FF2B5EF4-FFF2-40B4-BE49-F238E27FC236}">
+                <a16:creationId xmlns:a16="http://schemas.microsoft.com/office/drawing/2014/main" id="{195A8FB1-92C0-48E6-B267-8F4F3ED30E5C}"/>
+              </a:ext>
+            </a:extLst>
+          </p:cNvPr>
+          <p:cNvGrpSpPr/>
+          <p:nvPr/>
+        </p:nvGrpSpPr>
+        <p:grpSpPr>
+          <a:xfrm>
+            <a:off x="3401292" y="1828802"/>
+            <a:ext cx="5895107" cy="3597712"/>
+            <a:chOff x="3401292" y="1548245"/>
+            <a:chExt cx="5895107" cy="3597712"/>
+          </a:xfrm>
+        </p:grpSpPr>
+        <p:sp>
+          <p:nvSpPr>
+            <p:cNvPr id="5" name="Rectangle: Rounded Corners 4">
+              <a:extLst>
+                <a:ext uri="{FF2B5EF4-FFF2-40B4-BE49-F238E27FC236}">
+                  <a16:creationId xmlns:a16="http://schemas.microsoft.com/office/drawing/2014/main" id="{CF6066B7-3492-4D07-836F-F7762A884729}"/>
+                </a:ext>
+              </a:extLst>
+            </p:cNvPr>
+            <p:cNvSpPr/>
+            <p:nvPr/>
+          </p:nvSpPr>
+          <p:spPr>
+            <a:xfrm>
+              <a:off x="3401292" y="1548245"/>
+              <a:ext cx="5888181" cy="1325563"/>
+            </a:xfrm>
+            <a:prstGeom prst="roundRect">
+              <a:avLst/>
+            </a:prstGeom>
+          </p:spPr>
+          <p:style>
+            <a:lnRef idx="2">
+              <a:schemeClr val="accent1">
+                <a:shade val="50000"/>
+              </a:schemeClr>
+            </a:lnRef>
+            <a:fillRef idx="1">
+              <a:schemeClr val="accent1"/>
+            </a:fillRef>
+            <a:effectRef idx="0">
+              <a:schemeClr val="accent1"/>
+            </a:effectRef>
+            <a:fontRef idx="minor">
+              <a:schemeClr val="lt1"/>
+            </a:fontRef>
+          </p:style>
+          <p:txBody>
+            <a:bodyPr rtlCol="0" anchor="ctr"/>
+            <a:lstStyle/>
+            <a:p>
+              <a:pPr algn="ctr"/>
+              <a:r>
+                <a:rPr lang="en-US" sz="2400" dirty="0"/>
+                <a:t>Many potential clients have time or planning to generate time series sensors data</a:t>
+              </a:r>
+            </a:p>
+            <a:p>
+              <a:pPr algn="ctr"/>
+              <a:endParaRPr lang="en-US" sz="2400" dirty="0"/>
+            </a:p>
+          </p:txBody>
+        </p:sp>
+        <p:sp>
+          <p:nvSpPr>
+            <p:cNvPr id="6" name="Rectangle: Rounded Corners 5">
+              <a:extLst>
+                <a:ext uri="{FF2B5EF4-FFF2-40B4-BE49-F238E27FC236}">
+                  <a16:creationId xmlns:a16="http://schemas.microsoft.com/office/drawing/2014/main" id="{51C5AA09-3F48-4662-973F-37807A9CD912}"/>
+                </a:ext>
+              </a:extLst>
+            </p:cNvPr>
+            <p:cNvSpPr/>
+            <p:nvPr/>
+          </p:nvSpPr>
+          <p:spPr>
+            <a:xfrm>
+              <a:off x="3408218" y="3820394"/>
+              <a:ext cx="5888181" cy="1325563"/>
+            </a:xfrm>
+            <a:prstGeom prst="roundRect">
+              <a:avLst/>
+            </a:prstGeom>
+          </p:spPr>
+          <p:style>
+            <a:lnRef idx="2">
+              <a:schemeClr val="accent1">
+                <a:shade val="50000"/>
+              </a:schemeClr>
+            </a:lnRef>
+            <a:fillRef idx="1">
+              <a:schemeClr val="accent1"/>
+            </a:fillRef>
+            <a:effectRef idx="0">
+              <a:schemeClr val="accent1"/>
+            </a:effectRef>
+            <a:fontRef idx="minor">
+              <a:schemeClr val="lt1"/>
+            </a:fontRef>
+          </p:style>
+          <p:txBody>
+            <a:bodyPr rtlCol="0" anchor="ctr"/>
+            <a:lstStyle/>
+            <a:p>
+              <a:pPr algn="ctr"/>
+              <a:r>
+                <a:rPr lang="en-US" sz="2400" dirty="0"/>
+                <a:t>Showcase a predictive maintenance competence </a:t>
+              </a:r>
+            </a:p>
+            <a:p>
+              <a:pPr algn="ctr"/>
+              <a:endParaRPr lang="en-US" sz="2400" dirty="0"/>
+            </a:p>
+          </p:txBody>
+        </p:sp>
+        <p:sp>
+          <p:nvSpPr>
+            <p:cNvPr id="7" name="Arrow: Down 6">
+              <a:extLst>
+                <a:ext uri="{FF2B5EF4-FFF2-40B4-BE49-F238E27FC236}">
+                  <a16:creationId xmlns:a16="http://schemas.microsoft.com/office/drawing/2014/main" id="{3D2C9E02-F3A2-4FDF-B89E-E1A39575F9E7}"/>
+                </a:ext>
+              </a:extLst>
+            </p:cNvPr>
+            <p:cNvSpPr/>
+            <p:nvPr/>
+          </p:nvSpPr>
+          <p:spPr>
+            <a:xfrm>
+              <a:off x="6255327" y="2982191"/>
+              <a:ext cx="135082" cy="748145"/>
+            </a:xfrm>
+            <a:prstGeom prst="downArrow">
+              <a:avLst/>
+            </a:prstGeom>
+          </p:spPr>
+          <p:style>
+            <a:lnRef idx="2">
+              <a:schemeClr val="accent1">
+                <a:shade val="50000"/>
+              </a:schemeClr>
+            </a:lnRef>
+            <a:fillRef idx="1">
+              <a:schemeClr val="accent1"/>
+            </a:fillRef>
+            <a:effectRef idx="0">
+              <a:schemeClr val="accent1"/>
+            </a:effectRef>
+            <a:fontRef idx="minor">
+              <a:schemeClr val="lt1"/>
+            </a:fontRef>
+          </p:style>
+          <p:txBody>
+            <a:bodyPr rtlCol="0" anchor="ctr"/>
+            <a:lstStyle/>
+            <a:p>
+              <a:pPr algn="ctr"/>
+              <a:endParaRPr lang="en-US"/>
+            </a:p>
+          </p:txBody>
+        </p:sp>
+      </p:grpSp>
+    </p:spTree>
+    <p:extLst>
+      <p:ext uri="{BB962C8B-B14F-4D97-AF65-F5344CB8AC3E}">
+        <p14:creationId xmlns:p14="http://schemas.microsoft.com/office/powerpoint/2010/main" val="2663678701"/>
+      </p:ext>
+    </p:extLst>
+  </p:cSld>
+  <p:clrMapOvr>
+    <a:masterClrMapping/>
+  </p:clrMapOvr>
+</p:sld>
+</file>
+
+<file path=ppt/slides/slide4.xml><?xml version="1.0" encoding="utf-8"?>
+<p:sld xmlns:a="http://schemas.openxmlformats.org/drawingml/2006/main" xmlns:r="http://schemas.openxmlformats.org/officeDocument/2006/relationships" xmlns:p="http://schemas.openxmlformats.org/presentationml/2006/main">
+  <p:cSld>
+    <p:spTree>
+      <p:nvGrpSpPr>
+        <p:cNvPr id="1" name=""/>
+        <p:cNvGrpSpPr/>
+        <p:nvPr/>
+      </p:nvGrpSpPr>
+      <p:grpSpPr>
+        <a:xfrm>
+          <a:off x="0" y="0"/>
+          <a:ext cx="0" cy="0"/>
+          <a:chOff x="0" y="0"/>
+          <a:chExt cx="0" cy="0"/>
+        </a:xfrm>
+      </p:grpSpPr>
+      <p:sp>
+        <p:nvSpPr>
+          <p:cNvPr id="2" name="Title 1">
+            <a:extLst>
+              <a:ext uri="{FF2B5EF4-FFF2-40B4-BE49-F238E27FC236}">
+                <a16:creationId xmlns:a16="http://schemas.microsoft.com/office/drawing/2014/main" id="{9C90F445-4F72-48D4-9D64-93C7C2B83D6E}"/>
+              </a:ext>
+            </a:extLst>
+          </p:cNvPr>
+          <p:cNvSpPr>
+            <a:spLocks noGrp="1"/>
+          </p:cNvSpPr>
+          <p:nvPr>
+            <p:ph type="title"/>
+          </p:nvPr>
+        </p:nvSpPr>
+        <p:spPr>
+          <a:xfrm>
+            <a:off x="290804" y="214280"/>
+            <a:ext cx="5805196" cy="1006475"/>
+          </a:xfrm>
+        </p:spPr>
+        <p:txBody>
+          <a:bodyPr>
+            <a:normAutofit fontScale="90000"/>
+          </a:bodyPr>
+          <a:lstStyle/>
+          <a:p>
+            <a:r>
+              <a:rPr lang="en-US" dirty="0"/>
+              <a:t>Predictive maintenance</a:t>
+            </a:r>
+            <a:br>
+              <a:rPr lang="en-US" dirty="0"/>
+            </a:br>
+            <a:r>
+              <a:rPr lang="en-US" sz="2400" dirty="0"/>
+              <a:t>In-service aircraft engine</a:t>
+            </a:r>
+          </a:p>
+        </p:txBody>
+      </p:sp>
+      <p:pic>
+        <p:nvPicPr>
+          <p:cNvPr id="8" name="Picture 7">
+            <a:extLst>
+              <a:ext uri="{FF2B5EF4-FFF2-40B4-BE49-F238E27FC236}">
+                <a16:creationId xmlns:a16="http://schemas.microsoft.com/office/drawing/2014/main" id="{AA108615-B927-480A-BDA8-5F0220DAF8B9}"/>
+              </a:ext>
+            </a:extLst>
+          </p:cNvPr>
+          <p:cNvPicPr>
+            <a:picLocks noChangeAspect="1"/>
+          </p:cNvPicPr>
+          <p:nvPr/>
+        </p:nvPicPr>
+        <p:blipFill>
+          <a:blip r:embed="rId2"/>
+          <a:stretch>
+            <a:fillRect/>
+          </a:stretch>
+        </p:blipFill>
+        <p:spPr>
+          <a:xfrm>
+            <a:off x="6753303" y="353008"/>
+            <a:ext cx="4893049" cy="2026298"/>
+          </a:xfrm>
+          <a:prstGeom prst="rect">
+            <a:avLst/>
+          </a:prstGeom>
+        </p:spPr>
+      </p:pic>
+      <p:grpSp>
+        <p:nvGrpSpPr>
+          <p:cNvPr id="12" name="Group 11">
+            <a:extLst>
+              <a:ext uri="{FF2B5EF4-FFF2-40B4-BE49-F238E27FC236}">
+                <a16:creationId xmlns:a16="http://schemas.microsoft.com/office/drawing/2014/main" id="{A12535AE-5505-4629-96AB-AB58F0508F3D}"/>
+              </a:ext>
+            </a:extLst>
+          </p:cNvPr>
+          <p:cNvGrpSpPr/>
+          <p:nvPr/>
+        </p:nvGrpSpPr>
+        <p:grpSpPr>
+          <a:xfrm>
+            <a:off x="6753303" y="3293616"/>
+            <a:ext cx="5438696" cy="3422340"/>
+            <a:chOff x="4853251" y="2975201"/>
+            <a:chExt cx="7110828" cy="3781425"/>
+          </a:xfrm>
+        </p:grpSpPr>
+        <p:pic>
+          <p:nvPicPr>
+            <p:cNvPr id="10" name="Picture 9">
+              <a:extLst>
+                <a:ext uri="{FF2B5EF4-FFF2-40B4-BE49-F238E27FC236}">
+                  <a16:creationId xmlns:a16="http://schemas.microsoft.com/office/drawing/2014/main" id="{2D203E86-C7F4-465A-BF7B-B62D169E43C4}"/>
+                </a:ext>
+              </a:extLst>
+            </p:cNvPr>
+            <p:cNvPicPr>
+              <a:picLocks noChangeAspect="1"/>
+            </p:cNvPicPr>
+            <p:nvPr/>
+          </p:nvPicPr>
+          <p:blipFill>
+            <a:blip r:embed="rId3"/>
+            <a:stretch>
+              <a:fillRect/>
+            </a:stretch>
+          </p:blipFill>
+          <p:spPr>
+            <a:xfrm>
+              <a:off x="5191804" y="2975201"/>
+              <a:ext cx="6772275" cy="3781425"/>
+            </a:xfrm>
+            <a:prstGeom prst="rect">
+              <a:avLst/>
+            </a:prstGeom>
+          </p:spPr>
+        </p:pic>
+        <p:sp>
+          <p:nvSpPr>
+            <p:cNvPr id="11" name="TextBox 10">
+              <a:extLst>
+                <a:ext uri="{FF2B5EF4-FFF2-40B4-BE49-F238E27FC236}">
+                  <a16:creationId xmlns:a16="http://schemas.microsoft.com/office/drawing/2014/main" id="{17B9AE6D-CF2D-4E0C-B68F-65146BB475E4}"/>
+                </a:ext>
+              </a:extLst>
+            </p:cNvPr>
+            <p:cNvSpPr txBox="1"/>
+            <p:nvPr/>
+          </p:nvSpPr>
+          <p:spPr>
+            <a:xfrm rot="16200000">
+              <a:off x="3706911" y="4696635"/>
+              <a:ext cx="2631233" cy="338554"/>
+            </a:xfrm>
+            <a:prstGeom prst="rect">
+              <a:avLst/>
+            </a:prstGeom>
+            <a:noFill/>
+          </p:spPr>
+          <p:txBody>
+            <a:bodyPr wrap="square" rtlCol="0">
+              <a:spAutoFit/>
+            </a:bodyPr>
+            <a:lstStyle/>
+            <a:p>
+              <a:r>
+                <a:rPr lang="en-US" sz="1600" b="1" dirty="0">
+                  <a:latin typeface="Arial Rounded MT Bold" panose="020F0704030504030204" pitchFamily="34" charset="0"/>
+                  <a:cs typeface="Aharoni" panose="02010803020104030203" pitchFamily="2" charset="-79"/>
+                </a:rPr>
+                <a:t>Degradation indicator</a:t>
+              </a:r>
+            </a:p>
+          </p:txBody>
+        </p:sp>
+      </p:grpSp>
+      <p:sp>
+        <p:nvSpPr>
+          <p:cNvPr id="14" name="TextBox 13">
+            <a:extLst>
+              <a:ext uri="{FF2B5EF4-FFF2-40B4-BE49-F238E27FC236}">
+                <a16:creationId xmlns:a16="http://schemas.microsoft.com/office/drawing/2014/main" id="{C23A3762-E887-492A-9271-A18300C22DFE}"/>
+              </a:ext>
+            </a:extLst>
+          </p:cNvPr>
+          <p:cNvSpPr txBox="1"/>
+          <p:nvPr/>
+        </p:nvSpPr>
+        <p:spPr>
+          <a:xfrm>
+            <a:off x="219783" y="1416536"/>
+            <a:ext cx="6094520" cy="3693319"/>
+          </a:xfrm>
+          <a:prstGeom prst="rect">
+            <a:avLst/>
+          </a:prstGeom>
+          <a:noFill/>
+        </p:spPr>
+        <p:txBody>
+          <a:bodyPr wrap="square">
+            <a:spAutoFit/>
+          </a:bodyPr>
+          <a:lstStyle/>
+          <a:p>
+            <a:pPr marL="285750" indent="-285750" algn="just">
+              <a:buFont typeface="Arial" panose="020B0604020202020204" pitchFamily="34" charset="0"/>
+              <a:buChar char="•"/>
+            </a:pPr>
+            <a:r>
+              <a:rPr lang="en-US" b="1" i="0" dirty="0">
+                <a:solidFill>
+                  <a:srgbClr val="2C3137"/>
+                </a:solidFill>
+                <a:effectLst/>
+                <a:latin typeface="Segoe UI" panose="020B0502040204020203" pitchFamily="34" charset="0"/>
+              </a:rPr>
+              <a:t>Regression:</a:t>
+            </a:r>
+            <a:r>
+              <a:rPr lang="en-US" b="0" i="0" dirty="0">
+                <a:solidFill>
+                  <a:srgbClr val="2C3137"/>
+                </a:solidFill>
+                <a:effectLst/>
+                <a:latin typeface="Segoe UI" panose="020B0502040204020203" pitchFamily="34" charset="0"/>
+              </a:rPr>
+              <a:t> Predict the Remaining Useful Life (RUL).</a:t>
+            </a:r>
+          </a:p>
+          <a:p>
+            <a:pPr marL="285750" indent="-285750" algn="just">
+              <a:buFont typeface="Arial" panose="020B0604020202020204" pitchFamily="34" charset="0"/>
+              <a:buChar char="•"/>
+            </a:pPr>
+            <a:endParaRPr lang="en-US" dirty="0">
+              <a:solidFill>
+                <a:srgbClr val="2C3137"/>
+              </a:solidFill>
+              <a:latin typeface="Segoe UI" panose="020B0502040204020203" pitchFamily="34" charset="0"/>
+            </a:endParaRPr>
+          </a:p>
+          <a:p>
+            <a:pPr marL="285750" indent="-285750" algn="just">
+              <a:buFont typeface="Arial" panose="020B0604020202020204" pitchFamily="34" charset="0"/>
+              <a:buChar char="•"/>
+            </a:pPr>
+            <a:endParaRPr lang="en-US" b="0" i="0" dirty="0">
+              <a:solidFill>
+                <a:srgbClr val="2C3137"/>
+              </a:solidFill>
+              <a:effectLst/>
+              <a:latin typeface="Segoe UI" panose="020B0502040204020203" pitchFamily="34" charset="0"/>
+            </a:endParaRPr>
+          </a:p>
+          <a:p>
+            <a:pPr marL="285750" indent="-285750" algn="just">
+              <a:buFont typeface="Arial" panose="020B0604020202020204" pitchFamily="34" charset="0"/>
+              <a:buChar char="•"/>
+            </a:pPr>
+            <a:endParaRPr lang="en-US" dirty="0">
+              <a:solidFill>
+                <a:srgbClr val="2C3137"/>
+              </a:solidFill>
+              <a:latin typeface="Segoe UI" panose="020B0502040204020203" pitchFamily="34" charset="0"/>
+            </a:endParaRPr>
+          </a:p>
+          <a:p>
+            <a:pPr algn="just"/>
+            <a:endParaRPr lang="en-US" b="0" i="0" dirty="0">
+              <a:solidFill>
+                <a:srgbClr val="2C3137"/>
+              </a:solidFill>
+              <a:effectLst/>
+              <a:latin typeface="Segoe UI" panose="020B0502040204020203" pitchFamily="34" charset="0"/>
+            </a:endParaRPr>
+          </a:p>
+          <a:p>
+            <a:pPr marL="285750" indent="-285750" algn="just">
+              <a:buFont typeface="Arial" panose="020B0604020202020204" pitchFamily="34" charset="0"/>
+              <a:buChar char="•"/>
+            </a:pPr>
+            <a:r>
+              <a:rPr lang="en-US" b="1" i="0" dirty="0">
+                <a:solidFill>
+                  <a:srgbClr val="2C3137"/>
+                </a:solidFill>
+                <a:effectLst/>
+                <a:latin typeface="Segoe UI" panose="020B0502040204020203" pitchFamily="34" charset="0"/>
+              </a:rPr>
+              <a:t>Binary classification:</a:t>
+            </a:r>
+            <a:r>
+              <a:rPr lang="en-US" b="0" i="0" dirty="0">
+                <a:solidFill>
+                  <a:srgbClr val="2C3137"/>
+                </a:solidFill>
+                <a:effectLst/>
+                <a:latin typeface="Segoe UI" panose="020B0502040204020203" pitchFamily="34" charset="0"/>
+              </a:rPr>
+              <a:t> Predict if an in-service engine will fail within certain time frame.</a:t>
+            </a:r>
+          </a:p>
+          <a:p>
+            <a:pPr marL="285750" indent="-285750" algn="just">
+              <a:buFont typeface="Arial" panose="020B0604020202020204" pitchFamily="34" charset="0"/>
+              <a:buChar char="•"/>
+            </a:pPr>
+            <a:endParaRPr lang="en-US" dirty="0">
+              <a:solidFill>
+                <a:srgbClr val="2C3137"/>
+              </a:solidFill>
+              <a:latin typeface="Segoe UI" panose="020B0502040204020203" pitchFamily="34" charset="0"/>
+            </a:endParaRPr>
+          </a:p>
+          <a:p>
+            <a:pPr marL="285750" indent="-285750" algn="just">
+              <a:buFont typeface="Arial" panose="020B0604020202020204" pitchFamily="34" charset="0"/>
+              <a:buChar char="•"/>
+            </a:pPr>
+            <a:endParaRPr lang="en-US" b="0" i="0" dirty="0">
+              <a:solidFill>
+                <a:srgbClr val="2C3137"/>
+              </a:solidFill>
+              <a:effectLst/>
+              <a:latin typeface="Segoe UI" panose="020B0502040204020203" pitchFamily="34" charset="0"/>
+            </a:endParaRPr>
+          </a:p>
+          <a:p>
+            <a:pPr marL="285750" indent="-285750" algn="just">
+              <a:buFont typeface="Arial" panose="020B0604020202020204" pitchFamily="34" charset="0"/>
+              <a:buChar char="•"/>
+            </a:pPr>
+            <a:endParaRPr lang="en-US" dirty="0">
+              <a:solidFill>
+                <a:srgbClr val="2C3137"/>
+              </a:solidFill>
+              <a:latin typeface="Segoe UI" panose="020B0502040204020203" pitchFamily="34" charset="0"/>
+            </a:endParaRPr>
+          </a:p>
+          <a:p>
+            <a:pPr algn="just"/>
+            <a:endParaRPr lang="en-US" b="0" i="0" dirty="0">
+              <a:solidFill>
+                <a:srgbClr val="2C3137"/>
+              </a:solidFill>
+              <a:effectLst/>
+              <a:latin typeface="Segoe UI" panose="020B0502040204020203" pitchFamily="34" charset="0"/>
+            </a:endParaRPr>
+          </a:p>
+          <a:p>
+            <a:pPr marL="285750" indent="-285750" algn="just">
+              <a:buFont typeface="Arial" panose="020B0604020202020204" pitchFamily="34" charset="0"/>
+              <a:buChar char="•"/>
+            </a:pPr>
+            <a:r>
+              <a:rPr lang="en-US" b="1" i="0" dirty="0">
+                <a:solidFill>
+                  <a:srgbClr val="2C3137"/>
+                </a:solidFill>
+                <a:effectLst/>
+                <a:latin typeface="Segoe UI" panose="020B0502040204020203" pitchFamily="34" charset="0"/>
+              </a:rPr>
+              <a:t>Multi-class classification:</a:t>
+            </a:r>
+            <a:r>
+              <a:rPr lang="en-US" b="0" i="0" dirty="0">
+                <a:solidFill>
+                  <a:srgbClr val="2C3137"/>
+                </a:solidFill>
+                <a:effectLst/>
+                <a:latin typeface="Segoe UI" panose="020B0502040204020203" pitchFamily="34" charset="0"/>
+              </a:rPr>
+              <a:t> Predict if an in-service engine will fail in two different time windows.</a:t>
+            </a:r>
+          </a:p>
+        </p:txBody>
+      </p:sp>
+    </p:spTree>
+    <p:extLst>
+      <p:ext uri="{BB962C8B-B14F-4D97-AF65-F5344CB8AC3E}">
+        <p14:creationId xmlns:p14="http://schemas.microsoft.com/office/powerpoint/2010/main" val="3492202985"/>
+      </p:ext>
+    </p:extLst>
+  </p:cSld>
+  <p:clrMapOvr>
+    <a:masterClrMapping/>
+  </p:clrMapOvr>
+</p:sld>
+</file>
+
+<file path=ppt/slides/slide5.xml><?xml version="1.0" encoding="utf-8"?>
+<p:sld xmlns:a="http://schemas.openxmlformats.org/drawingml/2006/main" xmlns:r="http://schemas.openxmlformats.org/officeDocument/2006/relationships" xmlns:p="http://schemas.openxmlformats.org/presentationml/2006/main">
+  <p:cSld>
+    <p:spTree>
+      <p:nvGrpSpPr>
+        <p:cNvPr id="1" name=""/>
+        <p:cNvGrpSpPr/>
+        <p:nvPr/>
+      </p:nvGrpSpPr>
+      <p:grpSpPr>
+        <a:xfrm>
+          <a:off x="0" y="0"/>
+          <a:ext cx="0" cy="0"/>
+          <a:chOff x="0" y="0"/>
+          <a:chExt cx="0" cy="0"/>
+        </a:xfrm>
+      </p:grpSpPr>
+      <p:sp>
+        <p:nvSpPr>
+          <p:cNvPr id="2" name="Title 1">
+            <a:extLst>
+              <a:ext uri="{FF2B5EF4-FFF2-40B4-BE49-F238E27FC236}">
+                <a16:creationId xmlns:a16="http://schemas.microsoft.com/office/drawing/2014/main" id="{3A32260C-5143-4415-9C8A-16E83C81E887}"/>
+              </a:ext>
+            </a:extLst>
+          </p:cNvPr>
+          <p:cNvSpPr>
+            <a:spLocks noGrp="1"/>
+          </p:cNvSpPr>
+          <p:nvPr>
+            <p:ph type="ctrTitle"/>
+          </p:nvPr>
+        </p:nvSpPr>
+        <p:spPr/>
+        <p:txBody>
+          <a:bodyPr/>
+          <a:lstStyle/>
+          <a:p>
+            <a:r>
+              <a:rPr lang="en-US" dirty="0"/>
+              <a:t>Technical slides</a:t>
+            </a:r>
+          </a:p>
+        </p:txBody>
+      </p:sp>
+    </p:spTree>
+    <p:extLst>
+      <p:ext uri="{BB962C8B-B14F-4D97-AF65-F5344CB8AC3E}">
+        <p14:creationId xmlns:p14="http://schemas.microsoft.com/office/powerpoint/2010/main" val="2935097310"/>
+      </p:ext>
+    </p:extLst>
+  </p:cSld>
+  <p:clrMapOvr>
+    <a:masterClrMapping/>
+  </p:clrMapOvr>
+</p:sld>
+</file>
+
+<file path=ppt/slides/slide6.xml><?xml version="1.0" encoding="utf-8"?>
+<p:sld xmlns:a="http://schemas.openxmlformats.org/drawingml/2006/main" xmlns:r="http://schemas.openxmlformats.org/officeDocument/2006/relationships" xmlns:p="http://schemas.openxmlformats.org/presentationml/2006/main">
+  <p:cSld>
+    <p:spTree>
+      <p:nvGrpSpPr>
+        <p:cNvPr id="1" name=""/>
+        <p:cNvGrpSpPr/>
+        <p:nvPr/>
+      </p:nvGrpSpPr>
+      <p:grpSpPr>
+        <a:xfrm>
+          <a:off x="0" y="0"/>
+          <a:ext cx="0" cy="0"/>
+          <a:chOff x="0" y="0"/>
+          <a:chExt cx="0" cy="0"/>
+        </a:xfrm>
+      </p:grpSpPr>
+      <p:sp>
+        <p:nvSpPr>
+          <p:cNvPr id="2" name="Title 1">
+            <a:extLst>
+              <a:ext uri="{FF2B5EF4-FFF2-40B4-BE49-F238E27FC236}">
+                <a16:creationId xmlns:a16="http://schemas.microsoft.com/office/drawing/2014/main" id="{70DCD5D4-69A0-4740-A56A-F7865CA626E0}"/>
+              </a:ext>
+            </a:extLst>
+          </p:cNvPr>
+          <p:cNvSpPr>
+            <a:spLocks noGrp="1"/>
+          </p:cNvSpPr>
+          <p:nvPr>
+            <p:ph type="title"/>
+          </p:nvPr>
+        </p:nvSpPr>
+        <p:spPr/>
+        <p:txBody>
+          <a:bodyPr/>
+          <a:lstStyle/>
+          <a:p>
+            <a:r>
+              <a:rPr lang="en-US" dirty="0"/>
+              <a:t>Predictive maintenance – Case example</a:t>
+            </a:r>
+          </a:p>
+        </p:txBody>
+      </p:sp>
+      <p:sp>
+        <p:nvSpPr>
+          <p:cNvPr id="6" name="TextBox 5">
+            <a:extLst>
+              <a:ext uri="{FF2B5EF4-FFF2-40B4-BE49-F238E27FC236}">
+                <a16:creationId xmlns:a16="http://schemas.microsoft.com/office/drawing/2014/main" id="{3AADC126-E627-412E-AA60-33AF4B6D8CA1}"/>
+              </a:ext>
+            </a:extLst>
+          </p:cNvPr>
+          <p:cNvSpPr txBox="1"/>
+          <p:nvPr/>
+        </p:nvSpPr>
+        <p:spPr>
+          <a:xfrm>
+            <a:off x="594360" y="1497330"/>
+            <a:ext cx="10759440" cy="1200329"/>
+          </a:xfrm>
+          <a:prstGeom prst="rect">
+            <a:avLst/>
+          </a:prstGeom>
+          <a:noFill/>
+        </p:spPr>
+        <p:txBody>
+          <a:bodyPr wrap="square" rtlCol="0">
+            <a:spAutoFit/>
+          </a:bodyPr>
+          <a:lstStyle/>
+          <a:p>
+            <a:r>
+              <a:rPr lang="en-US" sz="2400" dirty="0"/>
+              <a:t>Data source</a:t>
+            </a:r>
+          </a:p>
+          <a:p>
+            <a:r>
+              <a:rPr lang="en-US" sz="1200" dirty="0">
+                <a:hlinkClick r:id="rId2"/>
+              </a:rPr>
+              <a:t>https://gallery.azure.ai/Experiment/Predictive-Maintenance-Step-1-of-3-data-preparation-and-feature-engineering-1</a:t>
+            </a:r>
+            <a:endParaRPr lang="en-US" sz="1200" dirty="0"/>
+          </a:p>
+          <a:p>
+            <a:endParaRPr lang="en-US" dirty="0"/>
+          </a:p>
+          <a:p>
+            <a:endParaRPr lang="en-US" dirty="0"/>
+          </a:p>
+        </p:txBody>
+      </p:sp>
+      <p:pic>
+        <p:nvPicPr>
+          <p:cNvPr id="4" name="Picture 3">
+            <a:extLst>
+              <a:ext uri="{FF2B5EF4-FFF2-40B4-BE49-F238E27FC236}">
+                <a16:creationId xmlns:a16="http://schemas.microsoft.com/office/drawing/2014/main" id="{C7E9B5E4-8613-44E2-9729-615747BF251F}"/>
+              </a:ext>
+            </a:extLst>
+          </p:cNvPr>
+          <p:cNvPicPr>
+            <a:picLocks noChangeAspect="1"/>
+          </p:cNvPicPr>
+          <p:nvPr/>
+        </p:nvPicPr>
+        <p:blipFill>
+          <a:blip r:embed="rId3"/>
+          <a:stretch>
+            <a:fillRect/>
+          </a:stretch>
+        </p:blipFill>
+        <p:spPr>
+          <a:xfrm>
+            <a:off x="3208452" y="2302137"/>
+            <a:ext cx="5775095" cy="4435394"/>
+          </a:xfrm>
+          <a:prstGeom prst="rect">
+            <a:avLst/>
+          </a:prstGeom>
+        </p:spPr>
+      </p:pic>
+    </p:spTree>
+    <p:extLst>
+      <p:ext uri="{BB962C8B-B14F-4D97-AF65-F5344CB8AC3E}">
+        <p14:creationId xmlns:p14="http://schemas.microsoft.com/office/powerpoint/2010/main" val="256303571"/>
+      </p:ext>
+    </p:extLst>
+  </p:cSld>
+  <p:clrMapOvr>
+    <a:masterClrMapping/>
+  </p:clrMapOvr>
+</p:sld>
+</file>
+
+<file path=ppt/slides/slide7.xml><?xml version="1.0" encoding="utf-8"?>
+<p:sld xmlns:a="http://schemas.openxmlformats.org/drawingml/2006/main" xmlns:r="http://schemas.openxmlformats.org/officeDocument/2006/relationships" xmlns:p="http://schemas.openxmlformats.org/presentationml/2006/main">
+  <p:cSld>
+    <p:spTree>
+      <p:nvGrpSpPr>
+        <p:cNvPr id="1" name=""/>
+        <p:cNvGrpSpPr/>
+        <p:nvPr/>
+      </p:nvGrpSpPr>
+      <p:grpSpPr>
+        <a:xfrm>
+          <a:off x="0" y="0"/>
+          <a:ext cx="0" cy="0"/>
+          <a:chOff x="0" y="0"/>
+          <a:chExt cx="0" cy="0"/>
+        </a:xfrm>
+      </p:grpSpPr>
+      <p:sp>
+        <p:nvSpPr>
+          <p:cNvPr id="2" name="Title 1">
+            <a:extLst>
+              <a:ext uri="{FF2B5EF4-FFF2-40B4-BE49-F238E27FC236}">
+                <a16:creationId xmlns:a16="http://schemas.microsoft.com/office/drawing/2014/main" id="{9C90F445-4F72-48D4-9D64-93C7C2B83D6E}"/>
+              </a:ext>
+            </a:extLst>
+          </p:cNvPr>
+          <p:cNvSpPr>
+            <a:spLocks noGrp="1"/>
+          </p:cNvSpPr>
+          <p:nvPr>
+            <p:ph type="title"/>
+          </p:nvPr>
+        </p:nvSpPr>
+        <p:spPr>
+          <a:xfrm>
+            <a:off x="290804" y="214280"/>
+            <a:ext cx="5805196" cy="1006475"/>
+          </a:xfrm>
+        </p:spPr>
+        <p:txBody>
+          <a:bodyPr>
+            <a:normAutofit fontScale="90000"/>
+          </a:bodyPr>
+          <a:lstStyle/>
+          <a:p>
+            <a:r>
+              <a:rPr lang="en-US" dirty="0"/>
+              <a:t>Predictive maintenance</a:t>
+            </a:r>
+            <a:br>
+              <a:rPr lang="en-US" dirty="0"/>
+            </a:br>
+            <a:r>
+              <a:rPr lang="en-US" sz="2400" dirty="0"/>
+              <a:t>In-service aircraft engine</a:t>
+            </a:r>
+          </a:p>
+        </p:txBody>
+      </p:sp>
+      <p:pic>
+        <p:nvPicPr>
+          <p:cNvPr id="8" name="Picture 7">
+            <a:extLst>
+              <a:ext uri="{FF2B5EF4-FFF2-40B4-BE49-F238E27FC236}">
+                <a16:creationId xmlns:a16="http://schemas.microsoft.com/office/drawing/2014/main" id="{AA108615-B927-480A-BDA8-5F0220DAF8B9}"/>
+              </a:ext>
+            </a:extLst>
+          </p:cNvPr>
+          <p:cNvPicPr>
+            <a:picLocks noChangeAspect="1"/>
+          </p:cNvPicPr>
+          <p:nvPr/>
+        </p:nvPicPr>
+        <p:blipFill>
+          <a:blip r:embed="rId2"/>
+          <a:stretch>
+            <a:fillRect/>
+          </a:stretch>
+        </p:blipFill>
+        <p:spPr>
+          <a:xfrm>
+            <a:off x="6753303" y="353008"/>
+            <a:ext cx="4893049" cy="2026298"/>
+          </a:xfrm>
+          <a:prstGeom prst="rect">
+            <a:avLst/>
+          </a:prstGeom>
+        </p:spPr>
+      </p:pic>
+      <p:grpSp>
+        <p:nvGrpSpPr>
+          <p:cNvPr id="12" name="Group 11">
+            <a:extLst>
+              <a:ext uri="{FF2B5EF4-FFF2-40B4-BE49-F238E27FC236}">
+                <a16:creationId xmlns:a16="http://schemas.microsoft.com/office/drawing/2014/main" id="{A12535AE-5505-4629-96AB-AB58F0508F3D}"/>
+              </a:ext>
+            </a:extLst>
+          </p:cNvPr>
+          <p:cNvGrpSpPr/>
+          <p:nvPr/>
+        </p:nvGrpSpPr>
+        <p:grpSpPr>
+          <a:xfrm>
+            <a:off x="6753303" y="3293616"/>
+            <a:ext cx="5438696" cy="3422340"/>
+            <a:chOff x="4853251" y="2975201"/>
+            <a:chExt cx="7110828" cy="3781425"/>
+          </a:xfrm>
+        </p:grpSpPr>
+        <p:pic>
+          <p:nvPicPr>
+            <p:cNvPr id="10" name="Picture 9">
+              <a:extLst>
+                <a:ext uri="{FF2B5EF4-FFF2-40B4-BE49-F238E27FC236}">
+                  <a16:creationId xmlns:a16="http://schemas.microsoft.com/office/drawing/2014/main" id="{2D203E86-C7F4-465A-BF7B-B62D169E43C4}"/>
+                </a:ext>
+              </a:extLst>
+            </p:cNvPr>
+            <p:cNvPicPr>
+              <a:picLocks noChangeAspect="1"/>
+            </p:cNvPicPr>
+            <p:nvPr/>
+          </p:nvPicPr>
+          <p:blipFill>
+            <a:blip r:embed="rId3"/>
+            <a:stretch>
+              <a:fillRect/>
+            </a:stretch>
+          </p:blipFill>
+          <p:spPr>
+            <a:xfrm>
+              <a:off x="5191804" y="2975201"/>
+              <a:ext cx="6772275" cy="3781425"/>
+            </a:xfrm>
+            <a:prstGeom prst="rect">
+              <a:avLst/>
+            </a:prstGeom>
+          </p:spPr>
+        </p:pic>
+        <p:sp>
+          <p:nvSpPr>
+            <p:cNvPr id="11" name="TextBox 10">
+              <a:extLst>
+                <a:ext uri="{FF2B5EF4-FFF2-40B4-BE49-F238E27FC236}">
+                  <a16:creationId xmlns:a16="http://schemas.microsoft.com/office/drawing/2014/main" id="{17B9AE6D-CF2D-4E0C-B68F-65146BB475E4}"/>
+                </a:ext>
+              </a:extLst>
+            </p:cNvPr>
+            <p:cNvSpPr txBox="1"/>
+            <p:nvPr/>
+          </p:nvSpPr>
+          <p:spPr>
+            <a:xfrm rot="16200000">
+              <a:off x="3706911" y="4696635"/>
+              <a:ext cx="2631233" cy="338554"/>
+            </a:xfrm>
+            <a:prstGeom prst="rect">
+              <a:avLst/>
+            </a:prstGeom>
+            <a:noFill/>
+          </p:spPr>
+          <p:txBody>
+            <a:bodyPr wrap="square" rtlCol="0">
+              <a:spAutoFit/>
+            </a:bodyPr>
+            <a:lstStyle/>
+            <a:p>
+              <a:r>
+                <a:rPr lang="en-US" sz="1600" b="1" dirty="0">
+                  <a:latin typeface="Arial Rounded MT Bold" panose="020F0704030504030204" pitchFamily="34" charset="0"/>
+                  <a:cs typeface="Aharoni" panose="02010803020104030203" pitchFamily="2" charset="-79"/>
+                </a:rPr>
+                <a:t>Degradation indicator</a:t>
+              </a:r>
+            </a:p>
+          </p:txBody>
+        </p:sp>
+      </p:grpSp>
+      <p:sp>
+        <p:nvSpPr>
+          <p:cNvPr id="14" name="TextBox 13">
+            <a:extLst>
+              <a:ext uri="{FF2B5EF4-FFF2-40B4-BE49-F238E27FC236}">
+                <a16:creationId xmlns:a16="http://schemas.microsoft.com/office/drawing/2014/main" id="{C23A3762-E887-492A-9271-A18300C22DFE}"/>
+              </a:ext>
+            </a:extLst>
+          </p:cNvPr>
+          <p:cNvSpPr txBox="1"/>
+          <p:nvPr/>
+        </p:nvSpPr>
+        <p:spPr>
+          <a:xfrm>
+            <a:off x="219783" y="1416536"/>
+            <a:ext cx="6094520" cy="3693319"/>
+          </a:xfrm>
+          <a:prstGeom prst="rect">
+            <a:avLst/>
+          </a:prstGeom>
+          <a:noFill/>
+        </p:spPr>
+        <p:txBody>
+          <a:bodyPr wrap="square">
+            <a:spAutoFit/>
+          </a:bodyPr>
+          <a:lstStyle/>
+          <a:p>
+            <a:pPr marL="285750" indent="-285750" algn="just">
+              <a:buFont typeface="Arial" panose="020B0604020202020204" pitchFamily="34" charset="0"/>
+              <a:buChar char="•"/>
+            </a:pPr>
+            <a:r>
+              <a:rPr lang="en-US" b="1" i="0" dirty="0">
+                <a:solidFill>
+                  <a:srgbClr val="2C3137"/>
+                </a:solidFill>
+                <a:effectLst/>
+                <a:latin typeface="Segoe UI" panose="020B0502040204020203" pitchFamily="34" charset="0"/>
+              </a:rPr>
+              <a:t>Regression:</a:t>
+            </a:r>
+            <a:r>
+              <a:rPr lang="en-US" b="0" i="0" dirty="0">
+                <a:solidFill>
+                  <a:srgbClr val="2C3137"/>
+                </a:solidFill>
+                <a:effectLst/>
+                <a:latin typeface="Segoe UI" panose="020B0502040204020203" pitchFamily="34" charset="0"/>
+              </a:rPr>
+              <a:t> Predict the Remaining Useful Life (RUL).</a:t>
+            </a:r>
+          </a:p>
+          <a:p>
+            <a:pPr marL="285750" indent="-285750" algn="just">
+              <a:buFont typeface="Arial" panose="020B0604020202020204" pitchFamily="34" charset="0"/>
+              <a:buChar char="•"/>
+            </a:pPr>
+            <a:endParaRPr lang="en-US" dirty="0">
+              <a:solidFill>
+                <a:srgbClr val="2C3137"/>
+              </a:solidFill>
+              <a:latin typeface="Segoe UI" panose="020B0502040204020203" pitchFamily="34" charset="0"/>
+            </a:endParaRPr>
+          </a:p>
+          <a:p>
+            <a:pPr marL="285750" indent="-285750" algn="just">
+              <a:buFont typeface="Arial" panose="020B0604020202020204" pitchFamily="34" charset="0"/>
+              <a:buChar char="•"/>
+            </a:pPr>
+            <a:endParaRPr lang="en-US" b="0" i="0" dirty="0">
+              <a:solidFill>
+                <a:srgbClr val="2C3137"/>
+              </a:solidFill>
+              <a:effectLst/>
+              <a:latin typeface="Segoe UI" panose="020B0502040204020203" pitchFamily="34" charset="0"/>
+            </a:endParaRPr>
+          </a:p>
+          <a:p>
+            <a:pPr marL="285750" indent="-285750" algn="just">
+              <a:buFont typeface="Arial" panose="020B0604020202020204" pitchFamily="34" charset="0"/>
+              <a:buChar char="•"/>
+            </a:pPr>
+            <a:endParaRPr lang="en-US" dirty="0">
+              <a:solidFill>
+                <a:srgbClr val="2C3137"/>
+              </a:solidFill>
+              <a:latin typeface="Segoe UI" panose="020B0502040204020203" pitchFamily="34" charset="0"/>
+            </a:endParaRPr>
+          </a:p>
+          <a:p>
+            <a:pPr algn="just"/>
+            <a:endParaRPr lang="en-US" b="0" i="0" dirty="0">
+              <a:solidFill>
+                <a:srgbClr val="2C3137"/>
+              </a:solidFill>
+              <a:effectLst/>
+              <a:latin typeface="Segoe UI" panose="020B0502040204020203" pitchFamily="34" charset="0"/>
+            </a:endParaRPr>
+          </a:p>
+          <a:p>
+            <a:pPr marL="285750" indent="-285750" algn="just">
+              <a:buFont typeface="Arial" panose="020B0604020202020204" pitchFamily="34" charset="0"/>
+              <a:buChar char="•"/>
+            </a:pPr>
+            <a:r>
+              <a:rPr lang="en-US" b="1" i="0" dirty="0">
+                <a:solidFill>
+                  <a:srgbClr val="2C3137"/>
+                </a:solidFill>
+                <a:effectLst/>
+                <a:latin typeface="Segoe UI" panose="020B0502040204020203" pitchFamily="34" charset="0"/>
+              </a:rPr>
+              <a:t>Binary classification:</a:t>
+            </a:r>
+            <a:r>
+              <a:rPr lang="en-US" b="0" i="0" dirty="0">
+                <a:solidFill>
+                  <a:srgbClr val="2C3137"/>
+                </a:solidFill>
+                <a:effectLst/>
+                <a:latin typeface="Segoe UI" panose="020B0502040204020203" pitchFamily="34" charset="0"/>
+              </a:rPr>
+              <a:t> Predict if an in-service engine will fail within certain time frame.</a:t>
+            </a:r>
+          </a:p>
+          <a:p>
+            <a:pPr marL="285750" indent="-285750" algn="just">
+              <a:buFont typeface="Arial" panose="020B0604020202020204" pitchFamily="34" charset="0"/>
+              <a:buChar char="•"/>
+            </a:pPr>
+            <a:endParaRPr lang="en-US" dirty="0">
+              <a:solidFill>
+                <a:srgbClr val="2C3137"/>
+              </a:solidFill>
+              <a:latin typeface="Segoe UI" panose="020B0502040204020203" pitchFamily="34" charset="0"/>
+            </a:endParaRPr>
+          </a:p>
+          <a:p>
+            <a:pPr marL="285750" indent="-285750" algn="just">
+              <a:buFont typeface="Arial" panose="020B0604020202020204" pitchFamily="34" charset="0"/>
+              <a:buChar char="•"/>
+            </a:pPr>
+            <a:endParaRPr lang="en-US" b="0" i="0" dirty="0">
+              <a:solidFill>
+                <a:srgbClr val="2C3137"/>
+              </a:solidFill>
+              <a:effectLst/>
+              <a:latin typeface="Segoe UI" panose="020B0502040204020203" pitchFamily="34" charset="0"/>
+            </a:endParaRPr>
+          </a:p>
+          <a:p>
+            <a:pPr marL="285750" indent="-285750" algn="just">
+              <a:buFont typeface="Arial" panose="020B0604020202020204" pitchFamily="34" charset="0"/>
+              <a:buChar char="•"/>
+            </a:pPr>
+            <a:endParaRPr lang="en-US" dirty="0">
+              <a:solidFill>
+                <a:srgbClr val="2C3137"/>
+              </a:solidFill>
+              <a:latin typeface="Segoe UI" panose="020B0502040204020203" pitchFamily="34" charset="0"/>
+            </a:endParaRPr>
+          </a:p>
+          <a:p>
+            <a:pPr algn="just"/>
+            <a:endParaRPr lang="en-US" b="0" i="0" dirty="0">
+              <a:solidFill>
+                <a:srgbClr val="2C3137"/>
+              </a:solidFill>
+              <a:effectLst/>
+              <a:latin typeface="Segoe UI" panose="020B0502040204020203" pitchFamily="34" charset="0"/>
+            </a:endParaRPr>
+          </a:p>
+          <a:p>
+            <a:pPr marL="285750" indent="-285750" algn="just">
+              <a:buFont typeface="Arial" panose="020B0604020202020204" pitchFamily="34" charset="0"/>
+              <a:buChar char="•"/>
+            </a:pPr>
+            <a:r>
+              <a:rPr lang="en-US" b="1" i="0" dirty="0">
+                <a:solidFill>
+                  <a:srgbClr val="2C3137"/>
+                </a:solidFill>
+                <a:effectLst/>
+                <a:latin typeface="Segoe UI" panose="020B0502040204020203" pitchFamily="34" charset="0"/>
+              </a:rPr>
+              <a:t>Multi-class classification:</a:t>
+            </a:r>
+            <a:r>
+              <a:rPr lang="en-US" b="0" i="0" dirty="0">
+                <a:solidFill>
+                  <a:srgbClr val="2C3137"/>
+                </a:solidFill>
+                <a:effectLst/>
+                <a:latin typeface="Segoe UI" panose="020B0502040204020203" pitchFamily="34" charset="0"/>
+              </a:rPr>
+              <a:t> Predict if an in-service will fail in two different time windows.</a:t>
+            </a:r>
+          </a:p>
+        </p:txBody>
+      </p:sp>
+      <p:pic>
+        <p:nvPicPr>
+          <p:cNvPr id="18" name="Picture 17">
+            <a:extLst>
+              <a:ext uri="{FF2B5EF4-FFF2-40B4-BE49-F238E27FC236}">
+                <a16:creationId xmlns:a16="http://schemas.microsoft.com/office/drawing/2014/main" id="{FE380370-5AFD-4FF2-80A9-C1B0ADE21E4D}"/>
+              </a:ext>
+            </a:extLst>
+          </p:cNvPr>
+          <p:cNvPicPr>
+            <a:picLocks noChangeAspect="1"/>
+          </p:cNvPicPr>
+          <p:nvPr/>
+        </p:nvPicPr>
+        <p:blipFill>
+          <a:blip r:embed="rId4"/>
+          <a:stretch>
+            <a:fillRect/>
+          </a:stretch>
+        </p:blipFill>
+        <p:spPr>
+          <a:xfrm>
+            <a:off x="787240" y="3429000"/>
+            <a:ext cx="5646851" cy="809444"/>
+          </a:xfrm>
+          <a:prstGeom prst="rect">
+            <a:avLst/>
+          </a:prstGeom>
+        </p:spPr>
+      </p:pic>
+      <p:pic>
+        <p:nvPicPr>
+          <p:cNvPr id="22" name="Picture 21">
+            <a:extLst>
+              <a:ext uri="{FF2B5EF4-FFF2-40B4-BE49-F238E27FC236}">
+                <a16:creationId xmlns:a16="http://schemas.microsoft.com/office/drawing/2014/main" id="{EBD4F1A3-F6DA-4CA5-8306-F135D63A81ED}"/>
+              </a:ext>
+            </a:extLst>
+          </p:cNvPr>
+          <p:cNvPicPr>
+            <a:picLocks noChangeAspect="1"/>
+          </p:cNvPicPr>
+          <p:nvPr/>
+        </p:nvPicPr>
+        <p:blipFill>
+          <a:blip r:embed="rId5"/>
+          <a:stretch>
+            <a:fillRect/>
+          </a:stretch>
+        </p:blipFill>
+        <p:spPr>
+          <a:xfrm>
+            <a:off x="787240" y="1824620"/>
+            <a:ext cx="4959606" cy="899622"/>
+          </a:xfrm>
+          <a:prstGeom prst="rect">
+            <a:avLst/>
+          </a:prstGeom>
+        </p:spPr>
+      </p:pic>
+      <p:pic>
+        <p:nvPicPr>
+          <p:cNvPr id="24" name="Picture 23">
+            <a:extLst>
+              <a:ext uri="{FF2B5EF4-FFF2-40B4-BE49-F238E27FC236}">
+                <a16:creationId xmlns:a16="http://schemas.microsoft.com/office/drawing/2014/main" id="{810644E0-7A49-465C-9151-C423D139F633}"/>
+              </a:ext>
+            </a:extLst>
+          </p:cNvPr>
+          <p:cNvPicPr>
+            <a:picLocks noChangeAspect="1"/>
+          </p:cNvPicPr>
+          <p:nvPr/>
+        </p:nvPicPr>
+        <p:blipFill>
+          <a:blip r:embed="rId6"/>
+          <a:stretch>
+            <a:fillRect/>
+          </a:stretch>
+        </p:blipFill>
+        <p:spPr>
+          <a:xfrm>
+            <a:off x="787240" y="5189676"/>
+            <a:ext cx="5650745" cy="723052"/>
+          </a:xfrm>
+          <a:prstGeom prst="rect">
+            <a:avLst/>
+          </a:prstGeom>
+        </p:spPr>
+      </p:pic>
+    </p:spTree>
+    <p:extLst>
+      <p:ext uri="{BB962C8B-B14F-4D97-AF65-F5344CB8AC3E}">
+        <p14:creationId xmlns:p14="http://schemas.microsoft.com/office/powerpoint/2010/main" val="3502108703"/>
+      </p:ext>
+    </p:extLst>
+  </p:cSld>
+  <p:clrMapOvr>
+    <a:masterClrMapping/>
+  </p:clrMapOvr>
+</p:sld>
+</file>
+
+<file path=ppt/slides/slide8.xml><?xml version="1.0" encoding="utf-8"?>
+<p:sld xmlns:a="http://schemas.openxmlformats.org/drawingml/2006/main" xmlns:r="http://schemas.openxmlformats.org/officeDocument/2006/relationships" xmlns:p="http://schemas.openxmlformats.org/presentationml/2006/main">
+  <p:cSld>
+    <p:spTree>
+      <p:nvGrpSpPr>
+        <p:cNvPr id="1" name=""/>
+        <p:cNvGrpSpPr/>
+        <p:nvPr/>
+      </p:nvGrpSpPr>
+      <p:grpSpPr>
+        <a:xfrm>
+          <a:off x="0" y="0"/>
+          <a:ext cx="0" cy="0"/>
+          <a:chOff x="0" y="0"/>
+          <a:chExt cx="0" cy="0"/>
+        </a:xfrm>
+      </p:grpSpPr>
+      <p:sp>
+        <p:nvSpPr>
+          <p:cNvPr id="2" name="Title 1">
+            <a:extLst>
+              <a:ext uri="{FF2B5EF4-FFF2-40B4-BE49-F238E27FC236}">
+                <a16:creationId xmlns:a16="http://schemas.microsoft.com/office/drawing/2014/main" id="{3A32260C-5143-4415-9C8A-16E83C81E887}"/>
+              </a:ext>
+            </a:extLst>
+          </p:cNvPr>
+          <p:cNvSpPr>
+            <a:spLocks noGrp="1"/>
+          </p:cNvSpPr>
+          <p:nvPr>
+            <p:ph type="ctrTitle"/>
+          </p:nvPr>
+        </p:nvSpPr>
+        <p:spPr/>
+        <p:txBody>
+          <a:bodyPr>
+            <a:normAutofit/>
+          </a:bodyPr>
+          <a:lstStyle/>
+          <a:p>
+            <a:r>
+              <a:rPr lang="en-US" dirty="0"/>
+              <a:t>Azure ML Team’s solution</a:t>
+            </a:r>
+            <a:br>
+              <a:rPr lang="en-US" dirty="0"/>
+            </a:br>
+            <a:r>
+              <a:rPr lang="en-US" sz="2700" dirty="0"/>
+              <a:t>(Using Azure machine learning studio)</a:t>
+            </a:r>
+          </a:p>
+        </p:txBody>
+      </p:sp>
+    </p:spTree>
+    <p:extLst>
+      <p:ext uri="{BB962C8B-B14F-4D97-AF65-F5344CB8AC3E}">
+        <p14:creationId xmlns:p14="http://schemas.microsoft.com/office/powerpoint/2010/main" val="2084953151"/>
+      </p:ext>
+    </p:extLst>
+  </p:cSld>
+  <p:clrMapOvr>
+    <a:masterClrMapping/>
+  </p:clrMapOvr>
+</p:sld>
+</file>
+
 <file path=ppt/slides/slide9.xml><?xml version="1.0" encoding="utf-8"?>
 <p:sld xmlns:a="http://schemas.openxmlformats.org/drawingml/2006/main" xmlns:r="http://schemas.openxmlformats.org/officeDocument/2006/relationships" xmlns:p="http://schemas.openxmlformats.org/presentationml/2006/main">
   <p:cSld>
@@ -7933,7 +11094,7 @@
           <p:cNvPr id="2" name="Title 1">
             <a:extLst>
               <a:ext uri="{FF2B5EF4-FFF2-40B4-BE49-F238E27FC236}">
-                <a16:creationId xmlns:a16="http://schemas.microsoft.com/office/drawing/2014/main" id="{F11D3AC9-0811-4416-B33C-C55BB3841082}"/>
+                <a16:creationId xmlns:a16="http://schemas.microsoft.com/office/drawing/2014/main" id="{70DCD5D4-69A0-4740-A56A-F7865CA626E0}"/>
               </a:ext>
             </a:extLst>
           </p:cNvPr>
@@ -7951,17 +11112,235 @@
           <a:p>
             <a:r>
               <a:rPr lang="en-US" dirty="0"/>
-              <a:t>Binary classification</a:t>
-            </a:r>
+              <a:t>Predictive maintenance</a:t>
+            </a:r>
+          </a:p>
+        </p:txBody>
+      </p:sp>
+      <p:sp>
+        <p:nvSpPr>
+          <p:cNvPr id="6" name="TextBox 5">
+            <a:extLst>
+              <a:ext uri="{FF2B5EF4-FFF2-40B4-BE49-F238E27FC236}">
+                <a16:creationId xmlns:a16="http://schemas.microsoft.com/office/drawing/2014/main" id="{3AADC126-E627-412E-AA60-33AF4B6D8CA1}"/>
+              </a:ext>
+            </a:extLst>
+          </p:cNvPr>
+          <p:cNvSpPr txBox="1"/>
+          <p:nvPr/>
+        </p:nvSpPr>
+        <p:spPr>
+          <a:xfrm>
+            <a:off x="594360" y="1497330"/>
+            <a:ext cx="10759440" cy="3970318"/>
+          </a:xfrm>
+          <a:prstGeom prst="rect">
+            <a:avLst/>
+          </a:prstGeom>
+          <a:noFill/>
+        </p:spPr>
+        <p:txBody>
+          <a:bodyPr wrap="square" rtlCol="0">
+            <a:spAutoFit/>
+          </a:bodyPr>
+          <a:lstStyle/>
+          <a:p>
+            <a:pPr marL="342900" indent="-342900" algn="l">
+              <a:buFont typeface="+mj-lt"/>
+              <a:buAutoNum type="arabicPeriod"/>
+            </a:pPr>
+            <a:r>
+              <a:rPr lang="en-US" b="0" i="0" dirty="0">
+                <a:solidFill>
+                  <a:srgbClr val="2C3137"/>
+                </a:solidFill>
+                <a:effectLst/>
+                <a:latin typeface="Segoe UI" panose="020B0502040204020203" pitchFamily="34" charset="0"/>
+              </a:rPr>
+              <a:t>Predict the Remaining Useful Life (RUL).</a:t>
+            </a:r>
+          </a:p>
+          <a:p>
+            <a:pPr marL="342900" indent="-342900" algn="l">
+              <a:buFont typeface="+mj-lt"/>
+              <a:buAutoNum type="arabicPeriod"/>
+            </a:pPr>
+            <a:endParaRPr lang="en-US" dirty="0">
+              <a:solidFill>
+                <a:srgbClr val="2C3137"/>
+              </a:solidFill>
+              <a:latin typeface="Segoe UI" panose="020B0502040204020203" pitchFamily="34" charset="0"/>
+            </a:endParaRPr>
+          </a:p>
+          <a:p>
+            <a:pPr marL="342900" indent="-342900" algn="l">
+              <a:buFont typeface="+mj-lt"/>
+              <a:buAutoNum type="arabicPeriod"/>
+            </a:pPr>
+            <a:endParaRPr lang="en-US" b="0" i="0" dirty="0">
+              <a:solidFill>
+                <a:srgbClr val="2C3137"/>
+              </a:solidFill>
+              <a:effectLst/>
+              <a:latin typeface="Segoe UI" panose="020B0502040204020203" pitchFamily="34" charset="0"/>
+            </a:endParaRPr>
+          </a:p>
+          <a:p>
+            <a:pPr marL="342900" indent="-342900" algn="l">
+              <a:buFont typeface="+mj-lt"/>
+              <a:buAutoNum type="arabicPeriod"/>
+            </a:pPr>
+            <a:endParaRPr lang="en-US" dirty="0">
+              <a:solidFill>
+                <a:srgbClr val="2C3137"/>
+              </a:solidFill>
+              <a:latin typeface="Segoe UI" panose="020B0502040204020203" pitchFamily="34" charset="0"/>
+            </a:endParaRPr>
+          </a:p>
+          <a:p>
+            <a:pPr marL="342900" indent="-342900" algn="l">
+              <a:buFont typeface="+mj-lt"/>
+              <a:buAutoNum type="arabicPeriod"/>
+            </a:pPr>
+            <a:endParaRPr lang="en-US" b="0" i="0" dirty="0">
+              <a:solidFill>
+                <a:srgbClr val="2C3137"/>
+              </a:solidFill>
+              <a:effectLst/>
+              <a:latin typeface="Segoe UI" panose="020B0502040204020203" pitchFamily="34" charset="0"/>
+            </a:endParaRPr>
+          </a:p>
+          <a:p>
+            <a:pPr marL="342900" indent="-342900" algn="l">
+              <a:buFont typeface="+mj-lt"/>
+              <a:buAutoNum type="arabicPeriod"/>
+            </a:pPr>
+            <a:endParaRPr lang="en-US" dirty="0">
+              <a:solidFill>
+                <a:srgbClr val="2C3137"/>
+              </a:solidFill>
+              <a:latin typeface="Segoe UI" panose="020B0502040204020203" pitchFamily="34" charset="0"/>
+            </a:endParaRPr>
+          </a:p>
+          <a:p>
+            <a:pPr marL="342900" indent="-342900" algn="l">
+              <a:buFont typeface="+mj-lt"/>
+              <a:buAutoNum type="arabicPeriod"/>
+            </a:pPr>
+            <a:endParaRPr lang="en-US" b="0" i="0" dirty="0">
+              <a:solidFill>
+                <a:srgbClr val="2C3137"/>
+              </a:solidFill>
+              <a:effectLst/>
+              <a:latin typeface="Segoe UI" panose="020B0502040204020203" pitchFamily="34" charset="0"/>
+            </a:endParaRPr>
+          </a:p>
+          <a:p>
+            <a:pPr marL="342900" indent="-342900" algn="l">
+              <a:buFont typeface="+mj-lt"/>
+              <a:buAutoNum type="arabicPeriod"/>
+            </a:pPr>
+            <a:endParaRPr lang="en-US" dirty="0">
+              <a:solidFill>
+                <a:srgbClr val="2C3137"/>
+              </a:solidFill>
+              <a:latin typeface="Segoe UI" panose="020B0502040204020203" pitchFamily="34" charset="0"/>
+            </a:endParaRPr>
+          </a:p>
+          <a:p>
+            <a:pPr marL="342900" indent="-342900" algn="l">
+              <a:buFont typeface="+mj-lt"/>
+              <a:buAutoNum type="arabicPeriod"/>
+            </a:pPr>
+            <a:endParaRPr lang="en-US" b="0" i="0" dirty="0">
+              <a:solidFill>
+                <a:srgbClr val="2C3137"/>
+              </a:solidFill>
+              <a:effectLst/>
+              <a:latin typeface="Segoe UI" panose="020B0502040204020203" pitchFamily="34" charset="0"/>
+            </a:endParaRPr>
+          </a:p>
+          <a:p>
+            <a:pPr marL="342900" indent="-342900" algn="l">
+              <a:buFont typeface="+mj-lt"/>
+              <a:buAutoNum type="arabicPeriod"/>
+            </a:pPr>
+            <a:endParaRPr lang="en-US" b="0" i="0" dirty="0">
+              <a:solidFill>
+                <a:srgbClr val="2C3137"/>
+              </a:solidFill>
+              <a:effectLst/>
+              <a:latin typeface="Segoe UI" panose="020B0502040204020203" pitchFamily="34" charset="0"/>
+            </a:endParaRPr>
+          </a:p>
+          <a:p>
+            <a:pPr marL="342900" indent="-342900" algn="l">
+              <a:lnSpc>
+                <a:spcPct val="150000"/>
+              </a:lnSpc>
+              <a:buFont typeface="+mj-lt"/>
+              <a:buAutoNum type="arabicPeriod"/>
+            </a:pPr>
+            <a:r>
+              <a:rPr lang="en-US" b="0" i="0" dirty="0">
+                <a:solidFill>
+                  <a:srgbClr val="2C3137"/>
+                </a:solidFill>
+                <a:effectLst/>
+                <a:latin typeface="Segoe UI" panose="020B0502040204020203" pitchFamily="34" charset="0"/>
+              </a:rPr>
+              <a:t>Predict if an in-service </a:t>
+            </a:r>
+            <a:r>
+              <a:rPr lang="en-US" dirty="0">
+                <a:solidFill>
+                  <a:srgbClr val="2C3137"/>
+                </a:solidFill>
+                <a:latin typeface="Segoe UI" panose="020B0502040204020203" pitchFamily="34" charset="0"/>
+              </a:rPr>
+              <a:t>e</a:t>
+            </a:r>
+            <a:r>
+              <a:rPr lang="en-US" b="0" i="0" dirty="0">
+                <a:solidFill>
+                  <a:srgbClr val="2C3137"/>
+                </a:solidFill>
+                <a:effectLst/>
+                <a:latin typeface="Segoe UI" panose="020B0502040204020203" pitchFamily="34" charset="0"/>
+              </a:rPr>
+              <a:t>ngine will fail within certain time frame.</a:t>
+            </a:r>
+          </a:p>
+          <a:p>
+            <a:pPr marL="342900" indent="-342900" algn="l">
+              <a:lnSpc>
+                <a:spcPct val="150000"/>
+              </a:lnSpc>
+              <a:buFont typeface="+mj-lt"/>
+              <a:buAutoNum type="arabicPeriod"/>
+            </a:pPr>
+            <a:r>
+              <a:rPr lang="en-US" b="0" i="0" dirty="0">
+                <a:solidFill>
+                  <a:srgbClr val="2C3137"/>
+                </a:solidFill>
+                <a:effectLst/>
+                <a:latin typeface="Segoe UI" panose="020B0502040204020203" pitchFamily="34" charset="0"/>
+              </a:rPr>
+              <a:t>Predict if an in-service engine will fail in two different time windows.</a:t>
+            </a:r>
+          </a:p>
+          <a:p>
+            <a:endParaRPr lang="en-US" dirty="0"/>
           </a:p>
         </p:txBody>
       </p:sp>
       <p:pic>
         <p:nvPicPr>
-          <p:cNvPr id="5" name="Picture 4">
-            <a:extLst>
-              <a:ext uri="{FF2B5EF4-FFF2-40B4-BE49-F238E27FC236}">
-                <a16:creationId xmlns:a16="http://schemas.microsoft.com/office/drawing/2014/main" id="{6F7D08E0-892E-4FDA-8356-3B80BB86FB18}"/>
+          <p:cNvPr id="8" name="Picture 7">
+            <a:extLst>
+              <a:ext uri="{FF2B5EF4-FFF2-40B4-BE49-F238E27FC236}">
+                <a16:creationId xmlns:a16="http://schemas.microsoft.com/office/drawing/2014/main" id="{9C663BFA-36A3-47DF-AEF3-A0F5403720A6}"/>
               </a:ext>
             </a:extLst>
           </p:cNvPr>
@@ -7978,114 +11357,8 @@
         </p:blipFill>
         <p:spPr>
           <a:xfrm>
-            <a:off x="6798994" y="1543467"/>
-            <a:ext cx="4554805" cy="3383194"/>
-          </a:xfrm>
-          <a:prstGeom prst="rect">
-            <a:avLst/>
-          </a:prstGeom>
-        </p:spPr>
-      </p:pic>
-      <p:sp>
-        <p:nvSpPr>
-          <p:cNvPr id="7" name="TextBox 6">
-            <a:extLst>
-              <a:ext uri="{FF2B5EF4-FFF2-40B4-BE49-F238E27FC236}">
-                <a16:creationId xmlns:a16="http://schemas.microsoft.com/office/drawing/2014/main" id="{F2B52C8E-A45C-43A0-9D73-4B4F5585E22A}"/>
-              </a:ext>
-            </a:extLst>
-          </p:cNvPr>
-          <p:cNvSpPr txBox="1"/>
-          <p:nvPr/>
-        </p:nvSpPr>
-        <p:spPr>
-          <a:xfrm>
-            <a:off x="8220611" y="1485167"/>
-            <a:ext cx="1711569" cy="230832"/>
-          </a:xfrm>
-          <a:prstGeom prst="rect">
-            <a:avLst/>
-          </a:prstGeom>
-          <a:noFill/>
-        </p:spPr>
-        <p:txBody>
-          <a:bodyPr wrap="square" rtlCol="0">
-            <a:spAutoFit/>
-          </a:bodyPr>
-          <a:lstStyle/>
-          <a:p>
-            <a:r>
-              <a:rPr lang="en-US" sz="900" dirty="0">
-                <a:latin typeface="+mj-lt"/>
-                <a:cs typeface="AngsanaUPC" panose="020B0502040204020203" pitchFamily="18" charset="-34"/>
-              </a:rPr>
-              <a:t>Confusion matrix - test data</a:t>
-            </a:r>
-          </a:p>
-        </p:txBody>
-      </p:sp>
-      <p:sp>
-        <p:nvSpPr>
-          <p:cNvPr id="8" name="TextBox 7">
-            <a:extLst>
-              <a:ext uri="{FF2B5EF4-FFF2-40B4-BE49-F238E27FC236}">
-                <a16:creationId xmlns:a16="http://schemas.microsoft.com/office/drawing/2014/main" id="{CA510BDF-9878-4A47-8CF2-68A65D382F31}"/>
-              </a:ext>
-            </a:extLst>
-          </p:cNvPr>
-          <p:cNvSpPr txBox="1"/>
-          <p:nvPr/>
-        </p:nvSpPr>
-        <p:spPr>
-          <a:xfrm>
-            <a:off x="2687319" y="5591605"/>
-            <a:ext cx="7244861" cy="646331"/>
-          </a:xfrm>
-          <a:prstGeom prst="rect">
-            <a:avLst/>
-          </a:prstGeom>
-          <a:noFill/>
-        </p:spPr>
-        <p:txBody>
-          <a:bodyPr wrap="square" rtlCol="0">
-            <a:spAutoFit/>
-          </a:bodyPr>
-          <a:lstStyle/>
-          <a:p>
-            <a:r>
-              <a:rPr lang="en-US" dirty="0"/>
-              <a:t>Class label = 1, If an in-service engine will fail in next w0 time-units window.</a:t>
-            </a:r>
-          </a:p>
-          <a:p>
-            <a:endParaRPr lang="en-US" dirty="0"/>
-          </a:p>
-        </p:txBody>
-      </p:sp>
-      <p:pic>
-        <p:nvPicPr>
-          <p:cNvPr id="10" name="Picture 9">
-            <a:extLst>
-              <a:ext uri="{FF2B5EF4-FFF2-40B4-BE49-F238E27FC236}">
-                <a16:creationId xmlns:a16="http://schemas.microsoft.com/office/drawing/2014/main" id="{976C189F-73A6-42DA-9DE6-20407BB29548}"/>
-              </a:ext>
-            </a:extLst>
-          </p:cNvPr>
-          <p:cNvPicPr>
-            <a:picLocks noChangeAspect="1"/>
-          </p:cNvPicPr>
-          <p:nvPr/>
-        </p:nvPicPr>
-        <p:blipFill>
-          <a:blip r:embed="rId3"/>
-          <a:stretch>
-            <a:fillRect/>
-          </a:stretch>
-        </p:blipFill>
-        <p:spPr>
-          <a:xfrm>
-            <a:off x="322384" y="1690688"/>
-            <a:ext cx="4191000" cy="3308685"/>
+            <a:off x="3342727" y="2088572"/>
+            <a:ext cx="5847825" cy="1988895"/>
           </a:xfrm>
           <a:prstGeom prst="rect">
             <a:avLst/>
@@ -8095,7 +11368,7 @@
     </p:spTree>
     <p:extLst>
       <p:ext uri="{BB962C8B-B14F-4D97-AF65-F5344CB8AC3E}">
-        <p14:creationId xmlns:p14="http://schemas.microsoft.com/office/powerpoint/2010/main" val="2650068305"/>
+        <p14:creationId xmlns:p14="http://schemas.microsoft.com/office/powerpoint/2010/main" val="2614082776"/>
       </p:ext>
     </p:extLst>
   </p:cSld>

--- a/PredictiveMaintenance/Predictive maintenance.pptx
+++ b/PredictiveMaintenance/Predictive maintenance.pptx
@@ -9,24 +9,22 @@
     <p:sldId id="269" r:id="rId3"/>
     <p:sldId id="271" r:id="rId4"/>
     <p:sldId id="257" r:id="rId5"/>
-    <p:sldId id="266" r:id="rId6"/>
-    <p:sldId id="259" r:id="rId7"/>
-    <p:sldId id="268" r:id="rId8"/>
-    <p:sldId id="274" r:id="rId9"/>
-    <p:sldId id="273" r:id="rId10"/>
-    <p:sldId id="260" r:id="rId11"/>
-    <p:sldId id="261" r:id="rId12"/>
-    <p:sldId id="272" r:id="rId13"/>
-    <p:sldId id="258" r:id="rId14"/>
-    <p:sldId id="262" r:id="rId15"/>
-    <p:sldId id="267" r:id="rId16"/>
-    <p:sldId id="263" r:id="rId17"/>
-    <p:sldId id="276" r:id="rId18"/>
-    <p:sldId id="275" r:id="rId19"/>
-    <p:sldId id="264" r:id="rId20"/>
-    <p:sldId id="277" r:id="rId21"/>
-    <p:sldId id="265" r:id="rId22"/>
-    <p:sldId id="278" r:id="rId23"/>
+    <p:sldId id="259" r:id="rId6"/>
+    <p:sldId id="274" r:id="rId7"/>
+    <p:sldId id="273" r:id="rId8"/>
+    <p:sldId id="260" r:id="rId9"/>
+    <p:sldId id="261" r:id="rId10"/>
+    <p:sldId id="272" r:id="rId11"/>
+    <p:sldId id="258" r:id="rId12"/>
+    <p:sldId id="262" r:id="rId13"/>
+    <p:sldId id="267" r:id="rId14"/>
+    <p:sldId id="263" r:id="rId15"/>
+    <p:sldId id="276" r:id="rId16"/>
+    <p:sldId id="275" r:id="rId17"/>
+    <p:sldId id="264" r:id="rId18"/>
+    <p:sldId id="277" r:id="rId19"/>
+    <p:sldId id="265" r:id="rId20"/>
+    <p:sldId id="278" r:id="rId21"/>
   </p:sldIdLst>
   <p:sldSz cx="12192000" cy="6858000"/>
   <p:notesSz cx="6858000" cy="9144000"/>
@@ -3742,547 +3740,6 @@
       </p:grpSpPr>
       <p:sp>
         <p:nvSpPr>
-          <p:cNvPr id="2" name="Title 1">
-            <a:extLst>
-              <a:ext uri="{FF2B5EF4-FFF2-40B4-BE49-F238E27FC236}">
-                <a16:creationId xmlns:a16="http://schemas.microsoft.com/office/drawing/2014/main" id="{70DCD5D4-69A0-4740-A56A-F7865CA626E0}"/>
-              </a:ext>
-            </a:extLst>
-          </p:cNvPr>
-          <p:cNvSpPr>
-            <a:spLocks noGrp="1"/>
-          </p:cNvSpPr>
-          <p:nvPr>
-            <p:ph type="title"/>
-          </p:nvPr>
-        </p:nvSpPr>
-        <p:spPr/>
-        <p:txBody>
-          <a:bodyPr/>
-          <a:lstStyle/>
-          <a:p>
-            <a:r>
-              <a:rPr lang="en-US" dirty="0"/>
-              <a:t>Predictive maintenance</a:t>
-            </a:r>
-          </a:p>
-        </p:txBody>
-      </p:sp>
-      <p:sp>
-        <p:nvSpPr>
-          <p:cNvPr id="6" name="TextBox 5">
-            <a:extLst>
-              <a:ext uri="{FF2B5EF4-FFF2-40B4-BE49-F238E27FC236}">
-                <a16:creationId xmlns:a16="http://schemas.microsoft.com/office/drawing/2014/main" id="{3AADC126-E627-412E-AA60-33AF4B6D8CA1}"/>
-              </a:ext>
-            </a:extLst>
-          </p:cNvPr>
-          <p:cNvSpPr txBox="1"/>
-          <p:nvPr/>
-        </p:nvSpPr>
-        <p:spPr>
-          <a:xfrm>
-            <a:off x="594360" y="1497330"/>
-            <a:ext cx="10759440" cy="3970318"/>
-          </a:xfrm>
-          <a:prstGeom prst="rect">
-            <a:avLst/>
-          </a:prstGeom>
-          <a:noFill/>
-        </p:spPr>
-        <p:txBody>
-          <a:bodyPr wrap="square" rtlCol="0">
-            <a:spAutoFit/>
-          </a:bodyPr>
-          <a:lstStyle/>
-          <a:p>
-            <a:pPr marL="342900" indent="-342900" algn="l">
-              <a:buFont typeface="+mj-lt"/>
-              <a:buAutoNum type="arabicPeriod"/>
-            </a:pPr>
-            <a:r>
-              <a:rPr lang="en-US" b="0" i="0" dirty="0">
-                <a:solidFill>
-                  <a:srgbClr val="2C3137"/>
-                </a:solidFill>
-                <a:effectLst/>
-                <a:latin typeface="Segoe UI" panose="020B0502040204020203" pitchFamily="34" charset="0"/>
-              </a:rPr>
-              <a:t>Predict the Remaining Useful Life (RUL).</a:t>
-            </a:r>
-          </a:p>
-          <a:p>
-            <a:pPr marL="342900" indent="-342900" algn="l">
-              <a:lnSpc>
-                <a:spcPct val="150000"/>
-              </a:lnSpc>
-              <a:buFont typeface="+mj-lt"/>
-              <a:buAutoNum type="arabicPeriod"/>
-            </a:pPr>
-            <a:r>
-              <a:rPr lang="en-US" b="0" i="0" dirty="0">
-                <a:solidFill>
-                  <a:srgbClr val="2C3137"/>
-                </a:solidFill>
-                <a:effectLst/>
-                <a:latin typeface="Segoe UI" panose="020B0502040204020203" pitchFamily="34" charset="0"/>
-              </a:rPr>
-              <a:t>Predict if an in-service </a:t>
-            </a:r>
-            <a:r>
-              <a:rPr lang="en-US" dirty="0">
-                <a:solidFill>
-                  <a:srgbClr val="2C3137"/>
-                </a:solidFill>
-                <a:latin typeface="Segoe UI" panose="020B0502040204020203" pitchFamily="34" charset="0"/>
-              </a:rPr>
-              <a:t>e</a:t>
-            </a:r>
-            <a:r>
-              <a:rPr lang="en-US" b="0" i="0" dirty="0">
-                <a:solidFill>
-                  <a:srgbClr val="2C3137"/>
-                </a:solidFill>
-                <a:effectLst/>
-                <a:latin typeface="Segoe UI" panose="020B0502040204020203" pitchFamily="34" charset="0"/>
-              </a:rPr>
-              <a:t>ngine will fail within certain time frame.</a:t>
-            </a:r>
-          </a:p>
-          <a:p>
-            <a:pPr marL="342900" indent="-342900" algn="l">
-              <a:lnSpc>
-                <a:spcPct val="150000"/>
-              </a:lnSpc>
-              <a:buFont typeface="+mj-lt"/>
-              <a:buAutoNum type="arabicPeriod"/>
-            </a:pPr>
-            <a:endParaRPr lang="en-US" dirty="0">
-              <a:solidFill>
-                <a:srgbClr val="2C3137"/>
-              </a:solidFill>
-              <a:latin typeface="Segoe UI" panose="020B0502040204020203" pitchFamily="34" charset="0"/>
-            </a:endParaRPr>
-          </a:p>
-          <a:p>
-            <a:pPr marL="342900" indent="-342900" algn="l">
-              <a:lnSpc>
-                <a:spcPct val="150000"/>
-              </a:lnSpc>
-              <a:buFont typeface="+mj-lt"/>
-              <a:buAutoNum type="arabicPeriod"/>
-            </a:pPr>
-            <a:endParaRPr lang="en-US" dirty="0">
-              <a:solidFill>
-                <a:srgbClr val="2C3137"/>
-              </a:solidFill>
-              <a:latin typeface="Segoe UI" panose="020B0502040204020203" pitchFamily="34" charset="0"/>
-            </a:endParaRPr>
-          </a:p>
-          <a:p>
-            <a:pPr marL="342900" indent="-342900" algn="l">
-              <a:lnSpc>
-                <a:spcPct val="150000"/>
-              </a:lnSpc>
-              <a:buFont typeface="+mj-lt"/>
-              <a:buAutoNum type="arabicPeriod"/>
-            </a:pPr>
-            <a:endParaRPr lang="en-US" dirty="0">
-              <a:solidFill>
-                <a:srgbClr val="2C3137"/>
-              </a:solidFill>
-              <a:latin typeface="Segoe UI" panose="020B0502040204020203" pitchFamily="34" charset="0"/>
-            </a:endParaRPr>
-          </a:p>
-          <a:p>
-            <a:pPr marL="342900" indent="-342900" algn="l">
-              <a:lnSpc>
-                <a:spcPct val="150000"/>
-              </a:lnSpc>
-              <a:buFont typeface="+mj-lt"/>
-              <a:buAutoNum type="arabicPeriod"/>
-            </a:pPr>
-            <a:endParaRPr lang="en-US" b="0" i="0" dirty="0">
-              <a:solidFill>
-                <a:srgbClr val="2C3137"/>
-              </a:solidFill>
-              <a:effectLst/>
-              <a:latin typeface="Segoe UI" panose="020B0502040204020203" pitchFamily="34" charset="0"/>
-            </a:endParaRPr>
-          </a:p>
-          <a:p>
-            <a:pPr marL="342900" indent="-342900" algn="l">
-              <a:lnSpc>
-                <a:spcPct val="150000"/>
-              </a:lnSpc>
-              <a:buFont typeface="+mj-lt"/>
-              <a:buAutoNum type="arabicPeriod"/>
-            </a:pPr>
-            <a:endParaRPr lang="en-US" b="0" i="0" dirty="0">
-              <a:solidFill>
-                <a:srgbClr val="2C3137"/>
-              </a:solidFill>
-              <a:effectLst/>
-              <a:latin typeface="Segoe UI" panose="020B0502040204020203" pitchFamily="34" charset="0"/>
-            </a:endParaRPr>
-          </a:p>
-          <a:p>
-            <a:pPr marL="342900" indent="-342900" algn="l">
-              <a:lnSpc>
-                <a:spcPct val="150000"/>
-              </a:lnSpc>
-              <a:buFont typeface="+mj-lt"/>
-              <a:buAutoNum type="arabicPeriod"/>
-            </a:pPr>
-            <a:endParaRPr lang="en-US" b="0" i="0" dirty="0">
-              <a:solidFill>
-                <a:srgbClr val="2C3137"/>
-              </a:solidFill>
-              <a:effectLst/>
-              <a:latin typeface="Segoe UI" panose="020B0502040204020203" pitchFamily="34" charset="0"/>
-            </a:endParaRPr>
-          </a:p>
-          <a:p>
-            <a:pPr marL="342900" indent="-342900" algn="l">
-              <a:lnSpc>
-                <a:spcPct val="150000"/>
-              </a:lnSpc>
-              <a:buFont typeface="+mj-lt"/>
-              <a:buAutoNum type="arabicPeriod"/>
-            </a:pPr>
-            <a:r>
-              <a:rPr lang="en-US" b="0" i="0" dirty="0">
-                <a:solidFill>
-                  <a:srgbClr val="2C3137"/>
-                </a:solidFill>
-                <a:effectLst/>
-                <a:latin typeface="Segoe UI" panose="020B0502040204020203" pitchFamily="34" charset="0"/>
-              </a:rPr>
-              <a:t>Predict if an in-service engine will fail in two different time windows.</a:t>
-            </a:r>
-          </a:p>
-          <a:p>
-            <a:endParaRPr lang="en-US" dirty="0"/>
-          </a:p>
-        </p:txBody>
-      </p:sp>
-      <p:pic>
-        <p:nvPicPr>
-          <p:cNvPr id="4" name="Picture 3">
-            <a:extLst>
-              <a:ext uri="{FF2B5EF4-FFF2-40B4-BE49-F238E27FC236}">
-                <a16:creationId xmlns:a16="http://schemas.microsoft.com/office/drawing/2014/main" id="{EA11E314-D369-4696-9B24-E832D5C92E45}"/>
-              </a:ext>
-            </a:extLst>
-          </p:cNvPr>
-          <p:cNvPicPr>
-            <a:picLocks noChangeAspect="1"/>
-          </p:cNvPicPr>
-          <p:nvPr/>
-        </p:nvPicPr>
-        <p:blipFill>
-          <a:blip r:embed="rId2"/>
-          <a:stretch>
-            <a:fillRect/>
-          </a:stretch>
-        </p:blipFill>
-        <p:spPr>
-          <a:xfrm>
-            <a:off x="3346704" y="2424112"/>
-            <a:ext cx="4629150" cy="2009775"/>
-          </a:xfrm>
-          <a:prstGeom prst="rect">
-            <a:avLst/>
-          </a:prstGeom>
-        </p:spPr>
-      </p:pic>
-    </p:spTree>
-    <p:extLst>
-      <p:ext uri="{BB962C8B-B14F-4D97-AF65-F5344CB8AC3E}">
-        <p14:creationId xmlns:p14="http://schemas.microsoft.com/office/powerpoint/2010/main" val="3231558467"/>
-      </p:ext>
-    </p:extLst>
-  </p:cSld>
-  <p:clrMapOvr>
-    <a:masterClrMapping/>
-  </p:clrMapOvr>
-</p:sld>
-</file>
-
-<file path=ppt/slides/slide11.xml><?xml version="1.0" encoding="utf-8"?>
-<p:sld xmlns:a="http://schemas.openxmlformats.org/drawingml/2006/main" xmlns:r="http://schemas.openxmlformats.org/officeDocument/2006/relationships" xmlns:p="http://schemas.openxmlformats.org/presentationml/2006/main">
-  <p:cSld>
-    <p:spTree>
-      <p:nvGrpSpPr>
-        <p:cNvPr id="1" name=""/>
-        <p:cNvGrpSpPr/>
-        <p:nvPr/>
-      </p:nvGrpSpPr>
-      <p:grpSpPr>
-        <a:xfrm>
-          <a:off x="0" y="0"/>
-          <a:ext cx="0" cy="0"/>
-          <a:chOff x="0" y="0"/>
-          <a:chExt cx="0" cy="0"/>
-        </a:xfrm>
-      </p:grpSpPr>
-      <p:sp>
-        <p:nvSpPr>
-          <p:cNvPr id="2" name="Title 1">
-            <a:extLst>
-              <a:ext uri="{FF2B5EF4-FFF2-40B4-BE49-F238E27FC236}">
-                <a16:creationId xmlns:a16="http://schemas.microsoft.com/office/drawing/2014/main" id="{70DCD5D4-69A0-4740-A56A-F7865CA626E0}"/>
-              </a:ext>
-            </a:extLst>
-          </p:cNvPr>
-          <p:cNvSpPr>
-            <a:spLocks noGrp="1"/>
-          </p:cNvSpPr>
-          <p:nvPr>
-            <p:ph type="title"/>
-          </p:nvPr>
-        </p:nvSpPr>
-        <p:spPr/>
-        <p:txBody>
-          <a:bodyPr/>
-          <a:lstStyle/>
-          <a:p>
-            <a:r>
-              <a:rPr lang="en-US" dirty="0"/>
-              <a:t>Predictive maintenance – Case example</a:t>
-            </a:r>
-          </a:p>
-        </p:txBody>
-      </p:sp>
-      <p:sp>
-        <p:nvSpPr>
-          <p:cNvPr id="6" name="TextBox 5">
-            <a:extLst>
-              <a:ext uri="{FF2B5EF4-FFF2-40B4-BE49-F238E27FC236}">
-                <a16:creationId xmlns:a16="http://schemas.microsoft.com/office/drawing/2014/main" id="{3AADC126-E627-412E-AA60-33AF4B6D8CA1}"/>
-              </a:ext>
-            </a:extLst>
-          </p:cNvPr>
-          <p:cNvSpPr txBox="1"/>
-          <p:nvPr/>
-        </p:nvSpPr>
-        <p:spPr>
-          <a:xfrm>
-            <a:off x="594360" y="1497330"/>
-            <a:ext cx="10759440" cy="3139321"/>
-          </a:xfrm>
-          <a:prstGeom prst="rect">
-            <a:avLst/>
-          </a:prstGeom>
-          <a:noFill/>
-        </p:spPr>
-        <p:txBody>
-          <a:bodyPr wrap="square" rtlCol="0">
-            <a:spAutoFit/>
-          </a:bodyPr>
-          <a:lstStyle/>
-          <a:p>
-            <a:pPr marL="342900" indent="-342900" algn="l">
-              <a:buFont typeface="+mj-lt"/>
-              <a:buAutoNum type="arabicPeriod"/>
-            </a:pPr>
-            <a:r>
-              <a:rPr lang="en-US" b="0" i="0" dirty="0">
-                <a:solidFill>
-                  <a:srgbClr val="2C3137"/>
-                </a:solidFill>
-                <a:effectLst/>
-                <a:latin typeface="Segoe UI" panose="020B0502040204020203" pitchFamily="34" charset="0"/>
-              </a:rPr>
-              <a:t>Predict the Remaining Useful Life (RUL).</a:t>
-            </a:r>
-          </a:p>
-          <a:p>
-            <a:pPr marL="342900" indent="-342900" algn="l">
-              <a:lnSpc>
-                <a:spcPct val="150000"/>
-              </a:lnSpc>
-              <a:buFont typeface="+mj-lt"/>
-              <a:buAutoNum type="arabicPeriod"/>
-            </a:pPr>
-            <a:r>
-              <a:rPr lang="en-US" b="0" i="0" dirty="0">
-                <a:solidFill>
-                  <a:srgbClr val="2C3137"/>
-                </a:solidFill>
-                <a:effectLst/>
-                <a:latin typeface="Segoe UI" panose="020B0502040204020203" pitchFamily="34" charset="0"/>
-              </a:rPr>
-              <a:t>Predict if an in-service </a:t>
-            </a:r>
-            <a:r>
-              <a:rPr lang="en-US" dirty="0">
-                <a:solidFill>
-                  <a:srgbClr val="2C3137"/>
-                </a:solidFill>
-                <a:latin typeface="Segoe UI" panose="020B0502040204020203" pitchFamily="34" charset="0"/>
-              </a:rPr>
-              <a:t>e</a:t>
-            </a:r>
-            <a:r>
-              <a:rPr lang="en-US" b="0" i="0" dirty="0">
-                <a:solidFill>
-                  <a:srgbClr val="2C3137"/>
-                </a:solidFill>
-                <a:effectLst/>
-                <a:latin typeface="Segoe UI" panose="020B0502040204020203" pitchFamily="34" charset="0"/>
-              </a:rPr>
-              <a:t>ngine will fail within certain time frame.</a:t>
-            </a:r>
-          </a:p>
-          <a:p>
-            <a:pPr marL="342900" indent="-342900" algn="l">
-              <a:lnSpc>
-                <a:spcPct val="150000"/>
-              </a:lnSpc>
-              <a:buFont typeface="+mj-lt"/>
-              <a:buAutoNum type="arabicPeriod"/>
-            </a:pPr>
-            <a:r>
-              <a:rPr lang="en-US" b="0" i="0" dirty="0">
-                <a:solidFill>
-                  <a:srgbClr val="2C3137"/>
-                </a:solidFill>
-                <a:effectLst/>
-                <a:latin typeface="Segoe UI" panose="020B0502040204020203" pitchFamily="34" charset="0"/>
-              </a:rPr>
-              <a:t>Predict if an in-service engine will fail in two different time windows.</a:t>
-            </a:r>
-          </a:p>
-          <a:p>
-            <a:pPr marL="342900" indent="-342900" algn="l">
-              <a:lnSpc>
-                <a:spcPct val="150000"/>
-              </a:lnSpc>
-              <a:buFont typeface="+mj-lt"/>
-              <a:buAutoNum type="arabicPeriod"/>
-            </a:pPr>
-            <a:endParaRPr lang="en-US" dirty="0">
-              <a:solidFill>
-                <a:srgbClr val="2C3137"/>
-              </a:solidFill>
-              <a:latin typeface="Segoe UI" panose="020B0502040204020203" pitchFamily="34" charset="0"/>
-            </a:endParaRPr>
-          </a:p>
-          <a:p>
-            <a:pPr marL="342900" indent="-342900" algn="l">
-              <a:lnSpc>
-                <a:spcPct val="150000"/>
-              </a:lnSpc>
-              <a:buFont typeface="+mj-lt"/>
-              <a:buAutoNum type="arabicPeriod"/>
-            </a:pPr>
-            <a:endParaRPr lang="en-US" b="0" i="0" dirty="0">
-              <a:solidFill>
-                <a:srgbClr val="2C3137"/>
-              </a:solidFill>
-              <a:effectLst/>
-              <a:latin typeface="Segoe UI" panose="020B0502040204020203" pitchFamily="34" charset="0"/>
-            </a:endParaRPr>
-          </a:p>
-          <a:p>
-            <a:pPr marL="342900" indent="-342900" algn="l">
-              <a:lnSpc>
-                <a:spcPct val="150000"/>
-              </a:lnSpc>
-              <a:buFont typeface="+mj-lt"/>
-              <a:buAutoNum type="arabicPeriod"/>
-            </a:pPr>
-            <a:endParaRPr lang="en-US" dirty="0">
-              <a:solidFill>
-                <a:srgbClr val="2C3137"/>
-              </a:solidFill>
-              <a:latin typeface="Segoe UI" panose="020B0502040204020203" pitchFamily="34" charset="0"/>
-            </a:endParaRPr>
-          </a:p>
-          <a:p>
-            <a:pPr marL="342900" indent="-342900" algn="l">
-              <a:lnSpc>
-                <a:spcPct val="150000"/>
-              </a:lnSpc>
-              <a:buFont typeface="+mj-lt"/>
-              <a:buAutoNum type="arabicPeriod"/>
-            </a:pPr>
-            <a:endParaRPr lang="en-US" b="0" i="0" dirty="0">
-              <a:solidFill>
-                <a:srgbClr val="2C3137"/>
-              </a:solidFill>
-              <a:effectLst/>
-              <a:latin typeface="Segoe UI" panose="020B0502040204020203" pitchFamily="34" charset="0"/>
-            </a:endParaRPr>
-          </a:p>
-          <a:p>
-            <a:endParaRPr lang="en-US" dirty="0"/>
-          </a:p>
-        </p:txBody>
-      </p:sp>
-      <p:pic>
-        <p:nvPicPr>
-          <p:cNvPr id="5" name="Picture 4">
-            <a:extLst>
-              <a:ext uri="{FF2B5EF4-FFF2-40B4-BE49-F238E27FC236}">
-                <a16:creationId xmlns:a16="http://schemas.microsoft.com/office/drawing/2014/main" id="{8ED47F2B-CC54-4E24-B9BE-EAFBA4032767}"/>
-              </a:ext>
-            </a:extLst>
-          </p:cNvPr>
-          <p:cNvPicPr>
-            <a:picLocks noChangeAspect="1"/>
-          </p:cNvPicPr>
-          <p:nvPr/>
-        </p:nvPicPr>
-        <p:blipFill>
-          <a:blip r:embed="rId2"/>
-          <a:stretch>
-            <a:fillRect/>
-          </a:stretch>
-        </p:blipFill>
-        <p:spPr>
-          <a:xfrm>
-            <a:off x="3346704" y="3066990"/>
-            <a:ext cx="7029450" cy="2124075"/>
-          </a:xfrm>
-          <a:prstGeom prst="rect">
-            <a:avLst/>
-          </a:prstGeom>
-        </p:spPr>
-      </p:pic>
-    </p:spTree>
-    <p:extLst>
-      <p:ext uri="{BB962C8B-B14F-4D97-AF65-F5344CB8AC3E}">
-        <p14:creationId xmlns:p14="http://schemas.microsoft.com/office/powerpoint/2010/main" val="2728061714"/>
-      </p:ext>
-    </p:extLst>
-  </p:cSld>
-  <p:clrMapOvr>
-    <a:masterClrMapping/>
-  </p:clrMapOvr>
-</p:sld>
-</file>
-
-<file path=ppt/slides/slide12.xml><?xml version="1.0" encoding="utf-8"?>
-<p:sld xmlns:a="http://schemas.openxmlformats.org/drawingml/2006/main" xmlns:r="http://schemas.openxmlformats.org/officeDocument/2006/relationships" xmlns:p="http://schemas.openxmlformats.org/presentationml/2006/main">
-  <p:cSld>
-    <p:spTree>
-      <p:nvGrpSpPr>
-        <p:cNvPr id="1" name=""/>
-        <p:cNvGrpSpPr/>
-        <p:nvPr/>
-      </p:nvGrpSpPr>
-      <p:grpSpPr>
-        <a:xfrm>
-          <a:off x="0" y="0"/>
-          <a:ext cx="0" cy="0"/>
-          <a:chOff x="0" y="0"/>
-          <a:chExt cx="0" cy="0"/>
-        </a:xfrm>
-      </p:grpSpPr>
-      <p:sp>
-        <p:nvSpPr>
           <p:cNvPr id="3" name="Content Placeholder 2">
             <a:extLst>
               <a:ext uri="{FF2B5EF4-FFF2-40B4-BE49-F238E27FC236}">
@@ -4336,7 +3793,7 @@
 </p:sld>
 </file>
 
-<file path=ppt/slides/slide13.xml><?xml version="1.0" encoding="utf-8"?>
+<file path=ppt/slides/slide11.xml><?xml version="1.0" encoding="utf-8"?>
 <p:sld xmlns:a="http://schemas.openxmlformats.org/drawingml/2006/main" xmlns:r="http://schemas.openxmlformats.org/officeDocument/2006/relationships" xmlns:p="http://schemas.openxmlformats.org/presentationml/2006/main">
   <p:cSld>
     <p:spTree>
@@ -6503,7 +5960,7 @@
 </p:sld>
 </file>
 
-<file path=ppt/slides/slide14.xml><?xml version="1.0" encoding="utf-8"?>
+<file path=ppt/slides/slide12.xml><?xml version="1.0" encoding="utf-8"?>
 <p:sld xmlns:a="http://schemas.openxmlformats.org/drawingml/2006/main" xmlns:r="http://schemas.openxmlformats.org/officeDocument/2006/relationships" xmlns:p="http://schemas.openxmlformats.org/presentationml/2006/main">
   <p:cSld>
     <p:spTree>
@@ -6724,7 +6181,7 @@
 </p:sld>
 </file>
 
-<file path=ppt/slides/slide15.xml><?xml version="1.0" encoding="utf-8"?>
+<file path=ppt/slides/slide13.xml><?xml version="1.0" encoding="utf-8"?>
 <p:sld xmlns:a="http://schemas.openxmlformats.org/drawingml/2006/main" xmlns:r="http://schemas.openxmlformats.org/officeDocument/2006/relationships" xmlns:p="http://schemas.openxmlformats.org/presentationml/2006/main">
   <p:cSld>
     <p:spTree>
@@ -7172,7 +6629,7 @@
 </p:sld>
 </file>
 
-<file path=ppt/slides/slide16.xml><?xml version="1.0" encoding="utf-8"?>
+<file path=ppt/slides/slide14.xml><?xml version="1.0" encoding="utf-8"?>
 <p:sld xmlns:a="http://schemas.openxmlformats.org/drawingml/2006/main" xmlns:r="http://schemas.openxmlformats.org/officeDocument/2006/relationships" xmlns:p="http://schemas.openxmlformats.org/presentationml/2006/main">
   <p:cSld>
     <p:spTree>
@@ -7366,7 +6823,7 @@
 </p:sld>
 </file>
 
-<file path=ppt/slides/slide17.xml><?xml version="1.0" encoding="utf-8"?>
+<file path=ppt/slides/slide15.xml><?xml version="1.0" encoding="utf-8"?>
 <p:sld xmlns:a="http://schemas.openxmlformats.org/drawingml/2006/main" xmlns:r="http://schemas.openxmlformats.org/officeDocument/2006/relationships" xmlns:p="http://schemas.openxmlformats.org/presentationml/2006/main">
   <p:cSld>
     <p:spTree>
@@ -7669,7 +7126,7 @@
 </p:sld>
 </file>
 
-<file path=ppt/slides/slide18.xml><?xml version="1.0" encoding="utf-8"?>
+<file path=ppt/slides/slide16.xml><?xml version="1.0" encoding="utf-8"?>
 <p:sld xmlns:a="http://schemas.openxmlformats.org/drawingml/2006/main" xmlns:r="http://schemas.openxmlformats.org/officeDocument/2006/relationships" xmlns:p="http://schemas.openxmlformats.org/presentationml/2006/main">
   <p:cSld>
     <p:spTree>
@@ -8026,7 +7483,7 @@
 </p:sld>
 </file>
 
-<file path=ppt/slides/slide19.xml><?xml version="1.0" encoding="utf-8"?>
+<file path=ppt/slides/slide17.xml><?xml version="1.0" encoding="utf-8"?>
 <p:sld xmlns:a="http://schemas.openxmlformats.org/drawingml/2006/main" xmlns:r="http://schemas.openxmlformats.org/officeDocument/2006/relationships" xmlns:p="http://schemas.openxmlformats.org/presentationml/2006/main">
   <p:cSld>
     <p:spTree>
@@ -8198,6 +7655,457 @@
     <p:extLst>
       <p:ext uri="{BB962C8B-B14F-4D97-AF65-F5344CB8AC3E}">
         <p14:creationId xmlns:p14="http://schemas.microsoft.com/office/powerpoint/2010/main" val="889366928"/>
+      </p:ext>
+    </p:extLst>
+  </p:cSld>
+  <p:clrMapOvr>
+    <a:masterClrMapping/>
+  </p:clrMapOvr>
+</p:sld>
+</file>
+
+<file path=ppt/slides/slide18.xml><?xml version="1.0" encoding="utf-8"?>
+<p:sld xmlns:a="http://schemas.openxmlformats.org/drawingml/2006/main" xmlns:r="http://schemas.openxmlformats.org/officeDocument/2006/relationships" xmlns:p="http://schemas.openxmlformats.org/presentationml/2006/main">
+  <p:cSld>
+    <p:spTree>
+      <p:nvGrpSpPr>
+        <p:cNvPr id="1" name=""/>
+        <p:cNvGrpSpPr/>
+        <p:nvPr/>
+      </p:nvGrpSpPr>
+      <p:grpSpPr>
+        <a:xfrm>
+          <a:off x="0" y="0"/>
+          <a:ext cx="0" cy="0"/>
+          <a:chOff x="0" y="0"/>
+          <a:chExt cx="0" cy="0"/>
+        </a:xfrm>
+      </p:grpSpPr>
+      <p:sp>
+        <p:nvSpPr>
+          <p:cNvPr id="2" name="Title 1">
+            <a:extLst>
+              <a:ext uri="{FF2B5EF4-FFF2-40B4-BE49-F238E27FC236}">
+                <a16:creationId xmlns:a16="http://schemas.microsoft.com/office/drawing/2014/main" id="{9C90F445-4F72-48D4-9D64-93C7C2B83D6E}"/>
+              </a:ext>
+            </a:extLst>
+          </p:cNvPr>
+          <p:cNvSpPr>
+            <a:spLocks noGrp="1"/>
+          </p:cNvSpPr>
+          <p:nvPr>
+            <p:ph type="title"/>
+          </p:nvPr>
+        </p:nvSpPr>
+        <p:spPr>
+          <a:xfrm>
+            <a:off x="290804" y="214280"/>
+            <a:ext cx="5805196" cy="1006475"/>
+          </a:xfrm>
+        </p:spPr>
+        <p:txBody>
+          <a:bodyPr>
+            <a:normAutofit fontScale="90000"/>
+          </a:bodyPr>
+          <a:lstStyle/>
+          <a:p>
+            <a:r>
+              <a:rPr lang="en-US" dirty="0"/>
+              <a:t>Predictive maintenance</a:t>
+            </a:r>
+            <a:br>
+              <a:rPr lang="en-US" dirty="0"/>
+            </a:br>
+            <a:r>
+              <a:rPr lang="en-US" sz="2400" dirty="0"/>
+              <a:t>In-service aircraft engine</a:t>
+            </a:r>
+          </a:p>
+        </p:txBody>
+      </p:sp>
+      <p:sp>
+        <p:nvSpPr>
+          <p:cNvPr id="14" name="TextBox 13">
+            <a:extLst>
+              <a:ext uri="{FF2B5EF4-FFF2-40B4-BE49-F238E27FC236}">
+                <a16:creationId xmlns:a16="http://schemas.microsoft.com/office/drawing/2014/main" id="{C23A3762-E887-492A-9271-A18300C22DFE}"/>
+              </a:ext>
+            </a:extLst>
+          </p:cNvPr>
+          <p:cNvSpPr txBox="1"/>
+          <p:nvPr/>
+        </p:nvSpPr>
+        <p:spPr>
+          <a:xfrm>
+            <a:off x="219783" y="1416536"/>
+            <a:ext cx="6094520" cy="3693319"/>
+          </a:xfrm>
+          <a:prstGeom prst="rect">
+            <a:avLst/>
+          </a:prstGeom>
+          <a:noFill/>
+        </p:spPr>
+        <p:txBody>
+          <a:bodyPr wrap="square">
+            <a:spAutoFit/>
+          </a:bodyPr>
+          <a:lstStyle/>
+          <a:p>
+            <a:pPr marL="285750" indent="-285750" algn="just">
+              <a:buFont typeface="Arial" panose="020B0604020202020204" pitchFamily="34" charset="0"/>
+              <a:buChar char="•"/>
+            </a:pPr>
+            <a:r>
+              <a:rPr lang="en-US" b="1" i="0" dirty="0">
+                <a:solidFill>
+                  <a:srgbClr val="2C3137"/>
+                </a:solidFill>
+                <a:effectLst/>
+                <a:latin typeface="Segoe UI" panose="020B0502040204020203" pitchFamily="34" charset="0"/>
+              </a:rPr>
+              <a:t>Regression:</a:t>
+            </a:r>
+            <a:r>
+              <a:rPr lang="en-US" b="0" i="0" dirty="0">
+                <a:solidFill>
+                  <a:srgbClr val="2C3137"/>
+                </a:solidFill>
+                <a:effectLst/>
+                <a:latin typeface="Segoe UI" panose="020B0502040204020203" pitchFamily="34" charset="0"/>
+              </a:rPr>
+              <a:t> Predict the Remaining Useful Life (RUL).</a:t>
+            </a:r>
+          </a:p>
+          <a:p>
+            <a:pPr marL="285750" indent="-285750" algn="just">
+              <a:buFont typeface="Arial" panose="020B0604020202020204" pitchFamily="34" charset="0"/>
+              <a:buChar char="•"/>
+            </a:pPr>
+            <a:endParaRPr lang="en-US" dirty="0">
+              <a:solidFill>
+                <a:srgbClr val="2C3137"/>
+              </a:solidFill>
+              <a:latin typeface="Segoe UI" panose="020B0502040204020203" pitchFamily="34" charset="0"/>
+            </a:endParaRPr>
+          </a:p>
+          <a:p>
+            <a:pPr marL="285750" indent="-285750" algn="just">
+              <a:buFont typeface="Arial" panose="020B0604020202020204" pitchFamily="34" charset="0"/>
+              <a:buChar char="•"/>
+            </a:pPr>
+            <a:endParaRPr lang="en-US" b="0" i="0" dirty="0">
+              <a:solidFill>
+                <a:srgbClr val="2C3137"/>
+              </a:solidFill>
+              <a:effectLst/>
+              <a:latin typeface="Segoe UI" panose="020B0502040204020203" pitchFamily="34" charset="0"/>
+            </a:endParaRPr>
+          </a:p>
+          <a:p>
+            <a:pPr marL="285750" indent="-285750" algn="just">
+              <a:buFont typeface="Arial" panose="020B0604020202020204" pitchFamily="34" charset="0"/>
+              <a:buChar char="•"/>
+            </a:pPr>
+            <a:endParaRPr lang="en-US" dirty="0">
+              <a:solidFill>
+                <a:srgbClr val="2C3137"/>
+              </a:solidFill>
+              <a:latin typeface="Segoe UI" panose="020B0502040204020203" pitchFamily="34" charset="0"/>
+            </a:endParaRPr>
+          </a:p>
+          <a:p>
+            <a:pPr algn="just"/>
+            <a:endParaRPr lang="en-US" b="0" i="0" dirty="0">
+              <a:solidFill>
+                <a:srgbClr val="2C3137"/>
+              </a:solidFill>
+              <a:effectLst/>
+              <a:latin typeface="Segoe UI" panose="020B0502040204020203" pitchFamily="34" charset="0"/>
+            </a:endParaRPr>
+          </a:p>
+          <a:p>
+            <a:pPr marL="285750" indent="-285750" algn="just">
+              <a:buFont typeface="Arial" panose="020B0604020202020204" pitchFamily="34" charset="0"/>
+              <a:buChar char="•"/>
+            </a:pPr>
+            <a:r>
+              <a:rPr lang="en-US" b="1" i="0" dirty="0">
+                <a:solidFill>
+                  <a:srgbClr val="2C3137"/>
+                </a:solidFill>
+                <a:effectLst/>
+                <a:latin typeface="Segoe UI" panose="020B0502040204020203" pitchFamily="34" charset="0"/>
+              </a:rPr>
+              <a:t>Binary classification:</a:t>
+            </a:r>
+            <a:r>
+              <a:rPr lang="en-US" b="0" i="0" dirty="0">
+                <a:solidFill>
+                  <a:srgbClr val="2C3137"/>
+                </a:solidFill>
+                <a:effectLst/>
+                <a:latin typeface="Segoe UI" panose="020B0502040204020203" pitchFamily="34" charset="0"/>
+              </a:rPr>
+              <a:t> Predict if an in-service engine will fail within certain time frame.</a:t>
+            </a:r>
+          </a:p>
+          <a:p>
+            <a:pPr marL="285750" indent="-285750" algn="just">
+              <a:buFont typeface="Arial" panose="020B0604020202020204" pitchFamily="34" charset="0"/>
+              <a:buChar char="•"/>
+            </a:pPr>
+            <a:endParaRPr lang="en-US" dirty="0">
+              <a:solidFill>
+                <a:srgbClr val="2C3137"/>
+              </a:solidFill>
+              <a:latin typeface="Segoe UI" panose="020B0502040204020203" pitchFamily="34" charset="0"/>
+            </a:endParaRPr>
+          </a:p>
+          <a:p>
+            <a:pPr marL="285750" indent="-285750" algn="just">
+              <a:buFont typeface="Arial" panose="020B0604020202020204" pitchFamily="34" charset="0"/>
+              <a:buChar char="•"/>
+            </a:pPr>
+            <a:endParaRPr lang="en-US" b="0" i="0" dirty="0">
+              <a:solidFill>
+                <a:srgbClr val="2C3137"/>
+              </a:solidFill>
+              <a:effectLst/>
+              <a:latin typeface="Segoe UI" panose="020B0502040204020203" pitchFamily="34" charset="0"/>
+            </a:endParaRPr>
+          </a:p>
+          <a:p>
+            <a:pPr marL="285750" indent="-285750" algn="just">
+              <a:buFont typeface="Arial" panose="020B0604020202020204" pitchFamily="34" charset="0"/>
+              <a:buChar char="•"/>
+            </a:pPr>
+            <a:endParaRPr lang="en-US" dirty="0">
+              <a:solidFill>
+                <a:srgbClr val="2C3137"/>
+              </a:solidFill>
+              <a:latin typeface="Segoe UI" panose="020B0502040204020203" pitchFamily="34" charset="0"/>
+            </a:endParaRPr>
+          </a:p>
+          <a:p>
+            <a:pPr algn="just"/>
+            <a:endParaRPr lang="en-US" b="0" i="0" dirty="0">
+              <a:solidFill>
+                <a:srgbClr val="2C3137"/>
+              </a:solidFill>
+              <a:effectLst/>
+              <a:latin typeface="Segoe UI" panose="020B0502040204020203" pitchFamily="34" charset="0"/>
+            </a:endParaRPr>
+          </a:p>
+          <a:p>
+            <a:pPr marL="285750" indent="-285750" algn="just">
+              <a:buFont typeface="Arial" panose="020B0604020202020204" pitchFamily="34" charset="0"/>
+              <a:buChar char="•"/>
+            </a:pPr>
+            <a:r>
+              <a:rPr lang="en-US" b="1" i="0" dirty="0">
+                <a:solidFill>
+                  <a:srgbClr val="2C3137"/>
+                </a:solidFill>
+                <a:effectLst/>
+                <a:latin typeface="Segoe UI" panose="020B0502040204020203" pitchFamily="34" charset="0"/>
+              </a:rPr>
+              <a:t>Multi-class classification:</a:t>
+            </a:r>
+            <a:r>
+              <a:rPr lang="en-US" b="0" i="0" dirty="0">
+                <a:solidFill>
+                  <a:srgbClr val="2C3137"/>
+                </a:solidFill>
+                <a:effectLst/>
+                <a:latin typeface="Segoe UI" panose="020B0502040204020203" pitchFamily="34" charset="0"/>
+              </a:rPr>
+              <a:t> Predict if an in-service will fail in two different time windows.</a:t>
+            </a:r>
+          </a:p>
+        </p:txBody>
+      </p:sp>
+      <p:pic>
+        <p:nvPicPr>
+          <p:cNvPr id="18" name="Picture 17">
+            <a:extLst>
+              <a:ext uri="{FF2B5EF4-FFF2-40B4-BE49-F238E27FC236}">
+                <a16:creationId xmlns:a16="http://schemas.microsoft.com/office/drawing/2014/main" id="{FE380370-5AFD-4FF2-80A9-C1B0ADE21E4D}"/>
+              </a:ext>
+            </a:extLst>
+          </p:cNvPr>
+          <p:cNvPicPr>
+            <a:picLocks noChangeAspect="1"/>
+          </p:cNvPicPr>
+          <p:nvPr/>
+        </p:nvPicPr>
+        <p:blipFill>
+          <a:blip r:embed="rId2"/>
+          <a:stretch>
+            <a:fillRect/>
+          </a:stretch>
+        </p:blipFill>
+        <p:spPr>
+          <a:xfrm>
+            <a:off x="787240" y="3429000"/>
+            <a:ext cx="5646851" cy="809444"/>
+          </a:xfrm>
+          <a:prstGeom prst="rect">
+            <a:avLst/>
+          </a:prstGeom>
+        </p:spPr>
+      </p:pic>
+      <p:pic>
+        <p:nvPicPr>
+          <p:cNvPr id="24" name="Picture 23">
+            <a:extLst>
+              <a:ext uri="{FF2B5EF4-FFF2-40B4-BE49-F238E27FC236}">
+                <a16:creationId xmlns:a16="http://schemas.microsoft.com/office/drawing/2014/main" id="{810644E0-7A49-465C-9151-C423D139F633}"/>
+              </a:ext>
+            </a:extLst>
+          </p:cNvPr>
+          <p:cNvPicPr>
+            <a:picLocks noChangeAspect="1"/>
+          </p:cNvPicPr>
+          <p:nvPr/>
+        </p:nvPicPr>
+        <p:blipFill>
+          <a:blip r:embed="rId3"/>
+          <a:stretch>
+            <a:fillRect/>
+          </a:stretch>
+        </p:blipFill>
+        <p:spPr>
+          <a:xfrm>
+            <a:off x="787240" y="5189676"/>
+            <a:ext cx="5650745" cy="723052"/>
+          </a:xfrm>
+          <a:prstGeom prst="rect">
+            <a:avLst/>
+          </a:prstGeom>
+        </p:spPr>
+      </p:pic>
+    </p:spTree>
+    <p:extLst>
+      <p:ext uri="{BB962C8B-B14F-4D97-AF65-F5344CB8AC3E}">
+        <p14:creationId xmlns:p14="http://schemas.microsoft.com/office/powerpoint/2010/main" val="2553369550"/>
+      </p:ext>
+    </p:extLst>
+  </p:cSld>
+  <p:clrMapOvr>
+    <a:masterClrMapping/>
+  </p:clrMapOvr>
+</p:sld>
+</file>
+
+<file path=ppt/slides/slide19.xml><?xml version="1.0" encoding="utf-8"?>
+<p:sld xmlns:a="http://schemas.openxmlformats.org/drawingml/2006/main" xmlns:r="http://schemas.openxmlformats.org/officeDocument/2006/relationships" xmlns:p="http://schemas.openxmlformats.org/presentationml/2006/main">
+  <p:cSld>
+    <p:spTree>
+      <p:nvGrpSpPr>
+        <p:cNvPr id="1" name=""/>
+        <p:cNvGrpSpPr/>
+        <p:nvPr/>
+      </p:nvGrpSpPr>
+      <p:grpSpPr>
+        <a:xfrm>
+          <a:off x="0" y="0"/>
+          <a:ext cx="0" cy="0"/>
+          <a:chOff x="0" y="0"/>
+          <a:chExt cx="0" cy="0"/>
+        </a:xfrm>
+      </p:grpSpPr>
+      <p:sp>
+        <p:nvSpPr>
+          <p:cNvPr id="2" name="Title 1">
+            <a:extLst>
+              <a:ext uri="{FF2B5EF4-FFF2-40B4-BE49-F238E27FC236}">
+                <a16:creationId xmlns:a16="http://schemas.microsoft.com/office/drawing/2014/main" id="{F11D3AC9-0811-4416-B33C-C55BB3841082}"/>
+              </a:ext>
+            </a:extLst>
+          </p:cNvPr>
+          <p:cNvSpPr>
+            <a:spLocks noGrp="1"/>
+          </p:cNvSpPr>
+          <p:nvPr>
+            <p:ph type="title"/>
+          </p:nvPr>
+        </p:nvSpPr>
+        <p:spPr/>
+        <p:txBody>
+          <a:bodyPr/>
+          <a:lstStyle/>
+          <a:p>
+            <a:r>
+              <a:rPr lang="en-US" dirty="0"/>
+              <a:t>Regression</a:t>
+            </a:r>
+          </a:p>
+        </p:txBody>
+      </p:sp>
+      <p:pic>
+        <p:nvPicPr>
+          <p:cNvPr id="11" name="Picture 10">
+            <a:extLst>
+              <a:ext uri="{FF2B5EF4-FFF2-40B4-BE49-F238E27FC236}">
+                <a16:creationId xmlns:a16="http://schemas.microsoft.com/office/drawing/2014/main" id="{20F900CC-581C-42C6-B476-929692658DF5}"/>
+              </a:ext>
+            </a:extLst>
+          </p:cNvPr>
+          <p:cNvPicPr>
+            <a:picLocks noChangeAspect="1"/>
+          </p:cNvPicPr>
+          <p:nvPr/>
+        </p:nvPicPr>
+        <p:blipFill>
+          <a:blip r:embed="rId2"/>
+          <a:stretch>
+            <a:fillRect/>
+          </a:stretch>
+        </p:blipFill>
+        <p:spPr>
+          <a:xfrm>
+            <a:off x="6419852" y="1818639"/>
+            <a:ext cx="5514975" cy="3048000"/>
+          </a:xfrm>
+          <a:prstGeom prst="rect">
+            <a:avLst/>
+          </a:prstGeom>
+        </p:spPr>
+      </p:pic>
+      <p:pic>
+        <p:nvPicPr>
+          <p:cNvPr id="13" name="Picture 12">
+            <a:extLst>
+              <a:ext uri="{FF2B5EF4-FFF2-40B4-BE49-F238E27FC236}">
+                <a16:creationId xmlns:a16="http://schemas.microsoft.com/office/drawing/2014/main" id="{62DAEB38-5F21-4EF8-945A-CF276E727FB5}"/>
+              </a:ext>
+            </a:extLst>
+          </p:cNvPr>
+          <p:cNvPicPr>
+            <a:picLocks noChangeAspect="1"/>
+          </p:cNvPicPr>
+          <p:nvPr/>
+        </p:nvPicPr>
+        <p:blipFill>
+          <a:blip r:embed="rId3"/>
+          <a:stretch>
+            <a:fillRect/>
+          </a:stretch>
+        </p:blipFill>
+        <p:spPr>
+          <a:xfrm>
+            <a:off x="219074" y="1855469"/>
+            <a:ext cx="5553075" cy="2933700"/>
+          </a:xfrm>
+          <a:prstGeom prst="rect">
+            <a:avLst/>
+          </a:prstGeom>
+        </p:spPr>
+      </p:pic>
+    </p:spTree>
+    <p:extLst>
+      <p:ext uri="{BB962C8B-B14F-4D97-AF65-F5344CB8AC3E}">
+        <p14:creationId xmlns:p14="http://schemas.microsoft.com/office/powerpoint/2010/main" val="3808461920"/>
       </p:ext>
     </p:extLst>
   </p:cSld>
@@ -8822,457 +8730,6 @@
           </a:p>
         </p:txBody>
       </p:sp>
-      <p:sp>
-        <p:nvSpPr>
-          <p:cNvPr id="14" name="TextBox 13">
-            <a:extLst>
-              <a:ext uri="{FF2B5EF4-FFF2-40B4-BE49-F238E27FC236}">
-                <a16:creationId xmlns:a16="http://schemas.microsoft.com/office/drawing/2014/main" id="{C23A3762-E887-492A-9271-A18300C22DFE}"/>
-              </a:ext>
-            </a:extLst>
-          </p:cNvPr>
-          <p:cNvSpPr txBox="1"/>
-          <p:nvPr/>
-        </p:nvSpPr>
-        <p:spPr>
-          <a:xfrm>
-            <a:off x="219783" y="1416536"/>
-            <a:ext cx="6094520" cy="3693319"/>
-          </a:xfrm>
-          <a:prstGeom prst="rect">
-            <a:avLst/>
-          </a:prstGeom>
-          <a:noFill/>
-        </p:spPr>
-        <p:txBody>
-          <a:bodyPr wrap="square">
-            <a:spAutoFit/>
-          </a:bodyPr>
-          <a:lstStyle/>
-          <a:p>
-            <a:pPr marL="285750" indent="-285750" algn="just">
-              <a:buFont typeface="Arial" panose="020B0604020202020204" pitchFamily="34" charset="0"/>
-              <a:buChar char="•"/>
-            </a:pPr>
-            <a:r>
-              <a:rPr lang="en-US" b="1" i="0" dirty="0">
-                <a:solidFill>
-                  <a:srgbClr val="2C3137"/>
-                </a:solidFill>
-                <a:effectLst/>
-                <a:latin typeface="Segoe UI" panose="020B0502040204020203" pitchFamily="34" charset="0"/>
-              </a:rPr>
-              <a:t>Regression:</a:t>
-            </a:r>
-            <a:r>
-              <a:rPr lang="en-US" b="0" i="0" dirty="0">
-                <a:solidFill>
-                  <a:srgbClr val="2C3137"/>
-                </a:solidFill>
-                <a:effectLst/>
-                <a:latin typeface="Segoe UI" panose="020B0502040204020203" pitchFamily="34" charset="0"/>
-              </a:rPr>
-              <a:t> Predict the Remaining Useful Life (RUL).</a:t>
-            </a:r>
-          </a:p>
-          <a:p>
-            <a:pPr marL="285750" indent="-285750" algn="just">
-              <a:buFont typeface="Arial" panose="020B0604020202020204" pitchFamily="34" charset="0"/>
-              <a:buChar char="•"/>
-            </a:pPr>
-            <a:endParaRPr lang="en-US" dirty="0">
-              <a:solidFill>
-                <a:srgbClr val="2C3137"/>
-              </a:solidFill>
-              <a:latin typeface="Segoe UI" panose="020B0502040204020203" pitchFamily="34" charset="0"/>
-            </a:endParaRPr>
-          </a:p>
-          <a:p>
-            <a:pPr marL="285750" indent="-285750" algn="just">
-              <a:buFont typeface="Arial" panose="020B0604020202020204" pitchFamily="34" charset="0"/>
-              <a:buChar char="•"/>
-            </a:pPr>
-            <a:endParaRPr lang="en-US" b="0" i="0" dirty="0">
-              <a:solidFill>
-                <a:srgbClr val="2C3137"/>
-              </a:solidFill>
-              <a:effectLst/>
-              <a:latin typeface="Segoe UI" panose="020B0502040204020203" pitchFamily="34" charset="0"/>
-            </a:endParaRPr>
-          </a:p>
-          <a:p>
-            <a:pPr marL="285750" indent="-285750" algn="just">
-              <a:buFont typeface="Arial" panose="020B0604020202020204" pitchFamily="34" charset="0"/>
-              <a:buChar char="•"/>
-            </a:pPr>
-            <a:endParaRPr lang="en-US" dirty="0">
-              <a:solidFill>
-                <a:srgbClr val="2C3137"/>
-              </a:solidFill>
-              <a:latin typeface="Segoe UI" panose="020B0502040204020203" pitchFamily="34" charset="0"/>
-            </a:endParaRPr>
-          </a:p>
-          <a:p>
-            <a:pPr algn="just"/>
-            <a:endParaRPr lang="en-US" b="0" i="0" dirty="0">
-              <a:solidFill>
-                <a:srgbClr val="2C3137"/>
-              </a:solidFill>
-              <a:effectLst/>
-              <a:latin typeface="Segoe UI" panose="020B0502040204020203" pitchFamily="34" charset="0"/>
-            </a:endParaRPr>
-          </a:p>
-          <a:p>
-            <a:pPr marL="285750" indent="-285750" algn="just">
-              <a:buFont typeface="Arial" panose="020B0604020202020204" pitchFamily="34" charset="0"/>
-              <a:buChar char="•"/>
-            </a:pPr>
-            <a:r>
-              <a:rPr lang="en-US" b="1" i="0" dirty="0">
-                <a:solidFill>
-                  <a:srgbClr val="2C3137"/>
-                </a:solidFill>
-                <a:effectLst/>
-                <a:latin typeface="Segoe UI" panose="020B0502040204020203" pitchFamily="34" charset="0"/>
-              </a:rPr>
-              <a:t>Binary classification:</a:t>
-            </a:r>
-            <a:r>
-              <a:rPr lang="en-US" b="0" i="0" dirty="0">
-                <a:solidFill>
-                  <a:srgbClr val="2C3137"/>
-                </a:solidFill>
-                <a:effectLst/>
-                <a:latin typeface="Segoe UI" panose="020B0502040204020203" pitchFamily="34" charset="0"/>
-              </a:rPr>
-              <a:t> Predict if an in-service engine will fail within certain time frame.</a:t>
-            </a:r>
-          </a:p>
-          <a:p>
-            <a:pPr marL="285750" indent="-285750" algn="just">
-              <a:buFont typeface="Arial" panose="020B0604020202020204" pitchFamily="34" charset="0"/>
-              <a:buChar char="•"/>
-            </a:pPr>
-            <a:endParaRPr lang="en-US" dirty="0">
-              <a:solidFill>
-                <a:srgbClr val="2C3137"/>
-              </a:solidFill>
-              <a:latin typeface="Segoe UI" panose="020B0502040204020203" pitchFamily="34" charset="0"/>
-            </a:endParaRPr>
-          </a:p>
-          <a:p>
-            <a:pPr marL="285750" indent="-285750" algn="just">
-              <a:buFont typeface="Arial" panose="020B0604020202020204" pitchFamily="34" charset="0"/>
-              <a:buChar char="•"/>
-            </a:pPr>
-            <a:endParaRPr lang="en-US" b="0" i="0" dirty="0">
-              <a:solidFill>
-                <a:srgbClr val="2C3137"/>
-              </a:solidFill>
-              <a:effectLst/>
-              <a:latin typeface="Segoe UI" panose="020B0502040204020203" pitchFamily="34" charset="0"/>
-            </a:endParaRPr>
-          </a:p>
-          <a:p>
-            <a:pPr marL="285750" indent="-285750" algn="just">
-              <a:buFont typeface="Arial" panose="020B0604020202020204" pitchFamily="34" charset="0"/>
-              <a:buChar char="•"/>
-            </a:pPr>
-            <a:endParaRPr lang="en-US" dirty="0">
-              <a:solidFill>
-                <a:srgbClr val="2C3137"/>
-              </a:solidFill>
-              <a:latin typeface="Segoe UI" panose="020B0502040204020203" pitchFamily="34" charset="0"/>
-            </a:endParaRPr>
-          </a:p>
-          <a:p>
-            <a:pPr algn="just"/>
-            <a:endParaRPr lang="en-US" b="0" i="0" dirty="0">
-              <a:solidFill>
-                <a:srgbClr val="2C3137"/>
-              </a:solidFill>
-              <a:effectLst/>
-              <a:latin typeface="Segoe UI" panose="020B0502040204020203" pitchFamily="34" charset="0"/>
-            </a:endParaRPr>
-          </a:p>
-          <a:p>
-            <a:pPr marL="285750" indent="-285750" algn="just">
-              <a:buFont typeface="Arial" panose="020B0604020202020204" pitchFamily="34" charset="0"/>
-              <a:buChar char="•"/>
-            </a:pPr>
-            <a:r>
-              <a:rPr lang="en-US" b="1" i="0" dirty="0">
-                <a:solidFill>
-                  <a:srgbClr val="2C3137"/>
-                </a:solidFill>
-                <a:effectLst/>
-                <a:latin typeface="Segoe UI" panose="020B0502040204020203" pitchFamily="34" charset="0"/>
-              </a:rPr>
-              <a:t>Multi-class classification:</a:t>
-            </a:r>
-            <a:r>
-              <a:rPr lang="en-US" b="0" i="0" dirty="0">
-                <a:solidFill>
-                  <a:srgbClr val="2C3137"/>
-                </a:solidFill>
-                <a:effectLst/>
-                <a:latin typeface="Segoe UI" panose="020B0502040204020203" pitchFamily="34" charset="0"/>
-              </a:rPr>
-              <a:t> Predict if an in-service will fail in two different time windows.</a:t>
-            </a:r>
-          </a:p>
-        </p:txBody>
-      </p:sp>
-      <p:pic>
-        <p:nvPicPr>
-          <p:cNvPr id="18" name="Picture 17">
-            <a:extLst>
-              <a:ext uri="{FF2B5EF4-FFF2-40B4-BE49-F238E27FC236}">
-                <a16:creationId xmlns:a16="http://schemas.microsoft.com/office/drawing/2014/main" id="{FE380370-5AFD-4FF2-80A9-C1B0ADE21E4D}"/>
-              </a:ext>
-            </a:extLst>
-          </p:cNvPr>
-          <p:cNvPicPr>
-            <a:picLocks noChangeAspect="1"/>
-          </p:cNvPicPr>
-          <p:nvPr/>
-        </p:nvPicPr>
-        <p:blipFill>
-          <a:blip r:embed="rId2"/>
-          <a:stretch>
-            <a:fillRect/>
-          </a:stretch>
-        </p:blipFill>
-        <p:spPr>
-          <a:xfrm>
-            <a:off x="787240" y="3429000"/>
-            <a:ext cx="5646851" cy="809444"/>
-          </a:xfrm>
-          <a:prstGeom prst="rect">
-            <a:avLst/>
-          </a:prstGeom>
-        </p:spPr>
-      </p:pic>
-      <p:pic>
-        <p:nvPicPr>
-          <p:cNvPr id="24" name="Picture 23">
-            <a:extLst>
-              <a:ext uri="{FF2B5EF4-FFF2-40B4-BE49-F238E27FC236}">
-                <a16:creationId xmlns:a16="http://schemas.microsoft.com/office/drawing/2014/main" id="{810644E0-7A49-465C-9151-C423D139F633}"/>
-              </a:ext>
-            </a:extLst>
-          </p:cNvPr>
-          <p:cNvPicPr>
-            <a:picLocks noChangeAspect="1"/>
-          </p:cNvPicPr>
-          <p:nvPr/>
-        </p:nvPicPr>
-        <p:blipFill>
-          <a:blip r:embed="rId3"/>
-          <a:stretch>
-            <a:fillRect/>
-          </a:stretch>
-        </p:blipFill>
-        <p:spPr>
-          <a:xfrm>
-            <a:off x="787240" y="5189676"/>
-            <a:ext cx="5650745" cy="723052"/>
-          </a:xfrm>
-          <a:prstGeom prst="rect">
-            <a:avLst/>
-          </a:prstGeom>
-        </p:spPr>
-      </p:pic>
-    </p:spTree>
-    <p:extLst>
-      <p:ext uri="{BB962C8B-B14F-4D97-AF65-F5344CB8AC3E}">
-        <p14:creationId xmlns:p14="http://schemas.microsoft.com/office/powerpoint/2010/main" val="2553369550"/>
-      </p:ext>
-    </p:extLst>
-  </p:cSld>
-  <p:clrMapOvr>
-    <a:masterClrMapping/>
-  </p:clrMapOvr>
-</p:sld>
-</file>
-
-<file path=ppt/slides/slide21.xml><?xml version="1.0" encoding="utf-8"?>
-<p:sld xmlns:a="http://schemas.openxmlformats.org/drawingml/2006/main" xmlns:r="http://schemas.openxmlformats.org/officeDocument/2006/relationships" xmlns:p="http://schemas.openxmlformats.org/presentationml/2006/main">
-  <p:cSld>
-    <p:spTree>
-      <p:nvGrpSpPr>
-        <p:cNvPr id="1" name=""/>
-        <p:cNvGrpSpPr/>
-        <p:nvPr/>
-      </p:nvGrpSpPr>
-      <p:grpSpPr>
-        <a:xfrm>
-          <a:off x="0" y="0"/>
-          <a:ext cx="0" cy="0"/>
-          <a:chOff x="0" y="0"/>
-          <a:chExt cx="0" cy="0"/>
-        </a:xfrm>
-      </p:grpSpPr>
-      <p:sp>
-        <p:nvSpPr>
-          <p:cNvPr id="2" name="Title 1">
-            <a:extLst>
-              <a:ext uri="{FF2B5EF4-FFF2-40B4-BE49-F238E27FC236}">
-                <a16:creationId xmlns:a16="http://schemas.microsoft.com/office/drawing/2014/main" id="{F11D3AC9-0811-4416-B33C-C55BB3841082}"/>
-              </a:ext>
-            </a:extLst>
-          </p:cNvPr>
-          <p:cNvSpPr>
-            <a:spLocks noGrp="1"/>
-          </p:cNvSpPr>
-          <p:nvPr>
-            <p:ph type="title"/>
-          </p:nvPr>
-        </p:nvSpPr>
-        <p:spPr/>
-        <p:txBody>
-          <a:bodyPr/>
-          <a:lstStyle/>
-          <a:p>
-            <a:r>
-              <a:rPr lang="en-US" dirty="0"/>
-              <a:t>Regression</a:t>
-            </a:r>
-          </a:p>
-        </p:txBody>
-      </p:sp>
-      <p:pic>
-        <p:nvPicPr>
-          <p:cNvPr id="11" name="Picture 10">
-            <a:extLst>
-              <a:ext uri="{FF2B5EF4-FFF2-40B4-BE49-F238E27FC236}">
-                <a16:creationId xmlns:a16="http://schemas.microsoft.com/office/drawing/2014/main" id="{20F900CC-581C-42C6-B476-929692658DF5}"/>
-              </a:ext>
-            </a:extLst>
-          </p:cNvPr>
-          <p:cNvPicPr>
-            <a:picLocks noChangeAspect="1"/>
-          </p:cNvPicPr>
-          <p:nvPr/>
-        </p:nvPicPr>
-        <p:blipFill>
-          <a:blip r:embed="rId2"/>
-          <a:stretch>
-            <a:fillRect/>
-          </a:stretch>
-        </p:blipFill>
-        <p:spPr>
-          <a:xfrm>
-            <a:off x="6419852" y="1818639"/>
-            <a:ext cx="5514975" cy="3048000"/>
-          </a:xfrm>
-          <a:prstGeom prst="rect">
-            <a:avLst/>
-          </a:prstGeom>
-        </p:spPr>
-      </p:pic>
-      <p:pic>
-        <p:nvPicPr>
-          <p:cNvPr id="13" name="Picture 12">
-            <a:extLst>
-              <a:ext uri="{FF2B5EF4-FFF2-40B4-BE49-F238E27FC236}">
-                <a16:creationId xmlns:a16="http://schemas.microsoft.com/office/drawing/2014/main" id="{62DAEB38-5F21-4EF8-945A-CF276E727FB5}"/>
-              </a:ext>
-            </a:extLst>
-          </p:cNvPr>
-          <p:cNvPicPr>
-            <a:picLocks noChangeAspect="1"/>
-          </p:cNvPicPr>
-          <p:nvPr/>
-        </p:nvPicPr>
-        <p:blipFill>
-          <a:blip r:embed="rId3"/>
-          <a:stretch>
-            <a:fillRect/>
-          </a:stretch>
-        </p:blipFill>
-        <p:spPr>
-          <a:xfrm>
-            <a:off x="219074" y="1855469"/>
-            <a:ext cx="5553075" cy="2933700"/>
-          </a:xfrm>
-          <a:prstGeom prst="rect">
-            <a:avLst/>
-          </a:prstGeom>
-        </p:spPr>
-      </p:pic>
-    </p:spTree>
-    <p:extLst>
-      <p:ext uri="{BB962C8B-B14F-4D97-AF65-F5344CB8AC3E}">
-        <p14:creationId xmlns:p14="http://schemas.microsoft.com/office/powerpoint/2010/main" val="3808461920"/>
-      </p:ext>
-    </p:extLst>
-  </p:cSld>
-  <p:clrMapOvr>
-    <a:masterClrMapping/>
-  </p:clrMapOvr>
-</p:sld>
-</file>
-
-<file path=ppt/slides/slide22.xml><?xml version="1.0" encoding="utf-8"?>
-<p:sld xmlns:a="http://schemas.openxmlformats.org/drawingml/2006/main" xmlns:r="http://schemas.openxmlformats.org/officeDocument/2006/relationships" xmlns:p="http://schemas.openxmlformats.org/presentationml/2006/main">
-  <p:cSld>
-    <p:spTree>
-      <p:nvGrpSpPr>
-        <p:cNvPr id="1" name=""/>
-        <p:cNvGrpSpPr/>
-        <p:nvPr/>
-      </p:nvGrpSpPr>
-      <p:grpSpPr>
-        <a:xfrm>
-          <a:off x="0" y="0"/>
-          <a:ext cx="0" cy="0"/>
-          <a:chOff x="0" y="0"/>
-          <a:chExt cx="0" cy="0"/>
-        </a:xfrm>
-      </p:grpSpPr>
-      <p:sp>
-        <p:nvSpPr>
-          <p:cNvPr id="2" name="Title 1">
-            <a:extLst>
-              <a:ext uri="{FF2B5EF4-FFF2-40B4-BE49-F238E27FC236}">
-                <a16:creationId xmlns:a16="http://schemas.microsoft.com/office/drawing/2014/main" id="{9C90F445-4F72-48D4-9D64-93C7C2B83D6E}"/>
-              </a:ext>
-            </a:extLst>
-          </p:cNvPr>
-          <p:cNvSpPr>
-            <a:spLocks noGrp="1"/>
-          </p:cNvSpPr>
-          <p:nvPr>
-            <p:ph type="title"/>
-          </p:nvPr>
-        </p:nvSpPr>
-        <p:spPr>
-          <a:xfrm>
-            <a:off x="290804" y="214280"/>
-            <a:ext cx="5805196" cy="1006475"/>
-          </a:xfrm>
-        </p:spPr>
-        <p:txBody>
-          <a:bodyPr>
-            <a:normAutofit fontScale="90000"/>
-          </a:bodyPr>
-          <a:lstStyle/>
-          <a:p>
-            <a:r>
-              <a:rPr lang="en-US" dirty="0"/>
-              <a:t>Predictive maintenance</a:t>
-            </a:r>
-            <a:br>
-              <a:rPr lang="en-US" dirty="0"/>
-            </a:br>
-            <a:r>
-              <a:rPr lang="en-US" sz="2400" dirty="0"/>
-              <a:t>In-service aircraft engine</a:t>
-            </a:r>
-          </a:p>
-        </p:txBody>
-      </p:sp>
       <p:pic>
         <p:nvPicPr>
           <p:cNvPr id="8" name="Picture 7">
@@ -9813,7 +9270,7 @@
               <a:pPr algn="ctr"/>
               <a:r>
                 <a:rPr lang="en-US" sz="2400" dirty="0"/>
-                <a:t>Many potential clients have time or planning to generate time series sensors data</a:t>
+                <a:t>Many potential clients have or planning to generate time series sensors data</a:t>
               </a:r>
             </a:p>
             <a:p>
@@ -10349,64 +9806,6 @@
           <p:cNvPr id="2" name="Title 1">
             <a:extLst>
               <a:ext uri="{FF2B5EF4-FFF2-40B4-BE49-F238E27FC236}">
-                <a16:creationId xmlns:a16="http://schemas.microsoft.com/office/drawing/2014/main" id="{3A32260C-5143-4415-9C8A-16E83C81E887}"/>
-              </a:ext>
-            </a:extLst>
-          </p:cNvPr>
-          <p:cNvSpPr>
-            <a:spLocks noGrp="1"/>
-          </p:cNvSpPr>
-          <p:nvPr>
-            <p:ph type="ctrTitle"/>
-          </p:nvPr>
-        </p:nvSpPr>
-        <p:spPr/>
-        <p:txBody>
-          <a:bodyPr/>
-          <a:lstStyle/>
-          <a:p>
-            <a:r>
-              <a:rPr lang="en-US" dirty="0"/>
-              <a:t>Technical slides</a:t>
-            </a:r>
-          </a:p>
-        </p:txBody>
-      </p:sp>
-    </p:spTree>
-    <p:extLst>
-      <p:ext uri="{BB962C8B-B14F-4D97-AF65-F5344CB8AC3E}">
-        <p14:creationId xmlns:p14="http://schemas.microsoft.com/office/powerpoint/2010/main" val="2935097310"/>
-      </p:ext>
-    </p:extLst>
-  </p:cSld>
-  <p:clrMapOvr>
-    <a:masterClrMapping/>
-  </p:clrMapOvr>
-</p:sld>
-</file>
-
-<file path=ppt/slides/slide6.xml><?xml version="1.0" encoding="utf-8"?>
-<p:sld xmlns:a="http://schemas.openxmlformats.org/drawingml/2006/main" xmlns:r="http://schemas.openxmlformats.org/officeDocument/2006/relationships" xmlns:p="http://schemas.openxmlformats.org/presentationml/2006/main">
-  <p:cSld>
-    <p:spTree>
-      <p:nvGrpSpPr>
-        <p:cNvPr id="1" name=""/>
-        <p:cNvGrpSpPr/>
-        <p:nvPr/>
-      </p:nvGrpSpPr>
-      <p:grpSpPr>
-        <a:xfrm>
-          <a:off x="0" y="0"/>
-          <a:ext cx="0" cy="0"/>
-          <a:chOff x="0" y="0"/>
-          <a:chExt cx="0" cy="0"/>
-        </a:xfrm>
-      </p:grpSpPr>
-      <p:sp>
-        <p:nvSpPr>
-          <p:cNvPr id="2" name="Title 1">
-            <a:extLst>
-              <a:ext uri="{FF2B5EF4-FFF2-40B4-BE49-F238E27FC236}">
                 <a16:creationId xmlns:a16="http://schemas.microsoft.com/office/drawing/2014/main" id="{70DCD5D4-69A0-4740-A56A-F7865CA626E0}"/>
               </a:ext>
             </a:extLst>
@@ -10523,6 +9922,73 @@
 </p:sld>
 </file>
 
+<file path=ppt/slides/slide6.xml><?xml version="1.0" encoding="utf-8"?>
+<p:sld xmlns:a="http://schemas.openxmlformats.org/drawingml/2006/main" xmlns:r="http://schemas.openxmlformats.org/officeDocument/2006/relationships" xmlns:p="http://schemas.openxmlformats.org/presentationml/2006/main">
+  <p:cSld>
+    <p:spTree>
+      <p:nvGrpSpPr>
+        <p:cNvPr id="1" name=""/>
+        <p:cNvGrpSpPr/>
+        <p:nvPr/>
+      </p:nvGrpSpPr>
+      <p:grpSpPr>
+        <a:xfrm>
+          <a:off x="0" y="0"/>
+          <a:ext cx="0" cy="0"/>
+          <a:chOff x="0" y="0"/>
+          <a:chExt cx="0" cy="0"/>
+        </a:xfrm>
+      </p:grpSpPr>
+      <p:sp>
+        <p:nvSpPr>
+          <p:cNvPr id="2" name="Title 1">
+            <a:extLst>
+              <a:ext uri="{FF2B5EF4-FFF2-40B4-BE49-F238E27FC236}">
+                <a16:creationId xmlns:a16="http://schemas.microsoft.com/office/drawing/2014/main" id="{3A32260C-5143-4415-9C8A-16E83C81E887}"/>
+              </a:ext>
+            </a:extLst>
+          </p:cNvPr>
+          <p:cNvSpPr>
+            <a:spLocks noGrp="1"/>
+          </p:cNvSpPr>
+          <p:nvPr>
+            <p:ph type="ctrTitle"/>
+          </p:nvPr>
+        </p:nvSpPr>
+        <p:spPr/>
+        <p:txBody>
+          <a:bodyPr>
+            <a:normAutofit/>
+          </a:bodyPr>
+          <a:lstStyle/>
+          <a:p>
+            <a:r>
+              <a:rPr lang="en-US" dirty="0"/>
+              <a:t>Azure ML Team’s solution</a:t>
+            </a:r>
+            <a:br>
+              <a:rPr lang="en-US" dirty="0"/>
+            </a:br>
+            <a:r>
+              <a:rPr lang="en-US" sz="2700" dirty="0"/>
+              <a:t>(Using Azure machine learning studio)</a:t>
+            </a:r>
+          </a:p>
+        </p:txBody>
+      </p:sp>
+    </p:spTree>
+    <p:extLst>
+      <p:ext uri="{BB962C8B-B14F-4D97-AF65-F5344CB8AC3E}">
+        <p14:creationId xmlns:p14="http://schemas.microsoft.com/office/powerpoint/2010/main" val="2084953151"/>
+      </p:ext>
+    </p:extLst>
+  </p:cSld>
+  <p:clrMapOvr>
+    <a:masterClrMapping/>
+  </p:clrMapOvr>
+</p:sld>
+</file>
+
 <file path=ppt/slides/slide7.xml><?xml version="1.0" encoding="utf-8"?>
 <p:sld xmlns:a="http://schemas.openxmlformats.org/drawingml/2006/main" xmlns:r="http://schemas.openxmlformats.org/officeDocument/2006/relationships" xmlns:p="http://schemas.openxmlformats.org/presentationml/2006/main">
   <p:cSld>
@@ -10545,7 +10011,7 @@
           <p:cNvPr id="2" name="Title 1">
             <a:extLst>
               <a:ext uri="{FF2B5EF4-FFF2-40B4-BE49-F238E27FC236}">
-                <a16:creationId xmlns:a16="http://schemas.microsoft.com/office/drawing/2014/main" id="{9C90F445-4F72-48D4-9D64-93C7C2B83D6E}"/>
+                <a16:creationId xmlns:a16="http://schemas.microsoft.com/office/drawing/2014/main" id="{70DCD5D4-69A0-4740-A56A-F7865CA626E0}"/>
               </a:ext>
             </a:extLst>
           </p:cNvPr>
@@ -10556,29 +10022,233 @@
             <p:ph type="title"/>
           </p:nvPr>
         </p:nvSpPr>
+        <p:spPr/>
+        <p:txBody>
+          <a:bodyPr/>
+          <a:lstStyle/>
+          <a:p>
+            <a:r>
+              <a:rPr lang="en-US" dirty="0"/>
+              <a:t>Predictive maintenance</a:t>
+            </a:r>
+          </a:p>
+        </p:txBody>
+      </p:sp>
+      <p:sp>
+        <p:nvSpPr>
+          <p:cNvPr id="6" name="TextBox 5">
+            <a:extLst>
+              <a:ext uri="{FF2B5EF4-FFF2-40B4-BE49-F238E27FC236}">
+                <a16:creationId xmlns:a16="http://schemas.microsoft.com/office/drawing/2014/main" id="{3AADC126-E627-412E-AA60-33AF4B6D8CA1}"/>
+              </a:ext>
+            </a:extLst>
+          </p:cNvPr>
+          <p:cNvSpPr txBox="1"/>
+          <p:nvPr/>
+        </p:nvSpPr>
         <p:spPr>
           <a:xfrm>
-            <a:off x="290804" y="214280"/>
-            <a:ext cx="5805196" cy="1006475"/>
+            <a:off x="594360" y="1497330"/>
+            <a:ext cx="10759440" cy="3970318"/>
           </a:xfrm>
+          <a:prstGeom prst="rect">
+            <a:avLst/>
+          </a:prstGeom>
+          <a:noFill/>
         </p:spPr>
         <p:txBody>
-          <a:bodyPr>
-            <a:normAutofit fontScale="90000"/>
+          <a:bodyPr wrap="square" rtlCol="0">
+            <a:spAutoFit/>
           </a:bodyPr>
           <a:lstStyle/>
           <a:p>
-            <a:r>
-              <a:rPr lang="en-US" dirty="0"/>
-              <a:t>Predictive maintenance</a:t>
-            </a:r>
-            <a:br>
-              <a:rPr lang="en-US" dirty="0"/>
-            </a:br>
-            <a:r>
-              <a:rPr lang="en-US" sz="2400" dirty="0"/>
-              <a:t>In-service aircraft engine</a:t>
-            </a:r>
+            <a:pPr marL="342900" indent="-342900" algn="l">
+              <a:buFont typeface="+mj-lt"/>
+              <a:buAutoNum type="arabicPeriod"/>
+            </a:pPr>
+            <a:r>
+              <a:rPr lang="en-US" b="0" i="0" dirty="0">
+                <a:solidFill>
+                  <a:srgbClr val="2C3137"/>
+                </a:solidFill>
+                <a:effectLst/>
+                <a:latin typeface="Segoe UI" panose="020B0502040204020203" pitchFamily="34" charset="0"/>
+              </a:rPr>
+              <a:t>Predict the Remaining Useful Life (RUL).</a:t>
+            </a:r>
+          </a:p>
+          <a:p>
+            <a:pPr marL="342900" indent="-342900" algn="l">
+              <a:buFont typeface="+mj-lt"/>
+              <a:buAutoNum type="arabicPeriod"/>
+            </a:pPr>
+            <a:endParaRPr lang="en-US" dirty="0">
+              <a:solidFill>
+                <a:srgbClr val="2C3137"/>
+              </a:solidFill>
+              <a:latin typeface="Segoe UI" panose="020B0502040204020203" pitchFamily="34" charset="0"/>
+            </a:endParaRPr>
+          </a:p>
+          <a:p>
+            <a:pPr marL="342900" indent="-342900" algn="l">
+              <a:buFont typeface="+mj-lt"/>
+              <a:buAutoNum type="arabicPeriod"/>
+            </a:pPr>
+            <a:endParaRPr lang="en-US" b="0" i="0" dirty="0">
+              <a:solidFill>
+                <a:srgbClr val="2C3137"/>
+              </a:solidFill>
+              <a:effectLst/>
+              <a:latin typeface="Segoe UI" panose="020B0502040204020203" pitchFamily="34" charset="0"/>
+            </a:endParaRPr>
+          </a:p>
+          <a:p>
+            <a:pPr marL="342900" indent="-342900" algn="l">
+              <a:buFont typeface="+mj-lt"/>
+              <a:buAutoNum type="arabicPeriod"/>
+            </a:pPr>
+            <a:endParaRPr lang="en-US" dirty="0">
+              <a:solidFill>
+                <a:srgbClr val="2C3137"/>
+              </a:solidFill>
+              <a:latin typeface="Segoe UI" panose="020B0502040204020203" pitchFamily="34" charset="0"/>
+            </a:endParaRPr>
+          </a:p>
+          <a:p>
+            <a:pPr marL="342900" indent="-342900" algn="l">
+              <a:buFont typeface="+mj-lt"/>
+              <a:buAutoNum type="arabicPeriod"/>
+            </a:pPr>
+            <a:endParaRPr lang="en-US" b="0" i="0" dirty="0">
+              <a:solidFill>
+                <a:srgbClr val="2C3137"/>
+              </a:solidFill>
+              <a:effectLst/>
+              <a:latin typeface="Segoe UI" panose="020B0502040204020203" pitchFamily="34" charset="0"/>
+            </a:endParaRPr>
+          </a:p>
+          <a:p>
+            <a:pPr marL="342900" indent="-342900" algn="l">
+              <a:buFont typeface="+mj-lt"/>
+              <a:buAutoNum type="arabicPeriod"/>
+            </a:pPr>
+            <a:endParaRPr lang="en-US" dirty="0">
+              <a:solidFill>
+                <a:srgbClr val="2C3137"/>
+              </a:solidFill>
+              <a:latin typeface="Segoe UI" panose="020B0502040204020203" pitchFamily="34" charset="0"/>
+            </a:endParaRPr>
+          </a:p>
+          <a:p>
+            <a:pPr marL="342900" indent="-342900" algn="l">
+              <a:buFont typeface="+mj-lt"/>
+              <a:buAutoNum type="arabicPeriod"/>
+            </a:pPr>
+            <a:endParaRPr lang="en-US" b="0" i="0" dirty="0">
+              <a:solidFill>
+                <a:srgbClr val="2C3137"/>
+              </a:solidFill>
+              <a:effectLst/>
+              <a:latin typeface="Segoe UI" panose="020B0502040204020203" pitchFamily="34" charset="0"/>
+            </a:endParaRPr>
+          </a:p>
+          <a:p>
+            <a:pPr marL="342900" indent="-342900" algn="l">
+              <a:buFont typeface="+mj-lt"/>
+              <a:buAutoNum type="arabicPeriod"/>
+            </a:pPr>
+            <a:endParaRPr lang="en-US" dirty="0">
+              <a:solidFill>
+                <a:srgbClr val="2C3137"/>
+              </a:solidFill>
+              <a:latin typeface="Segoe UI" panose="020B0502040204020203" pitchFamily="34" charset="0"/>
+            </a:endParaRPr>
+          </a:p>
+          <a:p>
+            <a:pPr marL="342900" indent="-342900" algn="l">
+              <a:buFont typeface="+mj-lt"/>
+              <a:buAutoNum type="arabicPeriod"/>
+            </a:pPr>
+            <a:endParaRPr lang="en-US" b="0" i="0" dirty="0">
+              <a:solidFill>
+                <a:srgbClr val="2C3137"/>
+              </a:solidFill>
+              <a:effectLst/>
+              <a:latin typeface="Segoe UI" panose="020B0502040204020203" pitchFamily="34" charset="0"/>
+            </a:endParaRPr>
+          </a:p>
+          <a:p>
+            <a:pPr marL="342900" indent="-342900" algn="l">
+              <a:buFont typeface="+mj-lt"/>
+              <a:buAutoNum type="arabicPeriod"/>
+            </a:pPr>
+            <a:endParaRPr lang="en-US" b="0" i="0" dirty="0">
+              <a:solidFill>
+                <a:srgbClr val="2C3137"/>
+              </a:solidFill>
+              <a:effectLst/>
+              <a:latin typeface="Segoe UI" panose="020B0502040204020203" pitchFamily="34" charset="0"/>
+            </a:endParaRPr>
+          </a:p>
+          <a:p>
+            <a:pPr marL="342900" indent="-342900" algn="l">
+              <a:lnSpc>
+                <a:spcPct val="150000"/>
+              </a:lnSpc>
+              <a:buFont typeface="+mj-lt"/>
+              <a:buAutoNum type="arabicPeriod"/>
+            </a:pPr>
+            <a:r>
+              <a:rPr lang="en-US" b="0" i="0" dirty="0">
+                <a:solidFill>
+                  <a:srgbClr val="2C3137"/>
+                </a:solidFill>
+                <a:effectLst/>
+                <a:latin typeface="Segoe UI" panose="020B0502040204020203" pitchFamily="34" charset="0"/>
+              </a:rPr>
+              <a:t>Predict if an in-service </a:t>
+            </a:r>
+            <a:r>
+              <a:rPr lang="en-US" dirty="0">
+                <a:solidFill>
+                  <a:srgbClr val="2C3137"/>
+                </a:solidFill>
+                <a:latin typeface="Segoe UI" panose="020B0502040204020203" pitchFamily="34" charset="0"/>
+              </a:rPr>
+              <a:t>e</a:t>
+            </a:r>
+            <a:r>
+              <a:rPr lang="en-US" b="0" i="0" dirty="0">
+                <a:solidFill>
+                  <a:srgbClr val="2C3137"/>
+                </a:solidFill>
+                <a:effectLst/>
+                <a:latin typeface="Segoe UI" panose="020B0502040204020203" pitchFamily="34" charset="0"/>
+              </a:rPr>
+              <a:t>ngine will fail within certain time frame.</a:t>
+            </a:r>
+          </a:p>
+          <a:p>
+            <a:pPr marL="342900" indent="-342900" algn="l">
+              <a:lnSpc>
+                <a:spcPct val="150000"/>
+              </a:lnSpc>
+              <a:buFont typeface="+mj-lt"/>
+              <a:buAutoNum type="arabicPeriod"/>
+            </a:pPr>
+            <a:r>
+              <a:rPr lang="en-US" b="0" i="0" dirty="0">
+                <a:solidFill>
+                  <a:srgbClr val="2C3137"/>
+                </a:solidFill>
+                <a:effectLst/>
+                <a:latin typeface="Segoe UI" panose="020B0502040204020203" pitchFamily="34" charset="0"/>
+              </a:rPr>
+              <a:t>Predict if an in-service engine will fail in two different time windows.</a:t>
+            </a:r>
+          </a:p>
+          <a:p>
+            <a:endParaRPr lang="en-US" dirty="0"/>
           </a:p>
         </p:txBody>
       </p:sp>
@@ -10587,7 +10257,7 @@
           <p:cNvPr id="8" name="Picture 7">
             <a:extLst>
               <a:ext uri="{FF2B5EF4-FFF2-40B4-BE49-F238E27FC236}">
-                <a16:creationId xmlns:a16="http://schemas.microsoft.com/office/drawing/2014/main" id="{AA108615-B927-480A-BDA8-5F0220DAF8B9}"/>
+                <a16:creationId xmlns:a16="http://schemas.microsoft.com/office/drawing/2014/main" id="{9C663BFA-36A3-47DF-AEF3-A0F5403720A6}"/>
               </a:ext>
             </a:extLst>
           </p:cNvPr>
@@ -10604,388 +10274,8 @@
         </p:blipFill>
         <p:spPr>
           <a:xfrm>
-            <a:off x="6753303" y="353008"/>
-            <a:ext cx="4893049" cy="2026298"/>
-          </a:xfrm>
-          <a:prstGeom prst="rect">
-            <a:avLst/>
-          </a:prstGeom>
-        </p:spPr>
-      </p:pic>
-      <p:grpSp>
-        <p:nvGrpSpPr>
-          <p:cNvPr id="12" name="Group 11">
-            <a:extLst>
-              <a:ext uri="{FF2B5EF4-FFF2-40B4-BE49-F238E27FC236}">
-                <a16:creationId xmlns:a16="http://schemas.microsoft.com/office/drawing/2014/main" id="{A12535AE-5505-4629-96AB-AB58F0508F3D}"/>
-              </a:ext>
-            </a:extLst>
-          </p:cNvPr>
-          <p:cNvGrpSpPr/>
-          <p:nvPr/>
-        </p:nvGrpSpPr>
-        <p:grpSpPr>
-          <a:xfrm>
-            <a:off x="6753303" y="3293616"/>
-            <a:ext cx="5438696" cy="3422340"/>
-            <a:chOff x="4853251" y="2975201"/>
-            <a:chExt cx="7110828" cy="3781425"/>
-          </a:xfrm>
-        </p:grpSpPr>
-        <p:pic>
-          <p:nvPicPr>
-            <p:cNvPr id="10" name="Picture 9">
-              <a:extLst>
-                <a:ext uri="{FF2B5EF4-FFF2-40B4-BE49-F238E27FC236}">
-                  <a16:creationId xmlns:a16="http://schemas.microsoft.com/office/drawing/2014/main" id="{2D203E86-C7F4-465A-BF7B-B62D169E43C4}"/>
-                </a:ext>
-              </a:extLst>
-            </p:cNvPr>
-            <p:cNvPicPr>
-              <a:picLocks noChangeAspect="1"/>
-            </p:cNvPicPr>
-            <p:nvPr/>
-          </p:nvPicPr>
-          <p:blipFill>
-            <a:blip r:embed="rId3"/>
-            <a:stretch>
-              <a:fillRect/>
-            </a:stretch>
-          </p:blipFill>
-          <p:spPr>
-            <a:xfrm>
-              <a:off x="5191804" y="2975201"/>
-              <a:ext cx="6772275" cy="3781425"/>
-            </a:xfrm>
-            <a:prstGeom prst="rect">
-              <a:avLst/>
-            </a:prstGeom>
-          </p:spPr>
-        </p:pic>
-        <p:sp>
-          <p:nvSpPr>
-            <p:cNvPr id="11" name="TextBox 10">
-              <a:extLst>
-                <a:ext uri="{FF2B5EF4-FFF2-40B4-BE49-F238E27FC236}">
-                  <a16:creationId xmlns:a16="http://schemas.microsoft.com/office/drawing/2014/main" id="{17B9AE6D-CF2D-4E0C-B68F-65146BB475E4}"/>
-                </a:ext>
-              </a:extLst>
-            </p:cNvPr>
-            <p:cNvSpPr txBox="1"/>
-            <p:nvPr/>
-          </p:nvSpPr>
-          <p:spPr>
-            <a:xfrm rot="16200000">
-              <a:off x="3706911" y="4696635"/>
-              <a:ext cx="2631233" cy="338554"/>
-            </a:xfrm>
-            <a:prstGeom prst="rect">
-              <a:avLst/>
-            </a:prstGeom>
-            <a:noFill/>
-          </p:spPr>
-          <p:txBody>
-            <a:bodyPr wrap="square" rtlCol="0">
-              <a:spAutoFit/>
-            </a:bodyPr>
-            <a:lstStyle/>
-            <a:p>
-              <a:r>
-                <a:rPr lang="en-US" sz="1600" b="1" dirty="0">
-                  <a:latin typeface="Arial Rounded MT Bold" panose="020F0704030504030204" pitchFamily="34" charset="0"/>
-                  <a:cs typeface="Aharoni" panose="02010803020104030203" pitchFamily="2" charset="-79"/>
-                </a:rPr>
-                <a:t>Degradation indicator</a:t>
-              </a:r>
-            </a:p>
-          </p:txBody>
-        </p:sp>
-      </p:grpSp>
-      <p:sp>
-        <p:nvSpPr>
-          <p:cNvPr id="14" name="TextBox 13">
-            <a:extLst>
-              <a:ext uri="{FF2B5EF4-FFF2-40B4-BE49-F238E27FC236}">
-                <a16:creationId xmlns:a16="http://schemas.microsoft.com/office/drawing/2014/main" id="{C23A3762-E887-492A-9271-A18300C22DFE}"/>
-              </a:ext>
-            </a:extLst>
-          </p:cNvPr>
-          <p:cNvSpPr txBox="1"/>
-          <p:nvPr/>
-        </p:nvSpPr>
-        <p:spPr>
-          <a:xfrm>
-            <a:off x="219783" y="1416536"/>
-            <a:ext cx="6094520" cy="3693319"/>
-          </a:xfrm>
-          <a:prstGeom prst="rect">
-            <a:avLst/>
-          </a:prstGeom>
-          <a:noFill/>
-        </p:spPr>
-        <p:txBody>
-          <a:bodyPr wrap="square">
-            <a:spAutoFit/>
-          </a:bodyPr>
-          <a:lstStyle/>
-          <a:p>
-            <a:pPr marL="285750" indent="-285750" algn="just">
-              <a:buFont typeface="Arial" panose="020B0604020202020204" pitchFamily="34" charset="0"/>
-              <a:buChar char="•"/>
-            </a:pPr>
-            <a:r>
-              <a:rPr lang="en-US" b="1" i="0" dirty="0">
-                <a:solidFill>
-                  <a:srgbClr val="2C3137"/>
-                </a:solidFill>
-                <a:effectLst/>
-                <a:latin typeface="Segoe UI" panose="020B0502040204020203" pitchFamily="34" charset="0"/>
-              </a:rPr>
-              <a:t>Regression:</a:t>
-            </a:r>
-            <a:r>
-              <a:rPr lang="en-US" b="0" i="0" dirty="0">
-                <a:solidFill>
-                  <a:srgbClr val="2C3137"/>
-                </a:solidFill>
-                <a:effectLst/>
-                <a:latin typeface="Segoe UI" panose="020B0502040204020203" pitchFamily="34" charset="0"/>
-              </a:rPr>
-              <a:t> Predict the Remaining Useful Life (RUL).</a:t>
-            </a:r>
-          </a:p>
-          <a:p>
-            <a:pPr marL="285750" indent="-285750" algn="just">
-              <a:buFont typeface="Arial" panose="020B0604020202020204" pitchFamily="34" charset="0"/>
-              <a:buChar char="•"/>
-            </a:pPr>
-            <a:endParaRPr lang="en-US" dirty="0">
-              <a:solidFill>
-                <a:srgbClr val="2C3137"/>
-              </a:solidFill>
-              <a:latin typeface="Segoe UI" panose="020B0502040204020203" pitchFamily="34" charset="0"/>
-            </a:endParaRPr>
-          </a:p>
-          <a:p>
-            <a:pPr marL="285750" indent="-285750" algn="just">
-              <a:buFont typeface="Arial" panose="020B0604020202020204" pitchFamily="34" charset="0"/>
-              <a:buChar char="•"/>
-            </a:pPr>
-            <a:endParaRPr lang="en-US" b="0" i="0" dirty="0">
-              <a:solidFill>
-                <a:srgbClr val="2C3137"/>
-              </a:solidFill>
-              <a:effectLst/>
-              <a:latin typeface="Segoe UI" panose="020B0502040204020203" pitchFamily="34" charset="0"/>
-            </a:endParaRPr>
-          </a:p>
-          <a:p>
-            <a:pPr marL="285750" indent="-285750" algn="just">
-              <a:buFont typeface="Arial" panose="020B0604020202020204" pitchFamily="34" charset="0"/>
-              <a:buChar char="•"/>
-            </a:pPr>
-            <a:endParaRPr lang="en-US" dirty="0">
-              <a:solidFill>
-                <a:srgbClr val="2C3137"/>
-              </a:solidFill>
-              <a:latin typeface="Segoe UI" panose="020B0502040204020203" pitchFamily="34" charset="0"/>
-            </a:endParaRPr>
-          </a:p>
-          <a:p>
-            <a:pPr algn="just"/>
-            <a:endParaRPr lang="en-US" b="0" i="0" dirty="0">
-              <a:solidFill>
-                <a:srgbClr val="2C3137"/>
-              </a:solidFill>
-              <a:effectLst/>
-              <a:latin typeface="Segoe UI" panose="020B0502040204020203" pitchFamily="34" charset="0"/>
-            </a:endParaRPr>
-          </a:p>
-          <a:p>
-            <a:pPr marL="285750" indent="-285750" algn="just">
-              <a:buFont typeface="Arial" panose="020B0604020202020204" pitchFamily="34" charset="0"/>
-              <a:buChar char="•"/>
-            </a:pPr>
-            <a:r>
-              <a:rPr lang="en-US" b="1" i="0" dirty="0">
-                <a:solidFill>
-                  <a:srgbClr val="2C3137"/>
-                </a:solidFill>
-                <a:effectLst/>
-                <a:latin typeface="Segoe UI" panose="020B0502040204020203" pitchFamily="34" charset="0"/>
-              </a:rPr>
-              <a:t>Binary classification:</a:t>
-            </a:r>
-            <a:r>
-              <a:rPr lang="en-US" b="0" i="0" dirty="0">
-                <a:solidFill>
-                  <a:srgbClr val="2C3137"/>
-                </a:solidFill>
-                <a:effectLst/>
-                <a:latin typeface="Segoe UI" panose="020B0502040204020203" pitchFamily="34" charset="0"/>
-              </a:rPr>
-              <a:t> Predict if an in-service engine will fail within certain time frame.</a:t>
-            </a:r>
-          </a:p>
-          <a:p>
-            <a:pPr marL="285750" indent="-285750" algn="just">
-              <a:buFont typeface="Arial" panose="020B0604020202020204" pitchFamily="34" charset="0"/>
-              <a:buChar char="•"/>
-            </a:pPr>
-            <a:endParaRPr lang="en-US" dirty="0">
-              <a:solidFill>
-                <a:srgbClr val="2C3137"/>
-              </a:solidFill>
-              <a:latin typeface="Segoe UI" panose="020B0502040204020203" pitchFamily="34" charset="0"/>
-            </a:endParaRPr>
-          </a:p>
-          <a:p>
-            <a:pPr marL="285750" indent="-285750" algn="just">
-              <a:buFont typeface="Arial" panose="020B0604020202020204" pitchFamily="34" charset="0"/>
-              <a:buChar char="•"/>
-            </a:pPr>
-            <a:endParaRPr lang="en-US" b="0" i="0" dirty="0">
-              <a:solidFill>
-                <a:srgbClr val="2C3137"/>
-              </a:solidFill>
-              <a:effectLst/>
-              <a:latin typeface="Segoe UI" panose="020B0502040204020203" pitchFamily="34" charset="0"/>
-            </a:endParaRPr>
-          </a:p>
-          <a:p>
-            <a:pPr marL="285750" indent="-285750" algn="just">
-              <a:buFont typeface="Arial" panose="020B0604020202020204" pitchFamily="34" charset="0"/>
-              <a:buChar char="•"/>
-            </a:pPr>
-            <a:endParaRPr lang="en-US" dirty="0">
-              <a:solidFill>
-                <a:srgbClr val="2C3137"/>
-              </a:solidFill>
-              <a:latin typeface="Segoe UI" panose="020B0502040204020203" pitchFamily="34" charset="0"/>
-            </a:endParaRPr>
-          </a:p>
-          <a:p>
-            <a:pPr algn="just"/>
-            <a:endParaRPr lang="en-US" b="0" i="0" dirty="0">
-              <a:solidFill>
-                <a:srgbClr val="2C3137"/>
-              </a:solidFill>
-              <a:effectLst/>
-              <a:latin typeface="Segoe UI" panose="020B0502040204020203" pitchFamily="34" charset="0"/>
-            </a:endParaRPr>
-          </a:p>
-          <a:p>
-            <a:pPr marL="285750" indent="-285750" algn="just">
-              <a:buFont typeface="Arial" panose="020B0604020202020204" pitchFamily="34" charset="0"/>
-              <a:buChar char="•"/>
-            </a:pPr>
-            <a:r>
-              <a:rPr lang="en-US" b="1" i="0" dirty="0">
-                <a:solidFill>
-                  <a:srgbClr val="2C3137"/>
-                </a:solidFill>
-                <a:effectLst/>
-                <a:latin typeface="Segoe UI" panose="020B0502040204020203" pitchFamily="34" charset="0"/>
-              </a:rPr>
-              <a:t>Multi-class classification:</a:t>
-            </a:r>
-            <a:r>
-              <a:rPr lang="en-US" b="0" i="0" dirty="0">
-                <a:solidFill>
-                  <a:srgbClr val="2C3137"/>
-                </a:solidFill>
-                <a:effectLst/>
-                <a:latin typeface="Segoe UI" panose="020B0502040204020203" pitchFamily="34" charset="0"/>
-              </a:rPr>
-              <a:t> Predict if an in-service will fail in two different time windows.</a:t>
-            </a:r>
-          </a:p>
-        </p:txBody>
-      </p:sp>
-      <p:pic>
-        <p:nvPicPr>
-          <p:cNvPr id="18" name="Picture 17">
-            <a:extLst>
-              <a:ext uri="{FF2B5EF4-FFF2-40B4-BE49-F238E27FC236}">
-                <a16:creationId xmlns:a16="http://schemas.microsoft.com/office/drawing/2014/main" id="{FE380370-5AFD-4FF2-80A9-C1B0ADE21E4D}"/>
-              </a:ext>
-            </a:extLst>
-          </p:cNvPr>
-          <p:cNvPicPr>
-            <a:picLocks noChangeAspect="1"/>
-          </p:cNvPicPr>
-          <p:nvPr/>
-        </p:nvPicPr>
-        <p:blipFill>
-          <a:blip r:embed="rId4"/>
-          <a:stretch>
-            <a:fillRect/>
-          </a:stretch>
-        </p:blipFill>
-        <p:spPr>
-          <a:xfrm>
-            <a:off x="787240" y="3429000"/>
-            <a:ext cx="5646851" cy="809444"/>
-          </a:xfrm>
-          <a:prstGeom prst="rect">
-            <a:avLst/>
-          </a:prstGeom>
-        </p:spPr>
-      </p:pic>
-      <p:pic>
-        <p:nvPicPr>
-          <p:cNvPr id="22" name="Picture 21">
-            <a:extLst>
-              <a:ext uri="{FF2B5EF4-FFF2-40B4-BE49-F238E27FC236}">
-                <a16:creationId xmlns:a16="http://schemas.microsoft.com/office/drawing/2014/main" id="{EBD4F1A3-F6DA-4CA5-8306-F135D63A81ED}"/>
-              </a:ext>
-            </a:extLst>
-          </p:cNvPr>
-          <p:cNvPicPr>
-            <a:picLocks noChangeAspect="1"/>
-          </p:cNvPicPr>
-          <p:nvPr/>
-        </p:nvPicPr>
-        <p:blipFill>
-          <a:blip r:embed="rId5"/>
-          <a:stretch>
-            <a:fillRect/>
-          </a:stretch>
-        </p:blipFill>
-        <p:spPr>
-          <a:xfrm>
-            <a:off x="787240" y="1824620"/>
-            <a:ext cx="4959606" cy="899622"/>
-          </a:xfrm>
-          <a:prstGeom prst="rect">
-            <a:avLst/>
-          </a:prstGeom>
-        </p:spPr>
-      </p:pic>
-      <p:pic>
-        <p:nvPicPr>
-          <p:cNvPr id="24" name="Picture 23">
-            <a:extLst>
-              <a:ext uri="{FF2B5EF4-FFF2-40B4-BE49-F238E27FC236}">
-                <a16:creationId xmlns:a16="http://schemas.microsoft.com/office/drawing/2014/main" id="{810644E0-7A49-465C-9151-C423D139F633}"/>
-              </a:ext>
-            </a:extLst>
-          </p:cNvPr>
-          <p:cNvPicPr>
-            <a:picLocks noChangeAspect="1"/>
-          </p:cNvPicPr>
-          <p:nvPr/>
-        </p:nvPicPr>
-        <p:blipFill>
-          <a:blip r:embed="rId6"/>
-          <a:stretch>
-            <a:fillRect/>
-          </a:stretch>
-        </p:blipFill>
-        <p:spPr>
-          <a:xfrm>
-            <a:off x="787240" y="5189676"/>
-            <a:ext cx="5650745" cy="723052"/>
+            <a:off x="3342727" y="2088572"/>
+            <a:ext cx="5847825" cy="1988895"/>
           </a:xfrm>
           <a:prstGeom prst="rect">
             <a:avLst/>
@@ -10995,7 +10285,7 @@
     </p:spTree>
     <p:extLst>
       <p:ext uri="{BB962C8B-B14F-4D97-AF65-F5344CB8AC3E}">
-        <p14:creationId xmlns:p14="http://schemas.microsoft.com/office/powerpoint/2010/main" val="3502108703"/>
+        <p14:creationId xmlns:p14="http://schemas.microsoft.com/office/powerpoint/2010/main" val="2614082776"/>
       </p:ext>
     </p:extLst>
   </p:cSld>
@@ -11027,7 +10317,7 @@
           <p:cNvPr id="2" name="Title 1">
             <a:extLst>
               <a:ext uri="{FF2B5EF4-FFF2-40B4-BE49-F238E27FC236}">
-                <a16:creationId xmlns:a16="http://schemas.microsoft.com/office/drawing/2014/main" id="{3A32260C-5143-4415-9C8A-16E83C81E887}"/>
+                <a16:creationId xmlns:a16="http://schemas.microsoft.com/office/drawing/2014/main" id="{70DCD5D4-69A0-4740-A56A-F7865CA626E0}"/>
               </a:ext>
             </a:extLst>
           </p:cNvPr>
@@ -11035,34 +10325,253 @@
             <a:spLocks noGrp="1"/>
           </p:cNvSpPr>
           <p:nvPr>
-            <p:ph type="ctrTitle"/>
+            <p:ph type="title"/>
           </p:nvPr>
         </p:nvSpPr>
         <p:spPr/>
         <p:txBody>
-          <a:bodyPr>
-            <a:normAutofit/>
+          <a:bodyPr/>
+          <a:lstStyle/>
+          <a:p>
+            <a:r>
+              <a:rPr lang="en-US" dirty="0"/>
+              <a:t>Predictive maintenance</a:t>
+            </a:r>
+          </a:p>
+        </p:txBody>
+      </p:sp>
+      <p:sp>
+        <p:nvSpPr>
+          <p:cNvPr id="6" name="TextBox 5">
+            <a:extLst>
+              <a:ext uri="{FF2B5EF4-FFF2-40B4-BE49-F238E27FC236}">
+                <a16:creationId xmlns:a16="http://schemas.microsoft.com/office/drawing/2014/main" id="{3AADC126-E627-412E-AA60-33AF4B6D8CA1}"/>
+              </a:ext>
+            </a:extLst>
+          </p:cNvPr>
+          <p:cNvSpPr txBox="1"/>
+          <p:nvPr/>
+        </p:nvSpPr>
+        <p:spPr>
+          <a:xfrm>
+            <a:off x="594360" y="1497330"/>
+            <a:ext cx="10759440" cy="3970318"/>
+          </a:xfrm>
+          <a:prstGeom prst="rect">
+            <a:avLst/>
+          </a:prstGeom>
+          <a:noFill/>
+        </p:spPr>
+        <p:txBody>
+          <a:bodyPr wrap="square" rtlCol="0">
+            <a:spAutoFit/>
           </a:bodyPr>
           <a:lstStyle/>
           <a:p>
-            <a:r>
-              <a:rPr lang="en-US" dirty="0"/>
-              <a:t>Azure ML Team’s solution</a:t>
-            </a:r>
-            <a:br>
-              <a:rPr lang="en-US" dirty="0"/>
-            </a:br>
-            <a:r>
-              <a:rPr lang="en-US" sz="2700" dirty="0"/>
-              <a:t>(Using Azure machine learning studio)</a:t>
-            </a:r>
+            <a:pPr marL="342900" indent="-342900" algn="l">
+              <a:buFont typeface="+mj-lt"/>
+              <a:buAutoNum type="arabicPeriod"/>
+            </a:pPr>
+            <a:r>
+              <a:rPr lang="en-US" b="0" i="0" dirty="0">
+                <a:solidFill>
+                  <a:srgbClr val="2C3137"/>
+                </a:solidFill>
+                <a:effectLst/>
+                <a:latin typeface="Segoe UI" panose="020B0502040204020203" pitchFamily="34" charset="0"/>
+              </a:rPr>
+              <a:t>Predict the Remaining Useful Life (RUL).</a:t>
+            </a:r>
+          </a:p>
+          <a:p>
+            <a:pPr marL="342900" indent="-342900" algn="l">
+              <a:lnSpc>
+                <a:spcPct val="150000"/>
+              </a:lnSpc>
+              <a:buFont typeface="+mj-lt"/>
+              <a:buAutoNum type="arabicPeriod"/>
+            </a:pPr>
+            <a:r>
+              <a:rPr lang="en-US" b="0" i="0" dirty="0">
+                <a:solidFill>
+                  <a:srgbClr val="2C3137"/>
+                </a:solidFill>
+                <a:effectLst/>
+                <a:latin typeface="Segoe UI" panose="020B0502040204020203" pitchFamily="34" charset="0"/>
+              </a:rPr>
+              <a:t>Predict if an in-service </a:t>
+            </a:r>
+            <a:r>
+              <a:rPr lang="en-US" dirty="0">
+                <a:solidFill>
+                  <a:srgbClr val="2C3137"/>
+                </a:solidFill>
+                <a:latin typeface="Segoe UI" panose="020B0502040204020203" pitchFamily="34" charset="0"/>
+              </a:rPr>
+              <a:t>e</a:t>
+            </a:r>
+            <a:r>
+              <a:rPr lang="en-US" b="0" i="0" dirty="0">
+                <a:solidFill>
+                  <a:srgbClr val="2C3137"/>
+                </a:solidFill>
+                <a:effectLst/>
+                <a:latin typeface="Segoe UI" panose="020B0502040204020203" pitchFamily="34" charset="0"/>
+              </a:rPr>
+              <a:t>ngine will fail within certain time frame.</a:t>
+            </a:r>
+          </a:p>
+          <a:p>
+            <a:pPr marL="342900" indent="-342900" algn="l">
+              <a:lnSpc>
+                <a:spcPct val="150000"/>
+              </a:lnSpc>
+              <a:buFont typeface="+mj-lt"/>
+              <a:buAutoNum type="arabicPeriod"/>
+            </a:pPr>
+            <a:endParaRPr lang="en-US" dirty="0">
+              <a:solidFill>
+                <a:srgbClr val="2C3137"/>
+              </a:solidFill>
+              <a:latin typeface="Segoe UI" panose="020B0502040204020203" pitchFamily="34" charset="0"/>
+            </a:endParaRPr>
+          </a:p>
+          <a:p>
+            <a:pPr marL="342900" indent="-342900" algn="l">
+              <a:lnSpc>
+                <a:spcPct val="150000"/>
+              </a:lnSpc>
+              <a:buFont typeface="+mj-lt"/>
+              <a:buAutoNum type="arabicPeriod"/>
+            </a:pPr>
+            <a:endParaRPr lang="en-US" dirty="0">
+              <a:solidFill>
+                <a:srgbClr val="2C3137"/>
+              </a:solidFill>
+              <a:latin typeface="Segoe UI" panose="020B0502040204020203" pitchFamily="34" charset="0"/>
+            </a:endParaRPr>
+          </a:p>
+          <a:p>
+            <a:pPr marL="342900" indent="-342900" algn="l">
+              <a:lnSpc>
+                <a:spcPct val="150000"/>
+              </a:lnSpc>
+              <a:buFont typeface="+mj-lt"/>
+              <a:buAutoNum type="arabicPeriod"/>
+            </a:pPr>
+            <a:endParaRPr lang="en-US" dirty="0">
+              <a:solidFill>
+                <a:srgbClr val="2C3137"/>
+              </a:solidFill>
+              <a:latin typeface="Segoe UI" panose="020B0502040204020203" pitchFamily="34" charset="0"/>
+            </a:endParaRPr>
+          </a:p>
+          <a:p>
+            <a:pPr marL="342900" indent="-342900" algn="l">
+              <a:lnSpc>
+                <a:spcPct val="150000"/>
+              </a:lnSpc>
+              <a:buFont typeface="+mj-lt"/>
+              <a:buAutoNum type="arabicPeriod"/>
+            </a:pPr>
+            <a:endParaRPr lang="en-US" b="0" i="0" dirty="0">
+              <a:solidFill>
+                <a:srgbClr val="2C3137"/>
+              </a:solidFill>
+              <a:effectLst/>
+              <a:latin typeface="Segoe UI" panose="020B0502040204020203" pitchFamily="34" charset="0"/>
+            </a:endParaRPr>
+          </a:p>
+          <a:p>
+            <a:pPr marL="342900" indent="-342900" algn="l">
+              <a:lnSpc>
+                <a:spcPct val="150000"/>
+              </a:lnSpc>
+              <a:buFont typeface="+mj-lt"/>
+              <a:buAutoNum type="arabicPeriod"/>
+            </a:pPr>
+            <a:endParaRPr lang="en-US" b="0" i="0" dirty="0">
+              <a:solidFill>
+                <a:srgbClr val="2C3137"/>
+              </a:solidFill>
+              <a:effectLst/>
+              <a:latin typeface="Segoe UI" panose="020B0502040204020203" pitchFamily="34" charset="0"/>
+            </a:endParaRPr>
+          </a:p>
+          <a:p>
+            <a:pPr marL="342900" indent="-342900" algn="l">
+              <a:lnSpc>
+                <a:spcPct val="150000"/>
+              </a:lnSpc>
+              <a:buFont typeface="+mj-lt"/>
+              <a:buAutoNum type="arabicPeriod"/>
+            </a:pPr>
+            <a:endParaRPr lang="en-US" b="0" i="0" dirty="0">
+              <a:solidFill>
+                <a:srgbClr val="2C3137"/>
+              </a:solidFill>
+              <a:effectLst/>
+              <a:latin typeface="Segoe UI" panose="020B0502040204020203" pitchFamily="34" charset="0"/>
+            </a:endParaRPr>
+          </a:p>
+          <a:p>
+            <a:pPr marL="342900" indent="-342900" algn="l">
+              <a:lnSpc>
+                <a:spcPct val="150000"/>
+              </a:lnSpc>
+              <a:buFont typeface="+mj-lt"/>
+              <a:buAutoNum type="arabicPeriod"/>
+            </a:pPr>
+            <a:r>
+              <a:rPr lang="en-US" b="0" i="0" dirty="0">
+                <a:solidFill>
+                  <a:srgbClr val="2C3137"/>
+                </a:solidFill>
+                <a:effectLst/>
+                <a:latin typeface="Segoe UI" panose="020B0502040204020203" pitchFamily="34" charset="0"/>
+              </a:rPr>
+              <a:t>Predict if an in-service engine will fail in two different time windows.</a:t>
+            </a:r>
+          </a:p>
+          <a:p>
+            <a:endParaRPr lang="en-US" dirty="0"/>
           </a:p>
         </p:txBody>
       </p:sp>
+      <p:pic>
+        <p:nvPicPr>
+          <p:cNvPr id="4" name="Picture 3">
+            <a:extLst>
+              <a:ext uri="{FF2B5EF4-FFF2-40B4-BE49-F238E27FC236}">
+                <a16:creationId xmlns:a16="http://schemas.microsoft.com/office/drawing/2014/main" id="{EA11E314-D369-4696-9B24-E832D5C92E45}"/>
+              </a:ext>
+            </a:extLst>
+          </p:cNvPr>
+          <p:cNvPicPr>
+            <a:picLocks noChangeAspect="1"/>
+          </p:cNvPicPr>
+          <p:nvPr/>
+        </p:nvPicPr>
+        <p:blipFill>
+          <a:blip r:embed="rId2"/>
+          <a:stretch>
+            <a:fillRect/>
+          </a:stretch>
+        </p:blipFill>
+        <p:spPr>
+          <a:xfrm>
+            <a:off x="3346704" y="2424112"/>
+            <a:ext cx="4629150" cy="2009775"/>
+          </a:xfrm>
+          <a:prstGeom prst="rect">
+            <a:avLst/>
+          </a:prstGeom>
+        </p:spPr>
+      </p:pic>
     </p:spTree>
     <p:extLst>
       <p:ext uri="{BB962C8B-B14F-4D97-AF65-F5344CB8AC3E}">
-        <p14:creationId xmlns:p14="http://schemas.microsoft.com/office/powerpoint/2010/main" val="2084953151"/>
+        <p14:creationId xmlns:p14="http://schemas.microsoft.com/office/powerpoint/2010/main" val="3231558467"/>
       </p:ext>
     </p:extLst>
   </p:cSld>
@@ -11112,7 +10621,7 @@
           <a:p>
             <a:r>
               <a:rPr lang="en-US" dirty="0"/>
-              <a:t>Predictive maintenance</a:t>
+              <a:t>Predictive maintenance – Case example</a:t>
             </a:r>
           </a:p>
         </p:txBody>
@@ -11132,7 +10641,7 @@
         <p:spPr>
           <a:xfrm>
             <a:off x="594360" y="1497330"/>
-            <a:ext cx="10759440" cy="3970318"/>
+            <a:ext cx="10759440" cy="3139321"/>
           </a:xfrm>
           <a:prstGeom prst="rect">
             <a:avLst/>
@@ -11162,6 +10671,66 @@
           </a:p>
           <a:p>
             <a:pPr marL="342900" indent="-342900" algn="l">
+              <a:lnSpc>
+                <a:spcPct val="150000"/>
+              </a:lnSpc>
+              <a:buFont typeface="+mj-lt"/>
+              <a:buAutoNum type="arabicPeriod"/>
+            </a:pPr>
+            <a:r>
+              <a:rPr lang="en-US" b="0" i="0" dirty="0">
+                <a:solidFill>
+                  <a:srgbClr val="2C3137"/>
+                </a:solidFill>
+                <a:effectLst/>
+                <a:latin typeface="Segoe UI" panose="020B0502040204020203" pitchFamily="34" charset="0"/>
+              </a:rPr>
+              <a:t>Predict if an in-service </a:t>
+            </a:r>
+            <a:r>
+              <a:rPr lang="en-US" dirty="0">
+                <a:solidFill>
+                  <a:srgbClr val="2C3137"/>
+                </a:solidFill>
+                <a:latin typeface="Segoe UI" panose="020B0502040204020203" pitchFamily="34" charset="0"/>
+              </a:rPr>
+              <a:t>e</a:t>
+            </a:r>
+            <a:r>
+              <a:rPr lang="en-US" b="0" i="0" dirty="0">
+                <a:solidFill>
+                  <a:srgbClr val="2C3137"/>
+                </a:solidFill>
+                <a:effectLst/>
+                <a:latin typeface="Segoe UI" panose="020B0502040204020203" pitchFamily="34" charset="0"/>
+              </a:rPr>
+              <a:t>ngine will fail within certain time frame.</a:t>
+            </a:r>
+          </a:p>
+          <a:p>
+            <a:pPr marL="342900" indent="-342900" algn="l">
+              <a:lnSpc>
+                <a:spcPct val="150000"/>
+              </a:lnSpc>
+              <a:buFont typeface="+mj-lt"/>
+              <a:buAutoNum type="arabicPeriod"/>
+            </a:pPr>
+            <a:r>
+              <a:rPr lang="en-US" b="0" i="0" dirty="0">
+                <a:solidFill>
+                  <a:srgbClr val="2C3137"/>
+                </a:solidFill>
+                <a:effectLst/>
+                <a:latin typeface="Segoe UI" panose="020B0502040204020203" pitchFamily="34" charset="0"/>
+              </a:rPr>
+              <a:t>Predict if an in-service engine will fail in two different time windows.</a:t>
+            </a:r>
+          </a:p>
+          <a:p>
+            <a:pPr marL="342900" indent="-342900" algn="l">
+              <a:lnSpc>
+                <a:spcPct val="150000"/>
+              </a:lnSpc>
               <a:buFont typeface="+mj-lt"/>
               <a:buAutoNum type="arabicPeriod"/>
             </a:pPr>
@@ -11174,6 +10743,9 @@
           </a:p>
           <a:p>
             <a:pPr marL="342900" indent="-342900" algn="l">
+              <a:lnSpc>
+                <a:spcPct val="150000"/>
+              </a:lnSpc>
               <a:buFont typeface="+mj-lt"/>
               <a:buAutoNum type="arabicPeriod"/>
             </a:pPr>
@@ -11187,6 +10759,9 @@
           </a:p>
           <a:p>
             <a:pPr marL="342900" indent="-342900" algn="l">
+              <a:lnSpc>
+                <a:spcPct val="150000"/>
+              </a:lnSpc>
               <a:buFont typeface="+mj-lt"/>
               <a:buAutoNum type="arabicPeriod"/>
             </a:pPr>
@@ -11199,6 +10774,9 @@
           </a:p>
           <a:p>
             <a:pPr marL="342900" indent="-342900" algn="l">
+              <a:lnSpc>
+                <a:spcPct val="150000"/>
+              </a:lnSpc>
               <a:buFont typeface="+mj-lt"/>
               <a:buAutoNum type="arabicPeriod"/>
             </a:pPr>
@@ -11211,136 +10789,16 @@
             </a:endParaRPr>
           </a:p>
           <a:p>
-            <a:pPr marL="342900" indent="-342900" algn="l">
-              <a:buFont typeface="+mj-lt"/>
-              <a:buAutoNum type="arabicPeriod"/>
-            </a:pPr>
-            <a:endParaRPr lang="en-US" dirty="0">
-              <a:solidFill>
-                <a:srgbClr val="2C3137"/>
-              </a:solidFill>
-              <a:latin typeface="Segoe UI" panose="020B0502040204020203" pitchFamily="34" charset="0"/>
-            </a:endParaRPr>
-          </a:p>
-          <a:p>
-            <a:pPr marL="342900" indent="-342900" algn="l">
-              <a:buFont typeface="+mj-lt"/>
-              <a:buAutoNum type="arabicPeriod"/>
-            </a:pPr>
-            <a:endParaRPr lang="en-US" b="0" i="0" dirty="0">
-              <a:solidFill>
-                <a:srgbClr val="2C3137"/>
-              </a:solidFill>
-              <a:effectLst/>
-              <a:latin typeface="Segoe UI" panose="020B0502040204020203" pitchFamily="34" charset="0"/>
-            </a:endParaRPr>
-          </a:p>
-          <a:p>
-            <a:pPr marL="342900" indent="-342900" algn="l">
-              <a:buFont typeface="+mj-lt"/>
-              <a:buAutoNum type="arabicPeriod"/>
-            </a:pPr>
-            <a:endParaRPr lang="en-US" dirty="0">
-              <a:solidFill>
-                <a:srgbClr val="2C3137"/>
-              </a:solidFill>
-              <a:latin typeface="Segoe UI" panose="020B0502040204020203" pitchFamily="34" charset="0"/>
-            </a:endParaRPr>
-          </a:p>
-          <a:p>
-            <a:pPr marL="342900" indent="-342900" algn="l">
-              <a:buFont typeface="+mj-lt"/>
-              <a:buAutoNum type="arabicPeriod"/>
-            </a:pPr>
-            <a:endParaRPr lang="en-US" b="0" i="0" dirty="0">
-              <a:solidFill>
-                <a:srgbClr val="2C3137"/>
-              </a:solidFill>
-              <a:effectLst/>
-              <a:latin typeface="Segoe UI" panose="020B0502040204020203" pitchFamily="34" charset="0"/>
-            </a:endParaRPr>
-          </a:p>
-          <a:p>
-            <a:pPr marL="342900" indent="-342900" algn="l">
-              <a:buFont typeface="+mj-lt"/>
-              <a:buAutoNum type="arabicPeriod"/>
-            </a:pPr>
-            <a:endParaRPr lang="en-US" b="0" i="0" dirty="0">
-              <a:solidFill>
-                <a:srgbClr val="2C3137"/>
-              </a:solidFill>
-              <a:effectLst/>
-              <a:latin typeface="Segoe UI" panose="020B0502040204020203" pitchFamily="34" charset="0"/>
-            </a:endParaRPr>
-          </a:p>
-          <a:p>
-            <a:pPr marL="342900" indent="-342900" algn="l">
-              <a:lnSpc>
-                <a:spcPct val="150000"/>
-              </a:lnSpc>
-              <a:buFont typeface="+mj-lt"/>
-              <a:buAutoNum type="arabicPeriod"/>
-            </a:pPr>
-            <a:r>
-              <a:rPr lang="en-US" b="0" i="0" dirty="0">
-                <a:solidFill>
-                  <a:srgbClr val="2C3137"/>
-                </a:solidFill>
-                <a:effectLst/>
-                <a:latin typeface="Segoe UI" panose="020B0502040204020203" pitchFamily="34" charset="0"/>
-              </a:rPr>
-              <a:t>Predict if an in-service </a:t>
-            </a:r>
-            <a:r>
-              <a:rPr lang="en-US" dirty="0">
-                <a:solidFill>
-                  <a:srgbClr val="2C3137"/>
-                </a:solidFill>
-                <a:latin typeface="Segoe UI" panose="020B0502040204020203" pitchFamily="34" charset="0"/>
-              </a:rPr>
-              <a:t>e</a:t>
-            </a:r>
-            <a:r>
-              <a:rPr lang="en-US" b="0" i="0" dirty="0">
-                <a:solidFill>
-                  <a:srgbClr val="2C3137"/>
-                </a:solidFill>
-                <a:effectLst/>
-                <a:latin typeface="Segoe UI" panose="020B0502040204020203" pitchFamily="34" charset="0"/>
-              </a:rPr>
-              <a:t>ngine will fail within certain time frame.</a:t>
-            </a:r>
-          </a:p>
-          <a:p>
-            <a:pPr marL="342900" indent="-342900" algn="l">
-              <a:lnSpc>
-                <a:spcPct val="150000"/>
-              </a:lnSpc>
-              <a:buFont typeface="+mj-lt"/>
-              <a:buAutoNum type="arabicPeriod"/>
-            </a:pPr>
-            <a:r>
-              <a:rPr lang="en-US" b="0" i="0" dirty="0">
-                <a:solidFill>
-                  <a:srgbClr val="2C3137"/>
-                </a:solidFill>
-                <a:effectLst/>
-                <a:latin typeface="Segoe UI" panose="020B0502040204020203" pitchFamily="34" charset="0"/>
-              </a:rPr>
-              <a:t>Predict if an in-service engine will fail in two different time windows.</a:t>
-            </a:r>
-          </a:p>
-          <a:p>
             <a:endParaRPr lang="en-US" dirty="0"/>
           </a:p>
         </p:txBody>
       </p:sp>
       <p:pic>
         <p:nvPicPr>
-          <p:cNvPr id="8" name="Picture 7">
-            <a:extLst>
-              <a:ext uri="{FF2B5EF4-FFF2-40B4-BE49-F238E27FC236}">
-                <a16:creationId xmlns:a16="http://schemas.microsoft.com/office/drawing/2014/main" id="{9C663BFA-36A3-47DF-AEF3-A0F5403720A6}"/>
+          <p:cNvPr id="5" name="Picture 4">
+            <a:extLst>
+              <a:ext uri="{FF2B5EF4-FFF2-40B4-BE49-F238E27FC236}">
+                <a16:creationId xmlns:a16="http://schemas.microsoft.com/office/drawing/2014/main" id="{8ED47F2B-CC54-4E24-B9BE-EAFBA4032767}"/>
               </a:ext>
             </a:extLst>
           </p:cNvPr>
@@ -11357,8 +10815,8 @@
         </p:blipFill>
         <p:spPr>
           <a:xfrm>
-            <a:off x="3342727" y="2088572"/>
-            <a:ext cx="5847825" cy="1988895"/>
+            <a:off x="3346704" y="3066990"/>
+            <a:ext cx="7029450" cy="2124075"/>
           </a:xfrm>
           <a:prstGeom prst="rect">
             <a:avLst/>
@@ -11368,7 +10826,7 @@
     </p:spTree>
     <p:extLst>
       <p:ext uri="{BB962C8B-B14F-4D97-AF65-F5344CB8AC3E}">
-        <p14:creationId xmlns:p14="http://schemas.microsoft.com/office/powerpoint/2010/main" val="2614082776"/>
+        <p14:creationId xmlns:p14="http://schemas.microsoft.com/office/powerpoint/2010/main" val="2728061714"/>
       </p:ext>
     </p:extLst>
   </p:cSld>

--- a/PredictiveMaintenance/Predictive maintenance.pptx
+++ b/PredictiveMaintenance/Predictive maintenance.pptx
@@ -5,26 +5,28 @@
     <p:sldMasterId id="2147483648" r:id="rId1"/>
   </p:sldMasterIdLst>
   <p:sldIdLst>
-    <p:sldId id="270" r:id="rId2"/>
-    <p:sldId id="269" r:id="rId3"/>
-    <p:sldId id="271" r:id="rId4"/>
-    <p:sldId id="257" r:id="rId5"/>
-    <p:sldId id="259" r:id="rId6"/>
-    <p:sldId id="274" r:id="rId7"/>
-    <p:sldId id="273" r:id="rId8"/>
-    <p:sldId id="260" r:id="rId9"/>
-    <p:sldId id="261" r:id="rId10"/>
-    <p:sldId id="272" r:id="rId11"/>
-    <p:sldId id="258" r:id="rId12"/>
-    <p:sldId id="262" r:id="rId13"/>
-    <p:sldId id="267" r:id="rId14"/>
-    <p:sldId id="263" r:id="rId15"/>
-    <p:sldId id="276" r:id="rId16"/>
-    <p:sldId id="275" r:id="rId17"/>
-    <p:sldId id="264" r:id="rId18"/>
-    <p:sldId id="277" r:id="rId19"/>
-    <p:sldId id="265" r:id="rId20"/>
-    <p:sldId id="278" r:id="rId21"/>
+    <p:sldId id="279" r:id="rId2"/>
+    <p:sldId id="280" r:id="rId3"/>
+    <p:sldId id="270" r:id="rId4"/>
+    <p:sldId id="269" r:id="rId5"/>
+    <p:sldId id="271" r:id="rId6"/>
+    <p:sldId id="259" r:id="rId7"/>
+    <p:sldId id="257" r:id="rId8"/>
+    <p:sldId id="274" r:id="rId9"/>
+    <p:sldId id="273" r:id="rId10"/>
+    <p:sldId id="260" r:id="rId11"/>
+    <p:sldId id="261" r:id="rId12"/>
+    <p:sldId id="272" r:id="rId13"/>
+    <p:sldId id="258" r:id="rId14"/>
+    <p:sldId id="262" r:id="rId15"/>
+    <p:sldId id="267" r:id="rId16"/>
+    <p:sldId id="263" r:id="rId17"/>
+    <p:sldId id="275" r:id="rId18"/>
+    <p:sldId id="276" r:id="rId19"/>
+    <p:sldId id="264" r:id="rId20"/>
+    <p:sldId id="277" r:id="rId21"/>
+    <p:sldId id="265" r:id="rId22"/>
+    <p:sldId id="278" r:id="rId23"/>
   </p:sldIdLst>
   <p:sldSz cx="12192000" cy="6858000"/>
   <p:notesSz cx="6858000" cy="9144000"/>
@@ -278,7 +280,7 @@
           <a:p>
             <a:fld id="{2F6FC5FC-6097-4B4D-A202-669E55E99A81}" type="datetimeFigureOut">
               <a:rPr lang="en-US" smtClean="0"/>
-              <a:t>11/24/2021</a:t>
+              <a:t>11/26/2021</a:t>
             </a:fld>
             <a:endParaRPr lang="en-US"/>
           </a:p>
@@ -476,7 +478,7 @@
           <a:p>
             <a:fld id="{2F6FC5FC-6097-4B4D-A202-669E55E99A81}" type="datetimeFigureOut">
               <a:rPr lang="en-US" smtClean="0"/>
-              <a:t>11/24/2021</a:t>
+              <a:t>11/26/2021</a:t>
             </a:fld>
             <a:endParaRPr lang="en-US"/>
           </a:p>
@@ -684,7 +686,7 @@
           <a:p>
             <a:fld id="{2F6FC5FC-6097-4B4D-A202-669E55E99A81}" type="datetimeFigureOut">
               <a:rPr lang="en-US" smtClean="0"/>
-              <a:t>11/24/2021</a:t>
+              <a:t>11/26/2021</a:t>
             </a:fld>
             <a:endParaRPr lang="en-US"/>
           </a:p>
@@ -882,7 +884,7 @@
           <a:p>
             <a:fld id="{2F6FC5FC-6097-4B4D-A202-669E55E99A81}" type="datetimeFigureOut">
               <a:rPr lang="en-US" smtClean="0"/>
-              <a:t>11/24/2021</a:t>
+              <a:t>11/26/2021</a:t>
             </a:fld>
             <a:endParaRPr lang="en-US"/>
           </a:p>
@@ -1157,7 +1159,7 @@
           <a:p>
             <a:fld id="{2F6FC5FC-6097-4B4D-A202-669E55E99A81}" type="datetimeFigureOut">
               <a:rPr lang="en-US" smtClean="0"/>
-              <a:t>11/24/2021</a:t>
+              <a:t>11/26/2021</a:t>
             </a:fld>
             <a:endParaRPr lang="en-US"/>
           </a:p>
@@ -1422,7 +1424,7 @@
           <a:p>
             <a:fld id="{2F6FC5FC-6097-4B4D-A202-669E55E99A81}" type="datetimeFigureOut">
               <a:rPr lang="en-US" smtClean="0"/>
-              <a:t>11/24/2021</a:t>
+              <a:t>11/26/2021</a:t>
             </a:fld>
             <a:endParaRPr lang="en-US"/>
           </a:p>
@@ -1834,7 +1836,7 @@
           <a:p>
             <a:fld id="{2F6FC5FC-6097-4B4D-A202-669E55E99A81}" type="datetimeFigureOut">
               <a:rPr lang="en-US" smtClean="0"/>
-              <a:t>11/24/2021</a:t>
+              <a:t>11/26/2021</a:t>
             </a:fld>
             <a:endParaRPr lang="en-US"/>
           </a:p>
@@ -1975,7 +1977,7 @@
           <a:p>
             <a:fld id="{2F6FC5FC-6097-4B4D-A202-669E55E99A81}" type="datetimeFigureOut">
               <a:rPr lang="en-US" smtClean="0"/>
-              <a:t>11/24/2021</a:t>
+              <a:t>11/26/2021</a:t>
             </a:fld>
             <a:endParaRPr lang="en-US"/>
           </a:p>
@@ -2088,7 +2090,7 @@
           <a:p>
             <a:fld id="{2F6FC5FC-6097-4B4D-A202-669E55E99A81}" type="datetimeFigureOut">
               <a:rPr lang="en-US" smtClean="0"/>
-              <a:t>11/24/2021</a:t>
+              <a:t>11/26/2021</a:t>
             </a:fld>
             <a:endParaRPr lang="en-US"/>
           </a:p>
@@ -2399,7 +2401,7 @@
           <a:p>
             <a:fld id="{2F6FC5FC-6097-4B4D-A202-669E55E99A81}" type="datetimeFigureOut">
               <a:rPr lang="en-US" smtClean="0"/>
-              <a:t>11/24/2021</a:t>
+              <a:t>11/26/2021</a:t>
             </a:fld>
             <a:endParaRPr lang="en-US"/>
           </a:p>
@@ -2687,7 +2689,7 @@
           <a:p>
             <a:fld id="{2F6FC5FC-6097-4B4D-A202-669E55E99A81}" type="datetimeFigureOut">
               <a:rPr lang="en-US" smtClean="0"/>
-              <a:t>11/24/2021</a:t>
+              <a:t>11/26/2021</a:t>
             </a:fld>
             <a:endParaRPr lang="en-US"/>
           </a:p>
@@ -2928,7 +2930,7 @@
           <a:p>
             <a:fld id="{2F6FC5FC-6097-4B4D-A202-669E55E99A81}" type="datetimeFigureOut">
               <a:rPr lang="en-US" smtClean="0"/>
-              <a:t>11/24/2021</a:t>
+              <a:t>11/26/2021</a:t>
             </a:fld>
             <a:endParaRPr lang="en-US"/>
           </a:p>
@@ -3347,10 +3349,10 @@
       </p:grpSpPr>
       <p:sp>
         <p:nvSpPr>
-          <p:cNvPr id="2" name="Title 1">
-            <a:extLst>
-              <a:ext uri="{FF2B5EF4-FFF2-40B4-BE49-F238E27FC236}">
-                <a16:creationId xmlns:a16="http://schemas.microsoft.com/office/drawing/2014/main" id="{37099CA4-1F69-4F1D-BA71-4ECA5B0D1D87}"/>
+          <p:cNvPr id="3" name="Content Placeholder 2">
+            <a:extLst>
+              <a:ext uri="{FF2B5EF4-FFF2-40B4-BE49-F238E27FC236}">
+                <a16:creationId xmlns:a16="http://schemas.microsoft.com/office/drawing/2014/main" id="{18F459C6-D078-4199-824A-B63097715A7B}"/>
               </a:ext>
             </a:extLst>
           </p:cNvPr>
@@ -3358,360 +3360,70 @@
             <a:spLocks noGrp="1"/>
           </p:cNvSpPr>
           <p:nvPr>
-            <p:ph type="title"/>
+            <p:ph idx="1"/>
           </p:nvPr>
         </p:nvSpPr>
-        <p:spPr/>
+        <p:spPr>
+          <a:xfrm>
+            <a:off x="838200" y="991124"/>
+            <a:ext cx="10515600" cy="4351338"/>
+          </a:xfrm>
+        </p:spPr>
         <p:txBody>
           <a:bodyPr/>
           <a:lstStyle/>
           <a:p>
+            <a:pPr marL="0" indent="0" algn="ctr">
+              <a:buNone/>
+            </a:pPr>
+            <a:endParaRPr lang="en-US" dirty="0"/>
+          </a:p>
+          <a:p>
+            <a:pPr marL="0" indent="0" algn="ctr">
+              <a:buNone/>
+            </a:pPr>
+            <a:endParaRPr lang="en-US" dirty="0"/>
+          </a:p>
+          <a:p>
+            <a:pPr marL="0" indent="0" algn="ctr">
+              <a:buNone/>
+            </a:pPr>
+            <a:endParaRPr lang="en-US" dirty="0"/>
+          </a:p>
+          <a:p>
+            <a:pPr marL="0" indent="0" algn="ctr">
+              <a:buNone/>
+            </a:pPr>
+            <a:r>
+              <a:rPr lang="en-US" sz="4800" dirty="0"/>
+              <a:t>Predictive maintenance</a:t>
+            </a:r>
+          </a:p>
+          <a:p>
+            <a:pPr marL="0" indent="0" algn="ctr">
+              <a:buNone/>
+            </a:pPr>
+            <a:endParaRPr lang="en-US" sz="4800" dirty="0"/>
+          </a:p>
+          <a:p>
+            <a:pPr marL="0" indent="0" algn="ctr">
+              <a:buNone/>
+            </a:pPr>
+            <a:r>
+              <a:rPr lang="en-US" dirty="0" err="1"/>
+              <a:t>Axbit</a:t>
+            </a:r>
             <a:r>
               <a:rPr lang="en-US" dirty="0"/>
-              <a:t>Predictive maintenance</a:t>
+              <a:t> University </a:t>
             </a:r>
           </a:p>
         </p:txBody>
       </p:sp>
-      <p:sp>
-        <p:nvSpPr>
-          <p:cNvPr id="6" name="TextBox 5">
-            <a:extLst>
-              <a:ext uri="{FF2B5EF4-FFF2-40B4-BE49-F238E27FC236}">
-                <a16:creationId xmlns:a16="http://schemas.microsoft.com/office/drawing/2014/main" id="{8BDC4DF7-8F90-4C5F-8170-64166CE8B659}"/>
-              </a:ext>
-            </a:extLst>
-          </p:cNvPr>
-          <p:cNvSpPr txBox="1"/>
-          <p:nvPr/>
-        </p:nvSpPr>
-        <p:spPr>
-          <a:xfrm>
-            <a:off x="330925" y="2063931"/>
-            <a:ext cx="5524154" cy="2246769"/>
-          </a:xfrm>
-          <a:prstGeom prst="rect">
-            <a:avLst/>
-          </a:prstGeom>
-          <a:noFill/>
-        </p:spPr>
-        <p:txBody>
-          <a:bodyPr wrap="square" rtlCol="0">
-            <a:spAutoFit/>
-          </a:bodyPr>
-          <a:lstStyle/>
-          <a:p>
-            <a:pPr algn="ctr"/>
-            <a:r>
-              <a:rPr lang="en-US" sz="2800" dirty="0"/>
-              <a:t>Proactive maintenance strategy based on condition monitoring to detect degradation, equipment performance.</a:t>
-            </a:r>
-          </a:p>
-          <a:p>
-            <a:pPr algn="ctr"/>
-            <a:endParaRPr lang="en-US" sz="2800" dirty="0"/>
-          </a:p>
-        </p:txBody>
-      </p:sp>
-      <p:sp>
-        <p:nvSpPr>
-          <p:cNvPr id="7" name="Rectangle: Rounded Corners 6">
-            <a:extLst>
-              <a:ext uri="{FF2B5EF4-FFF2-40B4-BE49-F238E27FC236}">
-                <a16:creationId xmlns:a16="http://schemas.microsoft.com/office/drawing/2014/main" id="{CCD6518E-D987-4B08-8BF0-68A30FE17878}"/>
-              </a:ext>
-            </a:extLst>
-          </p:cNvPr>
-          <p:cNvSpPr/>
-          <p:nvPr/>
-        </p:nvSpPr>
-        <p:spPr>
-          <a:xfrm>
-            <a:off x="838200" y="4945242"/>
-            <a:ext cx="2656115" cy="1245326"/>
-          </a:xfrm>
-          <a:prstGeom prst="roundRect">
-            <a:avLst/>
-          </a:prstGeom>
-        </p:spPr>
-        <p:style>
-          <a:lnRef idx="2">
-            <a:schemeClr val="accent1">
-              <a:shade val="50000"/>
-            </a:schemeClr>
-          </a:lnRef>
-          <a:fillRef idx="1">
-            <a:schemeClr val="accent1"/>
-          </a:fillRef>
-          <a:effectRef idx="0">
-            <a:schemeClr val="accent1"/>
-          </a:effectRef>
-          <a:fontRef idx="minor">
-            <a:schemeClr val="lt1"/>
-          </a:fontRef>
-        </p:style>
-        <p:txBody>
-          <a:bodyPr rtlCol="0" anchor="ctr"/>
-          <a:lstStyle/>
-          <a:p>
-            <a:pPr algn="ctr"/>
-            <a:r>
-              <a:rPr lang="en-US" dirty="0"/>
-              <a:t>Sensors</a:t>
-            </a:r>
-          </a:p>
-          <a:p>
-            <a:pPr algn="ctr"/>
-            <a:r>
-              <a:rPr lang="en-US" sz="1200" dirty="0"/>
-              <a:t>(real-time performance data)</a:t>
-            </a:r>
-          </a:p>
-        </p:txBody>
-      </p:sp>
-      <p:sp>
-        <p:nvSpPr>
-          <p:cNvPr id="8" name="Rectangle: Rounded Corners 7">
-            <a:extLst>
-              <a:ext uri="{FF2B5EF4-FFF2-40B4-BE49-F238E27FC236}">
-                <a16:creationId xmlns:a16="http://schemas.microsoft.com/office/drawing/2014/main" id="{6380F00C-82C1-4715-915E-8E7BC5F1306E}"/>
-              </a:ext>
-            </a:extLst>
-          </p:cNvPr>
-          <p:cNvSpPr/>
-          <p:nvPr/>
-        </p:nvSpPr>
-        <p:spPr>
-          <a:xfrm>
-            <a:off x="4764680" y="4945242"/>
-            <a:ext cx="2656115" cy="1245326"/>
-          </a:xfrm>
-          <a:prstGeom prst="roundRect">
-            <a:avLst/>
-          </a:prstGeom>
-        </p:spPr>
-        <p:style>
-          <a:lnRef idx="2">
-            <a:schemeClr val="accent1">
-              <a:shade val="50000"/>
-            </a:schemeClr>
-          </a:lnRef>
-          <a:fillRef idx="1">
-            <a:schemeClr val="accent1"/>
-          </a:fillRef>
-          <a:effectRef idx="0">
-            <a:schemeClr val="accent1"/>
-          </a:effectRef>
-          <a:fontRef idx="minor">
-            <a:schemeClr val="lt1"/>
-          </a:fontRef>
-        </p:style>
-        <p:txBody>
-          <a:bodyPr rtlCol="0" anchor="ctr"/>
-          <a:lstStyle/>
-          <a:p>
-            <a:pPr algn="ctr"/>
-            <a:r>
-              <a:rPr lang="en-US" dirty="0"/>
-              <a:t>IoT</a:t>
-            </a:r>
-          </a:p>
-          <a:p>
-            <a:pPr algn="ctr"/>
-            <a:r>
-              <a:rPr lang="en-US" sz="1200" dirty="0"/>
-              <a:t>(Enables communication b\w equipment and software solution)</a:t>
-            </a:r>
-          </a:p>
-        </p:txBody>
-      </p:sp>
-      <p:sp>
-        <p:nvSpPr>
-          <p:cNvPr id="9" name="Rectangle: Rounded Corners 8">
-            <a:extLst>
-              <a:ext uri="{FF2B5EF4-FFF2-40B4-BE49-F238E27FC236}">
-                <a16:creationId xmlns:a16="http://schemas.microsoft.com/office/drawing/2014/main" id="{B9FE51E9-A036-415B-A730-4C914C9E8013}"/>
-              </a:ext>
-            </a:extLst>
-          </p:cNvPr>
-          <p:cNvSpPr/>
-          <p:nvPr/>
-        </p:nvSpPr>
-        <p:spPr>
-          <a:xfrm>
-            <a:off x="8697685" y="4945242"/>
-            <a:ext cx="2656115" cy="1245326"/>
-          </a:xfrm>
-          <a:prstGeom prst="roundRect">
-            <a:avLst/>
-          </a:prstGeom>
-        </p:spPr>
-        <p:style>
-          <a:lnRef idx="2">
-            <a:schemeClr val="accent1">
-              <a:shade val="50000"/>
-            </a:schemeClr>
-          </a:lnRef>
-          <a:fillRef idx="1">
-            <a:schemeClr val="accent1"/>
-          </a:fillRef>
-          <a:effectRef idx="0">
-            <a:schemeClr val="accent1"/>
-          </a:effectRef>
-          <a:fontRef idx="minor">
-            <a:schemeClr val="lt1"/>
-          </a:fontRef>
-        </p:style>
-        <p:txBody>
-          <a:bodyPr rtlCol="0" anchor="ctr"/>
-          <a:lstStyle/>
-          <a:p>
-            <a:pPr algn="ctr"/>
-            <a:r>
-              <a:rPr lang="en-US" dirty="0"/>
-              <a:t>Predictive models</a:t>
-            </a:r>
-          </a:p>
-          <a:p>
-            <a:pPr algn="ctr"/>
-            <a:r>
-              <a:rPr lang="en-US" sz="1200" dirty="0"/>
-              <a:t>(model to spit out failure predictions)</a:t>
-            </a:r>
-          </a:p>
-        </p:txBody>
-      </p:sp>
-      <p:sp>
-        <p:nvSpPr>
-          <p:cNvPr id="12" name="Arrow: Right 11">
-            <a:extLst>
-              <a:ext uri="{FF2B5EF4-FFF2-40B4-BE49-F238E27FC236}">
-                <a16:creationId xmlns:a16="http://schemas.microsoft.com/office/drawing/2014/main" id="{02215030-5F47-4F67-ADB3-19B31B437A1D}"/>
-              </a:ext>
-            </a:extLst>
-          </p:cNvPr>
-          <p:cNvSpPr/>
-          <p:nvPr/>
-        </p:nvSpPr>
-        <p:spPr>
-          <a:xfrm>
-            <a:off x="3544387" y="5567905"/>
-            <a:ext cx="1194166" cy="45719"/>
-          </a:xfrm>
-          <a:prstGeom prst="rightArrow">
-            <a:avLst/>
-          </a:prstGeom>
-        </p:spPr>
-        <p:style>
-          <a:lnRef idx="2">
-            <a:schemeClr val="accent1">
-              <a:shade val="50000"/>
-            </a:schemeClr>
-          </a:lnRef>
-          <a:fillRef idx="1">
-            <a:schemeClr val="accent1"/>
-          </a:fillRef>
-          <a:effectRef idx="0">
-            <a:schemeClr val="accent1"/>
-          </a:effectRef>
-          <a:fontRef idx="minor">
-            <a:schemeClr val="lt1"/>
-          </a:fontRef>
-        </p:style>
-        <p:txBody>
-          <a:bodyPr rtlCol="0" anchor="ctr"/>
-          <a:lstStyle/>
-          <a:p>
-            <a:pPr algn="ctr"/>
-            <a:endParaRPr lang="en-US"/>
-          </a:p>
-        </p:txBody>
-      </p:sp>
-      <p:sp>
-        <p:nvSpPr>
-          <p:cNvPr id="13" name="Arrow: Right 12">
-            <a:extLst>
-              <a:ext uri="{FF2B5EF4-FFF2-40B4-BE49-F238E27FC236}">
-                <a16:creationId xmlns:a16="http://schemas.microsoft.com/office/drawing/2014/main" id="{FE5A8185-2649-4B32-A719-51B1CE31E278}"/>
-              </a:ext>
-            </a:extLst>
-          </p:cNvPr>
-          <p:cNvSpPr/>
-          <p:nvPr/>
-        </p:nvSpPr>
-        <p:spPr>
-          <a:xfrm>
-            <a:off x="7476323" y="5572260"/>
-            <a:ext cx="1194166" cy="45719"/>
-          </a:xfrm>
-          <a:prstGeom prst="rightArrow">
-            <a:avLst/>
-          </a:prstGeom>
-        </p:spPr>
-        <p:style>
-          <a:lnRef idx="2">
-            <a:schemeClr val="accent1">
-              <a:shade val="50000"/>
-            </a:schemeClr>
-          </a:lnRef>
-          <a:fillRef idx="1">
-            <a:schemeClr val="accent1"/>
-          </a:fillRef>
-          <a:effectRef idx="0">
-            <a:schemeClr val="accent1"/>
-          </a:effectRef>
-          <a:fontRef idx="minor">
-            <a:schemeClr val="lt1"/>
-          </a:fontRef>
-        </p:style>
-        <p:txBody>
-          <a:bodyPr rtlCol="0" anchor="ctr"/>
-          <a:lstStyle/>
-          <a:p>
-            <a:pPr algn="ctr"/>
-            <a:endParaRPr lang="en-US"/>
-          </a:p>
-        </p:txBody>
-      </p:sp>
-      <p:pic>
-        <p:nvPicPr>
-          <p:cNvPr id="21" name="Content Placeholder 20" descr="Diagram&#10;&#10;Description automatically generated">
-            <a:extLst>
-              <a:ext uri="{FF2B5EF4-FFF2-40B4-BE49-F238E27FC236}">
-                <a16:creationId xmlns:a16="http://schemas.microsoft.com/office/drawing/2014/main" id="{3C9485A6-A990-4102-8842-C439C5833C62}"/>
-              </a:ext>
-            </a:extLst>
-          </p:cNvPr>
-          <p:cNvPicPr>
-            <a:picLocks noGrp="1" noChangeAspect="1"/>
-          </p:cNvPicPr>
-          <p:nvPr>
-            <p:ph idx="1"/>
-          </p:nvPr>
-        </p:nvPicPr>
-        <p:blipFill>
-          <a:blip r:embed="rId2">
-            <a:extLst>
-              <a:ext uri="{28A0092B-C50C-407E-A947-70E740481C1C}">
-                <a14:useLocalDpi xmlns:a14="http://schemas.microsoft.com/office/drawing/2010/main" val="0"/>
-              </a:ext>
-            </a:extLst>
-          </a:blip>
-          <a:stretch>
-            <a:fillRect/>
-          </a:stretch>
-        </p:blipFill>
-        <p:spPr>
-          <a:xfrm>
-            <a:off x="6292717" y="793866"/>
-            <a:ext cx="5600651" cy="3516834"/>
-          </a:xfrm>
-        </p:spPr>
-      </p:pic>
     </p:spTree>
     <p:extLst>
       <p:ext uri="{BB962C8B-B14F-4D97-AF65-F5344CB8AC3E}">
-        <p14:creationId xmlns:p14="http://schemas.microsoft.com/office/powerpoint/2010/main" val="411377162"/>
+        <p14:creationId xmlns:p14="http://schemas.microsoft.com/office/powerpoint/2010/main" val="1785070637"/>
       </p:ext>
     </p:extLst>
   </p:cSld>
@@ -3740,10 +3452,10 @@
       </p:grpSpPr>
       <p:sp>
         <p:nvSpPr>
-          <p:cNvPr id="3" name="Content Placeholder 2">
-            <a:extLst>
-              <a:ext uri="{FF2B5EF4-FFF2-40B4-BE49-F238E27FC236}">
-                <a16:creationId xmlns:a16="http://schemas.microsoft.com/office/drawing/2014/main" id="{27CAC34F-28B8-4791-83EF-E2CE985BC37A}"/>
+          <p:cNvPr id="2" name="Title 1">
+            <a:extLst>
+              <a:ext uri="{FF2B5EF4-FFF2-40B4-BE49-F238E27FC236}">
+                <a16:creationId xmlns:a16="http://schemas.microsoft.com/office/drawing/2014/main" id="{70DCD5D4-69A0-4740-A56A-F7865CA626E0}"/>
               </a:ext>
             </a:extLst>
           </p:cNvPr>
@@ -3751,39 +3463,253 @@
             <a:spLocks noGrp="1"/>
           </p:cNvSpPr>
           <p:nvPr>
-            <p:ph idx="1"/>
+            <p:ph type="title"/>
           </p:nvPr>
+        </p:nvSpPr>
+        <p:spPr/>
+        <p:txBody>
+          <a:bodyPr/>
+          <a:lstStyle/>
+          <a:p>
+            <a:r>
+              <a:rPr lang="en-US" dirty="0"/>
+              <a:t>Predictive maintenance</a:t>
+            </a:r>
+          </a:p>
+        </p:txBody>
+      </p:sp>
+      <p:sp>
+        <p:nvSpPr>
+          <p:cNvPr id="6" name="TextBox 5">
+            <a:extLst>
+              <a:ext uri="{FF2B5EF4-FFF2-40B4-BE49-F238E27FC236}">
+                <a16:creationId xmlns:a16="http://schemas.microsoft.com/office/drawing/2014/main" id="{3AADC126-E627-412E-AA60-33AF4B6D8CA1}"/>
+              </a:ext>
+            </a:extLst>
+          </p:cNvPr>
+          <p:cNvSpPr txBox="1"/>
+          <p:nvPr/>
         </p:nvSpPr>
         <p:spPr>
           <a:xfrm>
-            <a:off x="1014846" y="2808756"/>
-            <a:ext cx="9573491" cy="1240487"/>
+            <a:off x="594360" y="1497330"/>
+            <a:ext cx="10759440" cy="3970318"/>
           </a:xfrm>
+          <a:prstGeom prst="rect">
+            <a:avLst/>
+          </a:prstGeom>
+          <a:noFill/>
         </p:spPr>
         <p:txBody>
-          <a:bodyPr>
-            <a:normAutofit/>
+          <a:bodyPr wrap="square" rtlCol="0">
+            <a:spAutoFit/>
           </a:bodyPr>
           <a:lstStyle/>
           <a:p>
-            <a:pPr marL="0" indent="0" algn="ctr">
-              <a:buNone/>
+            <a:pPr marL="342900" indent="-342900" algn="l">
+              <a:buFont typeface="+mj-lt"/>
+              <a:buAutoNum type="arabicPeriod"/>
             </a:pPr>
             <a:r>
-              <a:rPr lang="en-US" sz="5400" dirty="0" err="1"/>
-              <a:t>Axbit’s</a:t>
-            </a:r>
-            <a:r>
-              <a:rPr lang="en-US" sz="5400" dirty="0"/>
-              <a:t> Solution</a:t>
-            </a:r>
+              <a:rPr lang="en-US" b="0" i="0" dirty="0">
+                <a:solidFill>
+                  <a:srgbClr val="2C3137"/>
+                </a:solidFill>
+                <a:effectLst/>
+                <a:latin typeface="Segoe UI" panose="020B0502040204020203" pitchFamily="34" charset="0"/>
+              </a:rPr>
+              <a:t>Predict the Remaining Useful Life (RUL).</a:t>
+            </a:r>
+          </a:p>
+          <a:p>
+            <a:pPr marL="342900" indent="-342900" algn="l">
+              <a:lnSpc>
+                <a:spcPct val="150000"/>
+              </a:lnSpc>
+              <a:buFont typeface="+mj-lt"/>
+              <a:buAutoNum type="arabicPeriod"/>
+            </a:pPr>
+            <a:r>
+              <a:rPr lang="en-US" b="0" i="0" dirty="0">
+                <a:solidFill>
+                  <a:srgbClr val="2C3137"/>
+                </a:solidFill>
+                <a:effectLst/>
+                <a:latin typeface="Segoe UI" panose="020B0502040204020203" pitchFamily="34" charset="0"/>
+              </a:rPr>
+              <a:t>Predict if an in-service </a:t>
+            </a:r>
+            <a:r>
+              <a:rPr lang="en-US" dirty="0">
+                <a:solidFill>
+                  <a:srgbClr val="2C3137"/>
+                </a:solidFill>
+                <a:latin typeface="Segoe UI" panose="020B0502040204020203" pitchFamily="34" charset="0"/>
+              </a:rPr>
+              <a:t>e</a:t>
+            </a:r>
+            <a:r>
+              <a:rPr lang="en-US" b="0" i="0" dirty="0">
+                <a:solidFill>
+                  <a:srgbClr val="2C3137"/>
+                </a:solidFill>
+                <a:effectLst/>
+                <a:latin typeface="Segoe UI" panose="020B0502040204020203" pitchFamily="34" charset="0"/>
+              </a:rPr>
+              <a:t>ngine will fail within certain time frame.</a:t>
+            </a:r>
+          </a:p>
+          <a:p>
+            <a:pPr marL="342900" indent="-342900" algn="l">
+              <a:lnSpc>
+                <a:spcPct val="150000"/>
+              </a:lnSpc>
+              <a:buFont typeface="+mj-lt"/>
+              <a:buAutoNum type="arabicPeriod"/>
+            </a:pPr>
+            <a:endParaRPr lang="en-US" dirty="0">
+              <a:solidFill>
+                <a:srgbClr val="2C3137"/>
+              </a:solidFill>
+              <a:latin typeface="Segoe UI" panose="020B0502040204020203" pitchFamily="34" charset="0"/>
+            </a:endParaRPr>
+          </a:p>
+          <a:p>
+            <a:pPr marL="342900" indent="-342900" algn="l">
+              <a:lnSpc>
+                <a:spcPct val="150000"/>
+              </a:lnSpc>
+              <a:buFont typeface="+mj-lt"/>
+              <a:buAutoNum type="arabicPeriod"/>
+            </a:pPr>
+            <a:endParaRPr lang="en-US" dirty="0">
+              <a:solidFill>
+                <a:srgbClr val="2C3137"/>
+              </a:solidFill>
+              <a:latin typeface="Segoe UI" panose="020B0502040204020203" pitchFamily="34" charset="0"/>
+            </a:endParaRPr>
+          </a:p>
+          <a:p>
+            <a:pPr marL="342900" indent="-342900" algn="l">
+              <a:lnSpc>
+                <a:spcPct val="150000"/>
+              </a:lnSpc>
+              <a:buFont typeface="+mj-lt"/>
+              <a:buAutoNum type="arabicPeriod"/>
+            </a:pPr>
+            <a:endParaRPr lang="en-US" dirty="0">
+              <a:solidFill>
+                <a:srgbClr val="2C3137"/>
+              </a:solidFill>
+              <a:latin typeface="Segoe UI" panose="020B0502040204020203" pitchFamily="34" charset="0"/>
+            </a:endParaRPr>
+          </a:p>
+          <a:p>
+            <a:pPr marL="342900" indent="-342900" algn="l">
+              <a:lnSpc>
+                <a:spcPct val="150000"/>
+              </a:lnSpc>
+              <a:buFont typeface="+mj-lt"/>
+              <a:buAutoNum type="arabicPeriod"/>
+            </a:pPr>
+            <a:endParaRPr lang="en-US" b="0" i="0" dirty="0">
+              <a:solidFill>
+                <a:srgbClr val="2C3137"/>
+              </a:solidFill>
+              <a:effectLst/>
+              <a:latin typeface="Segoe UI" panose="020B0502040204020203" pitchFamily="34" charset="0"/>
+            </a:endParaRPr>
+          </a:p>
+          <a:p>
+            <a:pPr marL="342900" indent="-342900" algn="l">
+              <a:lnSpc>
+                <a:spcPct val="150000"/>
+              </a:lnSpc>
+              <a:buFont typeface="+mj-lt"/>
+              <a:buAutoNum type="arabicPeriod"/>
+            </a:pPr>
+            <a:endParaRPr lang="en-US" b="0" i="0" dirty="0">
+              <a:solidFill>
+                <a:srgbClr val="2C3137"/>
+              </a:solidFill>
+              <a:effectLst/>
+              <a:latin typeface="Segoe UI" panose="020B0502040204020203" pitchFamily="34" charset="0"/>
+            </a:endParaRPr>
+          </a:p>
+          <a:p>
+            <a:pPr marL="342900" indent="-342900" algn="l">
+              <a:lnSpc>
+                <a:spcPct val="150000"/>
+              </a:lnSpc>
+              <a:buFont typeface="+mj-lt"/>
+              <a:buAutoNum type="arabicPeriod"/>
+            </a:pPr>
+            <a:endParaRPr lang="en-US" b="0" i="0" dirty="0">
+              <a:solidFill>
+                <a:srgbClr val="2C3137"/>
+              </a:solidFill>
+              <a:effectLst/>
+              <a:latin typeface="Segoe UI" panose="020B0502040204020203" pitchFamily="34" charset="0"/>
+            </a:endParaRPr>
+          </a:p>
+          <a:p>
+            <a:pPr marL="342900" indent="-342900" algn="l">
+              <a:lnSpc>
+                <a:spcPct val="150000"/>
+              </a:lnSpc>
+              <a:buFont typeface="+mj-lt"/>
+              <a:buAutoNum type="arabicPeriod"/>
+            </a:pPr>
+            <a:r>
+              <a:rPr lang="en-US" b="0" i="0" dirty="0">
+                <a:solidFill>
+                  <a:srgbClr val="2C3137"/>
+                </a:solidFill>
+                <a:effectLst/>
+                <a:latin typeface="Segoe UI" panose="020B0502040204020203" pitchFamily="34" charset="0"/>
+              </a:rPr>
+              <a:t>Predict if an in-service engine will fail in two different time windows.</a:t>
+            </a:r>
+          </a:p>
+          <a:p>
+            <a:endParaRPr lang="en-US" dirty="0"/>
           </a:p>
         </p:txBody>
       </p:sp>
+      <p:pic>
+        <p:nvPicPr>
+          <p:cNvPr id="4" name="Picture 3">
+            <a:extLst>
+              <a:ext uri="{FF2B5EF4-FFF2-40B4-BE49-F238E27FC236}">
+                <a16:creationId xmlns:a16="http://schemas.microsoft.com/office/drawing/2014/main" id="{EA11E314-D369-4696-9B24-E832D5C92E45}"/>
+              </a:ext>
+            </a:extLst>
+          </p:cNvPr>
+          <p:cNvPicPr>
+            <a:picLocks noChangeAspect="1"/>
+          </p:cNvPicPr>
+          <p:nvPr/>
+        </p:nvPicPr>
+        <p:blipFill>
+          <a:blip r:embed="rId2"/>
+          <a:stretch>
+            <a:fillRect/>
+          </a:stretch>
+        </p:blipFill>
+        <p:spPr>
+          <a:xfrm>
+            <a:off x="3346704" y="2424112"/>
+            <a:ext cx="4629150" cy="2009775"/>
+          </a:xfrm>
+          <a:prstGeom prst="rect">
+            <a:avLst/>
+          </a:prstGeom>
+        </p:spPr>
+      </p:pic>
     </p:spTree>
     <p:extLst>
       <p:ext uri="{BB962C8B-B14F-4D97-AF65-F5344CB8AC3E}">
-        <p14:creationId xmlns:p14="http://schemas.microsoft.com/office/powerpoint/2010/main" val="3323632848"/>
+        <p14:creationId xmlns:p14="http://schemas.microsoft.com/office/powerpoint/2010/main" val="3231558467"/>
       </p:ext>
     </p:extLst>
   </p:cSld>
@@ -3815,7 +3741,7 @@
           <p:cNvPr id="2" name="Title 1">
             <a:extLst>
               <a:ext uri="{FF2B5EF4-FFF2-40B4-BE49-F238E27FC236}">
-                <a16:creationId xmlns:a16="http://schemas.microsoft.com/office/drawing/2014/main" id="{D5527456-FEB5-4E5D-AE3B-00644B6F6F17}"/>
+                <a16:creationId xmlns:a16="http://schemas.microsoft.com/office/drawing/2014/main" id="{70DCD5D4-69A0-4740-A56A-F7865CA626E0}"/>
               </a:ext>
             </a:extLst>
           </p:cNvPr>
@@ -3833,17 +3759,244 @@
           <a:p>
             <a:r>
               <a:rPr lang="en-US" dirty="0"/>
-              <a:t>Time series data and machine learning</a:t>
+              <a:t>Predictive maintenance – Case example</a:t>
             </a:r>
           </a:p>
         </p:txBody>
       </p:sp>
       <p:sp>
         <p:nvSpPr>
+          <p:cNvPr id="6" name="TextBox 5">
+            <a:extLst>
+              <a:ext uri="{FF2B5EF4-FFF2-40B4-BE49-F238E27FC236}">
+                <a16:creationId xmlns:a16="http://schemas.microsoft.com/office/drawing/2014/main" id="{3AADC126-E627-412E-AA60-33AF4B6D8CA1}"/>
+              </a:ext>
+            </a:extLst>
+          </p:cNvPr>
+          <p:cNvSpPr txBox="1"/>
+          <p:nvPr/>
+        </p:nvSpPr>
+        <p:spPr>
+          <a:xfrm>
+            <a:off x="594360" y="1497330"/>
+            <a:ext cx="10759440" cy="3139321"/>
+          </a:xfrm>
+          <a:prstGeom prst="rect">
+            <a:avLst/>
+          </a:prstGeom>
+          <a:noFill/>
+        </p:spPr>
+        <p:txBody>
+          <a:bodyPr wrap="square" rtlCol="0">
+            <a:spAutoFit/>
+          </a:bodyPr>
+          <a:lstStyle/>
+          <a:p>
+            <a:pPr marL="342900" indent="-342900" algn="l">
+              <a:buFont typeface="+mj-lt"/>
+              <a:buAutoNum type="arabicPeriod"/>
+            </a:pPr>
+            <a:r>
+              <a:rPr lang="en-US" b="0" i="0" dirty="0">
+                <a:solidFill>
+                  <a:srgbClr val="2C3137"/>
+                </a:solidFill>
+                <a:effectLst/>
+                <a:latin typeface="Segoe UI" panose="020B0502040204020203" pitchFamily="34" charset="0"/>
+              </a:rPr>
+              <a:t>Predict the Remaining Useful Life (RUL).</a:t>
+            </a:r>
+          </a:p>
+          <a:p>
+            <a:pPr marL="342900" indent="-342900" algn="l">
+              <a:lnSpc>
+                <a:spcPct val="150000"/>
+              </a:lnSpc>
+              <a:buFont typeface="+mj-lt"/>
+              <a:buAutoNum type="arabicPeriod"/>
+            </a:pPr>
+            <a:r>
+              <a:rPr lang="en-US" b="0" i="0" dirty="0">
+                <a:solidFill>
+                  <a:srgbClr val="2C3137"/>
+                </a:solidFill>
+                <a:effectLst/>
+                <a:latin typeface="Segoe UI" panose="020B0502040204020203" pitchFamily="34" charset="0"/>
+              </a:rPr>
+              <a:t>Predict if an in-service </a:t>
+            </a:r>
+            <a:r>
+              <a:rPr lang="en-US" dirty="0">
+                <a:solidFill>
+                  <a:srgbClr val="2C3137"/>
+                </a:solidFill>
+                <a:latin typeface="Segoe UI" panose="020B0502040204020203" pitchFamily="34" charset="0"/>
+              </a:rPr>
+              <a:t>e</a:t>
+            </a:r>
+            <a:r>
+              <a:rPr lang="en-US" b="0" i="0" dirty="0">
+                <a:solidFill>
+                  <a:srgbClr val="2C3137"/>
+                </a:solidFill>
+                <a:effectLst/>
+                <a:latin typeface="Segoe UI" panose="020B0502040204020203" pitchFamily="34" charset="0"/>
+              </a:rPr>
+              <a:t>ngine will fail within certain time frame.</a:t>
+            </a:r>
+          </a:p>
+          <a:p>
+            <a:pPr marL="342900" indent="-342900" algn="l">
+              <a:lnSpc>
+                <a:spcPct val="150000"/>
+              </a:lnSpc>
+              <a:buFont typeface="+mj-lt"/>
+              <a:buAutoNum type="arabicPeriod"/>
+            </a:pPr>
+            <a:r>
+              <a:rPr lang="en-US" b="0" i="0" dirty="0">
+                <a:solidFill>
+                  <a:srgbClr val="2C3137"/>
+                </a:solidFill>
+                <a:effectLst/>
+                <a:latin typeface="Segoe UI" panose="020B0502040204020203" pitchFamily="34" charset="0"/>
+              </a:rPr>
+              <a:t>Predict if an in-service engine will fail in two different time windows.</a:t>
+            </a:r>
+          </a:p>
+          <a:p>
+            <a:pPr marL="342900" indent="-342900" algn="l">
+              <a:lnSpc>
+                <a:spcPct val="150000"/>
+              </a:lnSpc>
+              <a:buFont typeface="+mj-lt"/>
+              <a:buAutoNum type="arabicPeriod"/>
+            </a:pPr>
+            <a:endParaRPr lang="en-US" dirty="0">
+              <a:solidFill>
+                <a:srgbClr val="2C3137"/>
+              </a:solidFill>
+              <a:latin typeface="Segoe UI" panose="020B0502040204020203" pitchFamily="34" charset="0"/>
+            </a:endParaRPr>
+          </a:p>
+          <a:p>
+            <a:pPr marL="342900" indent="-342900" algn="l">
+              <a:lnSpc>
+                <a:spcPct val="150000"/>
+              </a:lnSpc>
+              <a:buFont typeface="+mj-lt"/>
+              <a:buAutoNum type="arabicPeriod"/>
+            </a:pPr>
+            <a:endParaRPr lang="en-US" b="0" i="0" dirty="0">
+              <a:solidFill>
+                <a:srgbClr val="2C3137"/>
+              </a:solidFill>
+              <a:effectLst/>
+              <a:latin typeface="Segoe UI" panose="020B0502040204020203" pitchFamily="34" charset="0"/>
+            </a:endParaRPr>
+          </a:p>
+          <a:p>
+            <a:pPr marL="342900" indent="-342900" algn="l">
+              <a:lnSpc>
+                <a:spcPct val="150000"/>
+              </a:lnSpc>
+              <a:buFont typeface="+mj-lt"/>
+              <a:buAutoNum type="arabicPeriod"/>
+            </a:pPr>
+            <a:endParaRPr lang="en-US" dirty="0">
+              <a:solidFill>
+                <a:srgbClr val="2C3137"/>
+              </a:solidFill>
+              <a:latin typeface="Segoe UI" panose="020B0502040204020203" pitchFamily="34" charset="0"/>
+            </a:endParaRPr>
+          </a:p>
+          <a:p>
+            <a:pPr marL="342900" indent="-342900" algn="l">
+              <a:lnSpc>
+                <a:spcPct val="150000"/>
+              </a:lnSpc>
+              <a:buFont typeface="+mj-lt"/>
+              <a:buAutoNum type="arabicPeriod"/>
+            </a:pPr>
+            <a:endParaRPr lang="en-US" b="0" i="0" dirty="0">
+              <a:solidFill>
+                <a:srgbClr val="2C3137"/>
+              </a:solidFill>
+              <a:effectLst/>
+              <a:latin typeface="Segoe UI" panose="020B0502040204020203" pitchFamily="34" charset="0"/>
+            </a:endParaRPr>
+          </a:p>
+          <a:p>
+            <a:endParaRPr lang="en-US" dirty="0"/>
+          </a:p>
+        </p:txBody>
+      </p:sp>
+      <p:pic>
+        <p:nvPicPr>
+          <p:cNvPr id="5" name="Picture 4">
+            <a:extLst>
+              <a:ext uri="{FF2B5EF4-FFF2-40B4-BE49-F238E27FC236}">
+                <a16:creationId xmlns:a16="http://schemas.microsoft.com/office/drawing/2014/main" id="{8ED47F2B-CC54-4E24-B9BE-EAFBA4032767}"/>
+              </a:ext>
+            </a:extLst>
+          </p:cNvPr>
+          <p:cNvPicPr>
+            <a:picLocks noChangeAspect="1"/>
+          </p:cNvPicPr>
+          <p:nvPr/>
+        </p:nvPicPr>
+        <p:blipFill>
+          <a:blip r:embed="rId2"/>
+          <a:stretch>
+            <a:fillRect/>
+          </a:stretch>
+        </p:blipFill>
+        <p:spPr>
+          <a:xfrm>
+            <a:off x="3346704" y="3066990"/>
+            <a:ext cx="7029450" cy="2124075"/>
+          </a:xfrm>
+          <a:prstGeom prst="rect">
+            <a:avLst/>
+          </a:prstGeom>
+        </p:spPr>
+      </p:pic>
+    </p:spTree>
+    <p:extLst>
+      <p:ext uri="{BB962C8B-B14F-4D97-AF65-F5344CB8AC3E}">
+        <p14:creationId xmlns:p14="http://schemas.microsoft.com/office/powerpoint/2010/main" val="2728061714"/>
+      </p:ext>
+    </p:extLst>
+  </p:cSld>
+  <p:clrMapOvr>
+    <a:masterClrMapping/>
+  </p:clrMapOvr>
+</p:sld>
+</file>
+
+<file path=ppt/slides/slide12.xml><?xml version="1.0" encoding="utf-8"?>
+<p:sld xmlns:a="http://schemas.openxmlformats.org/drawingml/2006/main" xmlns:r="http://schemas.openxmlformats.org/officeDocument/2006/relationships" xmlns:p="http://schemas.openxmlformats.org/presentationml/2006/main">
+  <p:cSld>
+    <p:spTree>
+      <p:nvGrpSpPr>
+        <p:cNvPr id="1" name=""/>
+        <p:cNvGrpSpPr/>
+        <p:nvPr/>
+      </p:nvGrpSpPr>
+      <p:grpSpPr>
+        <a:xfrm>
+          <a:off x="0" y="0"/>
+          <a:ext cx="0" cy="0"/>
+          <a:chOff x="0" y="0"/>
+          <a:chExt cx="0" cy="0"/>
+        </a:xfrm>
+      </p:grpSpPr>
+      <p:sp>
+        <p:nvSpPr>
           <p:cNvPr id="3" name="Content Placeholder 2">
             <a:extLst>
               <a:ext uri="{FF2B5EF4-FFF2-40B4-BE49-F238E27FC236}">
-                <a16:creationId xmlns:a16="http://schemas.microsoft.com/office/drawing/2014/main" id="{7B197EA1-1CD4-4E04-941F-F4DBF80BD7E3}"/>
+                <a16:creationId xmlns:a16="http://schemas.microsoft.com/office/drawing/2014/main" id="{27CAC34F-28B8-4791-83EF-E2CE985BC37A}"/>
               </a:ext>
             </a:extLst>
           </p:cNvPr>
@@ -3856,7 +4009,107 @@
         </p:nvSpPr>
         <p:spPr>
           <a:xfrm>
-            <a:off x="305541" y="1570341"/>
+            <a:off x="1014846" y="2808756"/>
+            <a:ext cx="9573491" cy="1240487"/>
+          </a:xfrm>
+        </p:spPr>
+        <p:txBody>
+          <a:bodyPr>
+            <a:normAutofit/>
+          </a:bodyPr>
+          <a:lstStyle/>
+          <a:p>
+            <a:pPr marL="0" indent="0" algn="ctr">
+              <a:buNone/>
+            </a:pPr>
+            <a:r>
+              <a:rPr lang="en-US" sz="5400" dirty="0" err="1"/>
+              <a:t>Axbit’s</a:t>
+            </a:r>
+            <a:r>
+              <a:rPr lang="en-US" sz="5400" dirty="0"/>
+              <a:t> Solution</a:t>
+            </a:r>
+          </a:p>
+        </p:txBody>
+      </p:sp>
+    </p:spTree>
+    <p:extLst>
+      <p:ext uri="{BB962C8B-B14F-4D97-AF65-F5344CB8AC3E}">
+        <p14:creationId xmlns:p14="http://schemas.microsoft.com/office/powerpoint/2010/main" val="3323632848"/>
+      </p:ext>
+    </p:extLst>
+  </p:cSld>
+  <p:clrMapOvr>
+    <a:masterClrMapping/>
+  </p:clrMapOvr>
+</p:sld>
+</file>
+
+<file path=ppt/slides/slide13.xml><?xml version="1.0" encoding="utf-8"?>
+<p:sld xmlns:a="http://schemas.openxmlformats.org/drawingml/2006/main" xmlns:r="http://schemas.openxmlformats.org/officeDocument/2006/relationships" xmlns:p="http://schemas.openxmlformats.org/presentationml/2006/main">
+  <p:cSld>
+    <p:spTree>
+      <p:nvGrpSpPr>
+        <p:cNvPr id="1" name=""/>
+        <p:cNvGrpSpPr/>
+        <p:nvPr/>
+      </p:nvGrpSpPr>
+      <p:grpSpPr>
+        <a:xfrm>
+          <a:off x="0" y="0"/>
+          <a:ext cx="0" cy="0"/>
+          <a:chOff x="0" y="0"/>
+          <a:chExt cx="0" cy="0"/>
+        </a:xfrm>
+      </p:grpSpPr>
+      <p:sp>
+        <p:nvSpPr>
+          <p:cNvPr id="2" name="Title 1">
+            <a:extLst>
+              <a:ext uri="{FF2B5EF4-FFF2-40B4-BE49-F238E27FC236}">
+                <a16:creationId xmlns:a16="http://schemas.microsoft.com/office/drawing/2014/main" id="{D5527456-FEB5-4E5D-AE3B-00644B6F6F17}"/>
+              </a:ext>
+            </a:extLst>
+          </p:cNvPr>
+          <p:cNvSpPr>
+            <a:spLocks noGrp="1"/>
+          </p:cNvSpPr>
+          <p:nvPr>
+            <p:ph type="title"/>
+          </p:nvPr>
+        </p:nvSpPr>
+        <p:spPr/>
+        <p:txBody>
+          <a:bodyPr/>
+          <a:lstStyle/>
+          <a:p>
+            <a:r>
+              <a:rPr lang="en-US" dirty="0"/>
+              <a:t>Time series data and machine learning</a:t>
+            </a:r>
+          </a:p>
+        </p:txBody>
+      </p:sp>
+      <p:sp>
+        <p:nvSpPr>
+          <p:cNvPr id="3" name="Content Placeholder 2">
+            <a:extLst>
+              <a:ext uri="{FF2B5EF4-FFF2-40B4-BE49-F238E27FC236}">
+                <a16:creationId xmlns:a16="http://schemas.microsoft.com/office/drawing/2014/main" id="{7B197EA1-1CD4-4E04-941F-F4DBF80BD7E3}"/>
+              </a:ext>
+            </a:extLst>
+          </p:cNvPr>
+          <p:cNvSpPr>
+            <a:spLocks noGrp="1"/>
+          </p:cNvSpPr>
+          <p:nvPr>
+            <p:ph idx="1"/>
+          </p:nvPr>
+        </p:nvSpPr>
+        <p:spPr>
+          <a:xfrm>
+            <a:off x="296663" y="1618337"/>
             <a:ext cx="7271238" cy="3218835"/>
           </a:xfrm>
         </p:spPr>
@@ -3884,11 +4137,11 @@
             <a:pPr lvl="1"/>
             <a:r>
               <a:rPr lang="en-US" b="1" dirty="0"/>
-              <a:t>Native support for sequence:</a:t>
+              <a:t>Native support</a:t>
             </a:r>
             <a:r>
               <a:rPr lang="en-US" dirty="0"/>
-              <a:t> Directly add support for input sequence data. </a:t>
+              <a:t> for sequential dependencies.</a:t>
             </a:r>
           </a:p>
           <a:p>
@@ -5960,7 +6213,228 @@
 </p:sld>
 </file>
 
-<file path=ppt/slides/slide12.xml><?xml version="1.0" encoding="utf-8"?>
+<file path=ppt/slides/slide14.xml><?xml version="1.0" encoding="utf-8"?>
+<p:sld xmlns:a="http://schemas.openxmlformats.org/drawingml/2006/main" xmlns:r="http://schemas.openxmlformats.org/officeDocument/2006/relationships" xmlns:p="http://schemas.openxmlformats.org/presentationml/2006/main">
+  <p:cSld>
+    <p:spTree>
+      <p:nvGrpSpPr>
+        <p:cNvPr id="1" name=""/>
+        <p:cNvGrpSpPr/>
+        <p:nvPr/>
+      </p:nvGrpSpPr>
+      <p:grpSpPr>
+        <a:xfrm>
+          <a:off x="0" y="0"/>
+          <a:ext cx="0" cy="0"/>
+          <a:chOff x="0" y="0"/>
+          <a:chExt cx="0" cy="0"/>
+        </a:xfrm>
+      </p:grpSpPr>
+      <p:sp>
+        <p:nvSpPr>
+          <p:cNvPr id="2" name="Title 1">
+            <a:extLst>
+              <a:ext uri="{FF2B5EF4-FFF2-40B4-BE49-F238E27FC236}">
+                <a16:creationId xmlns:a16="http://schemas.microsoft.com/office/drawing/2014/main" id="{70DCD5D4-69A0-4740-A56A-F7865CA626E0}"/>
+              </a:ext>
+            </a:extLst>
+          </p:cNvPr>
+          <p:cNvSpPr>
+            <a:spLocks noGrp="1"/>
+          </p:cNvSpPr>
+          <p:nvPr>
+            <p:ph type="title"/>
+          </p:nvPr>
+        </p:nvSpPr>
+        <p:spPr/>
+        <p:txBody>
+          <a:bodyPr/>
+          <a:lstStyle/>
+          <a:p>
+            <a:r>
+              <a:rPr lang="en-US" dirty="0"/>
+              <a:t>Predictive maintenance – </a:t>
+            </a:r>
+            <a:r>
+              <a:rPr lang="en-US" dirty="0" err="1"/>
+              <a:t>Axbit’s</a:t>
+            </a:r>
+            <a:r>
+              <a:rPr lang="en-US" dirty="0"/>
+              <a:t> solution</a:t>
+            </a:r>
+          </a:p>
+        </p:txBody>
+      </p:sp>
+      <p:grpSp>
+        <p:nvGrpSpPr>
+          <p:cNvPr id="8" name="Group 7">
+            <a:extLst>
+              <a:ext uri="{FF2B5EF4-FFF2-40B4-BE49-F238E27FC236}">
+                <a16:creationId xmlns:a16="http://schemas.microsoft.com/office/drawing/2014/main" id="{64218799-B5F0-471E-AFC7-16D794734632}"/>
+              </a:ext>
+            </a:extLst>
+          </p:cNvPr>
+          <p:cNvGrpSpPr>
+            <a:grpSpLocks noChangeAspect="1"/>
+          </p:cNvGrpSpPr>
+          <p:nvPr/>
+        </p:nvGrpSpPr>
+        <p:grpSpPr>
+          <a:xfrm>
+            <a:off x="6639152" y="1690688"/>
+            <a:ext cx="5389777" cy="2408045"/>
+            <a:chOff x="4343155" y="768486"/>
+            <a:chExt cx="7017835" cy="3307516"/>
+          </a:xfrm>
+        </p:grpSpPr>
+        <p:pic>
+          <p:nvPicPr>
+            <p:cNvPr id="4" name="Picture 3">
+              <a:extLst>
+                <a:ext uri="{FF2B5EF4-FFF2-40B4-BE49-F238E27FC236}">
+                  <a16:creationId xmlns:a16="http://schemas.microsoft.com/office/drawing/2014/main" id="{E5AA9295-9297-4776-B48E-599DA798F0BC}"/>
+                </a:ext>
+              </a:extLst>
+            </p:cNvPr>
+            <p:cNvPicPr>
+              <a:picLocks noChangeAspect="1"/>
+            </p:cNvPicPr>
+            <p:nvPr/>
+          </p:nvPicPr>
+          <p:blipFill>
+            <a:blip r:embed="rId2"/>
+            <a:stretch>
+              <a:fillRect/>
+            </a:stretch>
+          </p:blipFill>
+          <p:spPr>
+            <a:xfrm>
+              <a:off x="4343155" y="768486"/>
+              <a:ext cx="7017835" cy="3307516"/>
+            </a:xfrm>
+            <a:prstGeom prst="rect">
+              <a:avLst/>
+            </a:prstGeom>
+          </p:spPr>
+        </p:pic>
+        <p:sp>
+          <p:nvSpPr>
+            <p:cNvPr id="7" name="TextBox 6">
+              <a:extLst>
+                <a:ext uri="{FF2B5EF4-FFF2-40B4-BE49-F238E27FC236}">
+                  <a16:creationId xmlns:a16="http://schemas.microsoft.com/office/drawing/2014/main" id="{EF36D1CC-EAA8-4C93-BC06-ED96214343E7}"/>
+                </a:ext>
+              </a:extLst>
+            </p:cNvPr>
+            <p:cNvSpPr txBox="1"/>
+            <p:nvPr/>
+          </p:nvSpPr>
+          <p:spPr>
+            <a:xfrm>
+              <a:off x="4974087" y="1798167"/>
+              <a:ext cx="3449360" cy="421872"/>
+            </a:xfrm>
+            <a:prstGeom prst="rect">
+              <a:avLst/>
+            </a:prstGeom>
+            <a:noFill/>
+          </p:spPr>
+          <p:txBody>
+            <a:bodyPr wrap="square" rtlCol="0">
+              <a:spAutoFit/>
+            </a:bodyPr>
+            <a:lstStyle/>
+            <a:p>
+              <a:r>
+                <a:rPr lang="en-US" dirty="0"/>
+                <a:t>All features are non-stationary</a:t>
+              </a:r>
+            </a:p>
+          </p:txBody>
+        </p:sp>
+      </p:grpSp>
+      <p:sp>
+        <p:nvSpPr>
+          <p:cNvPr id="9" name="TextBox 8">
+            <a:extLst>
+              <a:ext uri="{FF2B5EF4-FFF2-40B4-BE49-F238E27FC236}">
+                <a16:creationId xmlns:a16="http://schemas.microsoft.com/office/drawing/2014/main" id="{B61C2B13-1C3A-4DB2-A174-30E5433539B3}"/>
+              </a:ext>
+            </a:extLst>
+          </p:cNvPr>
+          <p:cNvSpPr txBox="1"/>
+          <p:nvPr/>
+        </p:nvSpPr>
+        <p:spPr>
+          <a:xfrm>
+            <a:off x="163071" y="1415780"/>
+            <a:ext cx="6306368" cy="1988365"/>
+          </a:xfrm>
+          <a:prstGeom prst="rect">
+            <a:avLst/>
+          </a:prstGeom>
+          <a:noFill/>
+        </p:spPr>
+        <p:txBody>
+          <a:bodyPr wrap="square" rtlCol="0">
+            <a:spAutoFit/>
+          </a:bodyPr>
+          <a:lstStyle/>
+          <a:p>
+            <a:r>
+              <a:rPr lang="en-US" sz="1800" b="1" dirty="0"/>
+              <a:t>Pre-Analysis:</a:t>
+            </a:r>
+            <a:endParaRPr lang="en-US" sz="1800" dirty="0"/>
+          </a:p>
+          <a:p>
+            <a:pPr algn="ctr"/>
+            <a:r>
+              <a:rPr lang="en-US" sz="1800" dirty="0"/>
+              <a:t> A. D. Fuller to test the null hypotheses </a:t>
+            </a:r>
+          </a:p>
+          <a:p>
+            <a:pPr algn="ctr"/>
+            <a:r>
+              <a:rPr lang="en-US" sz="1800" dirty="0"/>
+              <a:t>“Data is time stationary”.</a:t>
+            </a:r>
+          </a:p>
+          <a:p>
+            <a:pPr algn="ctr"/>
+            <a:endParaRPr lang="en-US" sz="1800" dirty="0"/>
+          </a:p>
+          <a:p>
+            <a:pPr marL="342900" indent="-342900">
+              <a:lnSpc>
+                <a:spcPct val="150000"/>
+              </a:lnSpc>
+              <a:buFont typeface="Arial" panose="020B0604020202020204" pitchFamily="34" charset="0"/>
+              <a:buChar char="•"/>
+            </a:pPr>
+            <a:r>
+              <a:rPr lang="en-US" sz="1800" dirty="0"/>
+              <a:t>RNN’s LSTM should do better in capturing the time dependent nonlinear patterns.</a:t>
+            </a:r>
+          </a:p>
+        </p:txBody>
+      </p:sp>
+    </p:spTree>
+    <p:extLst>
+      <p:ext uri="{BB962C8B-B14F-4D97-AF65-F5344CB8AC3E}">
+        <p14:creationId xmlns:p14="http://schemas.microsoft.com/office/powerpoint/2010/main" val="985781601"/>
+      </p:ext>
+    </p:extLst>
+  </p:cSld>
+  <p:clrMapOvr>
+    <a:masterClrMapping/>
+  </p:clrMapOvr>
+</p:sld>
+</file>
+
+<file path=ppt/slides/slide15.xml><?xml version="1.0" encoding="utf-8"?>
 <p:sld xmlns:a="http://schemas.openxmlformats.org/drawingml/2006/main" xmlns:r="http://schemas.openxmlformats.org/officeDocument/2006/relationships" xmlns:p="http://schemas.openxmlformats.org/presentationml/2006/main">
   <p:cSld>
     <p:spTree>
@@ -6168,227 +6642,6 @@
           </a:p>
         </p:txBody>
       </p:sp>
-    </p:spTree>
-    <p:extLst>
-      <p:ext uri="{BB962C8B-B14F-4D97-AF65-F5344CB8AC3E}">
-        <p14:creationId xmlns:p14="http://schemas.microsoft.com/office/powerpoint/2010/main" val="985781601"/>
-      </p:ext>
-    </p:extLst>
-  </p:cSld>
-  <p:clrMapOvr>
-    <a:masterClrMapping/>
-  </p:clrMapOvr>
-</p:sld>
-</file>
-
-<file path=ppt/slides/slide13.xml><?xml version="1.0" encoding="utf-8"?>
-<p:sld xmlns:a="http://schemas.openxmlformats.org/drawingml/2006/main" xmlns:r="http://schemas.openxmlformats.org/officeDocument/2006/relationships" xmlns:p="http://schemas.openxmlformats.org/presentationml/2006/main">
-  <p:cSld>
-    <p:spTree>
-      <p:nvGrpSpPr>
-        <p:cNvPr id="1" name=""/>
-        <p:cNvGrpSpPr/>
-        <p:nvPr/>
-      </p:nvGrpSpPr>
-      <p:grpSpPr>
-        <a:xfrm>
-          <a:off x="0" y="0"/>
-          <a:ext cx="0" cy="0"/>
-          <a:chOff x="0" y="0"/>
-          <a:chExt cx="0" cy="0"/>
-        </a:xfrm>
-      </p:grpSpPr>
-      <p:sp>
-        <p:nvSpPr>
-          <p:cNvPr id="2" name="Title 1">
-            <a:extLst>
-              <a:ext uri="{FF2B5EF4-FFF2-40B4-BE49-F238E27FC236}">
-                <a16:creationId xmlns:a16="http://schemas.microsoft.com/office/drawing/2014/main" id="{70DCD5D4-69A0-4740-A56A-F7865CA626E0}"/>
-              </a:ext>
-            </a:extLst>
-          </p:cNvPr>
-          <p:cNvSpPr>
-            <a:spLocks noGrp="1"/>
-          </p:cNvSpPr>
-          <p:nvPr>
-            <p:ph type="title"/>
-          </p:nvPr>
-        </p:nvSpPr>
-        <p:spPr/>
-        <p:txBody>
-          <a:bodyPr/>
-          <a:lstStyle/>
-          <a:p>
-            <a:r>
-              <a:rPr lang="en-US" dirty="0"/>
-              <a:t>Predictive maintenance – </a:t>
-            </a:r>
-            <a:r>
-              <a:rPr lang="en-US" dirty="0" err="1"/>
-              <a:t>Axbit’s</a:t>
-            </a:r>
-            <a:r>
-              <a:rPr lang="en-US" dirty="0"/>
-              <a:t> solution</a:t>
-            </a:r>
-          </a:p>
-        </p:txBody>
-      </p:sp>
-      <p:grpSp>
-        <p:nvGrpSpPr>
-          <p:cNvPr id="8" name="Group 7">
-            <a:extLst>
-              <a:ext uri="{FF2B5EF4-FFF2-40B4-BE49-F238E27FC236}">
-                <a16:creationId xmlns:a16="http://schemas.microsoft.com/office/drawing/2014/main" id="{64218799-B5F0-471E-AFC7-16D794734632}"/>
-              </a:ext>
-            </a:extLst>
-          </p:cNvPr>
-          <p:cNvGrpSpPr>
-            <a:grpSpLocks noChangeAspect="1"/>
-          </p:cNvGrpSpPr>
-          <p:nvPr/>
-        </p:nvGrpSpPr>
-        <p:grpSpPr>
-          <a:xfrm>
-            <a:off x="6317039" y="1205939"/>
-            <a:ext cx="5389777" cy="2408045"/>
-            <a:chOff x="4343155" y="768486"/>
-            <a:chExt cx="7017835" cy="3307516"/>
-          </a:xfrm>
-        </p:grpSpPr>
-        <p:pic>
-          <p:nvPicPr>
-            <p:cNvPr id="4" name="Picture 3">
-              <a:extLst>
-                <a:ext uri="{FF2B5EF4-FFF2-40B4-BE49-F238E27FC236}">
-                  <a16:creationId xmlns:a16="http://schemas.microsoft.com/office/drawing/2014/main" id="{E5AA9295-9297-4776-B48E-599DA798F0BC}"/>
-                </a:ext>
-              </a:extLst>
-            </p:cNvPr>
-            <p:cNvPicPr>
-              <a:picLocks noChangeAspect="1"/>
-            </p:cNvPicPr>
-            <p:nvPr/>
-          </p:nvPicPr>
-          <p:blipFill>
-            <a:blip r:embed="rId2"/>
-            <a:stretch>
-              <a:fillRect/>
-            </a:stretch>
-          </p:blipFill>
-          <p:spPr>
-            <a:xfrm>
-              <a:off x="4343155" y="768486"/>
-              <a:ext cx="7017835" cy="3307516"/>
-            </a:xfrm>
-            <a:prstGeom prst="rect">
-              <a:avLst/>
-            </a:prstGeom>
-          </p:spPr>
-        </p:pic>
-        <p:sp>
-          <p:nvSpPr>
-            <p:cNvPr id="7" name="TextBox 6">
-              <a:extLst>
-                <a:ext uri="{FF2B5EF4-FFF2-40B4-BE49-F238E27FC236}">
-                  <a16:creationId xmlns:a16="http://schemas.microsoft.com/office/drawing/2014/main" id="{EF36D1CC-EAA8-4C93-BC06-ED96214343E7}"/>
-                </a:ext>
-              </a:extLst>
-            </p:cNvPr>
-            <p:cNvSpPr txBox="1"/>
-            <p:nvPr/>
-          </p:nvSpPr>
-          <p:spPr>
-            <a:xfrm>
-              <a:off x="4974087" y="1798167"/>
-              <a:ext cx="3449360" cy="421872"/>
-            </a:xfrm>
-            <a:prstGeom prst="rect">
-              <a:avLst/>
-            </a:prstGeom>
-            <a:noFill/>
-          </p:spPr>
-          <p:txBody>
-            <a:bodyPr wrap="square" rtlCol="0">
-              <a:spAutoFit/>
-            </a:bodyPr>
-            <a:lstStyle/>
-            <a:p>
-              <a:r>
-                <a:rPr lang="en-US" dirty="0"/>
-                <a:t>All features are non-stationary</a:t>
-              </a:r>
-            </a:p>
-          </p:txBody>
-        </p:sp>
-      </p:grpSp>
-      <p:sp>
-        <p:nvSpPr>
-          <p:cNvPr id="9" name="TextBox 8">
-            <a:extLst>
-              <a:ext uri="{FF2B5EF4-FFF2-40B4-BE49-F238E27FC236}">
-                <a16:creationId xmlns:a16="http://schemas.microsoft.com/office/drawing/2014/main" id="{B61C2B13-1C3A-4DB2-A174-30E5433539B3}"/>
-              </a:ext>
-            </a:extLst>
-          </p:cNvPr>
-          <p:cNvSpPr txBox="1"/>
-          <p:nvPr/>
-        </p:nvSpPr>
-        <p:spPr>
-          <a:xfrm>
-            <a:off x="163071" y="1415780"/>
-            <a:ext cx="6306368" cy="1988365"/>
-          </a:xfrm>
-          <a:prstGeom prst="rect">
-            <a:avLst/>
-          </a:prstGeom>
-          <a:noFill/>
-        </p:spPr>
-        <p:txBody>
-          <a:bodyPr wrap="square" rtlCol="0">
-            <a:spAutoFit/>
-          </a:bodyPr>
-          <a:lstStyle/>
-          <a:p>
-            <a:r>
-              <a:rPr lang="en-US" sz="1800" b="1" dirty="0"/>
-              <a:t>Pre-Analysis:</a:t>
-            </a:r>
-            <a:endParaRPr lang="en-US" sz="1800" dirty="0"/>
-          </a:p>
-          <a:p>
-            <a:pPr algn="ctr"/>
-            <a:r>
-              <a:rPr lang="en-US" sz="1800" dirty="0"/>
-              <a:t> A. D. Fuller to test the null hypotheses </a:t>
-            </a:r>
-          </a:p>
-          <a:p>
-            <a:pPr algn="ctr"/>
-            <a:r>
-              <a:rPr lang="en-US" sz="1800" dirty="0"/>
-              <a:t>“Data is time stationary”.</a:t>
-            </a:r>
-          </a:p>
-          <a:p>
-            <a:pPr algn="ctr"/>
-            <a:endParaRPr lang="en-US" sz="1800" dirty="0"/>
-          </a:p>
-          <a:p>
-            <a:pPr marL="342900" indent="-342900">
-              <a:lnSpc>
-                <a:spcPct val="150000"/>
-              </a:lnSpc>
-              <a:buFont typeface="Arial" panose="020B0604020202020204" pitchFamily="34" charset="0"/>
-              <a:buChar char="•"/>
-            </a:pPr>
-            <a:r>
-              <a:rPr lang="en-US" sz="1800" dirty="0"/>
-              <a:t>RNN’s LSTM should do better in capturing the time dependent nonlinear patterns.</a:t>
-            </a:r>
-          </a:p>
-        </p:txBody>
-      </p:sp>
       <p:grpSp>
         <p:nvGrpSpPr>
           <p:cNvPr id="13" name="Group 12">
@@ -6404,9 +6657,9 @@
         <p:grpSpPr>
           <a:xfrm>
             <a:off x="380998" y="3810490"/>
-            <a:ext cx="11049000" cy="2930279"/>
+            <a:ext cx="11049000" cy="3416320"/>
             <a:chOff x="76200" y="3704983"/>
-            <a:chExt cx="10793036" cy="3693319"/>
+            <a:chExt cx="10793036" cy="4305924"/>
           </a:xfrm>
           <a:solidFill>
             <a:schemeClr val="tx2">
@@ -6495,7 +6748,7 @@
           <p:spPr>
             <a:xfrm>
               <a:off x="76200" y="3704983"/>
-              <a:ext cx="6306368" cy="3693319"/>
+              <a:ext cx="6306368" cy="4305924"/>
             </a:xfrm>
             <a:prstGeom prst="rect">
               <a:avLst/>
@@ -6553,7 +6806,7 @@
               </a:pPr>
               <a:r>
                 <a:rPr lang="en-US" dirty="0"/>
-                <a:t>Two dropout layers, both will drop 20% of the units from linear transformation of the inputs.</a:t>
+                <a:t>Two dropout layers, both will drop 20% of the units.</a:t>
               </a:r>
             </a:p>
             <a:p>
@@ -6629,7 +6882,7 @@
 </p:sld>
 </file>
 
-<file path=ppt/slides/slide14.xml><?xml version="1.0" encoding="utf-8"?>
+<file path=ppt/slides/slide16.xml><?xml version="1.0" encoding="utf-8"?>
 <p:sld xmlns:a="http://schemas.openxmlformats.org/drawingml/2006/main" xmlns:r="http://schemas.openxmlformats.org/officeDocument/2006/relationships" xmlns:p="http://schemas.openxmlformats.org/presentationml/2006/main">
   <p:cSld>
     <p:spTree>
@@ -6823,310 +7076,7 @@
 </p:sld>
 </file>
 
-<file path=ppt/slides/slide15.xml><?xml version="1.0" encoding="utf-8"?>
-<p:sld xmlns:a="http://schemas.openxmlformats.org/drawingml/2006/main" xmlns:r="http://schemas.openxmlformats.org/officeDocument/2006/relationships" xmlns:p="http://schemas.openxmlformats.org/presentationml/2006/main">
-  <p:cSld>
-    <p:spTree>
-      <p:nvGrpSpPr>
-        <p:cNvPr id="1" name=""/>
-        <p:cNvGrpSpPr/>
-        <p:nvPr/>
-      </p:nvGrpSpPr>
-      <p:grpSpPr>
-        <a:xfrm>
-          <a:off x="0" y="0"/>
-          <a:ext cx="0" cy="0"/>
-          <a:chOff x="0" y="0"/>
-          <a:chExt cx="0" cy="0"/>
-        </a:xfrm>
-      </p:grpSpPr>
-      <p:sp>
-        <p:nvSpPr>
-          <p:cNvPr id="2" name="Title 1">
-            <a:extLst>
-              <a:ext uri="{FF2B5EF4-FFF2-40B4-BE49-F238E27FC236}">
-                <a16:creationId xmlns:a16="http://schemas.microsoft.com/office/drawing/2014/main" id="{9C90F445-4F72-48D4-9D64-93C7C2B83D6E}"/>
-              </a:ext>
-            </a:extLst>
-          </p:cNvPr>
-          <p:cNvSpPr>
-            <a:spLocks noGrp="1"/>
-          </p:cNvSpPr>
-          <p:nvPr>
-            <p:ph type="title"/>
-          </p:nvPr>
-        </p:nvSpPr>
-        <p:spPr>
-          <a:xfrm>
-            <a:off x="290804" y="214280"/>
-            <a:ext cx="5805196" cy="1006475"/>
-          </a:xfrm>
-        </p:spPr>
-        <p:txBody>
-          <a:bodyPr>
-            <a:normAutofit fontScale="90000"/>
-          </a:bodyPr>
-          <a:lstStyle/>
-          <a:p>
-            <a:r>
-              <a:rPr lang="en-US" dirty="0"/>
-              <a:t>Predictive maintenance</a:t>
-            </a:r>
-            <a:br>
-              <a:rPr lang="en-US" dirty="0"/>
-            </a:br>
-            <a:r>
-              <a:rPr lang="en-US" sz="2400" dirty="0"/>
-              <a:t>In-service aircraft engine</a:t>
-            </a:r>
-          </a:p>
-        </p:txBody>
-      </p:sp>
-      <p:sp>
-        <p:nvSpPr>
-          <p:cNvPr id="14" name="TextBox 13">
-            <a:extLst>
-              <a:ext uri="{FF2B5EF4-FFF2-40B4-BE49-F238E27FC236}">
-                <a16:creationId xmlns:a16="http://schemas.microsoft.com/office/drawing/2014/main" id="{C23A3762-E887-492A-9271-A18300C22DFE}"/>
-              </a:ext>
-            </a:extLst>
-          </p:cNvPr>
-          <p:cNvSpPr txBox="1"/>
-          <p:nvPr/>
-        </p:nvSpPr>
-        <p:spPr>
-          <a:xfrm>
-            <a:off x="219783" y="1416536"/>
-            <a:ext cx="6094520" cy="3693319"/>
-          </a:xfrm>
-          <a:prstGeom prst="rect">
-            <a:avLst/>
-          </a:prstGeom>
-          <a:noFill/>
-        </p:spPr>
-        <p:txBody>
-          <a:bodyPr wrap="square">
-            <a:spAutoFit/>
-          </a:bodyPr>
-          <a:lstStyle/>
-          <a:p>
-            <a:pPr marL="285750" indent="-285750" algn="just">
-              <a:buFont typeface="Arial" panose="020B0604020202020204" pitchFamily="34" charset="0"/>
-              <a:buChar char="•"/>
-            </a:pPr>
-            <a:r>
-              <a:rPr lang="en-US" b="1" i="0" dirty="0">
-                <a:solidFill>
-                  <a:srgbClr val="2C3137"/>
-                </a:solidFill>
-                <a:effectLst/>
-                <a:latin typeface="Segoe UI" panose="020B0502040204020203" pitchFamily="34" charset="0"/>
-              </a:rPr>
-              <a:t>Regression:</a:t>
-            </a:r>
-            <a:r>
-              <a:rPr lang="en-US" b="0" i="0" dirty="0">
-                <a:solidFill>
-                  <a:srgbClr val="2C3137"/>
-                </a:solidFill>
-                <a:effectLst/>
-                <a:latin typeface="Segoe UI" panose="020B0502040204020203" pitchFamily="34" charset="0"/>
-              </a:rPr>
-              <a:t> Predict the Remaining Useful Life (RUL).</a:t>
-            </a:r>
-          </a:p>
-          <a:p>
-            <a:pPr marL="285750" indent="-285750" algn="just">
-              <a:buFont typeface="Arial" panose="020B0604020202020204" pitchFamily="34" charset="0"/>
-              <a:buChar char="•"/>
-            </a:pPr>
-            <a:endParaRPr lang="en-US" dirty="0">
-              <a:solidFill>
-                <a:srgbClr val="2C3137"/>
-              </a:solidFill>
-              <a:latin typeface="Segoe UI" panose="020B0502040204020203" pitchFamily="34" charset="0"/>
-            </a:endParaRPr>
-          </a:p>
-          <a:p>
-            <a:pPr marL="285750" indent="-285750" algn="just">
-              <a:buFont typeface="Arial" panose="020B0604020202020204" pitchFamily="34" charset="0"/>
-              <a:buChar char="•"/>
-            </a:pPr>
-            <a:endParaRPr lang="en-US" b="0" i="0" dirty="0">
-              <a:solidFill>
-                <a:srgbClr val="2C3137"/>
-              </a:solidFill>
-              <a:effectLst/>
-              <a:latin typeface="Segoe UI" panose="020B0502040204020203" pitchFamily="34" charset="0"/>
-            </a:endParaRPr>
-          </a:p>
-          <a:p>
-            <a:pPr marL="285750" indent="-285750" algn="just">
-              <a:buFont typeface="Arial" panose="020B0604020202020204" pitchFamily="34" charset="0"/>
-              <a:buChar char="•"/>
-            </a:pPr>
-            <a:endParaRPr lang="en-US" dirty="0">
-              <a:solidFill>
-                <a:srgbClr val="2C3137"/>
-              </a:solidFill>
-              <a:latin typeface="Segoe UI" panose="020B0502040204020203" pitchFamily="34" charset="0"/>
-            </a:endParaRPr>
-          </a:p>
-          <a:p>
-            <a:pPr algn="just"/>
-            <a:endParaRPr lang="en-US" b="0" i="0" dirty="0">
-              <a:solidFill>
-                <a:srgbClr val="2C3137"/>
-              </a:solidFill>
-              <a:effectLst/>
-              <a:latin typeface="Segoe UI" panose="020B0502040204020203" pitchFamily="34" charset="0"/>
-            </a:endParaRPr>
-          </a:p>
-          <a:p>
-            <a:pPr marL="285750" indent="-285750" algn="just">
-              <a:buFont typeface="Arial" panose="020B0604020202020204" pitchFamily="34" charset="0"/>
-              <a:buChar char="•"/>
-            </a:pPr>
-            <a:r>
-              <a:rPr lang="en-US" b="1" i="0" dirty="0">
-                <a:solidFill>
-                  <a:srgbClr val="2C3137"/>
-                </a:solidFill>
-                <a:effectLst/>
-                <a:latin typeface="Segoe UI" panose="020B0502040204020203" pitchFamily="34" charset="0"/>
-              </a:rPr>
-              <a:t>Binary classification:</a:t>
-            </a:r>
-            <a:r>
-              <a:rPr lang="en-US" b="0" i="0" dirty="0">
-                <a:solidFill>
-                  <a:srgbClr val="2C3137"/>
-                </a:solidFill>
-                <a:effectLst/>
-                <a:latin typeface="Segoe UI" panose="020B0502040204020203" pitchFamily="34" charset="0"/>
-              </a:rPr>
-              <a:t> Predict if an in-service engine will fail within certain time frame.</a:t>
-            </a:r>
-          </a:p>
-          <a:p>
-            <a:pPr marL="285750" indent="-285750" algn="just">
-              <a:buFont typeface="Arial" panose="020B0604020202020204" pitchFamily="34" charset="0"/>
-              <a:buChar char="•"/>
-            </a:pPr>
-            <a:endParaRPr lang="en-US" dirty="0">
-              <a:solidFill>
-                <a:srgbClr val="2C3137"/>
-              </a:solidFill>
-              <a:latin typeface="Segoe UI" panose="020B0502040204020203" pitchFamily="34" charset="0"/>
-            </a:endParaRPr>
-          </a:p>
-          <a:p>
-            <a:pPr marL="285750" indent="-285750" algn="just">
-              <a:buFont typeface="Arial" panose="020B0604020202020204" pitchFamily="34" charset="0"/>
-              <a:buChar char="•"/>
-            </a:pPr>
-            <a:endParaRPr lang="en-US" b="0" i="0" dirty="0">
-              <a:solidFill>
-                <a:srgbClr val="2C3137"/>
-              </a:solidFill>
-              <a:effectLst/>
-              <a:latin typeface="Segoe UI" panose="020B0502040204020203" pitchFamily="34" charset="0"/>
-            </a:endParaRPr>
-          </a:p>
-          <a:p>
-            <a:pPr marL="285750" indent="-285750" algn="just">
-              <a:buFont typeface="Arial" panose="020B0604020202020204" pitchFamily="34" charset="0"/>
-              <a:buChar char="•"/>
-            </a:pPr>
-            <a:endParaRPr lang="en-US" dirty="0">
-              <a:solidFill>
-                <a:srgbClr val="2C3137"/>
-              </a:solidFill>
-              <a:latin typeface="Segoe UI" panose="020B0502040204020203" pitchFamily="34" charset="0"/>
-            </a:endParaRPr>
-          </a:p>
-          <a:p>
-            <a:pPr algn="just"/>
-            <a:endParaRPr lang="en-US" b="0" i="0" dirty="0">
-              <a:solidFill>
-                <a:srgbClr val="2C3137"/>
-              </a:solidFill>
-              <a:effectLst/>
-              <a:latin typeface="Segoe UI" panose="020B0502040204020203" pitchFamily="34" charset="0"/>
-            </a:endParaRPr>
-          </a:p>
-          <a:p>
-            <a:pPr marL="285750" indent="-285750" algn="just">
-              <a:buFont typeface="Arial" panose="020B0604020202020204" pitchFamily="34" charset="0"/>
-              <a:buChar char="•"/>
-            </a:pPr>
-            <a:r>
-              <a:rPr lang="en-US" b="1" i="0" dirty="0">
-                <a:solidFill>
-                  <a:srgbClr val="2C3137"/>
-                </a:solidFill>
-                <a:effectLst/>
-                <a:latin typeface="Segoe UI" panose="020B0502040204020203" pitchFamily="34" charset="0"/>
-              </a:rPr>
-              <a:t>Multi-class classification:</a:t>
-            </a:r>
-            <a:r>
-              <a:rPr lang="en-US" b="0" i="0" dirty="0">
-                <a:solidFill>
-                  <a:srgbClr val="2C3137"/>
-                </a:solidFill>
-                <a:effectLst/>
-                <a:latin typeface="Segoe UI" panose="020B0502040204020203" pitchFamily="34" charset="0"/>
-              </a:rPr>
-              <a:t> Predict if an in-service will fail in two different time windows.</a:t>
-            </a:r>
-          </a:p>
-        </p:txBody>
-      </p:sp>
-      <p:pic>
-        <p:nvPicPr>
-          <p:cNvPr id="18" name="Picture 17">
-            <a:extLst>
-              <a:ext uri="{FF2B5EF4-FFF2-40B4-BE49-F238E27FC236}">
-                <a16:creationId xmlns:a16="http://schemas.microsoft.com/office/drawing/2014/main" id="{FE380370-5AFD-4FF2-80A9-C1B0ADE21E4D}"/>
-              </a:ext>
-            </a:extLst>
-          </p:cNvPr>
-          <p:cNvPicPr>
-            <a:picLocks noChangeAspect="1"/>
-          </p:cNvPicPr>
-          <p:nvPr/>
-        </p:nvPicPr>
-        <p:blipFill>
-          <a:blip r:embed="rId2"/>
-          <a:stretch>
-            <a:fillRect/>
-          </a:stretch>
-        </p:blipFill>
-        <p:spPr>
-          <a:xfrm>
-            <a:off x="787240" y="3429000"/>
-            <a:ext cx="5646851" cy="809444"/>
-          </a:xfrm>
-          <a:prstGeom prst="rect">
-            <a:avLst/>
-          </a:prstGeom>
-        </p:spPr>
-      </p:pic>
-    </p:spTree>
-    <p:extLst>
-      <p:ext uri="{BB962C8B-B14F-4D97-AF65-F5344CB8AC3E}">
-        <p14:creationId xmlns:p14="http://schemas.microsoft.com/office/powerpoint/2010/main" val="658544761"/>
-      </p:ext>
-    </p:extLst>
-  </p:cSld>
-  <p:clrMapOvr>
-    <a:masterClrMapping/>
-  </p:clrMapOvr>
-</p:sld>
-</file>
-
-<file path=ppt/slides/slide16.xml><?xml version="1.0" encoding="utf-8"?>
+<file path=ppt/slides/slide17.xml><?xml version="1.0" encoding="utf-8"?>
 <p:sld xmlns:a="http://schemas.openxmlformats.org/drawingml/2006/main" xmlns:r="http://schemas.openxmlformats.org/officeDocument/2006/relationships" xmlns:p="http://schemas.openxmlformats.org/presentationml/2006/main">
   <p:cSld>
     <p:spTree>
@@ -7483,7 +7433,310 @@
 </p:sld>
 </file>
 
-<file path=ppt/slides/slide17.xml><?xml version="1.0" encoding="utf-8"?>
+<file path=ppt/slides/slide18.xml><?xml version="1.0" encoding="utf-8"?>
+<p:sld xmlns:a="http://schemas.openxmlformats.org/drawingml/2006/main" xmlns:r="http://schemas.openxmlformats.org/officeDocument/2006/relationships" xmlns:p="http://schemas.openxmlformats.org/presentationml/2006/main">
+  <p:cSld>
+    <p:spTree>
+      <p:nvGrpSpPr>
+        <p:cNvPr id="1" name=""/>
+        <p:cNvGrpSpPr/>
+        <p:nvPr/>
+      </p:nvGrpSpPr>
+      <p:grpSpPr>
+        <a:xfrm>
+          <a:off x="0" y="0"/>
+          <a:ext cx="0" cy="0"/>
+          <a:chOff x="0" y="0"/>
+          <a:chExt cx="0" cy="0"/>
+        </a:xfrm>
+      </p:grpSpPr>
+      <p:sp>
+        <p:nvSpPr>
+          <p:cNvPr id="2" name="Title 1">
+            <a:extLst>
+              <a:ext uri="{FF2B5EF4-FFF2-40B4-BE49-F238E27FC236}">
+                <a16:creationId xmlns:a16="http://schemas.microsoft.com/office/drawing/2014/main" id="{9C90F445-4F72-48D4-9D64-93C7C2B83D6E}"/>
+              </a:ext>
+            </a:extLst>
+          </p:cNvPr>
+          <p:cNvSpPr>
+            <a:spLocks noGrp="1"/>
+          </p:cNvSpPr>
+          <p:nvPr>
+            <p:ph type="title"/>
+          </p:nvPr>
+        </p:nvSpPr>
+        <p:spPr>
+          <a:xfrm>
+            <a:off x="290804" y="214280"/>
+            <a:ext cx="5805196" cy="1006475"/>
+          </a:xfrm>
+        </p:spPr>
+        <p:txBody>
+          <a:bodyPr>
+            <a:normAutofit fontScale="90000"/>
+          </a:bodyPr>
+          <a:lstStyle/>
+          <a:p>
+            <a:r>
+              <a:rPr lang="en-US" dirty="0"/>
+              <a:t>Predictive maintenance</a:t>
+            </a:r>
+            <a:br>
+              <a:rPr lang="en-US" dirty="0"/>
+            </a:br>
+            <a:r>
+              <a:rPr lang="en-US" sz="2400" dirty="0"/>
+              <a:t>In-service aircraft engine</a:t>
+            </a:r>
+          </a:p>
+        </p:txBody>
+      </p:sp>
+      <p:sp>
+        <p:nvSpPr>
+          <p:cNvPr id="14" name="TextBox 13">
+            <a:extLst>
+              <a:ext uri="{FF2B5EF4-FFF2-40B4-BE49-F238E27FC236}">
+                <a16:creationId xmlns:a16="http://schemas.microsoft.com/office/drawing/2014/main" id="{C23A3762-E887-492A-9271-A18300C22DFE}"/>
+              </a:ext>
+            </a:extLst>
+          </p:cNvPr>
+          <p:cNvSpPr txBox="1"/>
+          <p:nvPr/>
+        </p:nvSpPr>
+        <p:spPr>
+          <a:xfrm>
+            <a:off x="219783" y="1416536"/>
+            <a:ext cx="6094520" cy="3693319"/>
+          </a:xfrm>
+          <a:prstGeom prst="rect">
+            <a:avLst/>
+          </a:prstGeom>
+          <a:noFill/>
+        </p:spPr>
+        <p:txBody>
+          <a:bodyPr wrap="square">
+            <a:spAutoFit/>
+          </a:bodyPr>
+          <a:lstStyle/>
+          <a:p>
+            <a:pPr marL="285750" indent="-285750" algn="just">
+              <a:buFont typeface="Arial" panose="020B0604020202020204" pitchFamily="34" charset="0"/>
+              <a:buChar char="•"/>
+            </a:pPr>
+            <a:r>
+              <a:rPr lang="en-US" b="1" i="0" dirty="0">
+                <a:solidFill>
+                  <a:srgbClr val="2C3137"/>
+                </a:solidFill>
+                <a:effectLst/>
+                <a:latin typeface="Segoe UI" panose="020B0502040204020203" pitchFamily="34" charset="0"/>
+              </a:rPr>
+              <a:t>Regression:</a:t>
+            </a:r>
+            <a:r>
+              <a:rPr lang="en-US" b="0" i="0" dirty="0">
+                <a:solidFill>
+                  <a:srgbClr val="2C3137"/>
+                </a:solidFill>
+                <a:effectLst/>
+                <a:latin typeface="Segoe UI" panose="020B0502040204020203" pitchFamily="34" charset="0"/>
+              </a:rPr>
+              <a:t> Predict the Remaining Useful Life (RUL).</a:t>
+            </a:r>
+          </a:p>
+          <a:p>
+            <a:pPr marL="285750" indent="-285750" algn="just">
+              <a:buFont typeface="Arial" panose="020B0604020202020204" pitchFamily="34" charset="0"/>
+              <a:buChar char="•"/>
+            </a:pPr>
+            <a:endParaRPr lang="en-US" dirty="0">
+              <a:solidFill>
+                <a:srgbClr val="2C3137"/>
+              </a:solidFill>
+              <a:latin typeface="Segoe UI" panose="020B0502040204020203" pitchFamily="34" charset="0"/>
+            </a:endParaRPr>
+          </a:p>
+          <a:p>
+            <a:pPr marL="285750" indent="-285750" algn="just">
+              <a:buFont typeface="Arial" panose="020B0604020202020204" pitchFamily="34" charset="0"/>
+              <a:buChar char="•"/>
+            </a:pPr>
+            <a:endParaRPr lang="en-US" b="0" i="0" dirty="0">
+              <a:solidFill>
+                <a:srgbClr val="2C3137"/>
+              </a:solidFill>
+              <a:effectLst/>
+              <a:latin typeface="Segoe UI" panose="020B0502040204020203" pitchFamily="34" charset="0"/>
+            </a:endParaRPr>
+          </a:p>
+          <a:p>
+            <a:pPr marL="285750" indent="-285750" algn="just">
+              <a:buFont typeface="Arial" panose="020B0604020202020204" pitchFamily="34" charset="0"/>
+              <a:buChar char="•"/>
+            </a:pPr>
+            <a:endParaRPr lang="en-US" dirty="0">
+              <a:solidFill>
+                <a:srgbClr val="2C3137"/>
+              </a:solidFill>
+              <a:latin typeface="Segoe UI" panose="020B0502040204020203" pitchFamily="34" charset="0"/>
+            </a:endParaRPr>
+          </a:p>
+          <a:p>
+            <a:pPr algn="just"/>
+            <a:endParaRPr lang="en-US" b="0" i="0" dirty="0">
+              <a:solidFill>
+                <a:srgbClr val="2C3137"/>
+              </a:solidFill>
+              <a:effectLst/>
+              <a:latin typeface="Segoe UI" panose="020B0502040204020203" pitchFamily="34" charset="0"/>
+            </a:endParaRPr>
+          </a:p>
+          <a:p>
+            <a:pPr marL="285750" indent="-285750" algn="just">
+              <a:buFont typeface="Arial" panose="020B0604020202020204" pitchFamily="34" charset="0"/>
+              <a:buChar char="•"/>
+            </a:pPr>
+            <a:r>
+              <a:rPr lang="en-US" b="1" i="0" dirty="0">
+                <a:solidFill>
+                  <a:srgbClr val="2C3137"/>
+                </a:solidFill>
+                <a:effectLst/>
+                <a:latin typeface="Segoe UI" panose="020B0502040204020203" pitchFamily="34" charset="0"/>
+              </a:rPr>
+              <a:t>Binary classification:</a:t>
+            </a:r>
+            <a:r>
+              <a:rPr lang="en-US" b="0" i="0" dirty="0">
+                <a:solidFill>
+                  <a:srgbClr val="2C3137"/>
+                </a:solidFill>
+                <a:effectLst/>
+                <a:latin typeface="Segoe UI" panose="020B0502040204020203" pitchFamily="34" charset="0"/>
+              </a:rPr>
+              <a:t> Predict if an in-service engine will fail within certain time frame.</a:t>
+            </a:r>
+          </a:p>
+          <a:p>
+            <a:pPr marL="285750" indent="-285750" algn="just">
+              <a:buFont typeface="Arial" panose="020B0604020202020204" pitchFamily="34" charset="0"/>
+              <a:buChar char="•"/>
+            </a:pPr>
+            <a:endParaRPr lang="en-US" dirty="0">
+              <a:solidFill>
+                <a:srgbClr val="2C3137"/>
+              </a:solidFill>
+              <a:latin typeface="Segoe UI" panose="020B0502040204020203" pitchFamily="34" charset="0"/>
+            </a:endParaRPr>
+          </a:p>
+          <a:p>
+            <a:pPr marL="285750" indent="-285750" algn="just">
+              <a:buFont typeface="Arial" panose="020B0604020202020204" pitchFamily="34" charset="0"/>
+              <a:buChar char="•"/>
+            </a:pPr>
+            <a:endParaRPr lang="en-US" b="0" i="0" dirty="0">
+              <a:solidFill>
+                <a:srgbClr val="2C3137"/>
+              </a:solidFill>
+              <a:effectLst/>
+              <a:latin typeface="Segoe UI" panose="020B0502040204020203" pitchFamily="34" charset="0"/>
+            </a:endParaRPr>
+          </a:p>
+          <a:p>
+            <a:pPr marL="285750" indent="-285750" algn="just">
+              <a:buFont typeface="Arial" panose="020B0604020202020204" pitchFamily="34" charset="0"/>
+              <a:buChar char="•"/>
+            </a:pPr>
+            <a:endParaRPr lang="en-US" dirty="0">
+              <a:solidFill>
+                <a:srgbClr val="2C3137"/>
+              </a:solidFill>
+              <a:latin typeface="Segoe UI" panose="020B0502040204020203" pitchFamily="34" charset="0"/>
+            </a:endParaRPr>
+          </a:p>
+          <a:p>
+            <a:pPr algn="just"/>
+            <a:endParaRPr lang="en-US" b="0" i="0" dirty="0">
+              <a:solidFill>
+                <a:srgbClr val="2C3137"/>
+              </a:solidFill>
+              <a:effectLst/>
+              <a:latin typeface="Segoe UI" panose="020B0502040204020203" pitchFamily="34" charset="0"/>
+            </a:endParaRPr>
+          </a:p>
+          <a:p>
+            <a:pPr marL="285750" indent="-285750" algn="just">
+              <a:buFont typeface="Arial" panose="020B0604020202020204" pitchFamily="34" charset="0"/>
+              <a:buChar char="•"/>
+            </a:pPr>
+            <a:r>
+              <a:rPr lang="en-US" b="1" i="0" dirty="0">
+                <a:solidFill>
+                  <a:srgbClr val="2C3137"/>
+                </a:solidFill>
+                <a:effectLst/>
+                <a:latin typeface="Segoe UI" panose="020B0502040204020203" pitchFamily="34" charset="0"/>
+              </a:rPr>
+              <a:t>Multi-class classification:</a:t>
+            </a:r>
+            <a:r>
+              <a:rPr lang="en-US" b="0" i="0" dirty="0">
+                <a:solidFill>
+                  <a:srgbClr val="2C3137"/>
+                </a:solidFill>
+                <a:effectLst/>
+                <a:latin typeface="Segoe UI" panose="020B0502040204020203" pitchFamily="34" charset="0"/>
+              </a:rPr>
+              <a:t> Predict if an in-service will fail in two different time windows.</a:t>
+            </a:r>
+          </a:p>
+        </p:txBody>
+      </p:sp>
+      <p:pic>
+        <p:nvPicPr>
+          <p:cNvPr id="18" name="Picture 17">
+            <a:extLst>
+              <a:ext uri="{FF2B5EF4-FFF2-40B4-BE49-F238E27FC236}">
+                <a16:creationId xmlns:a16="http://schemas.microsoft.com/office/drawing/2014/main" id="{FE380370-5AFD-4FF2-80A9-C1B0ADE21E4D}"/>
+              </a:ext>
+            </a:extLst>
+          </p:cNvPr>
+          <p:cNvPicPr>
+            <a:picLocks noChangeAspect="1"/>
+          </p:cNvPicPr>
+          <p:nvPr/>
+        </p:nvPicPr>
+        <p:blipFill>
+          <a:blip r:embed="rId2"/>
+          <a:stretch>
+            <a:fillRect/>
+          </a:stretch>
+        </p:blipFill>
+        <p:spPr>
+          <a:xfrm>
+            <a:off x="787240" y="3429000"/>
+            <a:ext cx="5646851" cy="809444"/>
+          </a:xfrm>
+          <a:prstGeom prst="rect">
+            <a:avLst/>
+          </a:prstGeom>
+        </p:spPr>
+      </p:pic>
+    </p:spTree>
+    <p:extLst>
+      <p:ext uri="{BB962C8B-B14F-4D97-AF65-F5344CB8AC3E}">
+        <p14:creationId xmlns:p14="http://schemas.microsoft.com/office/powerpoint/2010/main" val="658544761"/>
+      </p:ext>
+    </p:extLst>
+  </p:cSld>
+  <p:clrMapOvr>
+    <a:masterClrMapping/>
+  </p:clrMapOvr>
+</p:sld>
+</file>
+
+<file path=ppt/slides/slide19.xml><?xml version="1.0" encoding="utf-8"?>
 <p:sld xmlns:a="http://schemas.openxmlformats.org/drawingml/2006/main" xmlns:r="http://schemas.openxmlformats.org/officeDocument/2006/relationships" xmlns:p="http://schemas.openxmlformats.org/presentationml/2006/main">
   <p:cSld>
     <p:spTree>
@@ -7664,7 +7917,131 @@
 </p:sld>
 </file>
 
-<file path=ppt/slides/slide18.xml><?xml version="1.0" encoding="utf-8"?>
+<file path=ppt/slides/slide2.xml><?xml version="1.0" encoding="utf-8"?>
+<p:sld xmlns:a="http://schemas.openxmlformats.org/drawingml/2006/main" xmlns:r="http://schemas.openxmlformats.org/officeDocument/2006/relationships" xmlns:p="http://schemas.openxmlformats.org/presentationml/2006/main">
+  <p:cSld>
+    <p:spTree>
+      <p:nvGrpSpPr>
+        <p:cNvPr id="1" name=""/>
+        <p:cNvGrpSpPr/>
+        <p:nvPr/>
+      </p:nvGrpSpPr>
+      <p:grpSpPr>
+        <a:xfrm>
+          <a:off x="0" y="0"/>
+          <a:ext cx="0" cy="0"/>
+          <a:chOff x="0" y="0"/>
+          <a:chExt cx="0" cy="0"/>
+        </a:xfrm>
+      </p:grpSpPr>
+      <p:sp>
+        <p:nvSpPr>
+          <p:cNvPr id="2" name="Title 1">
+            <a:extLst>
+              <a:ext uri="{FF2B5EF4-FFF2-40B4-BE49-F238E27FC236}">
+                <a16:creationId xmlns:a16="http://schemas.microsoft.com/office/drawing/2014/main" id="{1D1FF12D-F38C-493A-9862-FD351B8834B1}"/>
+              </a:ext>
+            </a:extLst>
+          </p:cNvPr>
+          <p:cNvSpPr>
+            <a:spLocks noGrp="1"/>
+          </p:cNvSpPr>
+          <p:nvPr>
+            <p:ph type="title"/>
+          </p:nvPr>
+        </p:nvSpPr>
+        <p:spPr/>
+        <p:txBody>
+          <a:bodyPr/>
+          <a:lstStyle/>
+          <a:p>
+            <a:r>
+              <a:rPr lang="en-US" dirty="0"/>
+              <a:t>Outline</a:t>
+            </a:r>
+          </a:p>
+        </p:txBody>
+      </p:sp>
+      <p:sp>
+        <p:nvSpPr>
+          <p:cNvPr id="3" name="Content Placeholder 2">
+            <a:extLst>
+              <a:ext uri="{FF2B5EF4-FFF2-40B4-BE49-F238E27FC236}">
+                <a16:creationId xmlns:a16="http://schemas.microsoft.com/office/drawing/2014/main" id="{E85BA94F-CA1D-41F7-BCD1-8DA0FDDDE4EE}"/>
+              </a:ext>
+            </a:extLst>
+          </p:cNvPr>
+          <p:cNvSpPr>
+            <a:spLocks noGrp="1"/>
+          </p:cNvSpPr>
+          <p:nvPr>
+            <p:ph idx="1"/>
+          </p:nvPr>
+        </p:nvSpPr>
+        <p:spPr/>
+        <p:txBody>
+          <a:bodyPr/>
+          <a:lstStyle/>
+          <a:p>
+            <a:pPr>
+              <a:lnSpc>
+                <a:spcPct val="200000"/>
+              </a:lnSpc>
+            </a:pPr>
+            <a:r>
+              <a:rPr lang="en-US" dirty="0"/>
+              <a:t>Predictive maintenance – What and why</a:t>
+            </a:r>
+          </a:p>
+          <a:p>
+            <a:pPr>
+              <a:lnSpc>
+                <a:spcPct val="200000"/>
+              </a:lnSpc>
+            </a:pPr>
+            <a:r>
+              <a:rPr lang="en-US" dirty="0"/>
+              <a:t>Introducing case example</a:t>
+            </a:r>
+          </a:p>
+          <a:p>
+            <a:pPr>
+              <a:lnSpc>
+                <a:spcPct val="200000"/>
+              </a:lnSpc>
+            </a:pPr>
+            <a:r>
+              <a:rPr lang="en-US" dirty="0"/>
+              <a:t>Our solution</a:t>
+            </a:r>
+          </a:p>
+          <a:p>
+            <a:pPr>
+              <a:lnSpc>
+                <a:spcPct val="200000"/>
+              </a:lnSpc>
+            </a:pPr>
+            <a:r>
+              <a:rPr lang="en-US" dirty="0"/>
+              <a:t>Results</a:t>
+            </a:r>
+          </a:p>
+        </p:txBody>
+      </p:sp>
+    </p:spTree>
+    <p:extLst>
+      <p:ext uri="{BB962C8B-B14F-4D97-AF65-F5344CB8AC3E}">
+        <p14:creationId xmlns:p14="http://schemas.microsoft.com/office/powerpoint/2010/main" val="2014744153"/>
+      </p:ext>
+    </p:extLst>
+  </p:cSld>
+  <p:clrMapOvr>
+    <a:masterClrMapping/>
+  </p:clrMapOvr>
+</p:sld>
+</file>
+
+<file path=ppt/slides/slide20.xml><?xml version="1.0" encoding="utf-8"?>
 <p:sld xmlns:a="http://schemas.openxmlformats.org/drawingml/2006/main" xmlns:r="http://schemas.openxmlformats.org/officeDocument/2006/relationships" xmlns:p="http://schemas.openxmlformats.org/presentationml/2006/main">
   <p:cSld>
     <p:spTree>
@@ -7997,7 +8374,7 @@
 </p:sld>
 </file>
 
-<file path=ppt/slides/slide19.xml><?xml version="1.0" encoding="utf-8"?>
+<file path=ppt/slides/slide21.xml><?xml version="1.0" encoding="utf-8"?>
 <p:sld xmlns:a="http://schemas.openxmlformats.org/drawingml/2006/main" xmlns:r="http://schemas.openxmlformats.org/officeDocument/2006/relationships" xmlns:p="http://schemas.openxmlformats.org/presentationml/2006/main">
   <p:cSld>
     <p:spTree>
@@ -8115,7 +8492,882 @@
 </p:sld>
 </file>
 
-<file path=ppt/slides/slide2.xml><?xml version="1.0" encoding="utf-8"?>
+<file path=ppt/slides/slide22.xml><?xml version="1.0" encoding="utf-8"?>
+<p:sld xmlns:a="http://schemas.openxmlformats.org/drawingml/2006/main" xmlns:r="http://schemas.openxmlformats.org/officeDocument/2006/relationships" xmlns:p="http://schemas.openxmlformats.org/presentationml/2006/main">
+  <p:cSld>
+    <p:spTree>
+      <p:nvGrpSpPr>
+        <p:cNvPr id="1" name=""/>
+        <p:cNvGrpSpPr/>
+        <p:nvPr/>
+      </p:nvGrpSpPr>
+      <p:grpSpPr>
+        <a:xfrm>
+          <a:off x="0" y="0"/>
+          <a:ext cx="0" cy="0"/>
+          <a:chOff x="0" y="0"/>
+          <a:chExt cx="0" cy="0"/>
+        </a:xfrm>
+      </p:grpSpPr>
+      <p:sp>
+        <p:nvSpPr>
+          <p:cNvPr id="2" name="Title 1">
+            <a:extLst>
+              <a:ext uri="{FF2B5EF4-FFF2-40B4-BE49-F238E27FC236}">
+                <a16:creationId xmlns:a16="http://schemas.microsoft.com/office/drawing/2014/main" id="{9C90F445-4F72-48D4-9D64-93C7C2B83D6E}"/>
+              </a:ext>
+            </a:extLst>
+          </p:cNvPr>
+          <p:cNvSpPr>
+            <a:spLocks noGrp="1"/>
+          </p:cNvSpPr>
+          <p:nvPr>
+            <p:ph type="title"/>
+          </p:nvPr>
+        </p:nvSpPr>
+        <p:spPr>
+          <a:xfrm>
+            <a:off x="290804" y="214280"/>
+            <a:ext cx="5805196" cy="1006475"/>
+          </a:xfrm>
+        </p:spPr>
+        <p:txBody>
+          <a:bodyPr>
+            <a:normAutofit fontScale="90000"/>
+          </a:bodyPr>
+          <a:lstStyle/>
+          <a:p>
+            <a:r>
+              <a:rPr lang="en-US" dirty="0"/>
+              <a:t>Predictive maintenance</a:t>
+            </a:r>
+            <a:br>
+              <a:rPr lang="en-US" dirty="0"/>
+            </a:br>
+            <a:r>
+              <a:rPr lang="en-US" sz="2400" dirty="0"/>
+              <a:t>In-service aircraft engine</a:t>
+            </a:r>
+          </a:p>
+        </p:txBody>
+      </p:sp>
+      <p:pic>
+        <p:nvPicPr>
+          <p:cNvPr id="8" name="Picture 7">
+            <a:extLst>
+              <a:ext uri="{FF2B5EF4-FFF2-40B4-BE49-F238E27FC236}">
+                <a16:creationId xmlns:a16="http://schemas.microsoft.com/office/drawing/2014/main" id="{AA108615-B927-480A-BDA8-5F0220DAF8B9}"/>
+              </a:ext>
+            </a:extLst>
+          </p:cNvPr>
+          <p:cNvPicPr>
+            <a:picLocks noChangeAspect="1"/>
+          </p:cNvPicPr>
+          <p:nvPr/>
+        </p:nvPicPr>
+        <p:blipFill>
+          <a:blip r:embed="rId2"/>
+          <a:stretch>
+            <a:fillRect/>
+          </a:stretch>
+        </p:blipFill>
+        <p:spPr>
+          <a:xfrm>
+            <a:off x="6753303" y="353008"/>
+            <a:ext cx="4893049" cy="2026298"/>
+          </a:xfrm>
+          <a:prstGeom prst="rect">
+            <a:avLst/>
+          </a:prstGeom>
+        </p:spPr>
+      </p:pic>
+      <p:grpSp>
+        <p:nvGrpSpPr>
+          <p:cNvPr id="12" name="Group 11">
+            <a:extLst>
+              <a:ext uri="{FF2B5EF4-FFF2-40B4-BE49-F238E27FC236}">
+                <a16:creationId xmlns:a16="http://schemas.microsoft.com/office/drawing/2014/main" id="{A12535AE-5505-4629-96AB-AB58F0508F3D}"/>
+              </a:ext>
+            </a:extLst>
+          </p:cNvPr>
+          <p:cNvGrpSpPr/>
+          <p:nvPr/>
+        </p:nvGrpSpPr>
+        <p:grpSpPr>
+          <a:xfrm>
+            <a:off x="6753303" y="3293616"/>
+            <a:ext cx="5438696" cy="3422340"/>
+            <a:chOff x="4853251" y="2975201"/>
+            <a:chExt cx="7110828" cy="3781425"/>
+          </a:xfrm>
+        </p:grpSpPr>
+        <p:pic>
+          <p:nvPicPr>
+            <p:cNvPr id="10" name="Picture 9">
+              <a:extLst>
+                <a:ext uri="{FF2B5EF4-FFF2-40B4-BE49-F238E27FC236}">
+                  <a16:creationId xmlns:a16="http://schemas.microsoft.com/office/drawing/2014/main" id="{2D203E86-C7F4-465A-BF7B-B62D169E43C4}"/>
+                </a:ext>
+              </a:extLst>
+            </p:cNvPr>
+            <p:cNvPicPr>
+              <a:picLocks noChangeAspect="1"/>
+            </p:cNvPicPr>
+            <p:nvPr/>
+          </p:nvPicPr>
+          <p:blipFill>
+            <a:blip r:embed="rId3"/>
+            <a:stretch>
+              <a:fillRect/>
+            </a:stretch>
+          </p:blipFill>
+          <p:spPr>
+            <a:xfrm>
+              <a:off x="5191804" y="2975201"/>
+              <a:ext cx="6772275" cy="3781425"/>
+            </a:xfrm>
+            <a:prstGeom prst="rect">
+              <a:avLst/>
+            </a:prstGeom>
+          </p:spPr>
+        </p:pic>
+        <p:sp>
+          <p:nvSpPr>
+            <p:cNvPr id="11" name="TextBox 10">
+              <a:extLst>
+                <a:ext uri="{FF2B5EF4-FFF2-40B4-BE49-F238E27FC236}">
+                  <a16:creationId xmlns:a16="http://schemas.microsoft.com/office/drawing/2014/main" id="{17B9AE6D-CF2D-4E0C-B68F-65146BB475E4}"/>
+                </a:ext>
+              </a:extLst>
+            </p:cNvPr>
+            <p:cNvSpPr txBox="1"/>
+            <p:nvPr/>
+          </p:nvSpPr>
+          <p:spPr>
+            <a:xfrm rot="16200000">
+              <a:off x="3706911" y="4696635"/>
+              <a:ext cx="2631233" cy="338554"/>
+            </a:xfrm>
+            <a:prstGeom prst="rect">
+              <a:avLst/>
+            </a:prstGeom>
+            <a:noFill/>
+          </p:spPr>
+          <p:txBody>
+            <a:bodyPr wrap="square" rtlCol="0">
+              <a:spAutoFit/>
+            </a:bodyPr>
+            <a:lstStyle/>
+            <a:p>
+              <a:r>
+                <a:rPr lang="en-US" sz="1600" b="1" dirty="0">
+                  <a:latin typeface="Arial Rounded MT Bold" panose="020F0704030504030204" pitchFamily="34" charset="0"/>
+                  <a:cs typeface="Aharoni" panose="02010803020104030203" pitchFamily="2" charset="-79"/>
+                </a:rPr>
+                <a:t>Degradation indicator</a:t>
+              </a:r>
+            </a:p>
+          </p:txBody>
+        </p:sp>
+      </p:grpSp>
+      <p:sp>
+        <p:nvSpPr>
+          <p:cNvPr id="14" name="TextBox 13">
+            <a:extLst>
+              <a:ext uri="{FF2B5EF4-FFF2-40B4-BE49-F238E27FC236}">
+                <a16:creationId xmlns:a16="http://schemas.microsoft.com/office/drawing/2014/main" id="{C23A3762-E887-492A-9271-A18300C22DFE}"/>
+              </a:ext>
+            </a:extLst>
+          </p:cNvPr>
+          <p:cNvSpPr txBox="1"/>
+          <p:nvPr/>
+        </p:nvSpPr>
+        <p:spPr>
+          <a:xfrm>
+            <a:off x="219783" y="1416536"/>
+            <a:ext cx="6094520" cy="3693319"/>
+          </a:xfrm>
+          <a:prstGeom prst="rect">
+            <a:avLst/>
+          </a:prstGeom>
+          <a:noFill/>
+        </p:spPr>
+        <p:txBody>
+          <a:bodyPr wrap="square">
+            <a:spAutoFit/>
+          </a:bodyPr>
+          <a:lstStyle/>
+          <a:p>
+            <a:pPr marL="285750" indent="-285750" algn="just">
+              <a:buFont typeface="Arial" panose="020B0604020202020204" pitchFamily="34" charset="0"/>
+              <a:buChar char="•"/>
+            </a:pPr>
+            <a:r>
+              <a:rPr lang="en-US" b="1" i="0" dirty="0">
+                <a:solidFill>
+                  <a:srgbClr val="2C3137"/>
+                </a:solidFill>
+                <a:effectLst/>
+                <a:latin typeface="Segoe UI" panose="020B0502040204020203" pitchFamily="34" charset="0"/>
+              </a:rPr>
+              <a:t>Regression:</a:t>
+            </a:r>
+            <a:r>
+              <a:rPr lang="en-US" b="0" i="0" dirty="0">
+                <a:solidFill>
+                  <a:srgbClr val="2C3137"/>
+                </a:solidFill>
+                <a:effectLst/>
+                <a:latin typeface="Segoe UI" panose="020B0502040204020203" pitchFamily="34" charset="0"/>
+              </a:rPr>
+              <a:t> Predict the Remaining Useful Life (RUL).</a:t>
+            </a:r>
+          </a:p>
+          <a:p>
+            <a:pPr marL="285750" indent="-285750" algn="just">
+              <a:buFont typeface="Arial" panose="020B0604020202020204" pitchFamily="34" charset="0"/>
+              <a:buChar char="•"/>
+            </a:pPr>
+            <a:endParaRPr lang="en-US" dirty="0">
+              <a:solidFill>
+                <a:srgbClr val="2C3137"/>
+              </a:solidFill>
+              <a:latin typeface="Segoe UI" panose="020B0502040204020203" pitchFamily="34" charset="0"/>
+            </a:endParaRPr>
+          </a:p>
+          <a:p>
+            <a:pPr marL="285750" indent="-285750" algn="just">
+              <a:buFont typeface="Arial" panose="020B0604020202020204" pitchFamily="34" charset="0"/>
+              <a:buChar char="•"/>
+            </a:pPr>
+            <a:endParaRPr lang="en-US" b="0" i="0" dirty="0">
+              <a:solidFill>
+                <a:srgbClr val="2C3137"/>
+              </a:solidFill>
+              <a:effectLst/>
+              <a:latin typeface="Segoe UI" panose="020B0502040204020203" pitchFamily="34" charset="0"/>
+            </a:endParaRPr>
+          </a:p>
+          <a:p>
+            <a:pPr marL="285750" indent="-285750" algn="just">
+              <a:buFont typeface="Arial" panose="020B0604020202020204" pitchFamily="34" charset="0"/>
+              <a:buChar char="•"/>
+            </a:pPr>
+            <a:endParaRPr lang="en-US" dirty="0">
+              <a:solidFill>
+                <a:srgbClr val="2C3137"/>
+              </a:solidFill>
+              <a:latin typeface="Segoe UI" panose="020B0502040204020203" pitchFamily="34" charset="0"/>
+            </a:endParaRPr>
+          </a:p>
+          <a:p>
+            <a:pPr algn="just"/>
+            <a:endParaRPr lang="en-US" b="0" i="0" dirty="0">
+              <a:solidFill>
+                <a:srgbClr val="2C3137"/>
+              </a:solidFill>
+              <a:effectLst/>
+              <a:latin typeface="Segoe UI" panose="020B0502040204020203" pitchFamily="34" charset="0"/>
+            </a:endParaRPr>
+          </a:p>
+          <a:p>
+            <a:pPr marL="285750" indent="-285750" algn="just">
+              <a:buFont typeface="Arial" panose="020B0604020202020204" pitchFamily="34" charset="0"/>
+              <a:buChar char="•"/>
+            </a:pPr>
+            <a:r>
+              <a:rPr lang="en-US" b="1" i="0" dirty="0">
+                <a:solidFill>
+                  <a:srgbClr val="2C3137"/>
+                </a:solidFill>
+                <a:effectLst/>
+                <a:latin typeface="Segoe UI" panose="020B0502040204020203" pitchFamily="34" charset="0"/>
+              </a:rPr>
+              <a:t>Binary classification:</a:t>
+            </a:r>
+            <a:r>
+              <a:rPr lang="en-US" b="0" i="0" dirty="0">
+                <a:solidFill>
+                  <a:srgbClr val="2C3137"/>
+                </a:solidFill>
+                <a:effectLst/>
+                <a:latin typeface="Segoe UI" panose="020B0502040204020203" pitchFamily="34" charset="0"/>
+              </a:rPr>
+              <a:t> Predict if an in-service engine will fail within certain time frame.</a:t>
+            </a:r>
+          </a:p>
+          <a:p>
+            <a:pPr marL="285750" indent="-285750" algn="just">
+              <a:buFont typeface="Arial" panose="020B0604020202020204" pitchFamily="34" charset="0"/>
+              <a:buChar char="•"/>
+            </a:pPr>
+            <a:endParaRPr lang="en-US" dirty="0">
+              <a:solidFill>
+                <a:srgbClr val="2C3137"/>
+              </a:solidFill>
+              <a:latin typeface="Segoe UI" panose="020B0502040204020203" pitchFamily="34" charset="0"/>
+            </a:endParaRPr>
+          </a:p>
+          <a:p>
+            <a:pPr marL="285750" indent="-285750" algn="just">
+              <a:buFont typeface="Arial" panose="020B0604020202020204" pitchFamily="34" charset="0"/>
+              <a:buChar char="•"/>
+            </a:pPr>
+            <a:endParaRPr lang="en-US" b="0" i="0" dirty="0">
+              <a:solidFill>
+                <a:srgbClr val="2C3137"/>
+              </a:solidFill>
+              <a:effectLst/>
+              <a:latin typeface="Segoe UI" panose="020B0502040204020203" pitchFamily="34" charset="0"/>
+            </a:endParaRPr>
+          </a:p>
+          <a:p>
+            <a:pPr marL="285750" indent="-285750" algn="just">
+              <a:buFont typeface="Arial" panose="020B0604020202020204" pitchFamily="34" charset="0"/>
+              <a:buChar char="•"/>
+            </a:pPr>
+            <a:endParaRPr lang="en-US" dirty="0">
+              <a:solidFill>
+                <a:srgbClr val="2C3137"/>
+              </a:solidFill>
+              <a:latin typeface="Segoe UI" panose="020B0502040204020203" pitchFamily="34" charset="0"/>
+            </a:endParaRPr>
+          </a:p>
+          <a:p>
+            <a:pPr algn="just"/>
+            <a:endParaRPr lang="en-US" b="0" i="0" dirty="0">
+              <a:solidFill>
+                <a:srgbClr val="2C3137"/>
+              </a:solidFill>
+              <a:effectLst/>
+              <a:latin typeface="Segoe UI" panose="020B0502040204020203" pitchFamily="34" charset="0"/>
+            </a:endParaRPr>
+          </a:p>
+          <a:p>
+            <a:pPr marL="285750" indent="-285750" algn="just">
+              <a:buFont typeface="Arial" panose="020B0604020202020204" pitchFamily="34" charset="0"/>
+              <a:buChar char="•"/>
+            </a:pPr>
+            <a:r>
+              <a:rPr lang="en-US" b="1" i="0" dirty="0">
+                <a:solidFill>
+                  <a:srgbClr val="2C3137"/>
+                </a:solidFill>
+                <a:effectLst/>
+                <a:latin typeface="Segoe UI" panose="020B0502040204020203" pitchFamily="34" charset="0"/>
+              </a:rPr>
+              <a:t>Multi-class classification:</a:t>
+            </a:r>
+            <a:r>
+              <a:rPr lang="en-US" b="0" i="0" dirty="0">
+                <a:solidFill>
+                  <a:srgbClr val="2C3137"/>
+                </a:solidFill>
+                <a:effectLst/>
+                <a:latin typeface="Segoe UI" panose="020B0502040204020203" pitchFamily="34" charset="0"/>
+              </a:rPr>
+              <a:t> Predict if an in-service will fail in two different time windows.</a:t>
+            </a:r>
+          </a:p>
+        </p:txBody>
+      </p:sp>
+      <p:pic>
+        <p:nvPicPr>
+          <p:cNvPr id="18" name="Picture 17">
+            <a:extLst>
+              <a:ext uri="{FF2B5EF4-FFF2-40B4-BE49-F238E27FC236}">
+                <a16:creationId xmlns:a16="http://schemas.microsoft.com/office/drawing/2014/main" id="{FE380370-5AFD-4FF2-80A9-C1B0ADE21E4D}"/>
+              </a:ext>
+            </a:extLst>
+          </p:cNvPr>
+          <p:cNvPicPr>
+            <a:picLocks noChangeAspect="1"/>
+          </p:cNvPicPr>
+          <p:nvPr/>
+        </p:nvPicPr>
+        <p:blipFill>
+          <a:blip r:embed="rId4"/>
+          <a:stretch>
+            <a:fillRect/>
+          </a:stretch>
+        </p:blipFill>
+        <p:spPr>
+          <a:xfrm>
+            <a:off x="787240" y="3429000"/>
+            <a:ext cx="5646851" cy="809444"/>
+          </a:xfrm>
+          <a:prstGeom prst="rect">
+            <a:avLst/>
+          </a:prstGeom>
+        </p:spPr>
+      </p:pic>
+      <p:pic>
+        <p:nvPicPr>
+          <p:cNvPr id="22" name="Picture 21">
+            <a:extLst>
+              <a:ext uri="{FF2B5EF4-FFF2-40B4-BE49-F238E27FC236}">
+                <a16:creationId xmlns:a16="http://schemas.microsoft.com/office/drawing/2014/main" id="{EBD4F1A3-F6DA-4CA5-8306-F135D63A81ED}"/>
+              </a:ext>
+            </a:extLst>
+          </p:cNvPr>
+          <p:cNvPicPr>
+            <a:picLocks noChangeAspect="1"/>
+          </p:cNvPicPr>
+          <p:nvPr/>
+        </p:nvPicPr>
+        <p:blipFill>
+          <a:blip r:embed="rId5"/>
+          <a:stretch>
+            <a:fillRect/>
+          </a:stretch>
+        </p:blipFill>
+        <p:spPr>
+          <a:xfrm>
+            <a:off x="787240" y="1824620"/>
+            <a:ext cx="4959606" cy="899622"/>
+          </a:xfrm>
+          <a:prstGeom prst="rect">
+            <a:avLst/>
+          </a:prstGeom>
+        </p:spPr>
+      </p:pic>
+      <p:pic>
+        <p:nvPicPr>
+          <p:cNvPr id="24" name="Picture 23">
+            <a:extLst>
+              <a:ext uri="{FF2B5EF4-FFF2-40B4-BE49-F238E27FC236}">
+                <a16:creationId xmlns:a16="http://schemas.microsoft.com/office/drawing/2014/main" id="{810644E0-7A49-465C-9151-C423D139F633}"/>
+              </a:ext>
+            </a:extLst>
+          </p:cNvPr>
+          <p:cNvPicPr>
+            <a:picLocks noChangeAspect="1"/>
+          </p:cNvPicPr>
+          <p:nvPr/>
+        </p:nvPicPr>
+        <p:blipFill>
+          <a:blip r:embed="rId6"/>
+          <a:stretch>
+            <a:fillRect/>
+          </a:stretch>
+        </p:blipFill>
+        <p:spPr>
+          <a:xfrm>
+            <a:off x="787240" y="5189676"/>
+            <a:ext cx="5650745" cy="723052"/>
+          </a:xfrm>
+          <a:prstGeom prst="rect">
+            <a:avLst/>
+          </a:prstGeom>
+        </p:spPr>
+      </p:pic>
+    </p:spTree>
+    <p:extLst>
+      <p:ext uri="{BB962C8B-B14F-4D97-AF65-F5344CB8AC3E}">
+        <p14:creationId xmlns:p14="http://schemas.microsoft.com/office/powerpoint/2010/main" val="3524042181"/>
+      </p:ext>
+    </p:extLst>
+  </p:cSld>
+  <p:clrMapOvr>
+    <a:masterClrMapping/>
+  </p:clrMapOvr>
+</p:sld>
+</file>
+
+<file path=ppt/slides/slide3.xml><?xml version="1.0" encoding="utf-8"?>
+<p:sld xmlns:a="http://schemas.openxmlformats.org/drawingml/2006/main" xmlns:r="http://schemas.openxmlformats.org/officeDocument/2006/relationships" xmlns:p="http://schemas.openxmlformats.org/presentationml/2006/main">
+  <p:cSld>
+    <p:spTree>
+      <p:nvGrpSpPr>
+        <p:cNvPr id="1" name=""/>
+        <p:cNvGrpSpPr/>
+        <p:nvPr/>
+      </p:nvGrpSpPr>
+      <p:grpSpPr>
+        <a:xfrm>
+          <a:off x="0" y="0"/>
+          <a:ext cx="0" cy="0"/>
+          <a:chOff x="0" y="0"/>
+          <a:chExt cx="0" cy="0"/>
+        </a:xfrm>
+      </p:grpSpPr>
+      <p:sp>
+        <p:nvSpPr>
+          <p:cNvPr id="2" name="Title 1">
+            <a:extLst>
+              <a:ext uri="{FF2B5EF4-FFF2-40B4-BE49-F238E27FC236}">
+                <a16:creationId xmlns:a16="http://schemas.microsoft.com/office/drawing/2014/main" id="{37099CA4-1F69-4F1D-BA71-4ECA5B0D1D87}"/>
+              </a:ext>
+            </a:extLst>
+          </p:cNvPr>
+          <p:cNvSpPr>
+            <a:spLocks noGrp="1"/>
+          </p:cNvSpPr>
+          <p:nvPr>
+            <p:ph type="title"/>
+          </p:nvPr>
+        </p:nvSpPr>
+        <p:spPr/>
+        <p:txBody>
+          <a:bodyPr/>
+          <a:lstStyle/>
+          <a:p>
+            <a:r>
+              <a:rPr lang="en-US" dirty="0"/>
+              <a:t>Predictive maintenance</a:t>
+            </a:r>
+          </a:p>
+        </p:txBody>
+      </p:sp>
+      <p:sp>
+        <p:nvSpPr>
+          <p:cNvPr id="6" name="TextBox 5">
+            <a:extLst>
+              <a:ext uri="{FF2B5EF4-FFF2-40B4-BE49-F238E27FC236}">
+                <a16:creationId xmlns:a16="http://schemas.microsoft.com/office/drawing/2014/main" id="{8BDC4DF7-8F90-4C5F-8170-64166CE8B659}"/>
+              </a:ext>
+            </a:extLst>
+          </p:cNvPr>
+          <p:cNvSpPr txBox="1"/>
+          <p:nvPr/>
+        </p:nvSpPr>
+        <p:spPr>
+          <a:xfrm>
+            <a:off x="330925" y="2063931"/>
+            <a:ext cx="5524154" cy="2677656"/>
+          </a:xfrm>
+          <a:prstGeom prst="rect">
+            <a:avLst/>
+          </a:prstGeom>
+          <a:noFill/>
+        </p:spPr>
+        <p:txBody>
+          <a:bodyPr wrap="square" rtlCol="0">
+            <a:spAutoFit/>
+          </a:bodyPr>
+          <a:lstStyle/>
+          <a:p>
+            <a:pPr algn="ctr"/>
+            <a:r>
+              <a:rPr lang="en-US" sz="2800" dirty="0"/>
+              <a:t>Data driven proactive maintenance strategy based on condition monitoring to detect degradation of the equipment and predict when the maintenance should be performed.</a:t>
+            </a:r>
+          </a:p>
+          <a:p>
+            <a:pPr algn="ctr"/>
+            <a:endParaRPr lang="en-US" sz="2800" dirty="0"/>
+          </a:p>
+        </p:txBody>
+      </p:sp>
+      <p:sp>
+        <p:nvSpPr>
+          <p:cNvPr id="7" name="Rectangle: Rounded Corners 6">
+            <a:extLst>
+              <a:ext uri="{FF2B5EF4-FFF2-40B4-BE49-F238E27FC236}">
+                <a16:creationId xmlns:a16="http://schemas.microsoft.com/office/drawing/2014/main" id="{CCD6518E-D987-4B08-8BF0-68A30FE17878}"/>
+              </a:ext>
+            </a:extLst>
+          </p:cNvPr>
+          <p:cNvSpPr/>
+          <p:nvPr/>
+        </p:nvSpPr>
+        <p:spPr>
+          <a:xfrm>
+            <a:off x="838200" y="4945242"/>
+            <a:ext cx="2656115" cy="1245326"/>
+          </a:xfrm>
+          <a:prstGeom prst="roundRect">
+            <a:avLst/>
+          </a:prstGeom>
+        </p:spPr>
+        <p:style>
+          <a:lnRef idx="2">
+            <a:schemeClr val="accent1">
+              <a:shade val="50000"/>
+            </a:schemeClr>
+          </a:lnRef>
+          <a:fillRef idx="1">
+            <a:schemeClr val="accent1"/>
+          </a:fillRef>
+          <a:effectRef idx="0">
+            <a:schemeClr val="accent1"/>
+          </a:effectRef>
+          <a:fontRef idx="minor">
+            <a:schemeClr val="lt1"/>
+          </a:fontRef>
+        </p:style>
+        <p:txBody>
+          <a:bodyPr rtlCol="0" anchor="ctr"/>
+          <a:lstStyle/>
+          <a:p>
+            <a:pPr algn="ctr"/>
+            <a:r>
+              <a:rPr lang="en-US" dirty="0"/>
+              <a:t>Sensors</a:t>
+            </a:r>
+          </a:p>
+          <a:p>
+            <a:pPr algn="ctr"/>
+            <a:r>
+              <a:rPr lang="en-US" sz="1200" dirty="0"/>
+              <a:t>(real-time performance data)</a:t>
+            </a:r>
+          </a:p>
+        </p:txBody>
+      </p:sp>
+      <p:sp>
+        <p:nvSpPr>
+          <p:cNvPr id="8" name="Rectangle: Rounded Corners 7">
+            <a:extLst>
+              <a:ext uri="{FF2B5EF4-FFF2-40B4-BE49-F238E27FC236}">
+                <a16:creationId xmlns:a16="http://schemas.microsoft.com/office/drawing/2014/main" id="{6380F00C-82C1-4715-915E-8E7BC5F1306E}"/>
+              </a:ext>
+            </a:extLst>
+          </p:cNvPr>
+          <p:cNvSpPr/>
+          <p:nvPr/>
+        </p:nvSpPr>
+        <p:spPr>
+          <a:xfrm>
+            <a:off x="4764680" y="4945242"/>
+            <a:ext cx="2656115" cy="1245326"/>
+          </a:xfrm>
+          <a:prstGeom prst="roundRect">
+            <a:avLst/>
+          </a:prstGeom>
+        </p:spPr>
+        <p:style>
+          <a:lnRef idx="2">
+            <a:schemeClr val="accent1">
+              <a:shade val="50000"/>
+            </a:schemeClr>
+          </a:lnRef>
+          <a:fillRef idx="1">
+            <a:schemeClr val="accent1"/>
+          </a:fillRef>
+          <a:effectRef idx="0">
+            <a:schemeClr val="accent1"/>
+          </a:effectRef>
+          <a:fontRef idx="minor">
+            <a:schemeClr val="lt1"/>
+          </a:fontRef>
+        </p:style>
+        <p:txBody>
+          <a:bodyPr rtlCol="0" anchor="ctr"/>
+          <a:lstStyle/>
+          <a:p>
+            <a:pPr algn="ctr"/>
+            <a:r>
+              <a:rPr lang="en-US" dirty="0"/>
+              <a:t>IoT</a:t>
+            </a:r>
+          </a:p>
+          <a:p>
+            <a:pPr algn="ctr"/>
+            <a:r>
+              <a:rPr lang="en-US" sz="1200" dirty="0"/>
+              <a:t>(Enables communication b\w equipment and software solution)</a:t>
+            </a:r>
+          </a:p>
+        </p:txBody>
+      </p:sp>
+      <p:sp>
+        <p:nvSpPr>
+          <p:cNvPr id="9" name="Rectangle: Rounded Corners 8">
+            <a:extLst>
+              <a:ext uri="{FF2B5EF4-FFF2-40B4-BE49-F238E27FC236}">
+                <a16:creationId xmlns:a16="http://schemas.microsoft.com/office/drawing/2014/main" id="{B9FE51E9-A036-415B-A730-4C914C9E8013}"/>
+              </a:ext>
+            </a:extLst>
+          </p:cNvPr>
+          <p:cNvSpPr/>
+          <p:nvPr/>
+        </p:nvSpPr>
+        <p:spPr>
+          <a:xfrm>
+            <a:off x="8697685" y="4945242"/>
+            <a:ext cx="2656115" cy="1245326"/>
+          </a:xfrm>
+          <a:prstGeom prst="roundRect">
+            <a:avLst/>
+          </a:prstGeom>
+        </p:spPr>
+        <p:style>
+          <a:lnRef idx="2">
+            <a:schemeClr val="accent1">
+              <a:shade val="50000"/>
+            </a:schemeClr>
+          </a:lnRef>
+          <a:fillRef idx="1">
+            <a:schemeClr val="accent1"/>
+          </a:fillRef>
+          <a:effectRef idx="0">
+            <a:schemeClr val="accent1"/>
+          </a:effectRef>
+          <a:fontRef idx="minor">
+            <a:schemeClr val="lt1"/>
+          </a:fontRef>
+        </p:style>
+        <p:txBody>
+          <a:bodyPr rtlCol="0" anchor="ctr"/>
+          <a:lstStyle/>
+          <a:p>
+            <a:pPr algn="ctr"/>
+            <a:r>
+              <a:rPr lang="en-US" dirty="0"/>
+              <a:t>Predictive models</a:t>
+            </a:r>
+          </a:p>
+          <a:p>
+            <a:pPr algn="ctr"/>
+            <a:r>
+              <a:rPr lang="en-US" sz="1200" dirty="0"/>
+              <a:t>(model to spit out failure predictions)</a:t>
+            </a:r>
+          </a:p>
+        </p:txBody>
+      </p:sp>
+      <p:sp>
+        <p:nvSpPr>
+          <p:cNvPr id="12" name="Arrow: Right 11">
+            <a:extLst>
+              <a:ext uri="{FF2B5EF4-FFF2-40B4-BE49-F238E27FC236}">
+                <a16:creationId xmlns:a16="http://schemas.microsoft.com/office/drawing/2014/main" id="{02215030-5F47-4F67-ADB3-19B31B437A1D}"/>
+              </a:ext>
+            </a:extLst>
+          </p:cNvPr>
+          <p:cNvSpPr/>
+          <p:nvPr/>
+        </p:nvSpPr>
+        <p:spPr>
+          <a:xfrm>
+            <a:off x="3544387" y="5567905"/>
+            <a:ext cx="1194166" cy="45719"/>
+          </a:xfrm>
+          <a:prstGeom prst="rightArrow">
+            <a:avLst/>
+          </a:prstGeom>
+        </p:spPr>
+        <p:style>
+          <a:lnRef idx="2">
+            <a:schemeClr val="accent1">
+              <a:shade val="50000"/>
+            </a:schemeClr>
+          </a:lnRef>
+          <a:fillRef idx="1">
+            <a:schemeClr val="accent1"/>
+          </a:fillRef>
+          <a:effectRef idx="0">
+            <a:schemeClr val="accent1"/>
+          </a:effectRef>
+          <a:fontRef idx="minor">
+            <a:schemeClr val="lt1"/>
+          </a:fontRef>
+        </p:style>
+        <p:txBody>
+          <a:bodyPr rtlCol="0" anchor="ctr"/>
+          <a:lstStyle/>
+          <a:p>
+            <a:pPr algn="ctr"/>
+            <a:endParaRPr lang="en-US"/>
+          </a:p>
+        </p:txBody>
+      </p:sp>
+      <p:sp>
+        <p:nvSpPr>
+          <p:cNvPr id="13" name="Arrow: Right 12">
+            <a:extLst>
+              <a:ext uri="{FF2B5EF4-FFF2-40B4-BE49-F238E27FC236}">
+                <a16:creationId xmlns:a16="http://schemas.microsoft.com/office/drawing/2014/main" id="{FE5A8185-2649-4B32-A719-51B1CE31E278}"/>
+              </a:ext>
+            </a:extLst>
+          </p:cNvPr>
+          <p:cNvSpPr/>
+          <p:nvPr/>
+        </p:nvSpPr>
+        <p:spPr>
+          <a:xfrm>
+            <a:off x="7476323" y="5572260"/>
+            <a:ext cx="1194166" cy="45719"/>
+          </a:xfrm>
+          <a:prstGeom prst="rightArrow">
+            <a:avLst/>
+          </a:prstGeom>
+        </p:spPr>
+        <p:style>
+          <a:lnRef idx="2">
+            <a:schemeClr val="accent1">
+              <a:shade val="50000"/>
+            </a:schemeClr>
+          </a:lnRef>
+          <a:fillRef idx="1">
+            <a:schemeClr val="accent1"/>
+          </a:fillRef>
+          <a:effectRef idx="0">
+            <a:schemeClr val="accent1"/>
+          </a:effectRef>
+          <a:fontRef idx="minor">
+            <a:schemeClr val="lt1"/>
+          </a:fontRef>
+        </p:style>
+        <p:txBody>
+          <a:bodyPr rtlCol="0" anchor="ctr"/>
+          <a:lstStyle/>
+          <a:p>
+            <a:pPr algn="ctr"/>
+            <a:endParaRPr lang="en-US"/>
+          </a:p>
+        </p:txBody>
+      </p:sp>
+      <p:pic>
+        <p:nvPicPr>
+          <p:cNvPr id="21" name="Content Placeholder 20" descr="Diagram&#10;&#10;Description automatically generated">
+            <a:extLst>
+              <a:ext uri="{FF2B5EF4-FFF2-40B4-BE49-F238E27FC236}">
+                <a16:creationId xmlns:a16="http://schemas.microsoft.com/office/drawing/2014/main" id="{3C9485A6-A990-4102-8842-C439C5833C62}"/>
+              </a:ext>
+            </a:extLst>
+          </p:cNvPr>
+          <p:cNvPicPr>
+            <a:picLocks noGrp="1" noChangeAspect="1"/>
+          </p:cNvPicPr>
+          <p:nvPr>
+            <p:ph idx="1"/>
+          </p:nvPr>
+        </p:nvPicPr>
+        <p:blipFill>
+          <a:blip r:embed="rId2">
+            <a:extLst>
+              <a:ext uri="{28A0092B-C50C-407E-A947-70E740481C1C}">
+                <a14:useLocalDpi xmlns:a14="http://schemas.microsoft.com/office/drawing/2010/main" val="0"/>
+              </a:ext>
+            </a:extLst>
+          </a:blip>
+          <a:stretch>
+            <a:fillRect/>
+          </a:stretch>
+        </p:blipFill>
+        <p:spPr>
+          <a:xfrm>
+            <a:off x="6292717" y="793866"/>
+            <a:ext cx="5600651" cy="3516834"/>
+          </a:xfrm>
+        </p:spPr>
+      </p:pic>
+    </p:spTree>
+    <p:extLst>
+      <p:ext uri="{BB962C8B-B14F-4D97-AF65-F5344CB8AC3E}">
+        <p14:creationId xmlns:p14="http://schemas.microsoft.com/office/powerpoint/2010/main" val="411377162"/>
+      </p:ext>
+    </p:extLst>
+  </p:cSld>
+  <p:clrMapOvr>
+    <a:masterClrMapping/>
+  </p:clrMapOvr>
+</p:sld>
+</file>
+
+<file path=ppt/slides/slide4.xml><?xml version="1.0" encoding="utf-8"?>
 <p:sld xmlns:a="http://schemas.openxmlformats.org/drawingml/2006/main" xmlns:r="http://schemas.openxmlformats.org/officeDocument/2006/relationships" xmlns:p="http://schemas.openxmlformats.org/presentationml/2006/main">
   <p:cSld>
     <p:spTree>
@@ -8671,489 +9923,7 @@
 </p:sld>
 </file>
 
-<file path=ppt/slides/slide20.xml><?xml version="1.0" encoding="utf-8"?>
-<p:sld xmlns:a="http://schemas.openxmlformats.org/drawingml/2006/main" xmlns:r="http://schemas.openxmlformats.org/officeDocument/2006/relationships" xmlns:p="http://schemas.openxmlformats.org/presentationml/2006/main">
-  <p:cSld>
-    <p:spTree>
-      <p:nvGrpSpPr>
-        <p:cNvPr id="1" name=""/>
-        <p:cNvGrpSpPr/>
-        <p:nvPr/>
-      </p:nvGrpSpPr>
-      <p:grpSpPr>
-        <a:xfrm>
-          <a:off x="0" y="0"/>
-          <a:ext cx="0" cy="0"/>
-          <a:chOff x="0" y="0"/>
-          <a:chExt cx="0" cy="0"/>
-        </a:xfrm>
-      </p:grpSpPr>
-      <p:sp>
-        <p:nvSpPr>
-          <p:cNvPr id="2" name="Title 1">
-            <a:extLst>
-              <a:ext uri="{FF2B5EF4-FFF2-40B4-BE49-F238E27FC236}">
-                <a16:creationId xmlns:a16="http://schemas.microsoft.com/office/drawing/2014/main" id="{9C90F445-4F72-48D4-9D64-93C7C2B83D6E}"/>
-              </a:ext>
-            </a:extLst>
-          </p:cNvPr>
-          <p:cNvSpPr>
-            <a:spLocks noGrp="1"/>
-          </p:cNvSpPr>
-          <p:nvPr>
-            <p:ph type="title"/>
-          </p:nvPr>
-        </p:nvSpPr>
-        <p:spPr>
-          <a:xfrm>
-            <a:off x="290804" y="214280"/>
-            <a:ext cx="5805196" cy="1006475"/>
-          </a:xfrm>
-        </p:spPr>
-        <p:txBody>
-          <a:bodyPr>
-            <a:normAutofit fontScale="90000"/>
-          </a:bodyPr>
-          <a:lstStyle/>
-          <a:p>
-            <a:r>
-              <a:rPr lang="en-US" dirty="0"/>
-              <a:t>Predictive maintenance</a:t>
-            </a:r>
-            <a:br>
-              <a:rPr lang="en-US" dirty="0"/>
-            </a:br>
-            <a:r>
-              <a:rPr lang="en-US" sz="2400" dirty="0"/>
-              <a:t>In-service aircraft engine</a:t>
-            </a:r>
-          </a:p>
-        </p:txBody>
-      </p:sp>
-      <p:pic>
-        <p:nvPicPr>
-          <p:cNvPr id="8" name="Picture 7">
-            <a:extLst>
-              <a:ext uri="{FF2B5EF4-FFF2-40B4-BE49-F238E27FC236}">
-                <a16:creationId xmlns:a16="http://schemas.microsoft.com/office/drawing/2014/main" id="{AA108615-B927-480A-BDA8-5F0220DAF8B9}"/>
-              </a:ext>
-            </a:extLst>
-          </p:cNvPr>
-          <p:cNvPicPr>
-            <a:picLocks noChangeAspect="1"/>
-          </p:cNvPicPr>
-          <p:nvPr/>
-        </p:nvPicPr>
-        <p:blipFill>
-          <a:blip r:embed="rId2"/>
-          <a:stretch>
-            <a:fillRect/>
-          </a:stretch>
-        </p:blipFill>
-        <p:spPr>
-          <a:xfrm>
-            <a:off x="6753303" y="353008"/>
-            <a:ext cx="4893049" cy="2026298"/>
-          </a:xfrm>
-          <a:prstGeom prst="rect">
-            <a:avLst/>
-          </a:prstGeom>
-        </p:spPr>
-      </p:pic>
-      <p:grpSp>
-        <p:nvGrpSpPr>
-          <p:cNvPr id="12" name="Group 11">
-            <a:extLst>
-              <a:ext uri="{FF2B5EF4-FFF2-40B4-BE49-F238E27FC236}">
-                <a16:creationId xmlns:a16="http://schemas.microsoft.com/office/drawing/2014/main" id="{A12535AE-5505-4629-96AB-AB58F0508F3D}"/>
-              </a:ext>
-            </a:extLst>
-          </p:cNvPr>
-          <p:cNvGrpSpPr/>
-          <p:nvPr/>
-        </p:nvGrpSpPr>
-        <p:grpSpPr>
-          <a:xfrm>
-            <a:off x="6753303" y="3293616"/>
-            <a:ext cx="5438696" cy="3422340"/>
-            <a:chOff x="4853251" y="2975201"/>
-            <a:chExt cx="7110828" cy="3781425"/>
-          </a:xfrm>
-        </p:grpSpPr>
-        <p:pic>
-          <p:nvPicPr>
-            <p:cNvPr id="10" name="Picture 9">
-              <a:extLst>
-                <a:ext uri="{FF2B5EF4-FFF2-40B4-BE49-F238E27FC236}">
-                  <a16:creationId xmlns:a16="http://schemas.microsoft.com/office/drawing/2014/main" id="{2D203E86-C7F4-465A-BF7B-B62D169E43C4}"/>
-                </a:ext>
-              </a:extLst>
-            </p:cNvPr>
-            <p:cNvPicPr>
-              <a:picLocks noChangeAspect="1"/>
-            </p:cNvPicPr>
-            <p:nvPr/>
-          </p:nvPicPr>
-          <p:blipFill>
-            <a:blip r:embed="rId3"/>
-            <a:stretch>
-              <a:fillRect/>
-            </a:stretch>
-          </p:blipFill>
-          <p:spPr>
-            <a:xfrm>
-              <a:off x="5191804" y="2975201"/>
-              <a:ext cx="6772275" cy="3781425"/>
-            </a:xfrm>
-            <a:prstGeom prst="rect">
-              <a:avLst/>
-            </a:prstGeom>
-          </p:spPr>
-        </p:pic>
-        <p:sp>
-          <p:nvSpPr>
-            <p:cNvPr id="11" name="TextBox 10">
-              <a:extLst>
-                <a:ext uri="{FF2B5EF4-FFF2-40B4-BE49-F238E27FC236}">
-                  <a16:creationId xmlns:a16="http://schemas.microsoft.com/office/drawing/2014/main" id="{17B9AE6D-CF2D-4E0C-B68F-65146BB475E4}"/>
-                </a:ext>
-              </a:extLst>
-            </p:cNvPr>
-            <p:cNvSpPr txBox="1"/>
-            <p:nvPr/>
-          </p:nvSpPr>
-          <p:spPr>
-            <a:xfrm rot="16200000">
-              <a:off x="3706911" y="4696635"/>
-              <a:ext cx="2631233" cy="338554"/>
-            </a:xfrm>
-            <a:prstGeom prst="rect">
-              <a:avLst/>
-            </a:prstGeom>
-            <a:noFill/>
-          </p:spPr>
-          <p:txBody>
-            <a:bodyPr wrap="square" rtlCol="0">
-              <a:spAutoFit/>
-            </a:bodyPr>
-            <a:lstStyle/>
-            <a:p>
-              <a:r>
-                <a:rPr lang="en-US" sz="1600" b="1" dirty="0">
-                  <a:latin typeface="Arial Rounded MT Bold" panose="020F0704030504030204" pitchFamily="34" charset="0"/>
-                  <a:cs typeface="Aharoni" panose="02010803020104030203" pitchFamily="2" charset="-79"/>
-                </a:rPr>
-                <a:t>Degradation indicator</a:t>
-              </a:r>
-            </a:p>
-          </p:txBody>
-        </p:sp>
-      </p:grpSp>
-      <p:sp>
-        <p:nvSpPr>
-          <p:cNvPr id="14" name="TextBox 13">
-            <a:extLst>
-              <a:ext uri="{FF2B5EF4-FFF2-40B4-BE49-F238E27FC236}">
-                <a16:creationId xmlns:a16="http://schemas.microsoft.com/office/drawing/2014/main" id="{C23A3762-E887-492A-9271-A18300C22DFE}"/>
-              </a:ext>
-            </a:extLst>
-          </p:cNvPr>
-          <p:cNvSpPr txBox="1"/>
-          <p:nvPr/>
-        </p:nvSpPr>
-        <p:spPr>
-          <a:xfrm>
-            <a:off x="219783" y="1416536"/>
-            <a:ext cx="6094520" cy="3693319"/>
-          </a:xfrm>
-          <a:prstGeom prst="rect">
-            <a:avLst/>
-          </a:prstGeom>
-          <a:noFill/>
-        </p:spPr>
-        <p:txBody>
-          <a:bodyPr wrap="square">
-            <a:spAutoFit/>
-          </a:bodyPr>
-          <a:lstStyle/>
-          <a:p>
-            <a:pPr marL="285750" indent="-285750" algn="just">
-              <a:buFont typeface="Arial" panose="020B0604020202020204" pitchFamily="34" charset="0"/>
-              <a:buChar char="•"/>
-            </a:pPr>
-            <a:r>
-              <a:rPr lang="en-US" b="1" i="0" dirty="0">
-                <a:solidFill>
-                  <a:srgbClr val="2C3137"/>
-                </a:solidFill>
-                <a:effectLst/>
-                <a:latin typeface="Segoe UI" panose="020B0502040204020203" pitchFamily="34" charset="0"/>
-              </a:rPr>
-              <a:t>Regression:</a:t>
-            </a:r>
-            <a:r>
-              <a:rPr lang="en-US" b="0" i="0" dirty="0">
-                <a:solidFill>
-                  <a:srgbClr val="2C3137"/>
-                </a:solidFill>
-                <a:effectLst/>
-                <a:latin typeface="Segoe UI" panose="020B0502040204020203" pitchFamily="34" charset="0"/>
-              </a:rPr>
-              <a:t> Predict the Remaining Useful Life (RUL).</a:t>
-            </a:r>
-          </a:p>
-          <a:p>
-            <a:pPr marL="285750" indent="-285750" algn="just">
-              <a:buFont typeface="Arial" panose="020B0604020202020204" pitchFamily="34" charset="0"/>
-              <a:buChar char="•"/>
-            </a:pPr>
-            <a:endParaRPr lang="en-US" dirty="0">
-              <a:solidFill>
-                <a:srgbClr val="2C3137"/>
-              </a:solidFill>
-              <a:latin typeface="Segoe UI" panose="020B0502040204020203" pitchFamily="34" charset="0"/>
-            </a:endParaRPr>
-          </a:p>
-          <a:p>
-            <a:pPr marL="285750" indent="-285750" algn="just">
-              <a:buFont typeface="Arial" panose="020B0604020202020204" pitchFamily="34" charset="0"/>
-              <a:buChar char="•"/>
-            </a:pPr>
-            <a:endParaRPr lang="en-US" b="0" i="0" dirty="0">
-              <a:solidFill>
-                <a:srgbClr val="2C3137"/>
-              </a:solidFill>
-              <a:effectLst/>
-              <a:latin typeface="Segoe UI" panose="020B0502040204020203" pitchFamily="34" charset="0"/>
-            </a:endParaRPr>
-          </a:p>
-          <a:p>
-            <a:pPr marL="285750" indent="-285750" algn="just">
-              <a:buFont typeface="Arial" panose="020B0604020202020204" pitchFamily="34" charset="0"/>
-              <a:buChar char="•"/>
-            </a:pPr>
-            <a:endParaRPr lang="en-US" dirty="0">
-              <a:solidFill>
-                <a:srgbClr val="2C3137"/>
-              </a:solidFill>
-              <a:latin typeface="Segoe UI" panose="020B0502040204020203" pitchFamily="34" charset="0"/>
-            </a:endParaRPr>
-          </a:p>
-          <a:p>
-            <a:pPr algn="just"/>
-            <a:endParaRPr lang="en-US" b="0" i="0" dirty="0">
-              <a:solidFill>
-                <a:srgbClr val="2C3137"/>
-              </a:solidFill>
-              <a:effectLst/>
-              <a:latin typeface="Segoe UI" panose="020B0502040204020203" pitchFamily="34" charset="0"/>
-            </a:endParaRPr>
-          </a:p>
-          <a:p>
-            <a:pPr marL="285750" indent="-285750" algn="just">
-              <a:buFont typeface="Arial" panose="020B0604020202020204" pitchFamily="34" charset="0"/>
-              <a:buChar char="•"/>
-            </a:pPr>
-            <a:r>
-              <a:rPr lang="en-US" b="1" i="0" dirty="0">
-                <a:solidFill>
-                  <a:srgbClr val="2C3137"/>
-                </a:solidFill>
-                <a:effectLst/>
-                <a:latin typeface="Segoe UI" panose="020B0502040204020203" pitchFamily="34" charset="0"/>
-              </a:rPr>
-              <a:t>Binary classification:</a:t>
-            </a:r>
-            <a:r>
-              <a:rPr lang="en-US" b="0" i="0" dirty="0">
-                <a:solidFill>
-                  <a:srgbClr val="2C3137"/>
-                </a:solidFill>
-                <a:effectLst/>
-                <a:latin typeface="Segoe UI" panose="020B0502040204020203" pitchFamily="34" charset="0"/>
-              </a:rPr>
-              <a:t> Predict if an in-service engine will fail within certain time frame.</a:t>
-            </a:r>
-          </a:p>
-          <a:p>
-            <a:pPr marL="285750" indent="-285750" algn="just">
-              <a:buFont typeface="Arial" panose="020B0604020202020204" pitchFamily="34" charset="0"/>
-              <a:buChar char="•"/>
-            </a:pPr>
-            <a:endParaRPr lang="en-US" dirty="0">
-              <a:solidFill>
-                <a:srgbClr val="2C3137"/>
-              </a:solidFill>
-              <a:latin typeface="Segoe UI" panose="020B0502040204020203" pitchFamily="34" charset="0"/>
-            </a:endParaRPr>
-          </a:p>
-          <a:p>
-            <a:pPr marL="285750" indent="-285750" algn="just">
-              <a:buFont typeface="Arial" panose="020B0604020202020204" pitchFamily="34" charset="0"/>
-              <a:buChar char="•"/>
-            </a:pPr>
-            <a:endParaRPr lang="en-US" b="0" i="0" dirty="0">
-              <a:solidFill>
-                <a:srgbClr val="2C3137"/>
-              </a:solidFill>
-              <a:effectLst/>
-              <a:latin typeface="Segoe UI" panose="020B0502040204020203" pitchFamily="34" charset="0"/>
-            </a:endParaRPr>
-          </a:p>
-          <a:p>
-            <a:pPr marL="285750" indent="-285750" algn="just">
-              <a:buFont typeface="Arial" panose="020B0604020202020204" pitchFamily="34" charset="0"/>
-              <a:buChar char="•"/>
-            </a:pPr>
-            <a:endParaRPr lang="en-US" dirty="0">
-              <a:solidFill>
-                <a:srgbClr val="2C3137"/>
-              </a:solidFill>
-              <a:latin typeface="Segoe UI" panose="020B0502040204020203" pitchFamily="34" charset="0"/>
-            </a:endParaRPr>
-          </a:p>
-          <a:p>
-            <a:pPr algn="just"/>
-            <a:endParaRPr lang="en-US" b="0" i="0" dirty="0">
-              <a:solidFill>
-                <a:srgbClr val="2C3137"/>
-              </a:solidFill>
-              <a:effectLst/>
-              <a:latin typeface="Segoe UI" panose="020B0502040204020203" pitchFamily="34" charset="0"/>
-            </a:endParaRPr>
-          </a:p>
-          <a:p>
-            <a:pPr marL="285750" indent="-285750" algn="just">
-              <a:buFont typeface="Arial" panose="020B0604020202020204" pitchFamily="34" charset="0"/>
-              <a:buChar char="•"/>
-            </a:pPr>
-            <a:r>
-              <a:rPr lang="en-US" b="1" i="0" dirty="0">
-                <a:solidFill>
-                  <a:srgbClr val="2C3137"/>
-                </a:solidFill>
-                <a:effectLst/>
-                <a:latin typeface="Segoe UI" panose="020B0502040204020203" pitchFamily="34" charset="0"/>
-              </a:rPr>
-              <a:t>Multi-class classification:</a:t>
-            </a:r>
-            <a:r>
-              <a:rPr lang="en-US" b="0" i="0" dirty="0">
-                <a:solidFill>
-                  <a:srgbClr val="2C3137"/>
-                </a:solidFill>
-                <a:effectLst/>
-                <a:latin typeface="Segoe UI" panose="020B0502040204020203" pitchFamily="34" charset="0"/>
-              </a:rPr>
-              <a:t> Predict if an in-service will fail in two different time windows.</a:t>
-            </a:r>
-          </a:p>
-        </p:txBody>
-      </p:sp>
-      <p:pic>
-        <p:nvPicPr>
-          <p:cNvPr id="18" name="Picture 17">
-            <a:extLst>
-              <a:ext uri="{FF2B5EF4-FFF2-40B4-BE49-F238E27FC236}">
-                <a16:creationId xmlns:a16="http://schemas.microsoft.com/office/drawing/2014/main" id="{FE380370-5AFD-4FF2-80A9-C1B0ADE21E4D}"/>
-              </a:ext>
-            </a:extLst>
-          </p:cNvPr>
-          <p:cNvPicPr>
-            <a:picLocks noChangeAspect="1"/>
-          </p:cNvPicPr>
-          <p:nvPr/>
-        </p:nvPicPr>
-        <p:blipFill>
-          <a:blip r:embed="rId4"/>
-          <a:stretch>
-            <a:fillRect/>
-          </a:stretch>
-        </p:blipFill>
-        <p:spPr>
-          <a:xfrm>
-            <a:off x="787240" y="3429000"/>
-            <a:ext cx="5646851" cy="809444"/>
-          </a:xfrm>
-          <a:prstGeom prst="rect">
-            <a:avLst/>
-          </a:prstGeom>
-        </p:spPr>
-      </p:pic>
-      <p:pic>
-        <p:nvPicPr>
-          <p:cNvPr id="22" name="Picture 21">
-            <a:extLst>
-              <a:ext uri="{FF2B5EF4-FFF2-40B4-BE49-F238E27FC236}">
-                <a16:creationId xmlns:a16="http://schemas.microsoft.com/office/drawing/2014/main" id="{EBD4F1A3-F6DA-4CA5-8306-F135D63A81ED}"/>
-              </a:ext>
-            </a:extLst>
-          </p:cNvPr>
-          <p:cNvPicPr>
-            <a:picLocks noChangeAspect="1"/>
-          </p:cNvPicPr>
-          <p:nvPr/>
-        </p:nvPicPr>
-        <p:blipFill>
-          <a:blip r:embed="rId5"/>
-          <a:stretch>
-            <a:fillRect/>
-          </a:stretch>
-        </p:blipFill>
-        <p:spPr>
-          <a:xfrm>
-            <a:off x="787240" y="1824620"/>
-            <a:ext cx="4959606" cy="899622"/>
-          </a:xfrm>
-          <a:prstGeom prst="rect">
-            <a:avLst/>
-          </a:prstGeom>
-        </p:spPr>
-      </p:pic>
-      <p:pic>
-        <p:nvPicPr>
-          <p:cNvPr id="24" name="Picture 23">
-            <a:extLst>
-              <a:ext uri="{FF2B5EF4-FFF2-40B4-BE49-F238E27FC236}">
-                <a16:creationId xmlns:a16="http://schemas.microsoft.com/office/drawing/2014/main" id="{810644E0-7A49-465C-9151-C423D139F633}"/>
-              </a:ext>
-            </a:extLst>
-          </p:cNvPr>
-          <p:cNvPicPr>
-            <a:picLocks noChangeAspect="1"/>
-          </p:cNvPicPr>
-          <p:nvPr/>
-        </p:nvPicPr>
-        <p:blipFill>
-          <a:blip r:embed="rId6"/>
-          <a:stretch>
-            <a:fillRect/>
-          </a:stretch>
-        </p:blipFill>
-        <p:spPr>
-          <a:xfrm>
-            <a:off x="787240" y="5189676"/>
-            <a:ext cx="5650745" cy="723052"/>
-          </a:xfrm>
-          <a:prstGeom prst="rect">
-            <a:avLst/>
-          </a:prstGeom>
-        </p:spPr>
-      </p:pic>
-    </p:spTree>
-    <p:extLst>
-      <p:ext uri="{BB962C8B-B14F-4D97-AF65-F5344CB8AC3E}">
-        <p14:creationId xmlns:p14="http://schemas.microsoft.com/office/powerpoint/2010/main" val="3524042181"/>
-      </p:ext>
-    </p:extLst>
-  </p:cSld>
-  <p:clrMapOvr>
-    <a:masterClrMapping/>
-  </p:clrMapOvr>
-</p:sld>
-</file>
-
-<file path=ppt/slides/slide3.xml><?xml version="1.0" encoding="utf-8"?>
+<file path=ppt/slides/slide5.xml><?xml version="1.0" encoding="utf-8"?>
 <p:sld xmlns:a="http://schemas.openxmlformats.org/drawingml/2006/main" xmlns:r="http://schemas.openxmlformats.org/officeDocument/2006/relationships" xmlns:p="http://schemas.openxmlformats.org/presentationml/2006/main">
   <p:cSld>
     <p:spTree>
@@ -9392,536 +10162,6 @@
 </p:sld>
 </file>
 
-<file path=ppt/slides/slide4.xml><?xml version="1.0" encoding="utf-8"?>
-<p:sld xmlns:a="http://schemas.openxmlformats.org/drawingml/2006/main" xmlns:r="http://schemas.openxmlformats.org/officeDocument/2006/relationships" xmlns:p="http://schemas.openxmlformats.org/presentationml/2006/main">
-  <p:cSld>
-    <p:spTree>
-      <p:nvGrpSpPr>
-        <p:cNvPr id="1" name=""/>
-        <p:cNvGrpSpPr/>
-        <p:nvPr/>
-      </p:nvGrpSpPr>
-      <p:grpSpPr>
-        <a:xfrm>
-          <a:off x="0" y="0"/>
-          <a:ext cx="0" cy="0"/>
-          <a:chOff x="0" y="0"/>
-          <a:chExt cx="0" cy="0"/>
-        </a:xfrm>
-      </p:grpSpPr>
-      <p:sp>
-        <p:nvSpPr>
-          <p:cNvPr id="2" name="Title 1">
-            <a:extLst>
-              <a:ext uri="{FF2B5EF4-FFF2-40B4-BE49-F238E27FC236}">
-                <a16:creationId xmlns:a16="http://schemas.microsoft.com/office/drawing/2014/main" id="{9C90F445-4F72-48D4-9D64-93C7C2B83D6E}"/>
-              </a:ext>
-            </a:extLst>
-          </p:cNvPr>
-          <p:cNvSpPr>
-            <a:spLocks noGrp="1"/>
-          </p:cNvSpPr>
-          <p:nvPr>
-            <p:ph type="title"/>
-          </p:nvPr>
-        </p:nvSpPr>
-        <p:spPr>
-          <a:xfrm>
-            <a:off x="290804" y="214280"/>
-            <a:ext cx="5805196" cy="1006475"/>
-          </a:xfrm>
-        </p:spPr>
-        <p:txBody>
-          <a:bodyPr>
-            <a:normAutofit fontScale="90000"/>
-          </a:bodyPr>
-          <a:lstStyle/>
-          <a:p>
-            <a:r>
-              <a:rPr lang="en-US" dirty="0"/>
-              <a:t>Predictive maintenance</a:t>
-            </a:r>
-            <a:br>
-              <a:rPr lang="en-US" dirty="0"/>
-            </a:br>
-            <a:r>
-              <a:rPr lang="en-US" sz="2400" dirty="0"/>
-              <a:t>In-service aircraft engine</a:t>
-            </a:r>
-          </a:p>
-        </p:txBody>
-      </p:sp>
-      <p:pic>
-        <p:nvPicPr>
-          <p:cNvPr id="8" name="Picture 7">
-            <a:extLst>
-              <a:ext uri="{FF2B5EF4-FFF2-40B4-BE49-F238E27FC236}">
-                <a16:creationId xmlns:a16="http://schemas.microsoft.com/office/drawing/2014/main" id="{AA108615-B927-480A-BDA8-5F0220DAF8B9}"/>
-              </a:ext>
-            </a:extLst>
-          </p:cNvPr>
-          <p:cNvPicPr>
-            <a:picLocks noChangeAspect="1"/>
-          </p:cNvPicPr>
-          <p:nvPr/>
-        </p:nvPicPr>
-        <p:blipFill>
-          <a:blip r:embed="rId2"/>
-          <a:stretch>
-            <a:fillRect/>
-          </a:stretch>
-        </p:blipFill>
-        <p:spPr>
-          <a:xfrm>
-            <a:off x="6753303" y="353008"/>
-            <a:ext cx="4893049" cy="2026298"/>
-          </a:xfrm>
-          <a:prstGeom prst="rect">
-            <a:avLst/>
-          </a:prstGeom>
-        </p:spPr>
-      </p:pic>
-      <p:grpSp>
-        <p:nvGrpSpPr>
-          <p:cNvPr id="12" name="Group 11">
-            <a:extLst>
-              <a:ext uri="{FF2B5EF4-FFF2-40B4-BE49-F238E27FC236}">
-                <a16:creationId xmlns:a16="http://schemas.microsoft.com/office/drawing/2014/main" id="{A12535AE-5505-4629-96AB-AB58F0508F3D}"/>
-              </a:ext>
-            </a:extLst>
-          </p:cNvPr>
-          <p:cNvGrpSpPr/>
-          <p:nvPr/>
-        </p:nvGrpSpPr>
-        <p:grpSpPr>
-          <a:xfrm>
-            <a:off x="6753303" y="3293616"/>
-            <a:ext cx="5438696" cy="3422340"/>
-            <a:chOff x="4853251" y="2975201"/>
-            <a:chExt cx="7110828" cy="3781425"/>
-          </a:xfrm>
-        </p:grpSpPr>
-        <p:pic>
-          <p:nvPicPr>
-            <p:cNvPr id="10" name="Picture 9">
-              <a:extLst>
-                <a:ext uri="{FF2B5EF4-FFF2-40B4-BE49-F238E27FC236}">
-                  <a16:creationId xmlns:a16="http://schemas.microsoft.com/office/drawing/2014/main" id="{2D203E86-C7F4-465A-BF7B-B62D169E43C4}"/>
-                </a:ext>
-              </a:extLst>
-            </p:cNvPr>
-            <p:cNvPicPr>
-              <a:picLocks noChangeAspect="1"/>
-            </p:cNvPicPr>
-            <p:nvPr/>
-          </p:nvPicPr>
-          <p:blipFill>
-            <a:blip r:embed="rId3"/>
-            <a:stretch>
-              <a:fillRect/>
-            </a:stretch>
-          </p:blipFill>
-          <p:spPr>
-            <a:xfrm>
-              <a:off x="5191804" y="2975201"/>
-              <a:ext cx="6772275" cy="3781425"/>
-            </a:xfrm>
-            <a:prstGeom prst="rect">
-              <a:avLst/>
-            </a:prstGeom>
-          </p:spPr>
-        </p:pic>
-        <p:sp>
-          <p:nvSpPr>
-            <p:cNvPr id="11" name="TextBox 10">
-              <a:extLst>
-                <a:ext uri="{FF2B5EF4-FFF2-40B4-BE49-F238E27FC236}">
-                  <a16:creationId xmlns:a16="http://schemas.microsoft.com/office/drawing/2014/main" id="{17B9AE6D-CF2D-4E0C-B68F-65146BB475E4}"/>
-                </a:ext>
-              </a:extLst>
-            </p:cNvPr>
-            <p:cNvSpPr txBox="1"/>
-            <p:nvPr/>
-          </p:nvSpPr>
-          <p:spPr>
-            <a:xfrm rot="16200000">
-              <a:off x="3706911" y="4696635"/>
-              <a:ext cx="2631233" cy="338554"/>
-            </a:xfrm>
-            <a:prstGeom prst="rect">
-              <a:avLst/>
-            </a:prstGeom>
-            <a:noFill/>
-          </p:spPr>
-          <p:txBody>
-            <a:bodyPr wrap="square" rtlCol="0">
-              <a:spAutoFit/>
-            </a:bodyPr>
-            <a:lstStyle/>
-            <a:p>
-              <a:r>
-                <a:rPr lang="en-US" sz="1600" b="1" dirty="0">
-                  <a:latin typeface="Arial Rounded MT Bold" panose="020F0704030504030204" pitchFamily="34" charset="0"/>
-                  <a:cs typeface="Aharoni" panose="02010803020104030203" pitchFamily="2" charset="-79"/>
-                </a:rPr>
-                <a:t>Degradation indicator</a:t>
-              </a:r>
-            </a:p>
-          </p:txBody>
-        </p:sp>
-      </p:grpSp>
-      <p:sp>
-        <p:nvSpPr>
-          <p:cNvPr id="14" name="TextBox 13">
-            <a:extLst>
-              <a:ext uri="{FF2B5EF4-FFF2-40B4-BE49-F238E27FC236}">
-                <a16:creationId xmlns:a16="http://schemas.microsoft.com/office/drawing/2014/main" id="{C23A3762-E887-492A-9271-A18300C22DFE}"/>
-              </a:ext>
-            </a:extLst>
-          </p:cNvPr>
-          <p:cNvSpPr txBox="1"/>
-          <p:nvPr/>
-        </p:nvSpPr>
-        <p:spPr>
-          <a:xfrm>
-            <a:off x="219783" y="1416536"/>
-            <a:ext cx="6094520" cy="3693319"/>
-          </a:xfrm>
-          <a:prstGeom prst="rect">
-            <a:avLst/>
-          </a:prstGeom>
-          <a:noFill/>
-        </p:spPr>
-        <p:txBody>
-          <a:bodyPr wrap="square">
-            <a:spAutoFit/>
-          </a:bodyPr>
-          <a:lstStyle/>
-          <a:p>
-            <a:pPr marL="285750" indent="-285750" algn="just">
-              <a:buFont typeface="Arial" panose="020B0604020202020204" pitchFamily="34" charset="0"/>
-              <a:buChar char="•"/>
-            </a:pPr>
-            <a:r>
-              <a:rPr lang="en-US" b="1" i="0" dirty="0">
-                <a:solidFill>
-                  <a:srgbClr val="2C3137"/>
-                </a:solidFill>
-                <a:effectLst/>
-                <a:latin typeface="Segoe UI" panose="020B0502040204020203" pitchFamily="34" charset="0"/>
-              </a:rPr>
-              <a:t>Regression:</a:t>
-            </a:r>
-            <a:r>
-              <a:rPr lang="en-US" b="0" i="0" dirty="0">
-                <a:solidFill>
-                  <a:srgbClr val="2C3137"/>
-                </a:solidFill>
-                <a:effectLst/>
-                <a:latin typeface="Segoe UI" panose="020B0502040204020203" pitchFamily="34" charset="0"/>
-              </a:rPr>
-              <a:t> Predict the Remaining Useful Life (RUL).</a:t>
-            </a:r>
-          </a:p>
-          <a:p>
-            <a:pPr marL="285750" indent="-285750" algn="just">
-              <a:buFont typeface="Arial" panose="020B0604020202020204" pitchFamily="34" charset="0"/>
-              <a:buChar char="•"/>
-            </a:pPr>
-            <a:endParaRPr lang="en-US" dirty="0">
-              <a:solidFill>
-                <a:srgbClr val="2C3137"/>
-              </a:solidFill>
-              <a:latin typeface="Segoe UI" panose="020B0502040204020203" pitchFamily="34" charset="0"/>
-            </a:endParaRPr>
-          </a:p>
-          <a:p>
-            <a:pPr marL="285750" indent="-285750" algn="just">
-              <a:buFont typeface="Arial" panose="020B0604020202020204" pitchFamily="34" charset="0"/>
-              <a:buChar char="•"/>
-            </a:pPr>
-            <a:endParaRPr lang="en-US" b="0" i="0" dirty="0">
-              <a:solidFill>
-                <a:srgbClr val="2C3137"/>
-              </a:solidFill>
-              <a:effectLst/>
-              <a:latin typeface="Segoe UI" panose="020B0502040204020203" pitchFamily="34" charset="0"/>
-            </a:endParaRPr>
-          </a:p>
-          <a:p>
-            <a:pPr marL="285750" indent="-285750" algn="just">
-              <a:buFont typeface="Arial" panose="020B0604020202020204" pitchFamily="34" charset="0"/>
-              <a:buChar char="•"/>
-            </a:pPr>
-            <a:endParaRPr lang="en-US" dirty="0">
-              <a:solidFill>
-                <a:srgbClr val="2C3137"/>
-              </a:solidFill>
-              <a:latin typeface="Segoe UI" panose="020B0502040204020203" pitchFamily="34" charset="0"/>
-            </a:endParaRPr>
-          </a:p>
-          <a:p>
-            <a:pPr algn="just"/>
-            <a:endParaRPr lang="en-US" b="0" i="0" dirty="0">
-              <a:solidFill>
-                <a:srgbClr val="2C3137"/>
-              </a:solidFill>
-              <a:effectLst/>
-              <a:latin typeface="Segoe UI" panose="020B0502040204020203" pitchFamily="34" charset="0"/>
-            </a:endParaRPr>
-          </a:p>
-          <a:p>
-            <a:pPr marL="285750" indent="-285750" algn="just">
-              <a:buFont typeface="Arial" panose="020B0604020202020204" pitchFamily="34" charset="0"/>
-              <a:buChar char="•"/>
-            </a:pPr>
-            <a:r>
-              <a:rPr lang="en-US" b="1" i="0" dirty="0">
-                <a:solidFill>
-                  <a:srgbClr val="2C3137"/>
-                </a:solidFill>
-                <a:effectLst/>
-                <a:latin typeface="Segoe UI" panose="020B0502040204020203" pitchFamily="34" charset="0"/>
-              </a:rPr>
-              <a:t>Binary classification:</a:t>
-            </a:r>
-            <a:r>
-              <a:rPr lang="en-US" b="0" i="0" dirty="0">
-                <a:solidFill>
-                  <a:srgbClr val="2C3137"/>
-                </a:solidFill>
-                <a:effectLst/>
-                <a:latin typeface="Segoe UI" panose="020B0502040204020203" pitchFamily="34" charset="0"/>
-              </a:rPr>
-              <a:t> Predict if an in-service engine will fail within certain time frame.</a:t>
-            </a:r>
-          </a:p>
-          <a:p>
-            <a:pPr marL="285750" indent="-285750" algn="just">
-              <a:buFont typeface="Arial" panose="020B0604020202020204" pitchFamily="34" charset="0"/>
-              <a:buChar char="•"/>
-            </a:pPr>
-            <a:endParaRPr lang="en-US" dirty="0">
-              <a:solidFill>
-                <a:srgbClr val="2C3137"/>
-              </a:solidFill>
-              <a:latin typeface="Segoe UI" panose="020B0502040204020203" pitchFamily="34" charset="0"/>
-            </a:endParaRPr>
-          </a:p>
-          <a:p>
-            <a:pPr marL="285750" indent="-285750" algn="just">
-              <a:buFont typeface="Arial" panose="020B0604020202020204" pitchFamily="34" charset="0"/>
-              <a:buChar char="•"/>
-            </a:pPr>
-            <a:endParaRPr lang="en-US" b="0" i="0" dirty="0">
-              <a:solidFill>
-                <a:srgbClr val="2C3137"/>
-              </a:solidFill>
-              <a:effectLst/>
-              <a:latin typeface="Segoe UI" panose="020B0502040204020203" pitchFamily="34" charset="0"/>
-            </a:endParaRPr>
-          </a:p>
-          <a:p>
-            <a:pPr marL="285750" indent="-285750" algn="just">
-              <a:buFont typeface="Arial" panose="020B0604020202020204" pitchFamily="34" charset="0"/>
-              <a:buChar char="•"/>
-            </a:pPr>
-            <a:endParaRPr lang="en-US" dirty="0">
-              <a:solidFill>
-                <a:srgbClr val="2C3137"/>
-              </a:solidFill>
-              <a:latin typeface="Segoe UI" panose="020B0502040204020203" pitchFamily="34" charset="0"/>
-            </a:endParaRPr>
-          </a:p>
-          <a:p>
-            <a:pPr algn="just"/>
-            <a:endParaRPr lang="en-US" b="0" i="0" dirty="0">
-              <a:solidFill>
-                <a:srgbClr val="2C3137"/>
-              </a:solidFill>
-              <a:effectLst/>
-              <a:latin typeface="Segoe UI" panose="020B0502040204020203" pitchFamily="34" charset="0"/>
-            </a:endParaRPr>
-          </a:p>
-          <a:p>
-            <a:pPr marL="285750" indent="-285750" algn="just">
-              <a:buFont typeface="Arial" panose="020B0604020202020204" pitchFamily="34" charset="0"/>
-              <a:buChar char="•"/>
-            </a:pPr>
-            <a:r>
-              <a:rPr lang="en-US" b="1" i="0" dirty="0">
-                <a:solidFill>
-                  <a:srgbClr val="2C3137"/>
-                </a:solidFill>
-                <a:effectLst/>
-                <a:latin typeface="Segoe UI" panose="020B0502040204020203" pitchFamily="34" charset="0"/>
-              </a:rPr>
-              <a:t>Multi-class classification:</a:t>
-            </a:r>
-            <a:r>
-              <a:rPr lang="en-US" b="0" i="0" dirty="0">
-                <a:solidFill>
-                  <a:srgbClr val="2C3137"/>
-                </a:solidFill>
-                <a:effectLst/>
-                <a:latin typeface="Segoe UI" panose="020B0502040204020203" pitchFamily="34" charset="0"/>
-              </a:rPr>
-              <a:t> Predict if an in-service engine will fail in two different time windows.</a:t>
-            </a:r>
-          </a:p>
-        </p:txBody>
-      </p:sp>
-    </p:spTree>
-    <p:extLst>
-      <p:ext uri="{BB962C8B-B14F-4D97-AF65-F5344CB8AC3E}">
-        <p14:creationId xmlns:p14="http://schemas.microsoft.com/office/powerpoint/2010/main" val="3492202985"/>
-      </p:ext>
-    </p:extLst>
-  </p:cSld>
-  <p:clrMapOvr>
-    <a:masterClrMapping/>
-  </p:clrMapOvr>
-</p:sld>
-</file>
-
-<file path=ppt/slides/slide5.xml><?xml version="1.0" encoding="utf-8"?>
-<p:sld xmlns:a="http://schemas.openxmlformats.org/drawingml/2006/main" xmlns:r="http://schemas.openxmlformats.org/officeDocument/2006/relationships" xmlns:p="http://schemas.openxmlformats.org/presentationml/2006/main">
-  <p:cSld>
-    <p:spTree>
-      <p:nvGrpSpPr>
-        <p:cNvPr id="1" name=""/>
-        <p:cNvGrpSpPr/>
-        <p:nvPr/>
-      </p:nvGrpSpPr>
-      <p:grpSpPr>
-        <a:xfrm>
-          <a:off x="0" y="0"/>
-          <a:ext cx="0" cy="0"/>
-          <a:chOff x="0" y="0"/>
-          <a:chExt cx="0" cy="0"/>
-        </a:xfrm>
-      </p:grpSpPr>
-      <p:sp>
-        <p:nvSpPr>
-          <p:cNvPr id="2" name="Title 1">
-            <a:extLst>
-              <a:ext uri="{FF2B5EF4-FFF2-40B4-BE49-F238E27FC236}">
-                <a16:creationId xmlns:a16="http://schemas.microsoft.com/office/drawing/2014/main" id="{70DCD5D4-69A0-4740-A56A-F7865CA626E0}"/>
-              </a:ext>
-            </a:extLst>
-          </p:cNvPr>
-          <p:cNvSpPr>
-            <a:spLocks noGrp="1"/>
-          </p:cNvSpPr>
-          <p:nvPr>
-            <p:ph type="title"/>
-          </p:nvPr>
-        </p:nvSpPr>
-        <p:spPr/>
-        <p:txBody>
-          <a:bodyPr/>
-          <a:lstStyle/>
-          <a:p>
-            <a:r>
-              <a:rPr lang="en-US" dirty="0"/>
-              <a:t>Predictive maintenance – Case example</a:t>
-            </a:r>
-          </a:p>
-        </p:txBody>
-      </p:sp>
-      <p:sp>
-        <p:nvSpPr>
-          <p:cNvPr id="6" name="TextBox 5">
-            <a:extLst>
-              <a:ext uri="{FF2B5EF4-FFF2-40B4-BE49-F238E27FC236}">
-                <a16:creationId xmlns:a16="http://schemas.microsoft.com/office/drawing/2014/main" id="{3AADC126-E627-412E-AA60-33AF4B6D8CA1}"/>
-              </a:ext>
-            </a:extLst>
-          </p:cNvPr>
-          <p:cNvSpPr txBox="1"/>
-          <p:nvPr/>
-        </p:nvSpPr>
-        <p:spPr>
-          <a:xfrm>
-            <a:off x="594360" y="1497330"/>
-            <a:ext cx="10759440" cy="1200329"/>
-          </a:xfrm>
-          <a:prstGeom prst="rect">
-            <a:avLst/>
-          </a:prstGeom>
-          <a:noFill/>
-        </p:spPr>
-        <p:txBody>
-          <a:bodyPr wrap="square" rtlCol="0">
-            <a:spAutoFit/>
-          </a:bodyPr>
-          <a:lstStyle/>
-          <a:p>
-            <a:r>
-              <a:rPr lang="en-US" sz="2400" dirty="0"/>
-              <a:t>Data source</a:t>
-            </a:r>
-          </a:p>
-          <a:p>
-            <a:r>
-              <a:rPr lang="en-US" sz="1200" dirty="0">
-                <a:hlinkClick r:id="rId2"/>
-              </a:rPr>
-              <a:t>https://gallery.azure.ai/Experiment/Predictive-Maintenance-Step-1-of-3-data-preparation-and-feature-engineering-1</a:t>
-            </a:r>
-            <a:endParaRPr lang="en-US" sz="1200" dirty="0"/>
-          </a:p>
-          <a:p>
-            <a:endParaRPr lang="en-US" dirty="0"/>
-          </a:p>
-          <a:p>
-            <a:endParaRPr lang="en-US" dirty="0"/>
-          </a:p>
-        </p:txBody>
-      </p:sp>
-      <p:pic>
-        <p:nvPicPr>
-          <p:cNvPr id="4" name="Picture 3">
-            <a:extLst>
-              <a:ext uri="{FF2B5EF4-FFF2-40B4-BE49-F238E27FC236}">
-                <a16:creationId xmlns:a16="http://schemas.microsoft.com/office/drawing/2014/main" id="{C7E9B5E4-8613-44E2-9729-615747BF251F}"/>
-              </a:ext>
-            </a:extLst>
-          </p:cNvPr>
-          <p:cNvPicPr>
-            <a:picLocks noChangeAspect="1"/>
-          </p:cNvPicPr>
-          <p:nvPr/>
-        </p:nvPicPr>
-        <p:blipFill>
-          <a:blip r:embed="rId3"/>
-          <a:stretch>
-            <a:fillRect/>
-          </a:stretch>
-        </p:blipFill>
-        <p:spPr>
-          <a:xfrm>
-            <a:off x="3208452" y="2302137"/>
-            <a:ext cx="5775095" cy="4435394"/>
-          </a:xfrm>
-          <a:prstGeom prst="rect">
-            <a:avLst/>
-          </a:prstGeom>
-        </p:spPr>
-      </p:pic>
-    </p:spTree>
-    <p:extLst>
-      <p:ext uri="{BB962C8B-B14F-4D97-AF65-F5344CB8AC3E}">
-        <p14:creationId xmlns:p14="http://schemas.microsoft.com/office/powerpoint/2010/main" val="256303571"/>
-      </p:ext>
-    </p:extLst>
-  </p:cSld>
-  <p:clrMapOvr>
-    <a:masterClrMapping/>
-  </p:clrMapOvr>
-</p:sld>
-</file>
-
 <file path=ppt/slides/slide6.xml><?xml version="1.0" encoding="utf-8"?>
 <p:sld xmlns:a="http://schemas.openxmlformats.org/drawingml/2006/main" xmlns:r="http://schemas.openxmlformats.org/officeDocument/2006/relationships" xmlns:p="http://schemas.openxmlformats.org/presentationml/2006/main">
   <p:cSld>
@@ -9944,7 +10184,7 @@
           <p:cNvPr id="2" name="Title 1">
             <a:extLst>
               <a:ext uri="{FF2B5EF4-FFF2-40B4-BE49-F238E27FC236}">
-                <a16:creationId xmlns:a16="http://schemas.microsoft.com/office/drawing/2014/main" id="{3A32260C-5143-4415-9C8A-16E83C81E887}"/>
+                <a16:creationId xmlns:a16="http://schemas.microsoft.com/office/drawing/2014/main" id="{70DCD5D4-69A0-4740-A56A-F7865CA626E0}"/>
               </a:ext>
             </a:extLst>
           </p:cNvPr>
@@ -9952,34 +10192,155 @@
             <a:spLocks noGrp="1"/>
           </p:cNvSpPr>
           <p:nvPr>
-            <p:ph type="ctrTitle"/>
+            <p:ph type="title"/>
           </p:nvPr>
         </p:nvSpPr>
         <p:spPr/>
         <p:txBody>
-          <a:bodyPr>
-            <a:normAutofit/>
+          <a:bodyPr/>
+          <a:lstStyle/>
+          <a:p>
+            <a:r>
+              <a:rPr lang="en-US" dirty="0"/>
+              <a:t>Predictive maintenance – Case example</a:t>
+            </a:r>
+          </a:p>
+        </p:txBody>
+      </p:sp>
+      <p:sp>
+        <p:nvSpPr>
+          <p:cNvPr id="6" name="TextBox 5">
+            <a:extLst>
+              <a:ext uri="{FF2B5EF4-FFF2-40B4-BE49-F238E27FC236}">
+                <a16:creationId xmlns:a16="http://schemas.microsoft.com/office/drawing/2014/main" id="{3AADC126-E627-412E-AA60-33AF4B6D8CA1}"/>
+              </a:ext>
+            </a:extLst>
+          </p:cNvPr>
+          <p:cNvSpPr txBox="1"/>
+          <p:nvPr/>
+        </p:nvSpPr>
+        <p:spPr>
+          <a:xfrm>
+            <a:off x="594360" y="5892710"/>
+            <a:ext cx="10759440" cy="1384995"/>
+          </a:xfrm>
+          <a:prstGeom prst="rect">
+            <a:avLst/>
+          </a:prstGeom>
+          <a:noFill/>
+        </p:spPr>
+        <p:txBody>
+          <a:bodyPr wrap="square" rtlCol="0">
+            <a:spAutoFit/>
           </a:bodyPr>
           <a:lstStyle/>
           <a:p>
             <a:r>
-              <a:rPr lang="en-US" dirty="0"/>
-              <a:t>Azure ML Team’s solution</a:t>
-            </a:r>
-            <a:br>
-              <a:rPr lang="en-US" dirty="0"/>
-            </a:br>
-            <a:r>
-              <a:rPr lang="en-US" sz="2700" dirty="0"/>
-              <a:t>(Using Azure machine learning studio)</a:t>
-            </a:r>
+              <a:rPr lang="en-US" sz="2400" dirty="0"/>
+              <a:t>Data source</a:t>
+            </a:r>
+          </a:p>
+          <a:p>
+            <a:pPr marL="228600" indent="-228600">
+              <a:buFont typeface="+mj-lt"/>
+              <a:buAutoNum type="arabicPeriod"/>
+            </a:pPr>
+            <a:r>
+              <a:rPr lang="en-US" sz="1200" dirty="0">
+                <a:hlinkClick r:id="rId2"/>
+              </a:rPr>
+              <a:t>https://gallery.azure.ai/Experiment/Predictive-Maintenance-Step-1-of-3-data-preparation-and-feature-engineering</a:t>
+            </a:r>
+            <a:endParaRPr lang="en-US" sz="1200" dirty="0"/>
+          </a:p>
+          <a:p>
+            <a:pPr marL="228600" indent="-228600">
+              <a:buFont typeface="+mj-lt"/>
+              <a:buAutoNum type="arabicPeriod"/>
+            </a:pPr>
+            <a:r>
+              <a:rPr lang="en-US" sz="1200" dirty="0">
+                <a:hlinkClick r:id="rId3"/>
+              </a:rPr>
+              <a:t>https://ti.arc.nasa.gov/tech/dash/groups/pcoe/prognostic-data-repository/</a:t>
+            </a:r>
+            <a:r>
+              <a:rPr lang="en-US" sz="1200" dirty="0"/>
+              <a:t> -- Turbofan engine degradation simulation dataset</a:t>
+            </a:r>
+          </a:p>
+          <a:p>
+            <a:endParaRPr lang="en-US" dirty="0"/>
+          </a:p>
+          <a:p>
+            <a:endParaRPr lang="en-US" dirty="0"/>
           </a:p>
         </p:txBody>
       </p:sp>
+      <p:pic>
+        <p:nvPicPr>
+          <p:cNvPr id="4" name="Picture 3">
+            <a:extLst>
+              <a:ext uri="{FF2B5EF4-FFF2-40B4-BE49-F238E27FC236}">
+                <a16:creationId xmlns:a16="http://schemas.microsoft.com/office/drawing/2014/main" id="{C7E9B5E4-8613-44E2-9729-615747BF251F}"/>
+              </a:ext>
+            </a:extLst>
+          </p:cNvPr>
+          <p:cNvPicPr>
+            <a:picLocks noChangeAspect="1"/>
+          </p:cNvPicPr>
+          <p:nvPr/>
+        </p:nvPicPr>
+        <p:blipFill>
+          <a:blip r:embed="rId4"/>
+          <a:stretch>
+            <a:fillRect/>
+          </a:stretch>
+        </p:blipFill>
+        <p:spPr>
+          <a:xfrm>
+            <a:off x="696072" y="1323218"/>
+            <a:ext cx="5775095" cy="4435394"/>
+          </a:xfrm>
+          <a:prstGeom prst="rect">
+            <a:avLst/>
+          </a:prstGeom>
+        </p:spPr>
+      </p:pic>
+      <p:pic>
+        <p:nvPicPr>
+          <p:cNvPr id="5" name="Picture 4">
+            <a:extLst>
+              <a:ext uri="{FF2B5EF4-FFF2-40B4-BE49-F238E27FC236}">
+                <a16:creationId xmlns:a16="http://schemas.microsoft.com/office/drawing/2014/main" id="{E70FFC23-4362-4909-B89C-5F0060111506}"/>
+              </a:ext>
+            </a:extLst>
+          </p:cNvPr>
+          <p:cNvPicPr>
+            <a:picLocks noChangeAspect="1"/>
+          </p:cNvPicPr>
+          <p:nvPr/>
+        </p:nvPicPr>
+        <p:blipFill>
+          <a:blip r:embed="rId5"/>
+          <a:stretch>
+            <a:fillRect/>
+          </a:stretch>
+        </p:blipFill>
+        <p:spPr>
+          <a:xfrm>
+            <a:off x="6955321" y="1402702"/>
+            <a:ext cx="4893049" cy="2026298"/>
+          </a:xfrm>
+          <a:prstGeom prst="rect">
+            <a:avLst/>
+          </a:prstGeom>
+        </p:spPr>
+      </p:pic>
     </p:spTree>
     <p:extLst>
       <p:ext uri="{BB962C8B-B14F-4D97-AF65-F5344CB8AC3E}">
-        <p14:creationId xmlns:p14="http://schemas.microsoft.com/office/powerpoint/2010/main" val="2084953151"/>
+        <p14:creationId xmlns:p14="http://schemas.microsoft.com/office/powerpoint/2010/main" val="256303571"/>
       </p:ext>
     </p:extLst>
   </p:cSld>
@@ -10011,7 +10372,7 @@
           <p:cNvPr id="2" name="Title 1">
             <a:extLst>
               <a:ext uri="{FF2B5EF4-FFF2-40B4-BE49-F238E27FC236}">
-                <a16:creationId xmlns:a16="http://schemas.microsoft.com/office/drawing/2014/main" id="{70DCD5D4-69A0-4740-A56A-F7865CA626E0}"/>
+                <a16:creationId xmlns:a16="http://schemas.microsoft.com/office/drawing/2014/main" id="{9C90F445-4F72-48D4-9D64-93C7C2B83D6E}"/>
               </a:ext>
             </a:extLst>
           </p:cNvPr>
@@ -10022,24 +10383,38 @@
             <p:ph type="title"/>
           </p:nvPr>
         </p:nvSpPr>
-        <p:spPr/>
+        <p:spPr>
+          <a:xfrm>
+            <a:off x="290804" y="214280"/>
+            <a:ext cx="5805196" cy="1006475"/>
+          </a:xfrm>
+        </p:spPr>
         <p:txBody>
-          <a:bodyPr/>
+          <a:bodyPr>
+            <a:normAutofit fontScale="90000"/>
+          </a:bodyPr>
           <a:lstStyle/>
           <a:p>
             <a:r>
               <a:rPr lang="en-US" dirty="0"/>
               <a:t>Predictive maintenance</a:t>
+            </a:r>
+            <a:br>
+              <a:rPr lang="en-US" dirty="0"/>
+            </a:br>
+            <a:r>
+              <a:rPr lang="en-US" sz="2400" dirty="0"/>
+              <a:t>In-service aircraft engine</a:t>
             </a:r>
           </a:p>
         </p:txBody>
       </p:sp>
       <p:sp>
         <p:nvSpPr>
-          <p:cNvPr id="6" name="TextBox 5">
-            <a:extLst>
-              <a:ext uri="{FF2B5EF4-FFF2-40B4-BE49-F238E27FC236}">
-                <a16:creationId xmlns:a16="http://schemas.microsoft.com/office/drawing/2014/main" id="{3AADC126-E627-412E-AA60-33AF4B6D8CA1}"/>
+          <p:cNvPr id="14" name="TextBox 13">
+            <a:extLst>
+              <a:ext uri="{FF2B5EF4-FFF2-40B4-BE49-F238E27FC236}">
+                <a16:creationId xmlns:a16="http://schemas.microsoft.com/office/drawing/2014/main" id="{C23A3762-E887-492A-9271-A18300C22DFE}"/>
               </a:ext>
             </a:extLst>
           </p:cNvPr>
@@ -10048,8 +10423,8 @@
         </p:nvSpPr>
         <p:spPr>
           <a:xfrm>
-            <a:off x="594360" y="1497330"/>
-            <a:ext cx="10759440" cy="3970318"/>
+            <a:off x="219782" y="1416535"/>
+            <a:ext cx="6978459" cy="3693319"/>
           </a:xfrm>
           <a:prstGeom prst="rect">
             <a:avLst/>
@@ -10057,15 +10432,25 @@
           <a:noFill/>
         </p:spPr>
         <p:txBody>
-          <a:bodyPr wrap="square" rtlCol="0">
+          <a:bodyPr wrap="square">
             <a:spAutoFit/>
           </a:bodyPr>
           <a:lstStyle/>
           <a:p>
-            <a:pPr marL="342900" indent="-342900" algn="l">
-              <a:buFont typeface="+mj-lt"/>
-              <a:buAutoNum type="arabicPeriod"/>
+            <a:pPr marL="285750" indent="-285750" algn="just">
+              <a:buFont typeface="Arial" panose="020B0604020202020204" pitchFamily="34" charset="0"/>
+              <a:buChar char="•"/>
             </a:pPr>
+            <a:r>
+              <a:rPr lang="en-US" b="1" i="0" dirty="0">
+                <a:solidFill>
+                  <a:srgbClr val="2C3137"/>
+                </a:solidFill>
+                <a:effectLst/>
+                <a:latin typeface="Segoe UI" panose="020B0502040204020203" pitchFamily="34" charset="0"/>
+              </a:rPr>
+              <a:t>Regression:</a:t>
+            </a:r>
             <a:r>
               <a:rPr lang="en-US" b="0" i="0" dirty="0">
                 <a:solidFill>
@@ -10074,13 +10459,13 @@
                 <a:effectLst/>
                 <a:latin typeface="Segoe UI" panose="020B0502040204020203" pitchFamily="34" charset="0"/>
               </a:rPr>
-              <a:t>Predict the Remaining Useful Life (RUL).</a:t>
-            </a:r>
-          </a:p>
-          <a:p>
-            <a:pPr marL="342900" indent="-342900" algn="l">
-              <a:buFont typeface="+mj-lt"/>
-              <a:buAutoNum type="arabicPeriod"/>
+              <a:t> Predict the Remaining Useful Life (RUL).</a:t>
+            </a:r>
+          </a:p>
+          <a:p>
+            <a:pPr marL="285750" indent="-285750" algn="just">
+              <a:buFont typeface="Arial" panose="020B0604020202020204" pitchFamily="34" charset="0"/>
+              <a:buChar char="•"/>
             </a:pPr>
             <a:endParaRPr lang="en-US" dirty="0">
               <a:solidFill>
@@ -10090,9 +10475,9 @@
             </a:endParaRPr>
           </a:p>
           <a:p>
-            <a:pPr marL="342900" indent="-342900" algn="l">
-              <a:buFont typeface="+mj-lt"/>
-              <a:buAutoNum type="arabicPeriod"/>
+            <a:pPr marL="285750" indent="-285750" algn="just">
+              <a:buFont typeface="Arial" panose="020B0604020202020204" pitchFamily="34" charset="0"/>
+              <a:buChar char="•"/>
             </a:pPr>
             <a:endParaRPr lang="en-US" b="0" i="0" dirty="0">
               <a:solidFill>
@@ -10103,9 +10488,9 @@
             </a:endParaRPr>
           </a:p>
           <a:p>
-            <a:pPr marL="342900" indent="-342900" algn="l">
-              <a:buFont typeface="+mj-lt"/>
-              <a:buAutoNum type="arabicPeriod"/>
+            <a:pPr marL="285750" indent="-285750" algn="just">
+              <a:buFont typeface="Arial" panose="020B0604020202020204" pitchFamily="34" charset="0"/>
+              <a:buChar char="•"/>
             </a:pPr>
             <a:endParaRPr lang="en-US" dirty="0">
               <a:solidFill>
@@ -10115,9 +10500,57 @@
             </a:endParaRPr>
           </a:p>
           <a:p>
-            <a:pPr marL="342900" indent="-342900" algn="l">
-              <a:buFont typeface="+mj-lt"/>
-              <a:buAutoNum type="arabicPeriod"/>
+            <a:pPr algn="just"/>
+            <a:endParaRPr lang="en-US" b="0" i="0" dirty="0">
+              <a:solidFill>
+                <a:srgbClr val="2C3137"/>
+              </a:solidFill>
+              <a:effectLst/>
+              <a:latin typeface="Segoe UI" panose="020B0502040204020203" pitchFamily="34" charset="0"/>
+            </a:endParaRPr>
+          </a:p>
+          <a:p>
+            <a:pPr marL="285750" indent="-285750" algn="just">
+              <a:buFont typeface="Arial" panose="020B0604020202020204" pitchFamily="34" charset="0"/>
+              <a:buChar char="•"/>
+            </a:pPr>
+            <a:r>
+              <a:rPr lang="en-US" b="1" i="0" dirty="0">
+                <a:solidFill>
+                  <a:srgbClr val="2C3137"/>
+                </a:solidFill>
+                <a:effectLst/>
+                <a:latin typeface="Segoe UI" panose="020B0502040204020203" pitchFamily="34" charset="0"/>
+              </a:rPr>
+              <a:t>Binary classification:</a:t>
+            </a:r>
+            <a:r>
+              <a:rPr lang="en-US" b="0" i="0" dirty="0">
+                <a:solidFill>
+                  <a:srgbClr val="2C3137"/>
+                </a:solidFill>
+                <a:effectLst/>
+                <a:latin typeface="Segoe UI" panose="020B0502040204020203" pitchFamily="34" charset="0"/>
+              </a:rPr>
+              <a:t> Predict if an in-service engine will fail within certain time frame.</a:t>
+            </a:r>
+          </a:p>
+          <a:p>
+            <a:pPr marL="285750" indent="-285750" algn="just">
+              <a:buFont typeface="Arial" panose="020B0604020202020204" pitchFamily="34" charset="0"/>
+              <a:buChar char="•"/>
+            </a:pPr>
+            <a:endParaRPr lang="en-US" dirty="0">
+              <a:solidFill>
+                <a:srgbClr val="2C3137"/>
+              </a:solidFill>
+              <a:latin typeface="Segoe UI" panose="020B0502040204020203" pitchFamily="34" charset="0"/>
+            </a:endParaRPr>
+          </a:p>
+          <a:p>
+            <a:pPr marL="285750" indent="-285750" algn="just">
+              <a:buFont typeface="Arial" panose="020B0604020202020204" pitchFamily="34" charset="0"/>
+              <a:buChar char="•"/>
             </a:pPr>
             <a:endParaRPr lang="en-US" b="0" i="0" dirty="0">
               <a:solidFill>
@@ -10128,9 +10561,9 @@
             </a:endParaRPr>
           </a:p>
           <a:p>
-            <a:pPr marL="342900" indent="-342900" algn="l">
-              <a:buFont typeface="+mj-lt"/>
-              <a:buAutoNum type="arabicPeriod"/>
+            <a:pPr marL="285750" indent="-285750" algn="just">
+              <a:buFont typeface="Arial" panose="020B0604020202020204" pitchFamily="34" charset="0"/>
+              <a:buChar char="•"/>
             </a:pPr>
             <a:endParaRPr lang="en-US" dirty="0">
               <a:solidFill>
@@ -10140,10 +10573,7 @@
             </a:endParaRPr>
           </a:p>
           <a:p>
-            <a:pPr marL="342900" indent="-342900" algn="l">
-              <a:buFont typeface="+mj-lt"/>
-              <a:buAutoNum type="arabicPeriod"/>
-            </a:pPr>
+            <a:pPr algn="just"/>
             <a:endParaRPr lang="en-US" b="0" i="0" dirty="0">
               <a:solidFill>
                 <a:srgbClr val="2C3137"/>
@@ -10153,51 +10583,20 @@
             </a:endParaRPr>
           </a:p>
           <a:p>
-            <a:pPr marL="342900" indent="-342900" algn="l">
-              <a:buFont typeface="+mj-lt"/>
-              <a:buAutoNum type="arabicPeriod"/>
+            <a:pPr marL="285750" indent="-285750" algn="just">
+              <a:buFont typeface="Arial" panose="020B0604020202020204" pitchFamily="34" charset="0"/>
+              <a:buChar char="•"/>
             </a:pPr>
-            <a:endParaRPr lang="en-US" dirty="0">
-              <a:solidFill>
-                <a:srgbClr val="2C3137"/>
-              </a:solidFill>
-              <a:latin typeface="Segoe UI" panose="020B0502040204020203" pitchFamily="34" charset="0"/>
-            </a:endParaRPr>
-          </a:p>
-          <a:p>
-            <a:pPr marL="342900" indent="-342900" algn="l">
-              <a:buFont typeface="+mj-lt"/>
-              <a:buAutoNum type="arabicPeriod"/>
-            </a:pPr>
-            <a:endParaRPr lang="en-US" b="0" i="0" dirty="0">
-              <a:solidFill>
-                <a:srgbClr val="2C3137"/>
-              </a:solidFill>
-              <a:effectLst/>
-              <a:latin typeface="Segoe UI" panose="020B0502040204020203" pitchFamily="34" charset="0"/>
-            </a:endParaRPr>
-          </a:p>
-          <a:p>
-            <a:pPr marL="342900" indent="-342900" algn="l">
-              <a:buFont typeface="+mj-lt"/>
-              <a:buAutoNum type="arabicPeriod"/>
-            </a:pPr>
-            <a:endParaRPr lang="en-US" b="0" i="0" dirty="0">
-              <a:solidFill>
-                <a:srgbClr val="2C3137"/>
-              </a:solidFill>
-              <a:effectLst/>
-              <a:latin typeface="Segoe UI" panose="020B0502040204020203" pitchFamily="34" charset="0"/>
-            </a:endParaRPr>
-          </a:p>
-          <a:p>
-            <a:pPr marL="342900" indent="-342900" algn="l">
-              <a:lnSpc>
-                <a:spcPct val="150000"/>
-              </a:lnSpc>
-              <a:buFont typeface="+mj-lt"/>
-              <a:buAutoNum type="arabicPeriod"/>
-            </a:pPr>
+            <a:r>
+              <a:rPr lang="en-US" b="1" i="0" dirty="0">
+                <a:solidFill>
+                  <a:srgbClr val="2C3137"/>
+                </a:solidFill>
+                <a:effectLst/>
+                <a:latin typeface="Segoe UI" panose="020B0502040204020203" pitchFamily="34" charset="0"/>
+              </a:rPr>
+              <a:t>Multi-class classification:</a:t>
+            </a:r>
             <a:r>
               <a:rPr lang="en-US" b="0" i="0" dirty="0">
                 <a:solidFill>
@@ -10206,58 +10605,17 @@
                 <a:effectLst/>
                 <a:latin typeface="Segoe UI" panose="020B0502040204020203" pitchFamily="34" charset="0"/>
               </a:rPr>
-              <a:t>Predict if an in-service </a:t>
-            </a:r>
-            <a:r>
-              <a:rPr lang="en-US" dirty="0">
-                <a:solidFill>
-                  <a:srgbClr val="2C3137"/>
-                </a:solidFill>
-                <a:latin typeface="Segoe UI" panose="020B0502040204020203" pitchFamily="34" charset="0"/>
-              </a:rPr>
-              <a:t>e</a:t>
-            </a:r>
-            <a:r>
-              <a:rPr lang="en-US" b="0" i="0" dirty="0">
-                <a:solidFill>
-                  <a:srgbClr val="2C3137"/>
-                </a:solidFill>
-                <a:effectLst/>
-                <a:latin typeface="Segoe UI" panose="020B0502040204020203" pitchFamily="34" charset="0"/>
-              </a:rPr>
-              <a:t>ngine will fail within certain time frame.</a:t>
-            </a:r>
-          </a:p>
-          <a:p>
-            <a:pPr marL="342900" indent="-342900" algn="l">
-              <a:lnSpc>
-                <a:spcPct val="150000"/>
-              </a:lnSpc>
-              <a:buFont typeface="+mj-lt"/>
-              <a:buAutoNum type="arabicPeriod"/>
-            </a:pPr>
-            <a:r>
-              <a:rPr lang="en-US" b="0" i="0" dirty="0">
-                <a:solidFill>
-                  <a:srgbClr val="2C3137"/>
-                </a:solidFill>
-                <a:effectLst/>
-                <a:latin typeface="Segoe UI" panose="020B0502040204020203" pitchFamily="34" charset="0"/>
-              </a:rPr>
-              <a:t>Predict if an in-service engine will fail in two different time windows.</a:t>
-            </a:r>
-          </a:p>
-          <a:p>
-            <a:endParaRPr lang="en-US" dirty="0"/>
+              <a:t> Predict if an in-service engine will fail in two different time windows.</a:t>
+            </a:r>
           </a:p>
         </p:txBody>
       </p:sp>
       <p:pic>
         <p:nvPicPr>
-          <p:cNvPr id="8" name="Picture 7">
-            <a:extLst>
-              <a:ext uri="{FF2B5EF4-FFF2-40B4-BE49-F238E27FC236}">
-                <a16:creationId xmlns:a16="http://schemas.microsoft.com/office/drawing/2014/main" id="{9C663BFA-36A3-47DF-AEF3-A0F5403720A6}"/>
+          <p:cNvPr id="3" name="Picture 2">
+            <a:extLst>
+              <a:ext uri="{FF2B5EF4-FFF2-40B4-BE49-F238E27FC236}">
+                <a16:creationId xmlns:a16="http://schemas.microsoft.com/office/drawing/2014/main" id="{8682F784-4D74-430A-AEE8-5AF3917E2F00}"/>
               </a:ext>
             </a:extLst>
           </p:cNvPr>
@@ -10274,8 +10632,8 @@
         </p:blipFill>
         <p:spPr>
           <a:xfrm>
-            <a:off x="3342727" y="2088572"/>
-            <a:ext cx="5847825" cy="1988895"/>
+            <a:off x="7645819" y="307577"/>
+            <a:ext cx="4255377" cy="6242845"/>
           </a:xfrm>
           <a:prstGeom prst="rect">
             <a:avLst/>
@@ -10285,7 +10643,7 @@
     </p:spTree>
     <p:extLst>
       <p:ext uri="{BB962C8B-B14F-4D97-AF65-F5344CB8AC3E}">
-        <p14:creationId xmlns:p14="http://schemas.microsoft.com/office/powerpoint/2010/main" val="2614082776"/>
+        <p14:creationId xmlns:p14="http://schemas.microsoft.com/office/powerpoint/2010/main" val="3492202985"/>
       </p:ext>
     </p:extLst>
   </p:cSld>
@@ -10317,7 +10675,7 @@
           <p:cNvPr id="2" name="Title 1">
             <a:extLst>
               <a:ext uri="{FF2B5EF4-FFF2-40B4-BE49-F238E27FC236}">
-                <a16:creationId xmlns:a16="http://schemas.microsoft.com/office/drawing/2014/main" id="{70DCD5D4-69A0-4740-A56A-F7865CA626E0}"/>
+                <a16:creationId xmlns:a16="http://schemas.microsoft.com/office/drawing/2014/main" id="{3A32260C-5143-4415-9C8A-16E83C81E887}"/>
               </a:ext>
             </a:extLst>
           </p:cNvPr>
@@ -10325,253 +10683,34 @@
             <a:spLocks noGrp="1"/>
           </p:cNvSpPr>
           <p:nvPr>
-            <p:ph type="title"/>
+            <p:ph type="ctrTitle"/>
           </p:nvPr>
         </p:nvSpPr>
         <p:spPr/>
         <p:txBody>
-          <a:bodyPr/>
+          <a:bodyPr>
+            <a:normAutofit/>
+          </a:bodyPr>
           <a:lstStyle/>
           <a:p>
             <a:r>
               <a:rPr lang="en-US" dirty="0"/>
-              <a:t>Predictive maintenance</a:t>
+              <a:t>Azure ML Team’s solution</a:t>
+            </a:r>
+            <a:br>
+              <a:rPr lang="en-US" dirty="0"/>
+            </a:br>
+            <a:r>
+              <a:rPr lang="en-US" sz="2700" dirty="0"/>
+              <a:t>(Using Azure machine learning studio)</a:t>
             </a:r>
           </a:p>
         </p:txBody>
       </p:sp>
-      <p:sp>
-        <p:nvSpPr>
-          <p:cNvPr id="6" name="TextBox 5">
-            <a:extLst>
-              <a:ext uri="{FF2B5EF4-FFF2-40B4-BE49-F238E27FC236}">
-                <a16:creationId xmlns:a16="http://schemas.microsoft.com/office/drawing/2014/main" id="{3AADC126-E627-412E-AA60-33AF4B6D8CA1}"/>
-              </a:ext>
-            </a:extLst>
-          </p:cNvPr>
-          <p:cNvSpPr txBox="1"/>
-          <p:nvPr/>
-        </p:nvSpPr>
-        <p:spPr>
-          <a:xfrm>
-            <a:off x="594360" y="1497330"/>
-            <a:ext cx="10759440" cy="3970318"/>
-          </a:xfrm>
-          <a:prstGeom prst="rect">
-            <a:avLst/>
-          </a:prstGeom>
-          <a:noFill/>
-        </p:spPr>
-        <p:txBody>
-          <a:bodyPr wrap="square" rtlCol="0">
-            <a:spAutoFit/>
-          </a:bodyPr>
-          <a:lstStyle/>
-          <a:p>
-            <a:pPr marL="342900" indent="-342900" algn="l">
-              <a:buFont typeface="+mj-lt"/>
-              <a:buAutoNum type="arabicPeriod"/>
-            </a:pPr>
-            <a:r>
-              <a:rPr lang="en-US" b="0" i="0" dirty="0">
-                <a:solidFill>
-                  <a:srgbClr val="2C3137"/>
-                </a:solidFill>
-                <a:effectLst/>
-                <a:latin typeface="Segoe UI" panose="020B0502040204020203" pitchFamily="34" charset="0"/>
-              </a:rPr>
-              <a:t>Predict the Remaining Useful Life (RUL).</a:t>
-            </a:r>
-          </a:p>
-          <a:p>
-            <a:pPr marL="342900" indent="-342900" algn="l">
-              <a:lnSpc>
-                <a:spcPct val="150000"/>
-              </a:lnSpc>
-              <a:buFont typeface="+mj-lt"/>
-              <a:buAutoNum type="arabicPeriod"/>
-            </a:pPr>
-            <a:r>
-              <a:rPr lang="en-US" b="0" i="0" dirty="0">
-                <a:solidFill>
-                  <a:srgbClr val="2C3137"/>
-                </a:solidFill>
-                <a:effectLst/>
-                <a:latin typeface="Segoe UI" panose="020B0502040204020203" pitchFamily="34" charset="0"/>
-              </a:rPr>
-              <a:t>Predict if an in-service </a:t>
-            </a:r>
-            <a:r>
-              <a:rPr lang="en-US" dirty="0">
-                <a:solidFill>
-                  <a:srgbClr val="2C3137"/>
-                </a:solidFill>
-                <a:latin typeface="Segoe UI" panose="020B0502040204020203" pitchFamily="34" charset="0"/>
-              </a:rPr>
-              <a:t>e</a:t>
-            </a:r>
-            <a:r>
-              <a:rPr lang="en-US" b="0" i="0" dirty="0">
-                <a:solidFill>
-                  <a:srgbClr val="2C3137"/>
-                </a:solidFill>
-                <a:effectLst/>
-                <a:latin typeface="Segoe UI" panose="020B0502040204020203" pitchFamily="34" charset="0"/>
-              </a:rPr>
-              <a:t>ngine will fail within certain time frame.</a:t>
-            </a:r>
-          </a:p>
-          <a:p>
-            <a:pPr marL="342900" indent="-342900" algn="l">
-              <a:lnSpc>
-                <a:spcPct val="150000"/>
-              </a:lnSpc>
-              <a:buFont typeface="+mj-lt"/>
-              <a:buAutoNum type="arabicPeriod"/>
-            </a:pPr>
-            <a:endParaRPr lang="en-US" dirty="0">
-              <a:solidFill>
-                <a:srgbClr val="2C3137"/>
-              </a:solidFill>
-              <a:latin typeface="Segoe UI" panose="020B0502040204020203" pitchFamily="34" charset="0"/>
-            </a:endParaRPr>
-          </a:p>
-          <a:p>
-            <a:pPr marL="342900" indent="-342900" algn="l">
-              <a:lnSpc>
-                <a:spcPct val="150000"/>
-              </a:lnSpc>
-              <a:buFont typeface="+mj-lt"/>
-              <a:buAutoNum type="arabicPeriod"/>
-            </a:pPr>
-            <a:endParaRPr lang="en-US" dirty="0">
-              <a:solidFill>
-                <a:srgbClr val="2C3137"/>
-              </a:solidFill>
-              <a:latin typeface="Segoe UI" panose="020B0502040204020203" pitchFamily="34" charset="0"/>
-            </a:endParaRPr>
-          </a:p>
-          <a:p>
-            <a:pPr marL="342900" indent="-342900" algn="l">
-              <a:lnSpc>
-                <a:spcPct val="150000"/>
-              </a:lnSpc>
-              <a:buFont typeface="+mj-lt"/>
-              <a:buAutoNum type="arabicPeriod"/>
-            </a:pPr>
-            <a:endParaRPr lang="en-US" dirty="0">
-              <a:solidFill>
-                <a:srgbClr val="2C3137"/>
-              </a:solidFill>
-              <a:latin typeface="Segoe UI" panose="020B0502040204020203" pitchFamily="34" charset="0"/>
-            </a:endParaRPr>
-          </a:p>
-          <a:p>
-            <a:pPr marL="342900" indent="-342900" algn="l">
-              <a:lnSpc>
-                <a:spcPct val="150000"/>
-              </a:lnSpc>
-              <a:buFont typeface="+mj-lt"/>
-              <a:buAutoNum type="arabicPeriod"/>
-            </a:pPr>
-            <a:endParaRPr lang="en-US" b="0" i="0" dirty="0">
-              <a:solidFill>
-                <a:srgbClr val="2C3137"/>
-              </a:solidFill>
-              <a:effectLst/>
-              <a:latin typeface="Segoe UI" panose="020B0502040204020203" pitchFamily="34" charset="0"/>
-            </a:endParaRPr>
-          </a:p>
-          <a:p>
-            <a:pPr marL="342900" indent="-342900" algn="l">
-              <a:lnSpc>
-                <a:spcPct val="150000"/>
-              </a:lnSpc>
-              <a:buFont typeface="+mj-lt"/>
-              <a:buAutoNum type="arabicPeriod"/>
-            </a:pPr>
-            <a:endParaRPr lang="en-US" b="0" i="0" dirty="0">
-              <a:solidFill>
-                <a:srgbClr val="2C3137"/>
-              </a:solidFill>
-              <a:effectLst/>
-              <a:latin typeface="Segoe UI" panose="020B0502040204020203" pitchFamily="34" charset="0"/>
-            </a:endParaRPr>
-          </a:p>
-          <a:p>
-            <a:pPr marL="342900" indent="-342900" algn="l">
-              <a:lnSpc>
-                <a:spcPct val="150000"/>
-              </a:lnSpc>
-              <a:buFont typeface="+mj-lt"/>
-              <a:buAutoNum type="arabicPeriod"/>
-            </a:pPr>
-            <a:endParaRPr lang="en-US" b="0" i="0" dirty="0">
-              <a:solidFill>
-                <a:srgbClr val="2C3137"/>
-              </a:solidFill>
-              <a:effectLst/>
-              <a:latin typeface="Segoe UI" panose="020B0502040204020203" pitchFamily="34" charset="0"/>
-            </a:endParaRPr>
-          </a:p>
-          <a:p>
-            <a:pPr marL="342900" indent="-342900" algn="l">
-              <a:lnSpc>
-                <a:spcPct val="150000"/>
-              </a:lnSpc>
-              <a:buFont typeface="+mj-lt"/>
-              <a:buAutoNum type="arabicPeriod"/>
-            </a:pPr>
-            <a:r>
-              <a:rPr lang="en-US" b="0" i="0" dirty="0">
-                <a:solidFill>
-                  <a:srgbClr val="2C3137"/>
-                </a:solidFill>
-                <a:effectLst/>
-                <a:latin typeface="Segoe UI" panose="020B0502040204020203" pitchFamily="34" charset="0"/>
-              </a:rPr>
-              <a:t>Predict if an in-service engine will fail in two different time windows.</a:t>
-            </a:r>
-          </a:p>
-          <a:p>
-            <a:endParaRPr lang="en-US" dirty="0"/>
-          </a:p>
-        </p:txBody>
-      </p:sp>
-      <p:pic>
-        <p:nvPicPr>
-          <p:cNvPr id="4" name="Picture 3">
-            <a:extLst>
-              <a:ext uri="{FF2B5EF4-FFF2-40B4-BE49-F238E27FC236}">
-                <a16:creationId xmlns:a16="http://schemas.microsoft.com/office/drawing/2014/main" id="{EA11E314-D369-4696-9B24-E832D5C92E45}"/>
-              </a:ext>
-            </a:extLst>
-          </p:cNvPr>
-          <p:cNvPicPr>
-            <a:picLocks noChangeAspect="1"/>
-          </p:cNvPicPr>
-          <p:nvPr/>
-        </p:nvPicPr>
-        <p:blipFill>
-          <a:blip r:embed="rId2"/>
-          <a:stretch>
-            <a:fillRect/>
-          </a:stretch>
-        </p:blipFill>
-        <p:spPr>
-          <a:xfrm>
-            <a:off x="3346704" y="2424112"/>
-            <a:ext cx="4629150" cy="2009775"/>
-          </a:xfrm>
-          <a:prstGeom prst="rect">
-            <a:avLst/>
-          </a:prstGeom>
-        </p:spPr>
-      </p:pic>
     </p:spTree>
     <p:extLst>
       <p:ext uri="{BB962C8B-B14F-4D97-AF65-F5344CB8AC3E}">
-        <p14:creationId xmlns:p14="http://schemas.microsoft.com/office/powerpoint/2010/main" val="3231558467"/>
+        <p14:creationId xmlns:p14="http://schemas.microsoft.com/office/powerpoint/2010/main" val="2084953151"/>
       </p:ext>
     </p:extLst>
   </p:cSld>
@@ -10621,7 +10760,7 @@
           <a:p>
             <a:r>
               <a:rPr lang="en-US" dirty="0"/>
-              <a:t>Predictive maintenance – Case example</a:t>
+              <a:t>Predictive maintenance</a:t>
             </a:r>
           </a:p>
         </p:txBody>
@@ -10641,7 +10780,7 @@
         <p:spPr>
           <a:xfrm>
             <a:off x="594360" y="1497330"/>
-            <a:ext cx="10759440" cy="3139321"/>
+            <a:ext cx="10759440" cy="3970318"/>
           </a:xfrm>
           <a:prstGeom prst="rect">
             <a:avLst/>
@@ -10671,66 +10810,6 @@
           </a:p>
           <a:p>
             <a:pPr marL="342900" indent="-342900" algn="l">
-              <a:lnSpc>
-                <a:spcPct val="150000"/>
-              </a:lnSpc>
-              <a:buFont typeface="+mj-lt"/>
-              <a:buAutoNum type="arabicPeriod"/>
-            </a:pPr>
-            <a:r>
-              <a:rPr lang="en-US" b="0" i="0" dirty="0">
-                <a:solidFill>
-                  <a:srgbClr val="2C3137"/>
-                </a:solidFill>
-                <a:effectLst/>
-                <a:latin typeface="Segoe UI" panose="020B0502040204020203" pitchFamily="34" charset="0"/>
-              </a:rPr>
-              <a:t>Predict if an in-service </a:t>
-            </a:r>
-            <a:r>
-              <a:rPr lang="en-US" dirty="0">
-                <a:solidFill>
-                  <a:srgbClr val="2C3137"/>
-                </a:solidFill>
-                <a:latin typeface="Segoe UI" panose="020B0502040204020203" pitchFamily="34" charset="0"/>
-              </a:rPr>
-              <a:t>e</a:t>
-            </a:r>
-            <a:r>
-              <a:rPr lang="en-US" b="0" i="0" dirty="0">
-                <a:solidFill>
-                  <a:srgbClr val="2C3137"/>
-                </a:solidFill>
-                <a:effectLst/>
-                <a:latin typeface="Segoe UI" panose="020B0502040204020203" pitchFamily="34" charset="0"/>
-              </a:rPr>
-              <a:t>ngine will fail within certain time frame.</a:t>
-            </a:r>
-          </a:p>
-          <a:p>
-            <a:pPr marL="342900" indent="-342900" algn="l">
-              <a:lnSpc>
-                <a:spcPct val="150000"/>
-              </a:lnSpc>
-              <a:buFont typeface="+mj-lt"/>
-              <a:buAutoNum type="arabicPeriod"/>
-            </a:pPr>
-            <a:r>
-              <a:rPr lang="en-US" b="0" i="0" dirty="0">
-                <a:solidFill>
-                  <a:srgbClr val="2C3137"/>
-                </a:solidFill>
-                <a:effectLst/>
-                <a:latin typeface="Segoe UI" panose="020B0502040204020203" pitchFamily="34" charset="0"/>
-              </a:rPr>
-              <a:t>Predict if an in-service engine will fail in two different time windows.</a:t>
-            </a:r>
-          </a:p>
-          <a:p>
-            <a:pPr marL="342900" indent="-342900" algn="l">
-              <a:lnSpc>
-                <a:spcPct val="150000"/>
-              </a:lnSpc>
               <a:buFont typeface="+mj-lt"/>
               <a:buAutoNum type="arabicPeriod"/>
             </a:pPr>
@@ -10743,9 +10822,6 @@
           </a:p>
           <a:p>
             <a:pPr marL="342900" indent="-342900" algn="l">
-              <a:lnSpc>
-                <a:spcPct val="150000"/>
-              </a:lnSpc>
               <a:buFont typeface="+mj-lt"/>
               <a:buAutoNum type="arabicPeriod"/>
             </a:pPr>
@@ -10759,9 +10835,6 @@
           </a:p>
           <a:p>
             <a:pPr marL="342900" indent="-342900" algn="l">
-              <a:lnSpc>
-                <a:spcPct val="150000"/>
-              </a:lnSpc>
               <a:buFont typeface="+mj-lt"/>
               <a:buAutoNum type="arabicPeriod"/>
             </a:pPr>
@@ -10774,9 +10847,6 @@
           </a:p>
           <a:p>
             <a:pPr marL="342900" indent="-342900" algn="l">
-              <a:lnSpc>
-                <a:spcPct val="150000"/>
-              </a:lnSpc>
               <a:buFont typeface="+mj-lt"/>
               <a:buAutoNum type="arabicPeriod"/>
             </a:pPr>
@@ -10789,16 +10859,136 @@
             </a:endParaRPr>
           </a:p>
           <a:p>
+            <a:pPr marL="342900" indent="-342900" algn="l">
+              <a:buFont typeface="+mj-lt"/>
+              <a:buAutoNum type="arabicPeriod"/>
+            </a:pPr>
+            <a:endParaRPr lang="en-US" dirty="0">
+              <a:solidFill>
+                <a:srgbClr val="2C3137"/>
+              </a:solidFill>
+              <a:latin typeface="Segoe UI" panose="020B0502040204020203" pitchFamily="34" charset="0"/>
+            </a:endParaRPr>
+          </a:p>
+          <a:p>
+            <a:pPr marL="342900" indent="-342900" algn="l">
+              <a:buFont typeface="+mj-lt"/>
+              <a:buAutoNum type="arabicPeriod"/>
+            </a:pPr>
+            <a:endParaRPr lang="en-US" b="0" i="0" dirty="0">
+              <a:solidFill>
+                <a:srgbClr val="2C3137"/>
+              </a:solidFill>
+              <a:effectLst/>
+              <a:latin typeface="Segoe UI" panose="020B0502040204020203" pitchFamily="34" charset="0"/>
+            </a:endParaRPr>
+          </a:p>
+          <a:p>
+            <a:pPr marL="342900" indent="-342900" algn="l">
+              <a:buFont typeface="+mj-lt"/>
+              <a:buAutoNum type="arabicPeriod"/>
+            </a:pPr>
+            <a:endParaRPr lang="en-US" dirty="0">
+              <a:solidFill>
+                <a:srgbClr val="2C3137"/>
+              </a:solidFill>
+              <a:latin typeface="Segoe UI" panose="020B0502040204020203" pitchFamily="34" charset="0"/>
+            </a:endParaRPr>
+          </a:p>
+          <a:p>
+            <a:pPr marL="342900" indent="-342900" algn="l">
+              <a:buFont typeface="+mj-lt"/>
+              <a:buAutoNum type="arabicPeriod"/>
+            </a:pPr>
+            <a:endParaRPr lang="en-US" b="0" i="0" dirty="0">
+              <a:solidFill>
+                <a:srgbClr val="2C3137"/>
+              </a:solidFill>
+              <a:effectLst/>
+              <a:latin typeface="Segoe UI" panose="020B0502040204020203" pitchFamily="34" charset="0"/>
+            </a:endParaRPr>
+          </a:p>
+          <a:p>
+            <a:pPr marL="342900" indent="-342900" algn="l">
+              <a:buFont typeface="+mj-lt"/>
+              <a:buAutoNum type="arabicPeriod"/>
+            </a:pPr>
+            <a:endParaRPr lang="en-US" b="0" i="0" dirty="0">
+              <a:solidFill>
+                <a:srgbClr val="2C3137"/>
+              </a:solidFill>
+              <a:effectLst/>
+              <a:latin typeface="Segoe UI" panose="020B0502040204020203" pitchFamily="34" charset="0"/>
+            </a:endParaRPr>
+          </a:p>
+          <a:p>
+            <a:pPr marL="342900" indent="-342900" algn="l">
+              <a:lnSpc>
+                <a:spcPct val="150000"/>
+              </a:lnSpc>
+              <a:buFont typeface="+mj-lt"/>
+              <a:buAutoNum type="arabicPeriod"/>
+            </a:pPr>
+            <a:r>
+              <a:rPr lang="en-US" b="0" i="0" dirty="0">
+                <a:solidFill>
+                  <a:srgbClr val="2C3137"/>
+                </a:solidFill>
+                <a:effectLst/>
+                <a:latin typeface="Segoe UI" panose="020B0502040204020203" pitchFamily="34" charset="0"/>
+              </a:rPr>
+              <a:t>Predict if an in-service </a:t>
+            </a:r>
+            <a:r>
+              <a:rPr lang="en-US" dirty="0">
+                <a:solidFill>
+                  <a:srgbClr val="2C3137"/>
+                </a:solidFill>
+                <a:latin typeface="Segoe UI" panose="020B0502040204020203" pitchFamily="34" charset="0"/>
+              </a:rPr>
+              <a:t>e</a:t>
+            </a:r>
+            <a:r>
+              <a:rPr lang="en-US" b="0" i="0" dirty="0">
+                <a:solidFill>
+                  <a:srgbClr val="2C3137"/>
+                </a:solidFill>
+                <a:effectLst/>
+                <a:latin typeface="Segoe UI" panose="020B0502040204020203" pitchFamily="34" charset="0"/>
+              </a:rPr>
+              <a:t>ngine will fail within certain time frame.</a:t>
+            </a:r>
+          </a:p>
+          <a:p>
+            <a:pPr marL="342900" indent="-342900" algn="l">
+              <a:lnSpc>
+                <a:spcPct val="150000"/>
+              </a:lnSpc>
+              <a:buFont typeface="+mj-lt"/>
+              <a:buAutoNum type="arabicPeriod"/>
+            </a:pPr>
+            <a:r>
+              <a:rPr lang="en-US" b="0" i="0" dirty="0">
+                <a:solidFill>
+                  <a:srgbClr val="2C3137"/>
+                </a:solidFill>
+                <a:effectLst/>
+                <a:latin typeface="Segoe UI" panose="020B0502040204020203" pitchFamily="34" charset="0"/>
+              </a:rPr>
+              <a:t>Predict if an in-service engine will fail in two different time windows.</a:t>
+            </a:r>
+          </a:p>
+          <a:p>
             <a:endParaRPr lang="en-US" dirty="0"/>
           </a:p>
         </p:txBody>
       </p:sp>
       <p:pic>
         <p:nvPicPr>
-          <p:cNvPr id="5" name="Picture 4">
-            <a:extLst>
-              <a:ext uri="{FF2B5EF4-FFF2-40B4-BE49-F238E27FC236}">
-                <a16:creationId xmlns:a16="http://schemas.microsoft.com/office/drawing/2014/main" id="{8ED47F2B-CC54-4E24-B9BE-EAFBA4032767}"/>
+          <p:cNvPr id="8" name="Picture 7">
+            <a:extLst>
+              <a:ext uri="{FF2B5EF4-FFF2-40B4-BE49-F238E27FC236}">
+                <a16:creationId xmlns:a16="http://schemas.microsoft.com/office/drawing/2014/main" id="{9C663BFA-36A3-47DF-AEF3-A0F5403720A6}"/>
               </a:ext>
             </a:extLst>
           </p:cNvPr>
@@ -10815,8 +11005,8 @@
         </p:blipFill>
         <p:spPr>
           <a:xfrm>
-            <a:off x="3346704" y="3066990"/>
-            <a:ext cx="7029450" cy="2124075"/>
+            <a:off x="3342727" y="2088572"/>
+            <a:ext cx="5847825" cy="1988895"/>
           </a:xfrm>
           <a:prstGeom prst="rect">
             <a:avLst/>
@@ -10826,7 +11016,7 @@
     </p:spTree>
     <p:extLst>
       <p:ext uri="{BB962C8B-B14F-4D97-AF65-F5344CB8AC3E}">
-        <p14:creationId xmlns:p14="http://schemas.microsoft.com/office/powerpoint/2010/main" val="2728061714"/>
+        <p14:creationId xmlns:p14="http://schemas.microsoft.com/office/powerpoint/2010/main" val="2614082776"/>
       </p:ext>
     </p:extLst>
   </p:cSld>
